--- a/courses/apcsp/lect10.pptx
+++ b/courses/apcsp/lect10.pptx
@@ -17,17 +17,20 @@
     <p:sldId id="549" r:id="rId11"/>
     <p:sldId id="346" r:id="rId12"/>
     <p:sldId id="327" r:id="rId13"/>
-    <p:sldId id="322" r:id="rId14"/>
-    <p:sldId id="329" r:id="rId15"/>
-    <p:sldId id="330" r:id="rId16"/>
-    <p:sldId id="328" r:id="rId17"/>
-    <p:sldId id="337" r:id="rId18"/>
-    <p:sldId id="338" r:id="rId19"/>
-    <p:sldId id="343" r:id="rId20"/>
-    <p:sldId id="344" r:id="rId21"/>
-    <p:sldId id="345" r:id="rId22"/>
-    <p:sldId id="546" r:id="rId23"/>
-    <p:sldId id="284" r:id="rId24"/>
+    <p:sldId id="552" r:id="rId14"/>
+    <p:sldId id="322" r:id="rId15"/>
+    <p:sldId id="329" r:id="rId16"/>
+    <p:sldId id="330" r:id="rId17"/>
+    <p:sldId id="328" r:id="rId18"/>
+    <p:sldId id="337" r:id="rId19"/>
+    <p:sldId id="338" r:id="rId20"/>
+    <p:sldId id="343" r:id="rId21"/>
+    <p:sldId id="344" r:id="rId22"/>
+    <p:sldId id="345" r:id="rId23"/>
+    <p:sldId id="546" r:id="rId24"/>
+    <p:sldId id="554" r:id="rId25"/>
+    <p:sldId id="555" r:id="rId26"/>
+    <p:sldId id="284" r:id="rId27"/>
   </p:sldIdLst>
   <p:sldSz cx="9144000" cy="5715000" type="screen16x10"/>
   <p:notesSz cx="6858000" cy="9144000"/>
@@ -137,7 +140,7 @@
 <file path=ppt/revisionInfo.xml><?xml version="1.0" encoding="utf-8"?>
 <p1510:revInfo xmlns:a="http://schemas.openxmlformats.org/drawingml/2006/main" xmlns:r="http://schemas.openxmlformats.org/officeDocument/2006/relationships" xmlns:p1510="http://schemas.microsoft.com/office/powerpoint/2015/10/main">
   <p1510:revLst>
-    <p1510:client id="{9106C150-98F3-4A4D-8F45-209642EE4ECC}" v="161" dt="2019-11-19T14:38:01.585"/>
+    <p1510:client id="{9106C150-98F3-4A4D-8F45-209642EE4ECC}" v="177" dt="2019-11-19T21:16:22.628"/>
   </p1510:revLst>
 </p1510:revInfo>
 </file>
@@ -463,8 +466,8 @@
   </pc:docChgLst>
   <pc:docChgLst>
     <pc:chgData name="Long B Nguyen" userId="f59fb8f3-a021-417a-8bc1-65c8d471c621" providerId="ADAL" clId="{9106C150-98F3-4A4D-8F45-209642EE4ECC}"/>
-    <pc:docChg chg="custSel addSld delSld modSld">
-      <pc:chgData name="Long B Nguyen" userId="f59fb8f3-a021-417a-8bc1-65c8d471c621" providerId="ADAL" clId="{9106C150-98F3-4A4D-8F45-209642EE4ECC}" dt="2019-11-19T14:43:52.958" v="3334" actId="20577"/>
+    <pc:docChg chg="undo custSel addSld delSld modSld">
+      <pc:chgData name="Long B Nguyen" userId="f59fb8f3-a021-417a-8bc1-65c8d471c621" providerId="ADAL" clId="{9106C150-98F3-4A4D-8F45-209642EE4ECC}" dt="2019-11-19T21:21:34.869" v="5416" actId="20577"/>
       <pc:docMkLst>
         <pc:docMk/>
       </pc:docMkLst>
@@ -519,6 +522,21 @@
           <pc:sldMk cId="3036972376" sldId="321"/>
         </pc:sldMkLst>
       </pc:sldChg>
+      <pc:sldChg chg="modSp">
+        <pc:chgData name="Long B Nguyen" userId="f59fb8f3-a021-417a-8bc1-65c8d471c621" providerId="ADAL" clId="{9106C150-98F3-4A4D-8F45-209642EE4ECC}" dt="2019-11-19T20:45:52.595" v="3339" actId="20577"/>
+        <pc:sldMkLst>
+          <pc:docMk/>
+          <pc:sldMk cId="4152429118" sldId="322"/>
+        </pc:sldMkLst>
+        <pc:spChg chg="mod">
+          <ac:chgData name="Long B Nguyen" userId="f59fb8f3-a021-417a-8bc1-65c8d471c621" providerId="ADAL" clId="{9106C150-98F3-4A4D-8F45-209642EE4ECC}" dt="2019-11-19T20:45:52.595" v="3339" actId="20577"/>
+          <ac:spMkLst>
+            <pc:docMk/>
+            <pc:sldMk cId="4152429118" sldId="322"/>
+            <ac:spMk id="4" creationId="{70EEB9B0-9A64-434C-B9B2-E059EA235812}"/>
+          </ac:spMkLst>
+        </pc:spChg>
+      </pc:sldChg>
       <pc:sldChg chg="del">
         <pc:chgData name="Long B Nguyen" userId="f59fb8f3-a021-417a-8bc1-65c8d471c621" providerId="ADAL" clId="{9106C150-98F3-4A4D-8F45-209642EE4ECC}" dt="2019-11-19T12:53:54.615" v="20" actId="2696"/>
         <pc:sldMkLst>
@@ -548,6 +566,53 @@
             <ac:spMk id="9" creationId="{E3B2E017-30B2-884B-A113-B419A2ED51AD}"/>
           </ac:spMkLst>
         </pc:spChg>
+      </pc:sldChg>
+      <pc:sldChg chg="addSp delSp modSp">
+        <pc:chgData name="Long B Nguyen" userId="f59fb8f3-a021-417a-8bc1-65c8d471c621" providerId="ADAL" clId="{9106C150-98F3-4A4D-8F45-209642EE4ECC}" dt="2019-11-19T20:52:50.851" v="3720" actId="14100"/>
+        <pc:sldMkLst>
+          <pc:docMk/>
+          <pc:sldMk cId="3699191075" sldId="329"/>
+        </pc:sldMkLst>
+        <pc:spChg chg="add mod">
+          <ac:chgData name="Long B Nguyen" userId="f59fb8f3-a021-417a-8bc1-65c8d471c621" providerId="ADAL" clId="{9106C150-98F3-4A4D-8F45-209642EE4ECC}" dt="2019-11-19T20:52:20.467" v="3712" actId="1076"/>
+          <ac:spMkLst>
+            <pc:docMk/>
+            <pc:sldMk cId="3699191075" sldId="329"/>
+            <ac:spMk id="4" creationId="{995EFF47-3A51-8740-8E38-6BAA2B359A4D}"/>
+          </ac:spMkLst>
+        </pc:spChg>
+        <pc:spChg chg="mod">
+          <ac:chgData name="Long B Nguyen" userId="f59fb8f3-a021-417a-8bc1-65c8d471c621" providerId="ADAL" clId="{9106C150-98F3-4A4D-8F45-209642EE4ECC}" dt="2019-11-19T20:52:15.225" v="3711" actId="20577"/>
+          <ac:spMkLst>
+            <pc:docMk/>
+            <pc:sldMk cId="3699191075" sldId="329"/>
+            <ac:spMk id="9" creationId="{E3B2E017-30B2-884B-A113-B419A2ED51AD}"/>
+          </ac:spMkLst>
+        </pc:spChg>
+        <pc:spChg chg="add del mod">
+          <ac:chgData name="Long B Nguyen" userId="f59fb8f3-a021-417a-8bc1-65c8d471c621" providerId="ADAL" clId="{9106C150-98F3-4A4D-8F45-209642EE4ECC}" dt="2019-11-19T20:52:41.932" v="3717" actId="478"/>
+          <ac:spMkLst>
+            <pc:docMk/>
+            <pc:sldMk cId="3699191075" sldId="329"/>
+            <ac:spMk id="12" creationId="{730D04DC-8FF1-CC4E-9C9F-C337E0300AD3}"/>
+          </ac:spMkLst>
+        </pc:spChg>
+        <pc:cxnChg chg="add mod">
+          <ac:chgData name="Long B Nguyen" userId="f59fb8f3-a021-417a-8bc1-65c8d471c621" providerId="ADAL" clId="{9106C150-98F3-4A4D-8F45-209642EE4ECC}" dt="2019-11-19T20:52:24.104" v="3714" actId="14100"/>
+          <ac:cxnSpMkLst>
+            <pc:docMk/>
+            <pc:sldMk cId="3699191075" sldId="329"/>
+            <ac:cxnSpMk id="5" creationId="{C41707F8-6B76-8A4B-8787-107685A58784}"/>
+          </ac:cxnSpMkLst>
+        </pc:cxnChg>
+        <pc:cxnChg chg="add mod">
+          <ac:chgData name="Long B Nguyen" userId="f59fb8f3-a021-417a-8bc1-65c8d471c621" providerId="ADAL" clId="{9106C150-98F3-4A4D-8F45-209642EE4ECC}" dt="2019-11-19T20:52:50.851" v="3720" actId="14100"/>
+          <ac:cxnSpMkLst>
+            <pc:docMk/>
+            <pc:sldMk cId="3699191075" sldId="329"/>
+            <ac:cxnSpMk id="13" creationId="{20472F1F-40CC-5C40-9C92-BFDC56F7606A}"/>
+          </ac:cxnSpMkLst>
+        </pc:cxnChg>
       </pc:sldChg>
       <pc:sldChg chg="del">
         <pc:chgData name="Long B Nguyen" userId="f59fb8f3-a021-417a-8bc1-65c8d471c621" providerId="ADAL" clId="{9106C150-98F3-4A4D-8F45-209642EE4ECC}" dt="2019-11-19T12:53:54.595" v="14" actId="2696"/>
@@ -794,13 +859,13 @@
         </pc:cxnChg>
       </pc:sldChg>
       <pc:sldChg chg="modSp add">
-        <pc:chgData name="Long B Nguyen" userId="f59fb8f3-a021-417a-8bc1-65c8d471c621" providerId="ADAL" clId="{9106C150-98F3-4A4D-8F45-209642EE4ECC}" dt="2019-11-19T14:43:52.958" v="3334" actId="20577"/>
+        <pc:chgData name="Long B Nguyen" userId="f59fb8f3-a021-417a-8bc1-65c8d471c621" providerId="ADAL" clId="{9106C150-98F3-4A4D-8F45-209642EE4ECC}" dt="2019-11-19T21:12:42.598" v="4749" actId="20577"/>
         <pc:sldMkLst>
           <pc:docMk/>
           <pc:sldMk cId="1817244991" sldId="546"/>
         </pc:sldMkLst>
         <pc:spChg chg="mod">
-          <ac:chgData name="Long B Nguyen" userId="f59fb8f3-a021-417a-8bc1-65c8d471c621" providerId="ADAL" clId="{9106C150-98F3-4A4D-8F45-209642EE4ECC}" dt="2019-11-19T14:43:52.958" v="3334" actId="20577"/>
+          <ac:chgData name="Long B Nguyen" userId="f59fb8f3-a021-417a-8bc1-65c8d471c621" providerId="ADAL" clId="{9106C150-98F3-4A4D-8F45-209642EE4ECC}" dt="2019-11-19T21:12:42.598" v="4749" actId="20577"/>
           <ac:spMkLst>
             <pc:docMk/>
             <pc:sldMk cId="1817244991" sldId="546"/>
@@ -972,6 +1037,66 @@
             <ac:cxnSpMk id="10" creationId="{537BDC33-F43E-1C46-93C4-84D3D7AC160F}"/>
           </ac:cxnSpMkLst>
         </pc:cxnChg>
+      </pc:sldChg>
+      <pc:sldChg chg="add">
+        <pc:chgData name="Long B Nguyen" userId="f59fb8f3-a021-417a-8bc1-65c8d471c621" providerId="ADAL" clId="{9106C150-98F3-4A4D-8F45-209642EE4ECC}" dt="2019-11-19T20:53:53.296" v="3721"/>
+        <pc:sldMkLst>
+          <pc:docMk/>
+          <pc:sldMk cId="1327020864" sldId="552"/>
+        </pc:sldMkLst>
+      </pc:sldChg>
+      <pc:sldChg chg="modSp add del">
+        <pc:chgData name="Long B Nguyen" userId="f59fb8f3-a021-417a-8bc1-65c8d471c621" providerId="ADAL" clId="{9106C150-98F3-4A4D-8F45-209642EE4ECC}" dt="2019-11-19T21:12:38.797" v="4748" actId="2696"/>
+        <pc:sldMkLst>
+          <pc:docMk/>
+          <pc:sldMk cId="4188167011" sldId="553"/>
+        </pc:sldMkLst>
+        <pc:spChg chg="mod">
+          <ac:chgData name="Long B Nguyen" userId="f59fb8f3-a021-417a-8bc1-65c8d471c621" providerId="ADAL" clId="{9106C150-98F3-4A4D-8F45-209642EE4ECC}" dt="2019-11-19T21:05:58.263" v="3863" actId="20577"/>
+          <ac:spMkLst>
+            <pc:docMk/>
+            <pc:sldMk cId="4188167011" sldId="553"/>
+            <ac:spMk id="2" creationId="{AA3A228F-61D0-D949-A5E7-F83756230BF8}"/>
+          </ac:spMkLst>
+        </pc:spChg>
+        <pc:spChg chg="mod">
+          <ac:chgData name="Long B Nguyen" userId="f59fb8f3-a021-417a-8bc1-65c8d471c621" providerId="ADAL" clId="{9106C150-98F3-4A4D-8F45-209642EE4ECC}" dt="2019-11-19T21:10:27.028" v="4503" actId="20577"/>
+          <ac:spMkLst>
+            <pc:docMk/>
+            <pc:sldMk cId="4188167011" sldId="553"/>
+            <ac:spMk id="9" creationId="{E3B2E017-30B2-884B-A113-B419A2ED51AD}"/>
+          </ac:spMkLst>
+        </pc:spChg>
+      </pc:sldChg>
+      <pc:sldChg chg="modSp add">
+        <pc:chgData name="Long B Nguyen" userId="f59fb8f3-a021-417a-8bc1-65c8d471c621" providerId="ADAL" clId="{9106C150-98F3-4A4D-8F45-209642EE4ECC}" dt="2019-11-19T21:18:59.893" v="5157" actId="20577"/>
+        <pc:sldMkLst>
+          <pc:docMk/>
+          <pc:sldMk cId="599272677" sldId="554"/>
+        </pc:sldMkLst>
+        <pc:spChg chg="mod">
+          <ac:chgData name="Long B Nguyen" userId="f59fb8f3-a021-417a-8bc1-65c8d471c621" providerId="ADAL" clId="{9106C150-98F3-4A4D-8F45-209642EE4ECC}" dt="2019-11-19T21:18:59.893" v="5157" actId="20577"/>
+          <ac:spMkLst>
+            <pc:docMk/>
+            <pc:sldMk cId="599272677" sldId="554"/>
+            <ac:spMk id="9" creationId="{E3B2E017-30B2-884B-A113-B419A2ED51AD}"/>
+          </ac:spMkLst>
+        </pc:spChg>
+      </pc:sldChg>
+      <pc:sldChg chg="modSp add">
+        <pc:chgData name="Long B Nguyen" userId="f59fb8f3-a021-417a-8bc1-65c8d471c621" providerId="ADAL" clId="{9106C150-98F3-4A4D-8F45-209642EE4ECC}" dt="2019-11-19T21:21:34.869" v="5416" actId="20577"/>
+        <pc:sldMkLst>
+          <pc:docMk/>
+          <pc:sldMk cId="1222113615" sldId="555"/>
+        </pc:sldMkLst>
+        <pc:spChg chg="mod">
+          <ac:chgData name="Long B Nguyen" userId="f59fb8f3-a021-417a-8bc1-65c8d471c621" providerId="ADAL" clId="{9106C150-98F3-4A4D-8F45-209642EE4ECC}" dt="2019-11-19T21:21:34.869" v="5416" actId="20577"/>
+          <ac:spMkLst>
+            <pc:docMk/>
+            <pc:sldMk cId="1222113615" sldId="555"/>
+            <ac:spMk id="9" creationId="{E3B2E017-30B2-884B-A113-B419A2ED51AD}"/>
+          </ac:spMkLst>
+        </pc:spChg>
       </pc:sldChg>
     </pc:docChg>
   </pc:docChgLst>
@@ -5730,6 +5855,192 @@
           <a:lstStyle/>
           <a:p>
             <a:r>
+              <a:rPr lang="en-US" dirty="0"/>
+              <a:t>Inheritance</a:t>
+            </a:r>
+          </a:p>
+        </p:txBody>
+      </p:sp>
+      <p:sp>
+        <p:nvSpPr>
+          <p:cNvPr id="9" name="Content Placeholder 8">
+            <a:extLst>
+              <a:ext uri="{FF2B5EF4-FFF2-40B4-BE49-F238E27FC236}">
+                <a16:creationId xmlns:a16="http://schemas.microsoft.com/office/drawing/2014/main" id="{E3B2E017-30B2-884B-A113-B419A2ED51AD}"/>
+              </a:ext>
+            </a:extLst>
+          </p:cNvPr>
+          <p:cNvSpPr>
+            <a:spLocks noGrp="1"/>
+          </p:cNvSpPr>
+          <p:nvPr>
+            <p:ph idx="1"/>
+          </p:nvPr>
+        </p:nvSpPr>
+        <p:spPr>
+          <a:xfrm>
+            <a:off x="483848" y="1150913"/>
+            <a:ext cx="8051725" cy="4251719"/>
+          </a:xfrm>
+        </p:spPr>
+        <p:txBody>
+          <a:bodyPr>
+            <a:noAutofit/>
+          </a:bodyPr>
+          <a:lstStyle/>
+          <a:p>
+            <a:pPr marL="0" indent="0">
+              <a:buNone/>
+            </a:pPr>
+            <a:r>
+              <a:rPr lang="en-US" dirty="0"/>
+              <a:t>Inheritance gives us the ability to create a new class based on an existing class. </a:t>
+            </a:r>
+          </a:p>
+          <a:p>
+            <a:pPr marL="0" indent="0">
+              <a:buNone/>
+            </a:pPr>
+            <a:endParaRPr lang="en-US" dirty="0"/>
+          </a:p>
+          <a:p>
+            <a:pPr marL="0" indent="0">
+              <a:buNone/>
+            </a:pPr>
+            <a:r>
+              <a:rPr lang="en-US" dirty="0"/>
+              <a:t>Inheritance allows us to </a:t>
+            </a:r>
+            <a:r>
+              <a:rPr lang="en-US" b="1" dirty="0"/>
+              <a:t>reuse</a:t>
+            </a:r>
+            <a:r>
+              <a:rPr lang="en-US" dirty="0"/>
+              <a:t> the code from our existing class. </a:t>
+            </a:r>
+          </a:p>
+          <a:p>
+            <a:pPr marL="0" indent="0">
+              <a:buNone/>
+            </a:pPr>
+            <a:endParaRPr lang="en-US" dirty="0"/>
+          </a:p>
+          <a:p>
+            <a:pPr marL="0" indent="0">
+              <a:buNone/>
+            </a:pPr>
+            <a:r>
+              <a:rPr lang="en-US" dirty="0"/>
+              <a:t>For example, we can extend the Character class to another class: the Player class. The Character class is the </a:t>
+            </a:r>
+            <a:r>
+              <a:rPr lang="en-US" b="1" dirty="0"/>
+              <a:t>base class</a:t>
+            </a:r>
+            <a:r>
+              <a:rPr lang="en-US" dirty="0"/>
+              <a:t>, the </a:t>
+            </a:r>
+            <a:r>
+              <a:rPr lang="en-US" b="1" dirty="0"/>
+              <a:t>parent class </a:t>
+            </a:r>
+            <a:r>
+              <a:rPr lang="en-US" dirty="0"/>
+              <a:t>or the </a:t>
+            </a:r>
+            <a:r>
+              <a:rPr lang="en-US" b="1" dirty="0"/>
+              <a:t>superclass.</a:t>
+            </a:r>
+            <a:r>
+              <a:rPr lang="en-US" dirty="0"/>
+              <a:t> The Player class is a </a:t>
+            </a:r>
+            <a:r>
+              <a:rPr lang="en-US" b="1" dirty="0"/>
+              <a:t>subclass or child class </a:t>
+            </a:r>
+            <a:r>
+              <a:rPr lang="en-US" dirty="0"/>
+              <a:t>of Character. </a:t>
+            </a:r>
+          </a:p>
+          <a:p>
+            <a:pPr marL="0" indent="0">
+              <a:buNone/>
+            </a:pPr>
+            <a:endParaRPr lang="en-US" dirty="0"/>
+          </a:p>
+          <a:p>
+            <a:pPr marL="0" indent="0">
+              <a:buNone/>
+            </a:pPr>
+            <a:r>
+              <a:rPr lang="en-US" dirty="0"/>
+              <a:t>We can also create the Enemy class which also inherits from Character. </a:t>
+            </a:r>
+          </a:p>
+        </p:txBody>
+      </p:sp>
+    </p:spTree>
+    <p:extLst>
+      <p:ext uri="{BB962C8B-B14F-4D97-AF65-F5344CB8AC3E}">
+        <p14:creationId xmlns:p14="http://schemas.microsoft.com/office/powerpoint/2010/main" val="1327020864"/>
+      </p:ext>
+    </p:extLst>
+  </p:cSld>
+  <p:clrMapOvr>
+    <a:masterClrMapping/>
+  </p:clrMapOvr>
+</p:sld>
+</file>
+
+<file path=ppt/slides/slide14.xml><?xml version="1.0" encoding="utf-8"?>
+<p:sld xmlns:a="http://schemas.openxmlformats.org/drawingml/2006/main" xmlns:r="http://schemas.openxmlformats.org/officeDocument/2006/relationships" xmlns:p="http://schemas.openxmlformats.org/presentationml/2006/main">
+  <p:cSld>
+    <p:spTree>
+      <p:nvGrpSpPr>
+        <p:cNvPr id="1" name=""/>
+        <p:cNvGrpSpPr/>
+        <p:nvPr/>
+      </p:nvGrpSpPr>
+      <p:grpSpPr>
+        <a:xfrm>
+          <a:off x="0" y="0"/>
+          <a:ext cx="0" cy="0"/>
+          <a:chOff x="0" y="0"/>
+          <a:chExt cx="0" cy="0"/>
+        </a:xfrm>
+      </p:grpSpPr>
+      <p:sp>
+        <p:nvSpPr>
+          <p:cNvPr id="2" name="Title 1">
+            <a:extLst>
+              <a:ext uri="{FF2B5EF4-FFF2-40B4-BE49-F238E27FC236}">
+                <a16:creationId xmlns:a16="http://schemas.microsoft.com/office/drawing/2014/main" id="{AA3A228F-61D0-D949-A5E7-F83756230BF8}"/>
+              </a:ext>
+            </a:extLst>
+          </p:cNvPr>
+          <p:cNvSpPr>
+            <a:spLocks noGrp="1"/>
+          </p:cNvSpPr>
+          <p:nvPr>
+            <p:ph type="title"/>
+          </p:nvPr>
+        </p:nvSpPr>
+        <p:spPr>
+          <a:xfrm>
+            <a:off x="483848" y="467027"/>
+            <a:ext cx="7053542" cy="683886"/>
+          </a:xfrm>
+        </p:spPr>
+        <p:txBody>
+          <a:bodyPr/>
+          <a:lstStyle/>
+          <a:p>
+            <a:r>
               <a:rPr lang="en-US" dirty="0" err="1"/>
               <a:t>game.py</a:t>
             </a:r>
@@ -6630,443 +6941,6 @@
 </p:sld>
 </file>
 
-<file path=ppt/slides/slide14.xml><?xml version="1.0" encoding="utf-8"?>
-<p:sld xmlns:a="http://schemas.openxmlformats.org/drawingml/2006/main" xmlns:r="http://schemas.openxmlformats.org/officeDocument/2006/relationships" xmlns:p="http://schemas.openxmlformats.org/presentationml/2006/main">
-  <p:cSld>
-    <p:spTree>
-      <p:nvGrpSpPr>
-        <p:cNvPr id="1" name=""/>
-        <p:cNvGrpSpPr/>
-        <p:nvPr/>
-      </p:nvGrpSpPr>
-      <p:grpSpPr>
-        <a:xfrm>
-          <a:off x="0" y="0"/>
-          <a:ext cx="0" cy="0"/>
-          <a:chOff x="0" y="0"/>
-          <a:chExt cx="0" cy="0"/>
-        </a:xfrm>
-      </p:grpSpPr>
-      <p:sp>
-        <p:nvSpPr>
-          <p:cNvPr id="2" name="Title 1">
-            <a:extLst>
-              <a:ext uri="{FF2B5EF4-FFF2-40B4-BE49-F238E27FC236}">
-                <a16:creationId xmlns:a16="http://schemas.microsoft.com/office/drawing/2014/main" id="{AA3A228F-61D0-D949-A5E7-F83756230BF8}"/>
-              </a:ext>
-            </a:extLst>
-          </p:cNvPr>
-          <p:cNvSpPr>
-            <a:spLocks noGrp="1"/>
-          </p:cNvSpPr>
-          <p:nvPr>
-            <p:ph type="title"/>
-          </p:nvPr>
-        </p:nvSpPr>
-        <p:spPr>
-          <a:xfrm>
-            <a:off x="483848" y="467027"/>
-            <a:ext cx="7053542" cy="683886"/>
-          </a:xfrm>
-        </p:spPr>
-        <p:txBody>
-          <a:bodyPr/>
-          <a:lstStyle/>
-          <a:p>
-            <a:r>
-              <a:rPr lang="en-US" dirty="0" err="1"/>
-              <a:t>game.py</a:t>
-            </a:r>
-            <a:endParaRPr lang="en-US" dirty="0"/>
-          </a:p>
-        </p:txBody>
-      </p:sp>
-      <p:sp>
-        <p:nvSpPr>
-          <p:cNvPr id="9" name="Content Placeholder 8">
-            <a:extLst>
-              <a:ext uri="{FF2B5EF4-FFF2-40B4-BE49-F238E27FC236}">
-                <a16:creationId xmlns:a16="http://schemas.microsoft.com/office/drawing/2014/main" id="{E3B2E017-30B2-884B-A113-B419A2ED51AD}"/>
-              </a:ext>
-            </a:extLst>
-          </p:cNvPr>
-          <p:cNvSpPr>
-            <a:spLocks noGrp="1"/>
-          </p:cNvSpPr>
-          <p:nvPr>
-            <p:ph idx="1"/>
-          </p:nvPr>
-        </p:nvSpPr>
-        <p:spPr>
-          <a:xfrm>
-            <a:off x="483848" y="998483"/>
-            <a:ext cx="8051725" cy="4404149"/>
-          </a:xfrm>
-        </p:spPr>
-        <p:txBody>
-          <a:bodyPr>
-            <a:noAutofit/>
-          </a:bodyPr>
-          <a:lstStyle/>
-          <a:p>
-            <a:pPr marL="0" indent="0">
-              <a:buNone/>
-            </a:pPr>
-            <a:r>
-              <a:rPr lang="en-US" sz="1900" b="1" dirty="0">
-                <a:solidFill>
-                  <a:srgbClr val="000000"/>
-                </a:solidFill>
-                <a:latin typeface="Inconsolata Medium" panose="020B0609030003000000" pitchFamily="49" charset="77"/>
-              </a:rPr>
-              <a:t>class</a:t>
-            </a:r>
-            <a:r>
-              <a:rPr lang="en-US" sz="1900" b="1" dirty="0">
-                <a:latin typeface="Inconsolata Medium" panose="020B0609030003000000" pitchFamily="49" charset="77"/>
-              </a:rPr>
-              <a:t> </a:t>
-            </a:r>
-            <a:r>
-              <a:rPr lang="en-US" sz="1900" b="1" dirty="0">
-                <a:solidFill>
-                  <a:srgbClr val="0E84B5"/>
-                </a:solidFill>
-                <a:latin typeface="Inconsolata Medium" panose="020B0609030003000000" pitchFamily="49" charset="77"/>
-              </a:rPr>
-              <a:t>Enemy(Character)</a:t>
-            </a:r>
-            <a:r>
-              <a:rPr lang="en-US" sz="1900" b="1" dirty="0">
-                <a:latin typeface="Inconsolata Medium" panose="020B0609030003000000" pitchFamily="49" charset="77"/>
-              </a:rPr>
-              <a:t>: </a:t>
-            </a:r>
-          </a:p>
-          <a:p>
-            <a:pPr marL="0" indent="0">
-              <a:buNone/>
-            </a:pPr>
-            <a:r>
-              <a:rPr lang="en-US" sz="1900" b="1" dirty="0">
-                <a:solidFill>
-                  <a:srgbClr val="000000"/>
-                </a:solidFill>
-                <a:latin typeface="Inconsolata Medium" panose="020B0609030003000000" pitchFamily="49" charset="77"/>
-              </a:rPr>
-              <a:t>	def</a:t>
-            </a:r>
-            <a:r>
-              <a:rPr lang="en-US" sz="1900" b="1" dirty="0">
-                <a:latin typeface="Inconsolata Medium" panose="020B0609030003000000" pitchFamily="49" charset="77"/>
-              </a:rPr>
-              <a:t> </a:t>
-            </a:r>
-            <a:r>
-              <a:rPr lang="en-US" sz="1900" b="1" dirty="0">
-                <a:solidFill>
-                  <a:srgbClr val="06287E"/>
-                </a:solidFill>
-                <a:latin typeface="Inconsolata Medium" panose="020B0609030003000000" pitchFamily="49" charset="77"/>
-              </a:rPr>
-              <a:t>__</a:t>
-            </a:r>
-            <a:r>
-              <a:rPr lang="en-US" sz="1900" b="1" dirty="0" err="1">
-                <a:solidFill>
-                  <a:srgbClr val="06287E"/>
-                </a:solidFill>
-                <a:latin typeface="Inconsolata Medium" panose="020B0609030003000000" pitchFamily="49" charset="77"/>
-              </a:rPr>
-              <a:t>init</a:t>
-            </a:r>
-            <a:r>
-              <a:rPr lang="en-US" sz="1900" b="1" dirty="0">
-                <a:solidFill>
-                  <a:srgbClr val="06287E"/>
-                </a:solidFill>
-                <a:latin typeface="Inconsolata Medium" panose="020B0609030003000000" pitchFamily="49" charset="77"/>
-              </a:rPr>
-              <a:t>__</a:t>
-            </a:r>
-            <a:r>
-              <a:rPr lang="en-US" sz="1900" b="1" dirty="0">
-                <a:latin typeface="Inconsolata Medium" panose="020B0609030003000000" pitchFamily="49" charset="77"/>
-              </a:rPr>
-              <a:t>(</a:t>
-            </a:r>
-            <a:r>
-              <a:rPr lang="en-US" sz="1900" b="1" dirty="0">
-                <a:solidFill>
-                  <a:srgbClr val="004BD7"/>
-                </a:solidFill>
-                <a:latin typeface="Inconsolata Medium" panose="020B0609030003000000" pitchFamily="49" charset="77"/>
-              </a:rPr>
-              <a:t>self, name, x, speed</a:t>
-            </a:r>
-            <a:r>
-              <a:rPr lang="en-US" sz="1900" b="1" dirty="0">
-                <a:latin typeface="Inconsolata Medium" panose="020B0609030003000000" pitchFamily="49" charset="77"/>
-              </a:rPr>
-              <a:t>): 	</a:t>
-            </a:r>
-          </a:p>
-          <a:p>
-            <a:pPr marL="0" indent="0">
-              <a:buNone/>
-            </a:pPr>
-            <a:r>
-              <a:rPr lang="en-US" sz="1900" b="1" dirty="0">
-                <a:latin typeface="Inconsolata Medium" panose="020B0609030003000000" pitchFamily="49" charset="77"/>
-              </a:rPr>
-              <a:t>		</a:t>
-            </a:r>
-            <a:r>
-              <a:rPr lang="en-US" sz="1900" b="1" dirty="0">
-                <a:solidFill>
-                  <a:srgbClr val="004BD7"/>
-                </a:solidFill>
-                <a:latin typeface="Inconsolata Medium" panose="020B0609030003000000" pitchFamily="49" charset="77"/>
-              </a:rPr>
-              <a:t>super().__</a:t>
-            </a:r>
-            <a:r>
-              <a:rPr lang="en-US" sz="1900" b="1" dirty="0" err="1">
-                <a:solidFill>
-                  <a:srgbClr val="004BD7"/>
-                </a:solidFill>
-                <a:latin typeface="Inconsolata Medium" panose="020B0609030003000000" pitchFamily="49" charset="77"/>
-              </a:rPr>
-              <a:t>init</a:t>
-            </a:r>
-            <a:r>
-              <a:rPr lang="en-US" sz="1900" b="1" dirty="0">
-                <a:solidFill>
-                  <a:srgbClr val="004BD7"/>
-                </a:solidFill>
-                <a:latin typeface="Inconsolata Medium" panose="020B0609030003000000" pitchFamily="49" charset="77"/>
-              </a:rPr>
-              <a:t>__(name, x, speed)</a:t>
-            </a:r>
-            <a:r>
-              <a:rPr lang="en-US" sz="1900" b="1" dirty="0">
-                <a:latin typeface="Inconsolata Medium" panose="020B0609030003000000" pitchFamily="49" charset="77"/>
-              </a:rPr>
-              <a:t> </a:t>
-            </a:r>
-          </a:p>
-          <a:p>
-            <a:pPr marL="0" indent="0">
-              <a:buNone/>
-            </a:pPr>
-            <a:r>
-              <a:rPr lang="en-US" sz="1900" b="1" dirty="0">
-                <a:solidFill>
-                  <a:srgbClr val="000000"/>
-                </a:solidFill>
-                <a:latin typeface="Inconsolata Medium" panose="020B0609030003000000" pitchFamily="49" charset="77"/>
-              </a:rPr>
-              <a:t>	</a:t>
-            </a:r>
-          </a:p>
-          <a:p>
-            <a:pPr marL="0" indent="0">
-              <a:buNone/>
-            </a:pPr>
-            <a:r>
-              <a:rPr lang="en-US" sz="1900" b="1" dirty="0">
-                <a:solidFill>
-                  <a:srgbClr val="000000"/>
-                </a:solidFill>
-                <a:latin typeface="Inconsolata Medium" panose="020B0609030003000000" pitchFamily="49" charset="77"/>
-              </a:rPr>
-              <a:t>	def</a:t>
-            </a:r>
-            <a:r>
-              <a:rPr lang="en-US" sz="1900" b="1" dirty="0">
-                <a:latin typeface="Inconsolata Medium" panose="020B0609030003000000" pitchFamily="49" charset="77"/>
-              </a:rPr>
-              <a:t> </a:t>
-            </a:r>
-            <a:r>
-              <a:rPr lang="en-US" sz="1900" b="1" dirty="0">
-                <a:solidFill>
-                  <a:srgbClr val="06287E"/>
-                </a:solidFill>
-                <a:latin typeface="Inconsolata Medium" panose="020B0609030003000000" pitchFamily="49" charset="77"/>
-              </a:rPr>
-              <a:t>move</a:t>
-            </a:r>
-            <a:r>
-              <a:rPr lang="en-US" sz="1900" b="1" dirty="0">
-                <a:latin typeface="Inconsolata Medium" panose="020B0609030003000000" pitchFamily="49" charset="77"/>
-              </a:rPr>
-              <a:t>(</a:t>
-            </a:r>
-            <a:r>
-              <a:rPr lang="en-US" sz="1900" b="1" dirty="0">
-                <a:solidFill>
-                  <a:srgbClr val="004BD7"/>
-                </a:solidFill>
-                <a:latin typeface="Inconsolata Medium" panose="020B0609030003000000" pitchFamily="49" charset="77"/>
-              </a:rPr>
-              <a:t>self</a:t>
-            </a:r>
-            <a:r>
-              <a:rPr lang="en-US" sz="1900" b="1" dirty="0">
-                <a:latin typeface="Inconsolata Medium" panose="020B0609030003000000" pitchFamily="49" charset="77"/>
-              </a:rPr>
-              <a:t>):</a:t>
-            </a:r>
-          </a:p>
-          <a:p>
-            <a:pPr marL="0" indent="0">
-              <a:buNone/>
-            </a:pPr>
-            <a:r>
-              <a:rPr lang="en-US" sz="1900" b="1" dirty="0">
-                <a:solidFill>
-                  <a:srgbClr val="4070A0"/>
-                </a:solidFill>
-                <a:latin typeface="Inconsolata Medium" panose="020B0609030003000000" pitchFamily="49" charset="77"/>
-              </a:rPr>
-              <a:t>		# implementation not shown</a:t>
-            </a:r>
-          </a:p>
-          <a:p>
-            <a:pPr marL="0" indent="0">
-              <a:buNone/>
-            </a:pPr>
-            <a:r>
-              <a:rPr lang="en-US" sz="1900" b="1" dirty="0">
-                <a:solidFill>
-                  <a:srgbClr val="4070A0"/>
-                </a:solidFill>
-                <a:latin typeface="Inconsolata Medium" panose="020B0609030003000000" pitchFamily="49" charset="77"/>
-              </a:rPr>
-              <a:t>		# overrides move() from Character</a:t>
-            </a:r>
-          </a:p>
-          <a:p>
-            <a:pPr marL="0" indent="0">
-              <a:buNone/>
-            </a:pPr>
-            <a:endParaRPr lang="en-US" sz="1900" b="1" dirty="0">
-              <a:latin typeface="Inconsolata Medium" panose="020B0609030003000000" pitchFamily="49" charset="77"/>
-            </a:endParaRPr>
-          </a:p>
-          <a:p>
-            <a:pPr marL="0" indent="0">
-              <a:buNone/>
-            </a:pPr>
-            <a:r>
-              <a:rPr lang="en-US" sz="1900" b="1" dirty="0">
-                <a:solidFill>
-                  <a:srgbClr val="000000"/>
-                </a:solidFill>
-                <a:latin typeface="Inconsolata Medium" panose="020B0609030003000000" pitchFamily="49" charset="77"/>
-              </a:rPr>
-              <a:t>	def</a:t>
-            </a:r>
-            <a:r>
-              <a:rPr lang="en-US" sz="1900" b="1" dirty="0">
-                <a:latin typeface="Inconsolata Medium" panose="020B0609030003000000" pitchFamily="49" charset="77"/>
-              </a:rPr>
-              <a:t> </a:t>
-            </a:r>
-            <a:r>
-              <a:rPr lang="en-US" sz="1900" b="1" dirty="0" err="1">
-                <a:solidFill>
-                  <a:srgbClr val="06287E"/>
-                </a:solidFill>
-                <a:latin typeface="Inconsolata Medium" panose="020B0609030003000000" pitchFamily="49" charset="77"/>
-              </a:rPr>
-              <a:t>shoot_player</a:t>
-            </a:r>
-            <a:r>
-              <a:rPr lang="en-US" sz="1900" b="1" dirty="0">
-                <a:latin typeface="Inconsolata Medium" panose="020B0609030003000000" pitchFamily="49" charset="77"/>
-              </a:rPr>
-              <a:t>(</a:t>
-            </a:r>
-            <a:r>
-              <a:rPr lang="en-US" sz="1900" b="1" dirty="0">
-                <a:solidFill>
-                  <a:srgbClr val="004BD7"/>
-                </a:solidFill>
-                <a:latin typeface="Inconsolata Medium" panose="020B0609030003000000" pitchFamily="49" charset="77"/>
-              </a:rPr>
-              <a:t>self, player</a:t>
-            </a:r>
-            <a:r>
-              <a:rPr lang="en-US" sz="1900" b="1" dirty="0">
-                <a:latin typeface="Inconsolata Medium" panose="020B0609030003000000" pitchFamily="49" charset="77"/>
-              </a:rPr>
-              <a:t>):</a:t>
-            </a:r>
-          </a:p>
-          <a:p>
-            <a:pPr marL="0" indent="0">
-              <a:buNone/>
-            </a:pPr>
-            <a:r>
-              <a:rPr lang="en-US" sz="1900" b="1" dirty="0">
-                <a:solidFill>
-                  <a:srgbClr val="4070A0"/>
-                </a:solidFill>
-                <a:latin typeface="Inconsolata Medium" panose="020B0609030003000000" pitchFamily="49" charset="77"/>
-              </a:rPr>
-              <a:t>		# implementation not shown</a:t>
-            </a:r>
-          </a:p>
-          <a:p>
-            <a:pPr marL="0" indent="0">
-              <a:buNone/>
-            </a:pPr>
-            <a:endParaRPr lang="en-US" sz="1900" b="1" dirty="0">
-              <a:solidFill>
-                <a:srgbClr val="4070A0"/>
-              </a:solidFill>
-              <a:latin typeface="Inconsolata Medium" panose="020B0609030003000000" pitchFamily="49" charset="77"/>
-            </a:endParaRPr>
-          </a:p>
-          <a:p>
-            <a:pPr marL="0" indent="0">
-              <a:buNone/>
-            </a:pPr>
-            <a:r>
-              <a:rPr lang="en-US" sz="1900" b="1" dirty="0">
-                <a:solidFill>
-                  <a:srgbClr val="FF0000"/>
-                </a:solidFill>
-                <a:latin typeface="Inconsolata Medium" panose="020B0609030003000000" pitchFamily="49" charset="77"/>
-              </a:rPr>
-              <a:t>continue on the next slide…</a:t>
-            </a:r>
-          </a:p>
-          <a:p>
-            <a:pPr marL="0" indent="0">
-              <a:buNone/>
-            </a:pPr>
-            <a:endParaRPr lang="en-US" sz="1900" b="1" dirty="0">
-              <a:latin typeface="Inconsolata Medium" panose="020B0609030003000000" pitchFamily="49" charset="77"/>
-            </a:endParaRPr>
-          </a:p>
-        </p:txBody>
-      </p:sp>
-    </p:spTree>
-    <p:extLst>
-      <p:ext uri="{BB962C8B-B14F-4D97-AF65-F5344CB8AC3E}">
-        <p14:creationId xmlns:p14="http://schemas.microsoft.com/office/powerpoint/2010/main" val="3699191075"/>
-      </p:ext>
-    </p:extLst>
-  </p:cSld>
-  <p:clrMapOvr>
-    <a:masterClrMapping/>
-  </p:clrMapOvr>
-</p:sld>
-</file>
-
 <file path=ppt/slides/slide15.xml><?xml version="1.0" encoding="utf-8"?>
 <p:sld xmlns:a="http://schemas.openxmlformats.org/drawingml/2006/main" xmlns:r="http://schemas.openxmlformats.org/officeDocument/2006/relationships" xmlns:p="http://schemas.openxmlformats.org/presentationml/2006/main">
   <p:cSld>
@@ -7114,10 +6988,7 @@
               <a:rPr lang="en-US" dirty="0" err="1"/>
               <a:t>game.py</a:t>
             </a:r>
-            <a:r>
-              <a:rPr lang="en-US" dirty="0"/>
-              <a:t>(continue from last slide)</a:t>
-            </a:r>
+            <a:endParaRPr lang="en-US" dirty="0"/>
           </a:p>
         </p:txBody>
       </p:sp>
@@ -7152,6 +7023,664 @@
             <a:pPr marL="0" indent="0">
               <a:buNone/>
             </a:pPr>
+            <a:r>
+              <a:rPr lang="en-US" sz="1900" b="1" dirty="0">
+                <a:solidFill>
+                  <a:srgbClr val="000000"/>
+                </a:solidFill>
+                <a:latin typeface="Inconsolata Medium" panose="020B0609030003000000" pitchFamily="49" charset="77"/>
+              </a:rPr>
+              <a:t>class</a:t>
+            </a:r>
+            <a:r>
+              <a:rPr lang="en-US" sz="1900" b="1" dirty="0">
+                <a:latin typeface="Inconsolata Medium" panose="020B0609030003000000" pitchFamily="49" charset="77"/>
+              </a:rPr>
+              <a:t> </a:t>
+            </a:r>
+            <a:r>
+              <a:rPr lang="en-US" sz="1900" b="1" dirty="0">
+                <a:solidFill>
+                  <a:srgbClr val="0E84B5"/>
+                </a:solidFill>
+                <a:latin typeface="Inconsolata Medium" panose="020B0609030003000000" pitchFamily="49" charset="77"/>
+              </a:rPr>
+              <a:t>Enemy(Character)</a:t>
+            </a:r>
+            <a:r>
+              <a:rPr lang="en-US" sz="1900" b="1" dirty="0">
+                <a:latin typeface="Inconsolata Medium" panose="020B0609030003000000" pitchFamily="49" charset="77"/>
+              </a:rPr>
+              <a:t>: </a:t>
+            </a:r>
+          </a:p>
+          <a:p>
+            <a:pPr marL="0" indent="0">
+              <a:buNone/>
+            </a:pPr>
+            <a:r>
+              <a:rPr lang="en-US" sz="1900" b="1" dirty="0">
+                <a:solidFill>
+                  <a:srgbClr val="000000"/>
+                </a:solidFill>
+                <a:latin typeface="Inconsolata Medium" panose="020B0609030003000000" pitchFamily="49" charset="77"/>
+              </a:rPr>
+              <a:t>	def</a:t>
+            </a:r>
+            <a:r>
+              <a:rPr lang="en-US" sz="1900" b="1" dirty="0">
+                <a:latin typeface="Inconsolata Medium" panose="020B0609030003000000" pitchFamily="49" charset="77"/>
+              </a:rPr>
+              <a:t> </a:t>
+            </a:r>
+            <a:r>
+              <a:rPr lang="en-US" sz="1900" b="1" dirty="0">
+                <a:solidFill>
+                  <a:srgbClr val="06287E"/>
+                </a:solidFill>
+                <a:latin typeface="Inconsolata Medium" panose="020B0609030003000000" pitchFamily="49" charset="77"/>
+              </a:rPr>
+              <a:t>__</a:t>
+            </a:r>
+            <a:r>
+              <a:rPr lang="en-US" sz="1900" b="1" dirty="0" err="1">
+                <a:solidFill>
+                  <a:srgbClr val="06287E"/>
+                </a:solidFill>
+                <a:latin typeface="Inconsolata Medium" panose="020B0609030003000000" pitchFamily="49" charset="77"/>
+              </a:rPr>
+              <a:t>init</a:t>
+            </a:r>
+            <a:r>
+              <a:rPr lang="en-US" sz="1900" b="1" dirty="0">
+                <a:solidFill>
+                  <a:srgbClr val="06287E"/>
+                </a:solidFill>
+                <a:latin typeface="Inconsolata Medium" panose="020B0609030003000000" pitchFamily="49" charset="77"/>
+              </a:rPr>
+              <a:t>__</a:t>
+            </a:r>
+            <a:r>
+              <a:rPr lang="en-US" sz="1900" b="1" dirty="0">
+                <a:latin typeface="Inconsolata Medium" panose="020B0609030003000000" pitchFamily="49" charset="77"/>
+              </a:rPr>
+              <a:t>(</a:t>
+            </a:r>
+            <a:r>
+              <a:rPr lang="en-US" sz="1900" b="1" dirty="0">
+                <a:solidFill>
+                  <a:srgbClr val="004BD7"/>
+                </a:solidFill>
+                <a:latin typeface="Inconsolata Medium" panose="020B0609030003000000" pitchFamily="49" charset="77"/>
+              </a:rPr>
+              <a:t>self, name, x, speed, player</a:t>
+            </a:r>
+            <a:r>
+              <a:rPr lang="en-US" sz="1900" b="1" dirty="0">
+                <a:latin typeface="Inconsolata Medium" panose="020B0609030003000000" pitchFamily="49" charset="77"/>
+              </a:rPr>
+              <a:t>): 	</a:t>
+            </a:r>
+          </a:p>
+          <a:p>
+            <a:pPr marL="0" indent="0">
+              <a:buNone/>
+            </a:pPr>
+            <a:r>
+              <a:rPr lang="en-US" sz="1900" b="1" dirty="0">
+                <a:latin typeface="Inconsolata Medium" panose="020B0609030003000000" pitchFamily="49" charset="77"/>
+              </a:rPr>
+              <a:t>		</a:t>
+            </a:r>
+            <a:r>
+              <a:rPr lang="en-US" sz="1900" b="1" dirty="0">
+                <a:solidFill>
+                  <a:srgbClr val="004BD7"/>
+                </a:solidFill>
+                <a:latin typeface="Inconsolata Medium" panose="020B0609030003000000" pitchFamily="49" charset="77"/>
+              </a:rPr>
+              <a:t>super().__</a:t>
+            </a:r>
+            <a:r>
+              <a:rPr lang="en-US" sz="1900" b="1" dirty="0" err="1">
+                <a:solidFill>
+                  <a:srgbClr val="004BD7"/>
+                </a:solidFill>
+                <a:latin typeface="Inconsolata Medium" panose="020B0609030003000000" pitchFamily="49" charset="77"/>
+              </a:rPr>
+              <a:t>init</a:t>
+            </a:r>
+            <a:r>
+              <a:rPr lang="en-US" sz="1900" b="1" dirty="0">
+                <a:solidFill>
+                  <a:srgbClr val="004BD7"/>
+                </a:solidFill>
+                <a:latin typeface="Inconsolata Medium" panose="020B0609030003000000" pitchFamily="49" charset="77"/>
+              </a:rPr>
+              <a:t>__(name, x, speed)</a:t>
+            </a:r>
+          </a:p>
+          <a:p>
+            <a:pPr marL="0" indent="0">
+              <a:buNone/>
+            </a:pPr>
+            <a:r>
+              <a:rPr lang="en-US" sz="1900" b="1" dirty="0">
+                <a:solidFill>
+                  <a:srgbClr val="004BD7"/>
+                </a:solidFill>
+                <a:latin typeface="Inconsolata Medium" panose="020B0609030003000000" pitchFamily="49" charset="77"/>
+              </a:rPr>
+              <a:t>		</a:t>
+            </a:r>
+            <a:r>
+              <a:rPr lang="en-US" sz="1900" b="1" dirty="0" err="1">
+                <a:solidFill>
+                  <a:srgbClr val="004BD7"/>
+                </a:solidFill>
+                <a:latin typeface="Inconsolata Medium" panose="020B0609030003000000" pitchFamily="49" charset="77"/>
+              </a:rPr>
+              <a:t>self.player</a:t>
+            </a:r>
+            <a:r>
+              <a:rPr lang="en-US" sz="1900" b="1" dirty="0">
+                <a:solidFill>
+                  <a:srgbClr val="004BD7"/>
+                </a:solidFill>
+                <a:latin typeface="Inconsolata Medium" panose="020B0609030003000000" pitchFamily="49" charset="77"/>
+              </a:rPr>
+              <a:t> = player</a:t>
+            </a:r>
+            <a:r>
+              <a:rPr lang="en-US" sz="1900" b="1" dirty="0">
+                <a:latin typeface="Inconsolata Medium" panose="020B0609030003000000" pitchFamily="49" charset="77"/>
+              </a:rPr>
+              <a:t> </a:t>
+            </a:r>
+          </a:p>
+          <a:p>
+            <a:pPr marL="0" indent="0">
+              <a:buNone/>
+            </a:pPr>
+            <a:r>
+              <a:rPr lang="en-US" sz="1900" b="1" dirty="0">
+                <a:solidFill>
+                  <a:srgbClr val="FF0000"/>
+                </a:solidFill>
+                <a:latin typeface="Inconsolata Medium" panose="020B0609030003000000" pitchFamily="49" charset="77"/>
+              </a:rPr>
+              <a:t>	# overrides move() from Character</a:t>
+            </a:r>
+          </a:p>
+          <a:p>
+            <a:pPr marL="0" indent="0">
+              <a:buNone/>
+            </a:pPr>
+            <a:r>
+              <a:rPr lang="en-US" sz="1900" b="1" dirty="0">
+                <a:solidFill>
+                  <a:srgbClr val="000000"/>
+                </a:solidFill>
+                <a:latin typeface="Inconsolata Medium" panose="020B0609030003000000" pitchFamily="49" charset="77"/>
+              </a:rPr>
+              <a:t>	def</a:t>
+            </a:r>
+            <a:r>
+              <a:rPr lang="en-US" sz="1900" b="1" dirty="0">
+                <a:latin typeface="Inconsolata Medium" panose="020B0609030003000000" pitchFamily="49" charset="77"/>
+              </a:rPr>
+              <a:t> </a:t>
+            </a:r>
+            <a:r>
+              <a:rPr lang="en-US" sz="1900" b="1" dirty="0">
+                <a:solidFill>
+                  <a:srgbClr val="06287E"/>
+                </a:solidFill>
+                <a:latin typeface="Inconsolata Medium" panose="020B0609030003000000" pitchFamily="49" charset="77"/>
+              </a:rPr>
+              <a:t>move</a:t>
+            </a:r>
+            <a:r>
+              <a:rPr lang="en-US" sz="1900" b="1" dirty="0">
+                <a:latin typeface="Inconsolata Medium" panose="020B0609030003000000" pitchFamily="49" charset="77"/>
+              </a:rPr>
+              <a:t>(</a:t>
+            </a:r>
+            <a:r>
+              <a:rPr lang="en-US" sz="1900" b="1" dirty="0">
+                <a:solidFill>
+                  <a:srgbClr val="004BD7"/>
+                </a:solidFill>
+                <a:latin typeface="Inconsolata Medium" panose="020B0609030003000000" pitchFamily="49" charset="77"/>
+              </a:rPr>
+              <a:t>self</a:t>
+            </a:r>
+            <a:r>
+              <a:rPr lang="en-US" sz="1900" b="1" dirty="0">
+                <a:latin typeface="Inconsolata Medium" panose="020B0609030003000000" pitchFamily="49" charset="77"/>
+              </a:rPr>
+              <a:t>):</a:t>
+            </a:r>
+          </a:p>
+          <a:p>
+            <a:pPr marL="0" indent="0">
+              <a:buNone/>
+            </a:pPr>
+            <a:r>
+              <a:rPr lang="en-US" sz="1900" b="1" dirty="0">
+                <a:solidFill>
+                  <a:srgbClr val="FF0000"/>
+                </a:solidFill>
+                <a:latin typeface="Inconsolata Medium" panose="020B0609030003000000" pitchFamily="49" charset="77"/>
+              </a:rPr>
+              <a:t>		super().move()</a:t>
+            </a:r>
+          </a:p>
+          <a:p>
+            <a:pPr marL="0" indent="0">
+              <a:buNone/>
+            </a:pPr>
+            <a:r>
+              <a:rPr lang="en-US" sz="1900" b="1" dirty="0">
+                <a:solidFill>
+                  <a:srgbClr val="FF0000"/>
+                </a:solidFill>
+                <a:latin typeface="Inconsolata Medium" panose="020B0609030003000000" pitchFamily="49" charset="77"/>
+              </a:rPr>
+              <a:t>		…</a:t>
+            </a:r>
+          </a:p>
+          <a:p>
+            <a:pPr marL="0" indent="0">
+              <a:buNone/>
+            </a:pPr>
+            <a:r>
+              <a:rPr lang="en-US" sz="1900" b="1" dirty="0">
+                <a:solidFill>
+                  <a:srgbClr val="FF0000"/>
+                </a:solidFill>
+                <a:latin typeface="Inconsolata Medium" panose="020B0609030003000000" pitchFamily="49" charset="77"/>
+              </a:rPr>
+              <a:t>		</a:t>
+            </a:r>
+            <a:r>
+              <a:rPr lang="en-US" sz="1900" b="1" dirty="0" err="1">
+                <a:solidFill>
+                  <a:srgbClr val="FF0000"/>
+                </a:solidFill>
+                <a:latin typeface="Inconsolata Medium" panose="020B0609030003000000" pitchFamily="49" charset="77"/>
+              </a:rPr>
+              <a:t>self.shoot_player</a:t>
+            </a:r>
+            <a:r>
+              <a:rPr lang="en-US" sz="1900" b="1" dirty="0">
+                <a:solidFill>
+                  <a:srgbClr val="FF0000"/>
+                </a:solidFill>
+                <a:latin typeface="Inconsolata Medium" panose="020B0609030003000000" pitchFamily="49" charset="77"/>
+              </a:rPr>
+              <a:t>(</a:t>
+            </a:r>
+            <a:r>
+              <a:rPr lang="en-US" sz="1900" b="1" dirty="0" err="1">
+                <a:solidFill>
+                  <a:srgbClr val="FF0000"/>
+                </a:solidFill>
+                <a:latin typeface="Inconsolata Medium" panose="020B0609030003000000" pitchFamily="49" charset="77"/>
+              </a:rPr>
+              <a:t>self.player</a:t>
+            </a:r>
+            <a:r>
+              <a:rPr lang="en-US" sz="1900" b="1" dirty="0">
+                <a:solidFill>
+                  <a:srgbClr val="FF0000"/>
+                </a:solidFill>
+                <a:latin typeface="Inconsolata Medium" panose="020B0609030003000000" pitchFamily="49" charset="77"/>
+              </a:rPr>
+              <a:t>)</a:t>
+            </a:r>
+          </a:p>
+          <a:p>
+            <a:pPr marL="0" indent="0">
+              <a:buNone/>
+            </a:pPr>
+            <a:r>
+              <a:rPr lang="en-US" sz="1900" b="1" dirty="0">
+                <a:solidFill>
+                  <a:srgbClr val="4070A0"/>
+                </a:solidFill>
+                <a:latin typeface="Inconsolata Medium" panose="020B0609030003000000" pitchFamily="49" charset="77"/>
+              </a:rPr>
+              <a:t>		# remaining implementation not shown</a:t>
+            </a:r>
+          </a:p>
+          <a:p>
+            <a:pPr marL="0" indent="0">
+              <a:buNone/>
+            </a:pPr>
+            <a:r>
+              <a:rPr lang="en-US" sz="1900" b="1" dirty="0">
+                <a:solidFill>
+                  <a:srgbClr val="4070A0"/>
+                </a:solidFill>
+                <a:latin typeface="Inconsolata Medium" panose="020B0609030003000000" pitchFamily="49" charset="77"/>
+              </a:rPr>
+              <a:t>	</a:t>
+            </a:r>
+            <a:r>
+              <a:rPr lang="en-US" sz="1900" b="1" dirty="0">
+                <a:solidFill>
+                  <a:srgbClr val="000000"/>
+                </a:solidFill>
+                <a:latin typeface="Inconsolata Medium" panose="020B0609030003000000" pitchFamily="49" charset="77"/>
+              </a:rPr>
+              <a:t>def</a:t>
+            </a:r>
+            <a:r>
+              <a:rPr lang="en-US" sz="1900" b="1" dirty="0">
+                <a:latin typeface="Inconsolata Medium" panose="020B0609030003000000" pitchFamily="49" charset="77"/>
+              </a:rPr>
+              <a:t> </a:t>
+            </a:r>
+            <a:r>
+              <a:rPr lang="en-US" sz="1900" b="1" dirty="0" err="1">
+                <a:solidFill>
+                  <a:srgbClr val="06287E"/>
+                </a:solidFill>
+                <a:latin typeface="Inconsolata Medium" panose="020B0609030003000000" pitchFamily="49" charset="77"/>
+              </a:rPr>
+              <a:t>shoot_player</a:t>
+            </a:r>
+            <a:r>
+              <a:rPr lang="en-US" sz="1900" b="1" dirty="0">
+                <a:latin typeface="Inconsolata Medium" panose="020B0609030003000000" pitchFamily="49" charset="77"/>
+              </a:rPr>
+              <a:t>(</a:t>
+            </a:r>
+            <a:r>
+              <a:rPr lang="en-US" sz="1900" b="1" dirty="0">
+                <a:solidFill>
+                  <a:srgbClr val="004BD7"/>
+                </a:solidFill>
+                <a:latin typeface="Inconsolata Medium" panose="020B0609030003000000" pitchFamily="49" charset="77"/>
+              </a:rPr>
+              <a:t>self, player</a:t>
+            </a:r>
+            <a:r>
+              <a:rPr lang="en-US" sz="1900" b="1" dirty="0">
+                <a:latin typeface="Inconsolata Medium" panose="020B0609030003000000" pitchFamily="49" charset="77"/>
+              </a:rPr>
+              <a:t>):</a:t>
+            </a:r>
+          </a:p>
+          <a:p>
+            <a:pPr marL="0" indent="0">
+              <a:buNone/>
+            </a:pPr>
+            <a:r>
+              <a:rPr lang="en-US" sz="1900" b="1" dirty="0">
+                <a:solidFill>
+                  <a:srgbClr val="4070A0"/>
+                </a:solidFill>
+                <a:latin typeface="Inconsolata Medium" panose="020B0609030003000000" pitchFamily="49" charset="77"/>
+              </a:rPr>
+              <a:t>		# implementation not shown</a:t>
+            </a:r>
+          </a:p>
+          <a:p>
+            <a:pPr marL="0" indent="0">
+              <a:buNone/>
+            </a:pPr>
+            <a:endParaRPr lang="en-US" sz="1900" b="1" dirty="0">
+              <a:solidFill>
+                <a:srgbClr val="4070A0"/>
+              </a:solidFill>
+              <a:latin typeface="Inconsolata Medium" panose="020B0609030003000000" pitchFamily="49" charset="77"/>
+            </a:endParaRPr>
+          </a:p>
+          <a:p>
+            <a:pPr marL="0" indent="0">
+              <a:buNone/>
+            </a:pPr>
+            <a:r>
+              <a:rPr lang="en-US" sz="1900" b="1" dirty="0">
+                <a:solidFill>
+                  <a:srgbClr val="FF0000"/>
+                </a:solidFill>
+                <a:latin typeface="Inconsolata Medium" panose="020B0609030003000000" pitchFamily="49" charset="77"/>
+              </a:rPr>
+              <a:t>continue on the next slide…</a:t>
+            </a:r>
+          </a:p>
+          <a:p>
+            <a:pPr marL="0" indent="0">
+              <a:buNone/>
+            </a:pPr>
+            <a:endParaRPr lang="en-US" sz="1900" b="1" dirty="0">
+              <a:latin typeface="Inconsolata Medium" panose="020B0609030003000000" pitchFamily="49" charset="77"/>
+            </a:endParaRPr>
+          </a:p>
+        </p:txBody>
+      </p:sp>
+      <p:sp>
+        <p:nvSpPr>
+          <p:cNvPr id="4" name="TextBox 3">
+            <a:extLst>
+              <a:ext uri="{FF2B5EF4-FFF2-40B4-BE49-F238E27FC236}">
+                <a16:creationId xmlns:a16="http://schemas.microsoft.com/office/drawing/2014/main" id="{995EFF47-3A51-8740-8E38-6BAA2B359A4D}"/>
+              </a:ext>
+            </a:extLst>
+          </p:cNvPr>
+          <p:cNvSpPr txBox="1"/>
+          <p:nvPr/>
+        </p:nvSpPr>
+        <p:spPr>
+          <a:xfrm>
+            <a:off x="6540795" y="1854195"/>
+            <a:ext cx="2119357" cy="2862322"/>
+          </a:xfrm>
+          <a:prstGeom prst="rect">
+            <a:avLst/>
+          </a:prstGeom>
+          <a:noFill/>
+        </p:spPr>
+        <p:txBody>
+          <a:bodyPr wrap="square" rtlCol="0">
+            <a:spAutoFit/>
+          </a:bodyPr>
+          <a:lstStyle/>
+          <a:p>
+            <a:r>
+              <a:rPr lang="en-US" sz="1800" dirty="0">
+                <a:solidFill>
+                  <a:srgbClr val="FF0000"/>
+                </a:solidFill>
+              </a:rPr>
+              <a:t>This reuses move() code from parent class Character  then add more code specific to how an Enemy moves. For example, an Enemy object moves and shoots at each frame.</a:t>
+            </a:r>
+          </a:p>
+        </p:txBody>
+      </p:sp>
+      <p:cxnSp>
+        <p:nvCxnSpPr>
+          <p:cNvPr id="5" name="Straight Arrow Connector 4">
+            <a:extLst>
+              <a:ext uri="{FF2B5EF4-FFF2-40B4-BE49-F238E27FC236}">
+                <a16:creationId xmlns:a16="http://schemas.microsoft.com/office/drawing/2014/main" id="{C41707F8-6B76-8A4B-8787-107685A58784}"/>
+              </a:ext>
+            </a:extLst>
+          </p:cNvPr>
+          <p:cNvCxnSpPr>
+            <a:cxnSpLocks/>
+          </p:cNvCxnSpPr>
+          <p:nvPr/>
+        </p:nvCxnSpPr>
+        <p:spPr>
+          <a:xfrm flipH="1">
+            <a:off x="3819970" y="2857500"/>
+            <a:ext cx="2529556" cy="518089"/>
+          </a:xfrm>
+          <a:prstGeom prst="straightConnector1">
+            <a:avLst/>
+          </a:prstGeom>
+          <a:ln w="25400">
+            <a:tailEnd type="triangle"/>
+          </a:ln>
+        </p:spPr>
+        <p:style>
+          <a:lnRef idx="1">
+            <a:schemeClr val="dk1"/>
+          </a:lnRef>
+          <a:fillRef idx="0">
+            <a:schemeClr val="dk1"/>
+          </a:fillRef>
+          <a:effectRef idx="0">
+            <a:schemeClr val="dk1"/>
+          </a:effectRef>
+          <a:fontRef idx="minor">
+            <a:schemeClr val="tx1"/>
+          </a:fontRef>
+        </p:style>
+      </p:cxnSp>
+      <p:cxnSp>
+        <p:nvCxnSpPr>
+          <p:cNvPr id="13" name="Straight Arrow Connector 12">
+            <a:extLst>
+              <a:ext uri="{FF2B5EF4-FFF2-40B4-BE49-F238E27FC236}">
+                <a16:creationId xmlns:a16="http://schemas.microsoft.com/office/drawing/2014/main" id="{20472F1F-40CC-5C40-9C92-BFDC56F7606A}"/>
+              </a:ext>
+            </a:extLst>
+          </p:cNvPr>
+          <p:cNvCxnSpPr>
+            <a:cxnSpLocks/>
+          </p:cNvCxnSpPr>
+          <p:nvPr/>
+        </p:nvCxnSpPr>
+        <p:spPr>
+          <a:xfrm flipH="1">
+            <a:off x="5734228" y="3725967"/>
+            <a:ext cx="806568" cy="273465"/>
+          </a:xfrm>
+          <a:prstGeom prst="straightConnector1">
+            <a:avLst/>
+          </a:prstGeom>
+          <a:ln w="25400">
+            <a:tailEnd type="triangle"/>
+          </a:ln>
+        </p:spPr>
+        <p:style>
+          <a:lnRef idx="1">
+            <a:schemeClr val="dk1"/>
+          </a:lnRef>
+          <a:fillRef idx="0">
+            <a:schemeClr val="dk1"/>
+          </a:fillRef>
+          <a:effectRef idx="0">
+            <a:schemeClr val="dk1"/>
+          </a:effectRef>
+          <a:fontRef idx="minor">
+            <a:schemeClr val="tx1"/>
+          </a:fontRef>
+        </p:style>
+      </p:cxnSp>
+    </p:spTree>
+    <p:extLst>
+      <p:ext uri="{BB962C8B-B14F-4D97-AF65-F5344CB8AC3E}">
+        <p14:creationId xmlns:p14="http://schemas.microsoft.com/office/powerpoint/2010/main" val="3699191075"/>
+      </p:ext>
+    </p:extLst>
+  </p:cSld>
+  <p:clrMapOvr>
+    <a:masterClrMapping/>
+  </p:clrMapOvr>
+</p:sld>
+</file>
+
+<file path=ppt/slides/slide16.xml><?xml version="1.0" encoding="utf-8"?>
+<p:sld xmlns:a="http://schemas.openxmlformats.org/drawingml/2006/main" xmlns:r="http://schemas.openxmlformats.org/officeDocument/2006/relationships" xmlns:p="http://schemas.openxmlformats.org/presentationml/2006/main">
+  <p:cSld>
+    <p:spTree>
+      <p:nvGrpSpPr>
+        <p:cNvPr id="1" name=""/>
+        <p:cNvGrpSpPr/>
+        <p:nvPr/>
+      </p:nvGrpSpPr>
+      <p:grpSpPr>
+        <a:xfrm>
+          <a:off x="0" y="0"/>
+          <a:ext cx="0" cy="0"/>
+          <a:chOff x="0" y="0"/>
+          <a:chExt cx="0" cy="0"/>
+        </a:xfrm>
+      </p:grpSpPr>
+      <p:sp>
+        <p:nvSpPr>
+          <p:cNvPr id="2" name="Title 1">
+            <a:extLst>
+              <a:ext uri="{FF2B5EF4-FFF2-40B4-BE49-F238E27FC236}">
+                <a16:creationId xmlns:a16="http://schemas.microsoft.com/office/drawing/2014/main" id="{AA3A228F-61D0-D949-A5E7-F83756230BF8}"/>
+              </a:ext>
+            </a:extLst>
+          </p:cNvPr>
+          <p:cNvSpPr>
+            <a:spLocks noGrp="1"/>
+          </p:cNvSpPr>
+          <p:nvPr>
+            <p:ph type="title"/>
+          </p:nvPr>
+        </p:nvSpPr>
+        <p:spPr>
+          <a:xfrm>
+            <a:off x="483848" y="467027"/>
+            <a:ext cx="7053542" cy="683886"/>
+          </a:xfrm>
+        </p:spPr>
+        <p:txBody>
+          <a:bodyPr/>
+          <a:lstStyle/>
+          <a:p>
+            <a:r>
+              <a:rPr lang="en-US" dirty="0" err="1"/>
+              <a:t>game.py</a:t>
+            </a:r>
+            <a:r>
+              <a:rPr lang="en-US" dirty="0"/>
+              <a:t>(continue from last slide)</a:t>
+            </a:r>
+          </a:p>
+        </p:txBody>
+      </p:sp>
+      <p:sp>
+        <p:nvSpPr>
+          <p:cNvPr id="9" name="Content Placeholder 8">
+            <a:extLst>
+              <a:ext uri="{FF2B5EF4-FFF2-40B4-BE49-F238E27FC236}">
+                <a16:creationId xmlns:a16="http://schemas.microsoft.com/office/drawing/2014/main" id="{E3B2E017-30B2-884B-A113-B419A2ED51AD}"/>
+              </a:ext>
+            </a:extLst>
+          </p:cNvPr>
+          <p:cNvSpPr>
+            <a:spLocks noGrp="1"/>
+          </p:cNvSpPr>
+          <p:nvPr>
+            <p:ph idx="1"/>
+          </p:nvPr>
+        </p:nvSpPr>
+        <p:spPr>
+          <a:xfrm>
+            <a:off x="483848" y="998483"/>
+            <a:ext cx="8051725" cy="4404149"/>
+          </a:xfrm>
+        </p:spPr>
+        <p:txBody>
+          <a:bodyPr>
+            <a:noAutofit/>
+          </a:bodyPr>
+          <a:lstStyle/>
+          <a:p>
+            <a:pPr marL="0" indent="0">
+              <a:buNone/>
+            </a:pPr>
             <a:endParaRPr lang="en-US" sz="1900" b="1" dirty="0">
               <a:solidFill>
                 <a:srgbClr val="000000"/>
@@ -7407,7 +7936,7 @@
 </p:sld>
 </file>
 
-<file path=ppt/slides/slide16.xml><?xml version="1.0" encoding="utf-8"?>
+<file path=ppt/slides/slide17.xml><?xml version="1.0" encoding="utf-8"?>
 <p:sld xmlns:a="http://schemas.openxmlformats.org/drawingml/2006/main" xmlns:r="http://schemas.openxmlformats.org/officeDocument/2006/relationships" xmlns:p="http://schemas.openxmlformats.org/presentationml/2006/main">
   <p:cSld>
     <p:spTree>
@@ -8109,7 +8638,7 @@
 </p:sld>
 </file>
 
-<file path=ppt/slides/slide17.xml><?xml version="1.0" encoding="utf-8"?>
+<file path=ppt/slides/slide18.xml><?xml version="1.0" encoding="utf-8"?>
 <p:sld xmlns:a="http://schemas.openxmlformats.org/drawingml/2006/main" xmlns:r="http://schemas.openxmlformats.org/officeDocument/2006/relationships" xmlns:p="http://schemas.openxmlformats.org/presentationml/2006/main">
   <p:cSld>
     <p:spTree>
@@ -8750,7 +9279,7 @@
 </p:sld>
 </file>
 
-<file path=ppt/slides/slide18.xml><?xml version="1.0" encoding="utf-8"?>
+<file path=ppt/slides/slide19.xml><?xml version="1.0" encoding="utf-8"?>
 <p:sld xmlns:a="http://schemas.openxmlformats.org/drawingml/2006/main" xmlns:r="http://schemas.openxmlformats.org/officeDocument/2006/relationships" xmlns:p="http://schemas.openxmlformats.org/presentationml/2006/main">
   <p:cSld>
     <p:spTree>
@@ -9280,223 +9809,6 @@
 </p:sld>
 </file>
 
-<file path=ppt/slides/slide19.xml><?xml version="1.0" encoding="utf-8"?>
-<p:sld xmlns:a="http://schemas.openxmlformats.org/drawingml/2006/main" xmlns:r="http://schemas.openxmlformats.org/officeDocument/2006/relationships" xmlns:p="http://schemas.openxmlformats.org/presentationml/2006/main">
-  <p:cSld>
-    <p:spTree>
-      <p:nvGrpSpPr>
-        <p:cNvPr id="1" name=""/>
-        <p:cNvGrpSpPr/>
-        <p:nvPr/>
-      </p:nvGrpSpPr>
-      <p:grpSpPr>
-        <a:xfrm>
-          <a:off x="0" y="0"/>
-          <a:ext cx="0" cy="0"/>
-          <a:chOff x="0" y="0"/>
-          <a:chExt cx="0" cy="0"/>
-        </a:xfrm>
-      </p:grpSpPr>
-      <p:sp>
-        <p:nvSpPr>
-          <p:cNvPr id="2" name="Title 1">
-            <a:extLst>
-              <a:ext uri="{FF2B5EF4-FFF2-40B4-BE49-F238E27FC236}">
-                <a16:creationId xmlns:a16="http://schemas.microsoft.com/office/drawing/2014/main" id="{AA3A228F-61D0-D949-A5E7-F83756230BF8}"/>
-              </a:ext>
-            </a:extLst>
-          </p:cNvPr>
-          <p:cNvSpPr>
-            <a:spLocks noGrp="1"/>
-          </p:cNvSpPr>
-          <p:nvPr>
-            <p:ph type="title"/>
-          </p:nvPr>
-        </p:nvSpPr>
-        <p:spPr>
-          <a:xfrm>
-            <a:off x="483848" y="467027"/>
-            <a:ext cx="7053542" cy="683886"/>
-          </a:xfrm>
-        </p:spPr>
-        <p:txBody>
-          <a:bodyPr/>
-          <a:lstStyle/>
-          <a:p>
-            <a:r>
-              <a:rPr lang="en-US" dirty="0"/>
-              <a:t>Inheritance</a:t>
-            </a:r>
-          </a:p>
-        </p:txBody>
-      </p:sp>
-      <p:sp>
-        <p:nvSpPr>
-          <p:cNvPr id="9" name="Content Placeholder 8">
-            <a:extLst>
-              <a:ext uri="{FF2B5EF4-FFF2-40B4-BE49-F238E27FC236}">
-                <a16:creationId xmlns:a16="http://schemas.microsoft.com/office/drawing/2014/main" id="{E3B2E017-30B2-884B-A113-B419A2ED51AD}"/>
-              </a:ext>
-            </a:extLst>
-          </p:cNvPr>
-          <p:cNvSpPr>
-            <a:spLocks noGrp="1"/>
-          </p:cNvSpPr>
-          <p:nvPr>
-            <p:ph idx="1"/>
-          </p:nvPr>
-        </p:nvSpPr>
-        <p:spPr>
-          <a:xfrm>
-            <a:off x="483848" y="1007707"/>
-            <a:ext cx="8051725" cy="4583796"/>
-          </a:xfrm>
-        </p:spPr>
-        <p:txBody>
-          <a:bodyPr>
-            <a:normAutofit/>
-          </a:bodyPr>
-          <a:lstStyle/>
-          <a:p>
-            <a:pPr marL="0" indent="0">
-              <a:buNone/>
-            </a:pPr>
-            <a:r>
-              <a:rPr lang="en-US" sz="2000" dirty="0"/>
-              <a:t>Inheritance is a powerful feature that allows us to inherit code from another class or library.</a:t>
-            </a:r>
-            <a:endParaRPr lang="en-US" sz="2000" dirty="0">
-              <a:latin typeface="Gill Sans MT" panose="020B0502020104020203" pitchFamily="34" charset="77"/>
-            </a:endParaRPr>
-          </a:p>
-          <a:p>
-            <a:pPr marL="0" indent="0">
-              <a:buNone/>
-            </a:pPr>
-            <a:endParaRPr lang="en-US" sz="2000" dirty="0">
-              <a:latin typeface="Gill Sans MT" panose="020B0502020104020203" pitchFamily="34" charset="77"/>
-            </a:endParaRPr>
-          </a:p>
-          <a:p>
-            <a:pPr marL="0" indent="0">
-              <a:buNone/>
-            </a:pPr>
-            <a:r>
-              <a:rPr lang="en-US" sz="2000" dirty="0">
-                <a:latin typeface="Gill Sans MT" panose="020B0502020104020203" pitchFamily="34" charset="77"/>
-              </a:rPr>
-              <a:t>The </a:t>
-            </a:r>
-            <a:r>
-              <a:rPr lang="en-US" sz="2000" b="1" dirty="0">
-                <a:latin typeface="Gill Sans MT" panose="020B0502020104020203" pitchFamily="34" charset="77"/>
-              </a:rPr>
-              <a:t>Arcade library</a:t>
-            </a:r>
-            <a:r>
-              <a:rPr lang="en-US" sz="2000" dirty="0">
-                <a:latin typeface="Gill Sans MT" panose="020B0502020104020203" pitchFamily="34" charset="77"/>
-              </a:rPr>
-              <a:t>, for example, contains many classes and functions that we can use to write arcade games. It has a class called </a:t>
-            </a:r>
-            <a:r>
-              <a:rPr lang="en-US" sz="2000" b="1" dirty="0">
-                <a:latin typeface="Gill Sans MT" panose="020B0502020104020203" pitchFamily="34" charset="77"/>
-              </a:rPr>
-              <a:t>Window</a:t>
-            </a:r>
-            <a:r>
-              <a:rPr lang="en-US" sz="2000" dirty="0">
-                <a:latin typeface="Gill Sans MT" panose="020B0502020104020203" pitchFamily="34" charset="77"/>
-              </a:rPr>
-              <a:t>.</a:t>
-            </a:r>
-          </a:p>
-          <a:p>
-            <a:pPr marL="0" indent="0">
-              <a:buNone/>
-            </a:pPr>
-            <a:endParaRPr lang="en-US" sz="2000" b="1" dirty="0">
-              <a:solidFill>
-                <a:srgbClr val="000087"/>
-              </a:solidFill>
-              <a:latin typeface="Inconsolata Medium" panose="020B0609030003000000" pitchFamily="49" charset="77"/>
-            </a:endParaRPr>
-          </a:p>
-          <a:p>
-            <a:pPr marL="0" indent="0">
-              <a:buNone/>
-            </a:pPr>
-            <a:r>
-              <a:rPr lang="en-US" sz="2000" dirty="0">
-                <a:latin typeface="Gill Sans MT" panose="020B0502020104020203" pitchFamily="34" charset="77"/>
-              </a:rPr>
-              <a:t>The </a:t>
-            </a:r>
-            <a:r>
-              <a:rPr lang="en-US" sz="2000" b="1" dirty="0">
-                <a:latin typeface="Gill Sans MT" panose="020B0502020104020203" pitchFamily="34" charset="77"/>
-              </a:rPr>
-              <a:t>Window</a:t>
-            </a:r>
-            <a:r>
-              <a:rPr lang="en-US" sz="2000" dirty="0">
-                <a:latin typeface="Gill Sans MT" panose="020B0502020104020203" pitchFamily="34" charset="77"/>
-              </a:rPr>
-              <a:t> class can create a window, draw shapes, images and animate them, detect and respond to keyboard and mouse inputs. </a:t>
-            </a:r>
-          </a:p>
-          <a:p>
-            <a:pPr marL="0" indent="0">
-              <a:buNone/>
-            </a:pPr>
-            <a:endParaRPr lang="en-US" sz="2000" dirty="0">
-              <a:latin typeface="Gill Sans MT" panose="020B0502020104020203" pitchFamily="34" charset="77"/>
-            </a:endParaRPr>
-          </a:p>
-          <a:p>
-            <a:pPr marL="0" indent="0">
-              <a:buNone/>
-            </a:pPr>
-            <a:r>
-              <a:rPr lang="en-US" sz="2000" dirty="0">
-                <a:latin typeface="Gill Sans MT" panose="020B0502020104020203" pitchFamily="34" charset="77"/>
-              </a:rPr>
-              <a:t>That's a lot of code that we don't want to write! Instead, we can simply inherit from it!</a:t>
-            </a:r>
-            <a:endParaRPr lang="en-US" sz="2000" b="1" dirty="0">
-              <a:solidFill>
-                <a:srgbClr val="000087"/>
-              </a:solidFill>
-              <a:latin typeface="Inconsolata Medium" panose="020B0609030003000000" pitchFamily="49" charset="77"/>
-            </a:endParaRPr>
-          </a:p>
-          <a:p>
-            <a:pPr marL="0" indent="0">
-              <a:buNone/>
-            </a:pPr>
-            <a:endParaRPr lang="en-US" sz="2000" b="1" dirty="0">
-              <a:solidFill>
-                <a:srgbClr val="000087"/>
-              </a:solidFill>
-              <a:latin typeface="Inconsolata Medium" panose="020B0609030003000000" pitchFamily="49" charset="77"/>
-            </a:endParaRPr>
-          </a:p>
-        </p:txBody>
-      </p:sp>
-    </p:spTree>
-    <p:extLst>
-      <p:ext uri="{BB962C8B-B14F-4D97-AF65-F5344CB8AC3E}">
-        <p14:creationId xmlns:p14="http://schemas.microsoft.com/office/powerpoint/2010/main" val="1191437278"/>
-      </p:ext>
-    </p:extLst>
-  </p:cSld>
-  <p:clrMapOvr>
-    <a:masterClrMapping/>
-  </p:clrMapOvr>
-</p:sld>
-</file>
-
 <file path=ppt/slides/slide2.xml><?xml version="1.0" encoding="utf-8"?>
 <p:sld xmlns:a="http://schemas.openxmlformats.org/drawingml/2006/main" xmlns:r="http://schemas.openxmlformats.org/officeDocument/2006/relationships" xmlns:p="http://schemas.openxmlformats.org/presentationml/2006/main">
   <p:cSld>
@@ -9779,15 +10091,53 @@
             </a:pPr>
             <a:r>
               <a:rPr lang="en-US" sz="2000" dirty="0"/>
-              <a:t>We first need to </a:t>
-            </a:r>
-            <a:r>
-              <a:rPr lang="en-US" sz="2000" b="1" dirty="0"/>
-              <a:t>import</a:t>
-            </a:r>
-            <a:r>
-              <a:rPr lang="en-US" sz="2000" dirty="0"/>
-              <a:t> the arcade library then declare the class that inherits from Window.</a:t>
+              <a:t>Inheritance is a powerful feature that allows us to inherit code from another class or library.</a:t>
+            </a:r>
+            <a:endParaRPr lang="en-US" sz="2000" dirty="0">
+              <a:latin typeface="Gill Sans MT" panose="020B0502020104020203" pitchFamily="34" charset="77"/>
+            </a:endParaRPr>
+          </a:p>
+          <a:p>
+            <a:pPr marL="0" indent="0">
+              <a:buNone/>
+            </a:pPr>
+            <a:endParaRPr lang="en-US" sz="2000" dirty="0">
+              <a:latin typeface="Gill Sans MT" panose="020B0502020104020203" pitchFamily="34" charset="77"/>
+            </a:endParaRPr>
+          </a:p>
+          <a:p>
+            <a:pPr marL="0" indent="0">
+              <a:buNone/>
+            </a:pPr>
+            <a:r>
+              <a:rPr lang="en-US" sz="2000" dirty="0">
+                <a:latin typeface="Gill Sans MT" panose="020B0502020104020203" pitchFamily="34" charset="77"/>
+              </a:rPr>
+              <a:t>The </a:t>
+            </a:r>
+            <a:r>
+              <a:rPr lang="en-US" sz="2000" b="1" dirty="0">
+                <a:latin typeface="Gill Sans MT" panose="020B0502020104020203" pitchFamily="34" charset="77"/>
+              </a:rPr>
+              <a:t>Arcade library</a:t>
+            </a:r>
+            <a:r>
+              <a:rPr lang="en-US" sz="2000" dirty="0">
+                <a:latin typeface="Gill Sans MT" panose="020B0502020104020203" pitchFamily="34" charset="77"/>
+              </a:rPr>
+              <a:t>, for example, contains many classes and functions that we can use to write arcade games. It has a class called </a:t>
+            </a:r>
+            <a:r>
+              <a:rPr lang="en-US" sz="2000" b="1" dirty="0">
+                <a:latin typeface="Gill Sans MT" panose="020B0502020104020203" pitchFamily="34" charset="77"/>
+              </a:rPr>
+              <a:t>Window</a:t>
+            </a:r>
+            <a:r>
+              <a:rPr lang="en-US" sz="2000" dirty="0">
+                <a:latin typeface="Gill Sans MT" panose="020B0502020104020203" pitchFamily="34" charset="77"/>
+              </a:rPr>
+              <a:t>.</a:t>
             </a:r>
           </a:p>
           <a:p>
@@ -9806,52 +10156,42 @@
               <a:buNone/>
             </a:pPr>
             <a:r>
+              <a:rPr lang="en-US" sz="2000" dirty="0">
+                <a:latin typeface="Gill Sans MT" panose="020B0502020104020203" pitchFamily="34" charset="77"/>
+              </a:rPr>
+              <a:t>The </a:t>
+            </a:r>
+            <a:r>
               <a:rPr lang="en-US" sz="2000" b="1" dirty="0">
-                <a:solidFill>
-                  <a:srgbClr val="34A327"/>
-                </a:solidFill>
-                <a:latin typeface="Inconsolata Medium" panose="020B0609030003000000" pitchFamily="49" charset="77"/>
-              </a:rPr>
-              <a:t>import</a:t>
-            </a:r>
-            <a:r>
-              <a:rPr lang="en-US" sz="2000" b="1" dirty="0">
-                <a:solidFill>
-                  <a:srgbClr val="000000"/>
-                </a:solidFill>
-                <a:latin typeface="Inconsolata Medium" panose="020B0609030003000000" pitchFamily="49" charset="77"/>
-              </a:rPr>
-              <a:t> </a:t>
-            </a:r>
-            <a:r>
-              <a:rPr lang="en-US" sz="2000" b="1" dirty="0">
-                <a:solidFill>
-                  <a:srgbClr val="3C9FF2"/>
-                </a:solidFill>
-                <a:latin typeface="Inconsolata Medium" panose="020B0609030003000000" pitchFamily="49" charset="77"/>
-              </a:rPr>
-              <a:t>arcade</a:t>
-            </a:r>
-            <a:r>
-              <a:rPr lang="en-US" sz="2000" b="1" dirty="0">
-                <a:solidFill>
-                  <a:srgbClr val="000000"/>
-                </a:solidFill>
-                <a:latin typeface="Inconsolata Medium" panose="020B0609030003000000" pitchFamily="49" charset="77"/>
-              </a:rPr>
-              <a:t> </a:t>
-            </a:r>
-            <a:endParaRPr lang="en-US" sz="2000" b="1" dirty="0">
-              <a:solidFill>
-                <a:srgbClr val="34A327"/>
-              </a:solidFill>
-              <a:latin typeface="Inconsolata Medium" panose="020B0609030003000000" pitchFamily="49" charset="77"/>
+                <a:latin typeface="Gill Sans MT" panose="020B0502020104020203" pitchFamily="34" charset="77"/>
+              </a:rPr>
+              <a:t>Window</a:t>
+            </a:r>
+            <a:r>
+              <a:rPr lang="en-US" sz="2000" dirty="0">
+                <a:latin typeface="Gill Sans MT" panose="020B0502020104020203" pitchFamily="34" charset="77"/>
+              </a:rPr>
+              <a:t> class can create a window, draw shapes, images and animate them, detect and respond to keyboard and mouse inputs. </a:t>
+            </a:r>
+          </a:p>
+          <a:p>
+            <a:pPr marL="0" indent="0">
+              <a:buNone/>
+            </a:pPr>
+            <a:endParaRPr lang="en-US" sz="2000" dirty="0">
+              <a:latin typeface="Gill Sans MT" panose="020B0502020104020203" pitchFamily="34" charset="77"/>
             </a:endParaRPr>
           </a:p>
           <a:p>
             <a:pPr marL="0" indent="0">
               <a:buNone/>
             </a:pPr>
+            <a:r>
+              <a:rPr lang="en-US" sz="2000" dirty="0">
+                <a:latin typeface="Gill Sans MT" panose="020B0502020104020203" pitchFamily="34" charset="77"/>
+              </a:rPr>
+              <a:t>That's a lot of code that we don't want to write! Instead, we can simply inherit from it!</a:t>
+            </a:r>
             <a:endParaRPr lang="en-US" sz="2000" b="1" dirty="0">
               <a:solidFill>
                 <a:srgbClr val="000087"/>
@@ -9863,163 +10203,6 @@
             <a:pPr marL="0" indent="0">
               <a:buNone/>
             </a:pPr>
-            <a:r>
-              <a:rPr lang="en-US" sz="2000" b="1" dirty="0">
-                <a:solidFill>
-                  <a:srgbClr val="34A327"/>
-                </a:solidFill>
-                <a:latin typeface="Inconsolata Medium" panose="020B0609030003000000" pitchFamily="49" charset="77"/>
-              </a:rPr>
-              <a:t>class</a:t>
-            </a:r>
-            <a:r>
-              <a:rPr lang="en-US" sz="2000" b="1" dirty="0">
-                <a:solidFill>
-                  <a:srgbClr val="000000"/>
-                </a:solidFill>
-                <a:latin typeface="Inconsolata Medium" panose="020B0609030003000000" pitchFamily="49" charset="77"/>
-              </a:rPr>
-              <a:t> </a:t>
-            </a:r>
-            <a:r>
-              <a:rPr lang="en-US" sz="2000" b="1" dirty="0" err="1">
-                <a:solidFill>
-                  <a:srgbClr val="3C9FF2"/>
-                </a:solidFill>
-                <a:latin typeface="Inconsolata Medium" panose="020B0609030003000000" pitchFamily="49" charset="77"/>
-              </a:rPr>
-              <a:t>MyGame</a:t>
-            </a:r>
-            <a:r>
-              <a:rPr lang="en-US" sz="2000" b="1" dirty="0">
-                <a:solidFill>
-                  <a:srgbClr val="000000"/>
-                </a:solidFill>
-                <a:latin typeface="Inconsolata Medium" panose="020B0609030003000000" pitchFamily="49" charset="77"/>
-              </a:rPr>
-              <a:t>(</a:t>
-            </a:r>
-            <a:r>
-              <a:rPr lang="en-US" sz="2000" b="1" dirty="0" err="1">
-                <a:solidFill>
-                  <a:srgbClr val="000000"/>
-                </a:solidFill>
-                <a:latin typeface="Inconsolata Medium" panose="020B0609030003000000" pitchFamily="49" charset="77"/>
-              </a:rPr>
-              <a:t>arcade.Window</a:t>
-            </a:r>
-            <a:r>
-              <a:rPr lang="en-US" sz="2000" b="1" dirty="0">
-                <a:solidFill>
-                  <a:srgbClr val="000000"/>
-                </a:solidFill>
-                <a:latin typeface="Inconsolata Medium" panose="020B0609030003000000" pitchFamily="49" charset="77"/>
-              </a:rPr>
-              <a:t>):</a:t>
-            </a:r>
-          </a:p>
-          <a:p>
-            <a:pPr marL="0" indent="0">
-              <a:buNone/>
-            </a:pPr>
-            <a:r>
-              <a:rPr lang="en-US" sz="2000" dirty="0">
-                <a:solidFill>
-                  <a:srgbClr val="000000"/>
-                </a:solidFill>
-                <a:latin typeface="Inconsolata Medium" panose="020B0609030003000000" pitchFamily="49" charset="77"/>
-              </a:rPr>
-              <a:t>	</a:t>
-            </a:r>
-            <a:r>
-              <a:rPr lang="en-US" sz="2000" dirty="0">
-                <a:solidFill>
-                  <a:srgbClr val="4070A0"/>
-                </a:solidFill>
-                <a:latin typeface="Inconsolata Medium" panose="020B0609030003000000" pitchFamily="49" charset="77"/>
-              </a:rPr>
-              <a:t># </a:t>
-            </a:r>
-            <a:r>
-              <a:rPr lang="en-US" sz="2000" dirty="0" err="1">
-                <a:solidFill>
-                  <a:srgbClr val="4070A0"/>
-                </a:solidFill>
-                <a:latin typeface="Inconsolata Medium" panose="020B0609030003000000" pitchFamily="49" charset="77"/>
-              </a:rPr>
-              <a:t>MyGame</a:t>
-            </a:r>
-            <a:r>
-              <a:rPr lang="en-US" sz="2000" dirty="0">
-                <a:solidFill>
-                  <a:srgbClr val="4070A0"/>
-                </a:solidFill>
-                <a:latin typeface="Inconsolata Medium" panose="020B0609030003000000" pitchFamily="49" charset="77"/>
-              </a:rPr>
-              <a:t> inherits variables and methods from Window!</a:t>
-            </a:r>
-          </a:p>
-          <a:p>
-            <a:pPr marL="0" indent="0">
-              <a:buNone/>
-            </a:pPr>
-            <a:r>
-              <a:rPr lang="en-US" sz="2000" dirty="0">
-                <a:solidFill>
-                  <a:srgbClr val="4070A0"/>
-                </a:solidFill>
-                <a:latin typeface="Inconsolata Medium" panose="020B0609030003000000" pitchFamily="49" charset="77"/>
-              </a:rPr>
-              <a:t>	# including ability to animate images, detect</a:t>
-            </a:r>
-          </a:p>
-          <a:p>
-            <a:pPr marL="0" indent="0">
-              <a:buNone/>
-            </a:pPr>
-            <a:r>
-              <a:rPr lang="en-US" sz="2000" dirty="0">
-                <a:solidFill>
-                  <a:srgbClr val="4070A0"/>
-                </a:solidFill>
-                <a:latin typeface="Inconsolata Medium" panose="020B0609030003000000" pitchFamily="49" charset="77"/>
-              </a:rPr>
-              <a:t>	# keyboard and mouse inputs, </a:t>
-            </a:r>
-            <a:r>
-              <a:rPr lang="en-US" sz="2000" dirty="0" err="1">
-                <a:solidFill>
-                  <a:srgbClr val="4070A0"/>
-                </a:solidFill>
-                <a:latin typeface="Inconsolata Medium" panose="020B0609030003000000" pitchFamily="49" charset="77"/>
-              </a:rPr>
-              <a:t>etc</a:t>
-            </a:r>
-            <a:r>
-              <a:rPr lang="en-US" sz="2000" dirty="0">
-                <a:solidFill>
-                  <a:srgbClr val="4070A0"/>
-                </a:solidFill>
-                <a:latin typeface="Inconsolata Medium" panose="020B0609030003000000" pitchFamily="49" charset="77"/>
-              </a:rPr>
-              <a:t>…</a:t>
-            </a:r>
-          </a:p>
-          <a:p>
-            <a:pPr marL="0" indent="0">
-              <a:buNone/>
-            </a:pPr>
-            <a:endParaRPr lang="en-US" sz="2000" b="1" dirty="0">
-              <a:solidFill>
-                <a:srgbClr val="000000"/>
-              </a:solidFill>
-              <a:latin typeface="Inconsolata Medium" panose="020B0609030003000000" pitchFamily="49" charset="77"/>
-            </a:endParaRPr>
-          </a:p>
-          <a:p>
-            <a:pPr marL="0" indent="0">
-              <a:buNone/>
-            </a:pPr>
             <a:endParaRPr lang="en-US" sz="2000" b="1" dirty="0">
               <a:solidFill>
                 <a:srgbClr val="000087"/>
@@ -10032,7 +10215,7 @@
     </p:spTree>
     <p:extLst>
       <p:ext uri="{BB962C8B-B14F-4D97-AF65-F5344CB8AC3E}">
-        <p14:creationId xmlns:p14="http://schemas.microsoft.com/office/powerpoint/2010/main" val="4162743568"/>
+        <p14:creationId xmlns:p14="http://schemas.microsoft.com/office/powerpoint/2010/main" val="1191437278"/>
       </p:ext>
     </p:extLst>
   </p:cSld>
@@ -10087,7 +10270,7 @@
           <a:p>
             <a:r>
               <a:rPr lang="en-US" dirty="0"/>
-              <a:t>Import </a:t>
+              <a:t>Inheritance</a:t>
             </a:r>
           </a:p>
         </p:txBody>
@@ -10140,53 +10323,6 @@
             <a:pPr marL="0" indent="0">
               <a:buNone/>
             </a:pPr>
-            <a:endParaRPr lang="en-US" sz="2000" dirty="0"/>
-          </a:p>
-          <a:p>
-            <a:pPr marL="0" indent="0">
-              <a:buNone/>
-            </a:pPr>
-            <a:r>
-              <a:rPr lang="en-US" sz="2000" dirty="0"/>
-              <a:t>The import statement allows code from one </a:t>
-            </a:r>
-            <a:r>
-              <a:rPr lang="en-US" sz="2000" b="1" dirty="0"/>
-              <a:t>script/module</a:t>
-            </a:r>
-            <a:r>
-              <a:rPr lang="en-US" sz="2000" dirty="0"/>
-              <a:t>(code from a .</a:t>
-            </a:r>
-            <a:r>
-              <a:rPr lang="en-US" sz="2000" dirty="0" err="1"/>
-              <a:t>py</a:t>
-            </a:r>
-            <a:r>
-              <a:rPr lang="en-US" sz="2000" dirty="0"/>
-              <a:t> file) to gain access to code from another </a:t>
-            </a:r>
-            <a:r>
-              <a:rPr lang="en-US" sz="2000" b="1" dirty="0"/>
-              <a:t>module</a:t>
-            </a:r>
-            <a:r>
-              <a:rPr lang="en-US" sz="2000" dirty="0"/>
-              <a:t> or </a:t>
-            </a:r>
-            <a:r>
-              <a:rPr lang="en-US" sz="2000" b="1" dirty="0"/>
-              <a:t>library</a:t>
-            </a:r>
-            <a:r>
-              <a:rPr lang="en-US" sz="2000" dirty="0"/>
-              <a:t>.</a:t>
-            </a:r>
-          </a:p>
-          <a:p>
-            <a:pPr marL="0" indent="0">
-              <a:buNone/>
-            </a:pPr>
             <a:endParaRPr lang="en-US" sz="2000" b="1" dirty="0">
               <a:solidFill>
                 <a:srgbClr val="000087"/>
@@ -10425,7 +10561,7 @@
     </p:spTree>
     <p:extLst>
       <p:ext uri="{BB962C8B-B14F-4D97-AF65-F5344CB8AC3E}">
-        <p14:creationId xmlns:p14="http://schemas.microsoft.com/office/powerpoint/2010/main" val="3683010979"/>
+        <p14:creationId xmlns:p14="http://schemas.microsoft.com/office/powerpoint/2010/main" val="4162743568"/>
       </p:ext>
     </p:extLst>
   </p:cSld>
@@ -10480,6 +10616,399 @@
           <a:p>
             <a:r>
               <a:rPr lang="en-US" dirty="0"/>
+              <a:t>Import </a:t>
+            </a:r>
+          </a:p>
+        </p:txBody>
+      </p:sp>
+      <p:sp>
+        <p:nvSpPr>
+          <p:cNvPr id="9" name="Content Placeholder 8">
+            <a:extLst>
+              <a:ext uri="{FF2B5EF4-FFF2-40B4-BE49-F238E27FC236}">
+                <a16:creationId xmlns:a16="http://schemas.microsoft.com/office/drawing/2014/main" id="{E3B2E017-30B2-884B-A113-B419A2ED51AD}"/>
+              </a:ext>
+            </a:extLst>
+          </p:cNvPr>
+          <p:cNvSpPr>
+            <a:spLocks noGrp="1"/>
+          </p:cNvSpPr>
+          <p:nvPr>
+            <p:ph idx="1"/>
+          </p:nvPr>
+        </p:nvSpPr>
+        <p:spPr>
+          <a:xfrm>
+            <a:off x="483848" y="1007707"/>
+            <a:ext cx="8051725" cy="4583796"/>
+          </a:xfrm>
+        </p:spPr>
+        <p:txBody>
+          <a:bodyPr>
+            <a:normAutofit/>
+          </a:bodyPr>
+          <a:lstStyle/>
+          <a:p>
+            <a:pPr marL="0" indent="0">
+              <a:buNone/>
+            </a:pPr>
+            <a:r>
+              <a:rPr lang="en-US" sz="2000" dirty="0"/>
+              <a:t>We first need to </a:t>
+            </a:r>
+            <a:r>
+              <a:rPr lang="en-US" sz="2000" b="1" dirty="0"/>
+              <a:t>import</a:t>
+            </a:r>
+            <a:r>
+              <a:rPr lang="en-US" sz="2000" dirty="0"/>
+              <a:t> the arcade library then declare the class that inherits from Window.</a:t>
+            </a:r>
+          </a:p>
+          <a:p>
+            <a:pPr marL="0" indent="0">
+              <a:buNone/>
+            </a:pPr>
+            <a:endParaRPr lang="en-US" sz="2000" dirty="0"/>
+          </a:p>
+          <a:p>
+            <a:pPr marL="0" indent="0">
+              <a:buNone/>
+            </a:pPr>
+            <a:r>
+              <a:rPr lang="en-US" sz="2000" dirty="0"/>
+              <a:t>The import statement allows code from one </a:t>
+            </a:r>
+            <a:r>
+              <a:rPr lang="en-US" sz="2000" b="1" dirty="0"/>
+              <a:t>script/module</a:t>
+            </a:r>
+            <a:r>
+              <a:rPr lang="en-US" sz="2000" dirty="0"/>
+              <a:t>(code from a .</a:t>
+            </a:r>
+            <a:r>
+              <a:rPr lang="en-US" sz="2000" dirty="0" err="1"/>
+              <a:t>py</a:t>
+            </a:r>
+            <a:r>
+              <a:rPr lang="en-US" sz="2000" dirty="0"/>
+              <a:t> file) to gain access to code from another </a:t>
+            </a:r>
+            <a:r>
+              <a:rPr lang="en-US" sz="2000" b="1" dirty="0"/>
+              <a:t>module</a:t>
+            </a:r>
+            <a:r>
+              <a:rPr lang="en-US" sz="2000" dirty="0"/>
+              <a:t> or </a:t>
+            </a:r>
+            <a:r>
+              <a:rPr lang="en-US" sz="2000" b="1" dirty="0"/>
+              <a:t>library</a:t>
+            </a:r>
+            <a:r>
+              <a:rPr lang="en-US" sz="2000" dirty="0"/>
+              <a:t>.</a:t>
+            </a:r>
+          </a:p>
+          <a:p>
+            <a:pPr marL="0" indent="0">
+              <a:buNone/>
+            </a:pPr>
+            <a:endParaRPr lang="en-US" sz="2000" b="1" dirty="0">
+              <a:solidFill>
+                <a:srgbClr val="000087"/>
+              </a:solidFill>
+              <a:latin typeface="Inconsolata Medium" panose="020B0609030003000000" pitchFamily="49" charset="77"/>
+            </a:endParaRPr>
+          </a:p>
+          <a:p>
+            <a:pPr marL="0" indent="0">
+              <a:buNone/>
+            </a:pPr>
+            <a:r>
+              <a:rPr lang="en-US" sz="2000" b="1" dirty="0">
+                <a:solidFill>
+                  <a:srgbClr val="34A327"/>
+                </a:solidFill>
+                <a:latin typeface="Inconsolata Medium" panose="020B0609030003000000" pitchFamily="49" charset="77"/>
+              </a:rPr>
+              <a:t>import</a:t>
+            </a:r>
+            <a:r>
+              <a:rPr lang="en-US" sz="2000" b="1" dirty="0">
+                <a:solidFill>
+                  <a:srgbClr val="000000"/>
+                </a:solidFill>
+                <a:latin typeface="Inconsolata Medium" panose="020B0609030003000000" pitchFamily="49" charset="77"/>
+              </a:rPr>
+              <a:t> </a:t>
+            </a:r>
+            <a:r>
+              <a:rPr lang="en-US" sz="2000" b="1" dirty="0">
+                <a:solidFill>
+                  <a:srgbClr val="3C9FF2"/>
+                </a:solidFill>
+                <a:latin typeface="Inconsolata Medium" panose="020B0609030003000000" pitchFamily="49" charset="77"/>
+              </a:rPr>
+              <a:t>arcade</a:t>
+            </a:r>
+            <a:r>
+              <a:rPr lang="en-US" sz="2000" b="1" dirty="0">
+                <a:solidFill>
+                  <a:srgbClr val="000000"/>
+                </a:solidFill>
+                <a:latin typeface="Inconsolata Medium" panose="020B0609030003000000" pitchFamily="49" charset="77"/>
+              </a:rPr>
+              <a:t> </a:t>
+            </a:r>
+            <a:endParaRPr lang="en-US" sz="2000" b="1" dirty="0">
+              <a:solidFill>
+                <a:srgbClr val="34A327"/>
+              </a:solidFill>
+              <a:latin typeface="Inconsolata Medium" panose="020B0609030003000000" pitchFamily="49" charset="77"/>
+            </a:endParaRPr>
+          </a:p>
+          <a:p>
+            <a:pPr marL="0" indent="0">
+              <a:buNone/>
+            </a:pPr>
+            <a:endParaRPr lang="en-US" sz="2000" b="1" dirty="0">
+              <a:solidFill>
+                <a:srgbClr val="000087"/>
+              </a:solidFill>
+              <a:latin typeface="Inconsolata Medium" panose="020B0609030003000000" pitchFamily="49" charset="77"/>
+            </a:endParaRPr>
+          </a:p>
+          <a:p>
+            <a:pPr marL="0" indent="0">
+              <a:buNone/>
+            </a:pPr>
+            <a:r>
+              <a:rPr lang="en-US" sz="2000" b="1" dirty="0">
+                <a:solidFill>
+                  <a:srgbClr val="34A327"/>
+                </a:solidFill>
+                <a:latin typeface="Inconsolata Medium" panose="020B0609030003000000" pitchFamily="49" charset="77"/>
+              </a:rPr>
+              <a:t>class</a:t>
+            </a:r>
+            <a:r>
+              <a:rPr lang="en-US" sz="2000" b="1" dirty="0">
+                <a:solidFill>
+                  <a:srgbClr val="000000"/>
+                </a:solidFill>
+                <a:latin typeface="Inconsolata Medium" panose="020B0609030003000000" pitchFamily="49" charset="77"/>
+              </a:rPr>
+              <a:t> </a:t>
+            </a:r>
+            <a:r>
+              <a:rPr lang="en-US" sz="2000" b="1" dirty="0" err="1">
+                <a:solidFill>
+                  <a:srgbClr val="3C9FF2"/>
+                </a:solidFill>
+                <a:latin typeface="Inconsolata Medium" panose="020B0609030003000000" pitchFamily="49" charset="77"/>
+              </a:rPr>
+              <a:t>MyGame</a:t>
+            </a:r>
+            <a:r>
+              <a:rPr lang="en-US" sz="2000" b="1" dirty="0">
+                <a:solidFill>
+                  <a:srgbClr val="000000"/>
+                </a:solidFill>
+                <a:latin typeface="Inconsolata Medium" panose="020B0609030003000000" pitchFamily="49" charset="77"/>
+              </a:rPr>
+              <a:t>(</a:t>
+            </a:r>
+            <a:r>
+              <a:rPr lang="en-US" sz="2000" b="1" dirty="0" err="1">
+                <a:solidFill>
+                  <a:srgbClr val="000000"/>
+                </a:solidFill>
+                <a:latin typeface="Inconsolata Medium" panose="020B0609030003000000" pitchFamily="49" charset="77"/>
+              </a:rPr>
+              <a:t>arcade.Window</a:t>
+            </a:r>
+            <a:r>
+              <a:rPr lang="en-US" sz="2000" b="1" dirty="0">
+                <a:solidFill>
+                  <a:srgbClr val="000000"/>
+                </a:solidFill>
+                <a:latin typeface="Inconsolata Medium" panose="020B0609030003000000" pitchFamily="49" charset="77"/>
+              </a:rPr>
+              <a:t>):</a:t>
+            </a:r>
+          </a:p>
+          <a:p>
+            <a:pPr marL="0" indent="0">
+              <a:buNone/>
+            </a:pPr>
+            <a:r>
+              <a:rPr lang="en-US" sz="2000" dirty="0">
+                <a:solidFill>
+                  <a:srgbClr val="000000"/>
+                </a:solidFill>
+                <a:latin typeface="Inconsolata Medium" panose="020B0609030003000000" pitchFamily="49" charset="77"/>
+              </a:rPr>
+              <a:t>	</a:t>
+            </a:r>
+            <a:r>
+              <a:rPr lang="en-US" sz="2000" dirty="0">
+                <a:solidFill>
+                  <a:srgbClr val="4070A0"/>
+                </a:solidFill>
+                <a:latin typeface="Inconsolata Medium" panose="020B0609030003000000" pitchFamily="49" charset="77"/>
+              </a:rPr>
+              <a:t># </a:t>
+            </a:r>
+            <a:r>
+              <a:rPr lang="en-US" sz="2000" dirty="0" err="1">
+                <a:solidFill>
+                  <a:srgbClr val="4070A0"/>
+                </a:solidFill>
+                <a:latin typeface="Inconsolata Medium" panose="020B0609030003000000" pitchFamily="49" charset="77"/>
+              </a:rPr>
+              <a:t>MyGame</a:t>
+            </a:r>
+            <a:r>
+              <a:rPr lang="en-US" sz="2000" dirty="0">
+                <a:solidFill>
+                  <a:srgbClr val="4070A0"/>
+                </a:solidFill>
+                <a:latin typeface="Inconsolata Medium" panose="020B0609030003000000" pitchFamily="49" charset="77"/>
+              </a:rPr>
+              <a:t> inherits variables and methods from Window!</a:t>
+            </a:r>
+          </a:p>
+          <a:p>
+            <a:pPr marL="0" indent="0">
+              <a:buNone/>
+            </a:pPr>
+            <a:r>
+              <a:rPr lang="en-US" sz="2000" dirty="0">
+                <a:solidFill>
+                  <a:srgbClr val="4070A0"/>
+                </a:solidFill>
+                <a:latin typeface="Inconsolata Medium" panose="020B0609030003000000" pitchFamily="49" charset="77"/>
+              </a:rPr>
+              <a:t>	# including ability to animate images, detect</a:t>
+            </a:r>
+          </a:p>
+          <a:p>
+            <a:pPr marL="0" indent="0">
+              <a:buNone/>
+            </a:pPr>
+            <a:r>
+              <a:rPr lang="en-US" sz="2000" dirty="0">
+                <a:solidFill>
+                  <a:srgbClr val="4070A0"/>
+                </a:solidFill>
+                <a:latin typeface="Inconsolata Medium" panose="020B0609030003000000" pitchFamily="49" charset="77"/>
+              </a:rPr>
+              <a:t>	# keyboard and mouse inputs, </a:t>
+            </a:r>
+            <a:r>
+              <a:rPr lang="en-US" sz="2000" dirty="0" err="1">
+                <a:solidFill>
+                  <a:srgbClr val="4070A0"/>
+                </a:solidFill>
+                <a:latin typeface="Inconsolata Medium" panose="020B0609030003000000" pitchFamily="49" charset="77"/>
+              </a:rPr>
+              <a:t>etc</a:t>
+            </a:r>
+            <a:r>
+              <a:rPr lang="en-US" sz="2000" dirty="0">
+                <a:solidFill>
+                  <a:srgbClr val="4070A0"/>
+                </a:solidFill>
+                <a:latin typeface="Inconsolata Medium" panose="020B0609030003000000" pitchFamily="49" charset="77"/>
+              </a:rPr>
+              <a:t>…</a:t>
+            </a:r>
+          </a:p>
+          <a:p>
+            <a:pPr marL="0" indent="0">
+              <a:buNone/>
+            </a:pPr>
+            <a:endParaRPr lang="en-US" sz="2000" b="1" dirty="0">
+              <a:solidFill>
+                <a:srgbClr val="000000"/>
+              </a:solidFill>
+              <a:latin typeface="Inconsolata Medium" panose="020B0609030003000000" pitchFamily="49" charset="77"/>
+            </a:endParaRPr>
+          </a:p>
+          <a:p>
+            <a:pPr marL="0" indent="0">
+              <a:buNone/>
+            </a:pPr>
+            <a:endParaRPr lang="en-US" sz="2000" b="1" dirty="0">
+              <a:solidFill>
+                <a:srgbClr val="000087"/>
+              </a:solidFill>
+              <a:latin typeface="Inconsolata Medium" panose="020B0609030003000000" pitchFamily="49" charset="77"/>
+            </a:endParaRPr>
+          </a:p>
+        </p:txBody>
+      </p:sp>
+    </p:spTree>
+    <p:extLst>
+      <p:ext uri="{BB962C8B-B14F-4D97-AF65-F5344CB8AC3E}">
+        <p14:creationId xmlns:p14="http://schemas.microsoft.com/office/powerpoint/2010/main" val="3683010979"/>
+      </p:ext>
+    </p:extLst>
+  </p:cSld>
+  <p:clrMapOvr>
+    <a:masterClrMapping/>
+  </p:clrMapOvr>
+</p:sld>
+</file>
+
+<file path=ppt/slides/slide23.xml><?xml version="1.0" encoding="utf-8"?>
+<p:sld xmlns:a="http://schemas.openxmlformats.org/drawingml/2006/main" xmlns:r="http://schemas.openxmlformats.org/officeDocument/2006/relationships" xmlns:p="http://schemas.openxmlformats.org/presentationml/2006/main">
+  <p:cSld>
+    <p:spTree>
+      <p:nvGrpSpPr>
+        <p:cNvPr id="1" name=""/>
+        <p:cNvGrpSpPr/>
+        <p:nvPr/>
+      </p:nvGrpSpPr>
+      <p:grpSpPr>
+        <a:xfrm>
+          <a:off x="0" y="0"/>
+          <a:ext cx="0" cy="0"/>
+          <a:chOff x="0" y="0"/>
+          <a:chExt cx="0" cy="0"/>
+        </a:xfrm>
+      </p:grpSpPr>
+      <p:sp>
+        <p:nvSpPr>
+          <p:cNvPr id="2" name="Title 1">
+            <a:extLst>
+              <a:ext uri="{FF2B5EF4-FFF2-40B4-BE49-F238E27FC236}">
+                <a16:creationId xmlns:a16="http://schemas.microsoft.com/office/drawing/2014/main" id="{AA3A228F-61D0-D949-A5E7-F83756230BF8}"/>
+              </a:ext>
+            </a:extLst>
+          </p:cNvPr>
+          <p:cNvSpPr>
+            <a:spLocks noGrp="1"/>
+          </p:cNvSpPr>
+          <p:nvPr>
+            <p:ph type="title"/>
+          </p:nvPr>
+        </p:nvSpPr>
+        <p:spPr>
+          <a:xfrm>
+            <a:off x="483848" y="467027"/>
+            <a:ext cx="7053542" cy="683886"/>
+          </a:xfrm>
+        </p:spPr>
+        <p:txBody>
+          <a:bodyPr/>
+          <a:lstStyle/>
+          <a:p>
+            <a:r>
+              <a:rPr lang="en-US" dirty="0"/>
               <a:t>Lab 1</a:t>
             </a:r>
           </a:p>
@@ -10533,14 +11062,6 @@
             <a:pPr marL="0" indent="0">
               <a:buNone/>
             </a:pPr>
-            <a:endParaRPr lang="en-US" sz="2000" dirty="0">
-              <a:latin typeface="Gill Sans MT" panose="020B0502020104020203" pitchFamily="34" charset="77"/>
-            </a:endParaRPr>
-          </a:p>
-          <a:p>
-            <a:pPr marL="0" indent="0">
-              <a:buNone/>
-            </a:pPr>
             <a:r>
               <a:rPr lang="en-US" sz="2000" dirty="0">
                 <a:latin typeface="Gill Sans MT" panose="020B0502020104020203" pitchFamily="34" charset="77"/>
@@ -10557,35 +11078,78 @@
               <a:rPr lang="en-US" sz="2000" dirty="0">
                 <a:latin typeface="Gill Sans MT" panose="020B0502020104020203" pitchFamily="34" charset="77"/>
               </a:rPr>
-              <a:t> which inherits from the </a:t>
-            </a:r>
-            <a:r>
-              <a:rPr lang="en-US" sz="2000">
+              <a:t> which inherits from the Student class. This class has an additional variable: </a:t>
+            </a:r>
+            <a:r>
+              <a:rPr lang="en-US" sz="2000" dirty="0" err="1">
                 <a:latin typeface="Gill Sans MT" panose="020B0502020104020203" pitchFamily="34" charset="77"/>
               </a:rPr>
-              <a:t>Student class. </a:t>
-            </a:r>
-            <a:endParaRPr lang="en-US" sz="2000" dirty="0">
-              <a:latin typeface="Gill Sans MT" panose="020B0502020104020203" pitchFamily="34" charset="77"/>
-            </a:endParaRPr>
-          </a:p>
-          <a:p>
-            <a:pPr marL="0" indent="0">
-              <a:buNone/>
-            </a:pPr>
-            <a:endParaRPr lang="en-US" sz="2000" dirty="0">
-              <a:latin typeface="Gill Sans MT" panose="020B0502020104020203" pitchFamily="34" charset="77"/>
-            </a:endParaRPr>
-          </a:p>
-          <a:p>
-            <a:pPr marL="0" indent="0">
-              <a:buNone/>
-            </a:pPr>
+              <a:t>researchTopic</a:t>
+            </a:r>
             <a:r>
               <a:rPr lang="en-US" sz="2000" dirty="0">
                 <a:latin typeface="Gill Sans MT" panose="020B0502020104020203" pitchFamily="34" charset="77"/>
               </a:rPr>
-              <a:t>Write the main method and:</a:t>
+              <a:t>. Both the Student and </a:t>
+            </a:r>
+            <a:r>
+              <a:rPr lang="en-US" sz="2000" dirty="0" err="1">
+                <a:latin typeface="Gill Sans MT" panose="020B0502020104020203" pitchFamily="34" charset="77"/>
+              </a:rPr>
+              <a:t>GradStudent</a:t>
+            </a:r>
+            <a:r>
+              <a:rPr lang="en-US" sz="2000" dirty="0">
+                <a:latin typeface="Gill Sans MT" panose="020B0502020104020203" pitchFamily="34" charset="77"/>
+              </a:rPr>
+              <a:t> classes(and also </a:t>
+            </a:r>
+            <a:r>
+              <a:rPr lang="en-US" sz="2000" dirty="0" err="1">
+                <a:latin typeface="Gill Sans MT" panose="020B0502020104020203" pitchFamily="34" charset="77"/>
+              </a:rPr>
+              <a:t>average_gpa</a:t>
+            </a:r>
+            <a:r>
+              <a:rPr lang="en-US" sz="2000" dirty="0">
+                <a:latin typeface="Gill Sans MT" panose="020B0502020104020203" pitchFamily="34" charset="77"/>
+              </a:rPr>
+              <a:t>) should be in a module called </a:t>
+            </a:r>
+            <a:r>
+              <a:rPr lang="en-US" sz="2000" dirty="0" err="1">
+                <a:latin typeface="Gill Sans MT" panose="020B0502020104020203" pitchFamily="34" charset="77"/>
+              </a:rPr>
+              <a:t>objects.py</a:t>
+            </a:r>
+            <a:r>
+              <a:rPr lang="en-US" sz="2000" dirty="0">
+                <a:latin typeface="Gill Sans MT" panose="020B0502020104020203" pitchFamily="34" charset="77"/>
+              </a:rPr>
+              <a:t>.</a:t>
+            </a:r>
+          </a:p>
+          <a:p>
+            <a:pPr marL="0" indent="0">
+              <a:buNone/>
+            </a:pPr>
+            <a:r>
+              <a:rPr lang="en-US" sz="2000" dirty="0">
+                <a:latin typeface="Gill Sans MT" panose="020B0502020104020203" pitchFamily="34" charset="77"/>
+              </a:rPr>
+              <a:t>Write the main method(in </a:t>
+            </a:r>
+            <a:r>
+              <a:rPr lang="en-US" sz="2000" dirty="0" err="1">
+                <a:latin typeface="Gill Sans MT" panose="020B0502020104020203" pitchFamily="34" charset="77"/>
+              </a:rPr>
+              <a:t>main.py</a:t>
+            </a:r>
+            <a:r>
+              <a:rPr lang="en-US" sz="2000" dirty="0">
+                <a:latin typeface="Gill Sans MT" panose="020B0502020104020203" pitchFamily="34" charset="77"/>
+              </a:rPr>
+              <a:t>) and:</a:t>
             </a:r>
           </a:p>
           <a:p>
@@ -10596,19 +11160,55 @@
               <a:rPr lang="en-US" sz="2000" dirty="0">
                 <a:latin typeface="Gill Sans MT" panose="020B0502020104020203" pitchFamily="34" charset="77"/>
               </a:rPr>
-              <a:t>Create a Student object and store it in a variable. Print out name and </a:t>
+              <a:t>Create a </a:t>
             </a:r>
             <a:r>
               <a:rPr lang="en-US" sz="2000" dirty="0" err="1">
                 <a:latin typeface="Gill Sans MT" panose="020B0502020104020203" pitchFamily="34" charset="77"/>
               </a:rPr>
-              <a:t>gpa</a:t>
+              <a:t>GradStudent</a:t>
             </a:r>
             <a:r>
               <a:rPr lang="en-US" sz="2000" dirty="0">
                 <a:latin typeface="Gill Sans MT" panose="020B0502020104020203" pitchFamily="34" charset="77"/>
               </a:rPr>
-              <a:t> of the Student object using the dot notation. </a:t>
+              <a:t> object and store it in a variable. Print out name, </a:t>
+            </a:r>
+            <a:r>
+              <a:rPr lang="en-US" sz="2000" dirty="0" err="1">
+                <a:latin typeface="Gill Sans MT" panose="020B0502020104020203" pitchFamily="34" charset="77"/>
+              </a:rPr>
+              <a:t>gpa</a:t>
+            </a:r>
+            <a:r>
+              <a:rPr lang="en-US" sz="2000" dirty="0">
+                <a:latin typeface="Gill Sans MT" panose="020B0502020104020203" pitchFamily="34" charset="77"/>
+              </a:rPr>
+              <a:t> and </a:t>
+            </a:r>
+            <a:r>
+              <a:rPr lang="en-US" sz="2000" dirty="0" err="1">
+                <a:latin typeface="Gill Sans MT" panose="020B0502020104020203" pitchFamily="34" charset="77"/>
+              </a:rPr>
+              <a:t>researchTopic</a:t>
+            </a:r>
+            <a:r>
+              <a:rPr lang="en-US" sz="2000" dirty="0">
+                <a:latin typeface="Gill Sans MT" panose="020B0502020104020203" pitchFamily="34" charset="77"/>
+              </a:rPr>
+              <a:t> of the </a:t>
+            </a:r>
+            <a:r>
+              <a:rPr lang="en-US" sz="2000" dirty="0" err="1">
+                <a:latin typeface="Gill Sans MT" panose="020B0502020104020203" pitchFamily="34" charset="77"/>
+              </a:rPr>
+              <a:t>GradStudent</a:t>
+            </a:r>
+            <a:r>
+              <a:rPr lang="en-US" sz="2000" dirty="0">
+                <a:latin typeface="Gill Sans MT" panose="020B0502020104020203" pitchFamily="34" charset="77"/>
+              </a:rPr>
+              <a:t> object using the dot notation. </a:t>
             </a:r>
           </a:p>
           <a:p>
@@ -10619,7 +11219,19 @@
               <a:rPr lang="en-US" sz="2000" dirty="0">
                 <a:latin typeface="Gill Sans MT" panose="020B0502020104020203" pitchFamily="34" charset="77"/>
               </a:rPr>
-              <a:t>Create a list of three Student objects. Use a for loop to print out the names.  </a:t>
+              <a:t>Create a list of three </a:t>
+            </a:r>
+            <a:r>
+              <a:rPr lang="en-US" sz="2000" dirty="0" err="1">
+                <a:latin typeface="Gill Sans MT" panose="020B0502020104020203" pitchFamily="34" charset="77"/>
+              </a:rPr>
+              <a:t>GradStudent</a:t>
+            </a:r>
+            <a:r>
+              <a:rPr lang="en-US" sz="2000" dirty="0">
+                <a:latin typeface="Gill Sans MT" panose="020B0502020104020203" pitchFamily="34" charset="77"/>
+              </a:rPr>
+              <a:t> objects. </a:t>
             </a:r>
           </a:p>
           <a:p>
@@ -10642,19 +11254,19 @@
               <a:rPr lang="en-US" sz="2000" dirty="0">
                 <a:latin typeface="Gill Sans MT" panose="020B0502020104020203" pitchFamily="34" charset="77"/>
               </a:rPr>
-              <a:t> and make sure it works by printing out the average </a:t>
+              <a:t> on the list of </a:t>
             </a:r>
             <a:r>
               <a:rPr lang="en-US" sz="2000" dirty="0" err="1">
                 <a:latin typeface="Gill Sans MT" panose="020B0502020104020203" pitchFamily="34" charset="77"/>
               </a:rPr>
-              <a:t>gpa</a:t>
+              <a:t>GradStudent</a:t>
             </a:r>
             <a:r>
               <a:rPr lang="en-US" sz="2000" dirty="0">
                 <a:latin typeface="Gill Sans MT" panose="020B0502020104020203" pitchFamily="34" charset="77"/>
               </a:rPr>
-              <a:t>.</a:t>
+              <a:t> objects.</a:t>
             </a:r>
           </a:p>
           <a:p>
@@ -10702,7 +11314,385 @@
 </p:sld>
 </file>
 
-<file path=ppt/slides/slide23.xml><?xml version="1.0" encoding="utf-8"?>
+<file path=ppt/slides/slide24.xml><?xml version="1.0" encoding="utf-8"?>
+<p:sld xmlns:a="http://schemas.openxmlformats.org/drawingml/2006/main" xmlns:r="http://schemas.openxmlformats.org/officeDocument/2006/relationships" xmlns:p="http://schemas.openxmlformats.org/presentationml/2006/main">
+  <p:cSld>
+    <p:spTree>
+      <p:nvGrpSpPr>
+        <p:cNvPr id="1" name=""/>
+        <p:cNvGrpSpPr/>
+        <p:nvPr/>
+      </p:nvGrpSpPr>
+      <p:grpSpPr>
+        <a:xfrm>
+          <a:off x="0" y="0"/>
+          <a:ext cx="0" cy="0"/>
+          <a:chOff x="0" y="0"/>
+          <a:chExt cx="0" cy="0"/>
+        </a:xfrm>
+      </p:grpSpPr>
+      <p:sp>
+        <p:nvSpPr>
+          <p:cNvPr id="2" name="Title 1">
+            <a:extLst>
+              <a:ext uri="{FF2B5EF4-FFF2-40B4-BE49-F238E27FC236}">
+                <a16:creationId xmlns:a16="http://schemas.microsoft.com/office/drawing/2014/main" id="{AA3A228F-61D0-D949-A5E7-F83756230BF8}"/>
+              </a:ext>
+            </a:extLst>
+          </p:cNvPr>
+          <p:cNvSpPr>
+            <a:spLocks noGrp="1"/>
+          </p:cNvSpPr>
+          <p:nvPr>
+            <p:ph type="title"/>
+          </p:nvPr>
+        </p:nvSpPr>
+        <p:spPr>
+          <a:xfrm>
+            <a:off x="483848" y="467027"/>
+            <a:ext cx="7053542" cy="683886"/>
+          </a:xfrm>
+        </p:spPr>
+        <p:txBody>
+          <a:bodyPr/>
+          <a:lstStyle/>
+          <a:p>
+            <a:r>
+              <a:rPr lang="en-US" dirty="0"/>
+              <a:t>Lab 2</a:t>
+            </a:r>
+          </a:p>
+        </p:txBody>
+      </p:sp>
+      <p:sp>
+        <p:nvSpPr>
+          <p:cNvPr id="9" name="Content Placeholder 8">
+            <a:extLst>
+              <a:ext uri="{FF2B5EF4-FFF2-40B4-BE49-F238E27FC236}">
+                <a16:creationId xmlns:a16="http://schemas.microsoft.com/office/drawing/2014/main" id="{E3B2E017-30B2-884B-A113-B419A2ED51AD}"/>
+              </a:ext>
+            </a:extLst>
+          </p:cNvPr>
+          <p:cNvSpPr>
+            <a:spLocks noGrp="1"/>
+          </p:cNvSpPr>
+          <p:nvPr>
+            <p:ph idx="1"/>
+          </p:nvPr>
+        </p:nvSpPr>
+        <p:spPr>
+          <a:xfrm>
+            <a:off x="483848" y="1008404"/>
+            <a:ext cx="8051725" cy="4706595"/>
+          </a:xfrm>
+        </p:spPr>
+        <p:txBody>
+          <a:bodyPr>
+            <a:normAutofit/>
+          </a:bodyPr>
+          <a:lstStyle/>
+          <a:p>
+            <a:pPr marL="0" indent="0">
+              <a:buNone/>
+            </a:pPr>
+            <a:r>
+              <a:rPr lang="en-US" b="1" dirty="0"/>
+              <a:t>Create a new repl.</a:t>
+            </a:r>
+          </a:p>
+          <a:p>
+            <a:pPr marL="0" indent="0">
+              <a:buNone/>
+            </a:pPr>
+            <a:r>
+              <a:rPr lang="en-US" dirty="0"/>
+              <a:t>Write three classes in a module called </a:t>
+            </a:r>
+            <a:r>
+              <a:rPr lang="en-US" dirty="0" err="1"/>
+              <a:t>objects.py</a:t>
+            </a:r>
+            <a:r>
+              <a:rPr lang="en-US" dirty="0"/>
+              <a:t>: Rectangle, Square and Cube. Square is a subclass of Rectangle and Cube is a subclass of Square. </a:t>
+            </a:r>
+          </a:p>
+          <a:p>
+            <a:pPr marL="0" indent="0">
+              <a:buNone/>
+            </a:pPr>
+            <a:endParaRPr lang="en-US" sz="2000" dirty="0">
+              <a:latin typeface="Gill Sans MT" panose="020B0502020104020203" pitchFamily="34" charset="77"/>
+            </a:endParaRPr>
+          </a:p>
+          <a:p>
+            <a:pPr marL="0" indent="0">
+              <a:buNone/>
+            </a:pPr>
+            <a:r>
+              <a:rPr lang="en-US" sz="2000" dirty="0">
+                <a:latin typeface="Gill Sans MT" panose="020B0502020104020203" pitchFamily="34" charset="77"/>
+              </a:rPr>
+              <a:t>A Rectangle object has length and width as attributes and accessor methods: area() and perimeter().</a:t>
+            </a:r>
+          </a:p>
+          <a:p>
+            <a:pPr marL="0" indent="0">
+              <a:buNone/>
+            </a:pPr>
+            <a:r>
+              <a:rPr lang="en-US" sz="2000" dirty="0">
+                <a:latin typeface="Gill Sans MT" panose="020B0502020104020203" pitchFamily="34" charset="77"/>
+              </a:rPr>
+              <a:t>A Square object is a Rectangle object and has no additional attributes other than the ones inherited from Rectangle. It also inherits area() and perimeter() from Rectangle. </a:t>
+            </a:r>
+          </a:p>
+          <a:p>
+            <a:pPr marL="0" indent="0">
+              <a:buNone/>
+            </a:pPr>
+            <a:r>
+              <a:rPr lang="en-US" sz="2000" dirty="0">
+                <a:latin typeface="Gill Sans MT" panose="020B0502020104020203" pitchFamily="34" charset="77"/>
+              </a:rPr>
+              <a:t>A Cube object is a Square object. It has no additional attributes but has two additional methods: area() which overrides Square's area() and volume(). Remember to call super().area() when implementing these. </a:t>
+            </a:r>
+          </a:p>
+          <a:p>
+            <a:pPr marL="0" indent="0">
+              <a:buNone/>
+            </a:pPr>
+            <a:endParaRPr lang="en-US" b="1" dirty="0">
+              <a:solidFill>
+                <a:srgbClr val="000087"/>
+              </a:solidFill>
+              <a:latin typeface="Inconsolata Medium" panose="020B0609030003000000" pitchFamily="49" charset="77"/>
+            </a:endParaRPr>
+          </a:p>
+          <a:p>
+            <a:pPr marL="0" indent="0">
+              <a:buNone/>
+            </a:pPr>
+            <a:endParaRPr lang="en-US" b="1" dirty="0">
+              <a:solidFill>
+                <a:srgbClr val="000087"/>
+              </a:solidFill>
+              <a:latin typeface="Inconsolata Medium" panose="020B0609030003000000" pitchFamily="49" charset="77"/>
+            </a:endParaRPr>
+          </a:p>
+        </p:txBody>
+      </p:sp>
+    </p:spTree>
+    <p:extLst>
+      <p:ext uri="{BB962C8B-B14F-4D97-AF65-F5344CB8AC3E}">
+        <p14:creationId xmlns:p14="http://schemas.microsoft.com/office/powerpoint/2010/main" val="599272677"/>
+      </p:ext>
+    </p:extLst>
+  </p:cSld>
+  <p:clrMapOvr>
+    <a:masterClrMapping/>
+  </p:clrMapOvr>
+</p:sld>
+</file>
+
+<file path=ppt/slides/slide25.xml><?xml version="1.0" encoding="utf-8"?>
+<p:sld xmlns:a="http://schemas.openxmlformats.org/drawingml/2006/main" xmlns:r="http://schemas.openxmlformats.org/officeDocument/2006/relationships" xmlns:p="http://schemas.openxmlformats.org/presentationml/2006/main">
+  <p:cSld>
+    <p:spTree>
+      <p:nvGrpSpPr>
+        <p:cNvPr id="1" name=""/>
+        <p:cNvGrpSpPr/>
+        <p:nvPr/>
+      </p:nvGrpSpPr>
+      <p:grpSpPr>
+        <a:xfrm>
+          <a:off x="0" y="0"/>
+          <a:ext cx="0" cy="0"/>
+          <a:chOff x="0" y="0"/>
+          <a:chExt cx="0" cy="0"/>
+        </a:xfrm>
+      </p:grpSpPr>
+      <p:sp>
+        <p:nvSpPr>
+          <p:cNvPr id="2" name="Title 1">
+            <a:extLst>
+              <a:ext uri="{FF2B5EF4-FFF2-40B4-BE49-F238E27FC236}">
+                <a16:creationId xmlns:a16="http://schemas.microsoft.com/office/drawing/2014/main" id="{AA3A228F-61D0-D949-A5E7-F83756230BF8}"/>
+              </a:ext>
+            </a:extLst>
+          </p:cNvPr>
+          <p:cNvSpPr>
+            <a:spLocks noGrp="1"/>
+          </p:cNvSpPr>
+          <p:nvPr>
+            <p:ph type="title"/>
+          </p:nvPr>
+        </p:nvSpPr>
+        <p:spPr>
+          <a:xfrm>
+            <a:off x="483848" y="467027"/>
+            <a:ext cx="7053542" cy="683886"/>
+          </a:xfrm>
+        </p:spPr>
+        <p:txBody>
+          <a:bodyPr/>
+          <a:lstStyle/>
+          <a:p>
+            <a:r>
+              <a:rPr lang="en-US" dirty="0"/>
+              <a:t>Lab 2</a:t>
+            </a:r>
+          </a:p>
+        </p:txBody>
+      </p:sp>
+      <p:sp>
+        <p:nvSpPr>
+          <p:cNvPr id="9" name="Content Placeholder 8">
+            <a:extLst>
+              <a:ext uri="{FF2B5EF4-FFF2-40B4-BE49-F238E27FC236}">
+                <a16:creationId xmlns:a16="http://schemas.microsoft.com/office/drawing/2014/main" id="{E3B2E017-30B2-884B-A113-B419A2ED51AD}"/>
+              </a:ext>
+            </a:extLst>
+          </p:cNvPr>
+          <p:cNvSpPr>
+            <a:spLocks noGrp="1"/>
+          </p:cNvSpPr>
+          <p:nvPr>
+            <p:ph idx="1"/>
+          </p:nvPr>
+        </p:nvSpPr>
+        <p:spPr>
+          <a:xfrm>
+            <a:off x="483848" y="1257299"/>
+            <a:ext cx="8051725" cy="4334203"/>
+          </a:xfrm>
+        </p:spPr>
+        <p:txBody>
+          <a:bodyPr>
+            <a:normAutofit/>
+          </a:bodyPr>
+          <a:lstStyle/>
+          <a:p>
+            <a:pPr marL="0" indent="0">
+              <a:buNone/>
+            </a:pPr>
+            <a:endParaRPr lang="en-US" sz="2000" dirty="0">
+              <a:latin typeface="Gill Sans MT" panose="020B0502020104020203" pitchFamily="34" charset="77"/>
+            </a:endParaRPr>
+          </a:p>
+          <a:p>
+            <a:pPr marL="0" indent="0">
+              <a:buNone/>
+            </a:pPr>
+            <a:r>
+              <a:rPr lang="en-US" sz="2000" dirty="0">
+                <a:latin typeface="Gill Sans MT" panose="020B0502020104020203" pitchFamily="34" charset="77"/>
+              </a:rPr>
+              <a:t>Write the main method(</a:t>
+            </a:r>
+            <a:r>
+              <a:rPr lang="en-US" sz="2000" dirty="0" err="1">
+                <a:latin typeface="Gill Sans MT" panose="020B0502020104020203" pitchFamily="34" charset="77"/>
+              </a:rPr>
+              <a:t>main.py</a:t>
+            </a:r>
+            <a:r>
+              <a:rPr lang="en-US" sz="2000" dirty="0">
+                <a:latin typeface="Gill Sans MT" panose="020B0502020104020203" pitchFamily="34" charset="77"/>
+              </a:rPr>
+              <a:t>) and:</a:t>
+            </a:r>
+          </a:p>
+          <a:p>
+            <a:pPr marL="457200" indent="-457200">
+              <a:buFont typeface="Arial" panose="020B0604020202020204" pitchFamily="34" charset="0"/>
+              <a:buAutoNum type="arabicParenR"/>
+            </a:pPr>
+            <a:r>
+              <a:rPr lang="en-US" sz="2000" dirty="0">
+                <a:latin typeface="Gill Sans MT" panose="020B0502020104020203" pitchFamily="34" charset="77"/>
+              </a:rPr>
+              <a:t>Create a Rectangle, Square and Cube object. Make sure calls to ALL of the methods for ALL of the objects work properly. Make 6 calls, 2 per object.</a:t>
+            </a:r>
+          </a:p>
+          <a:p>
+            <a:pPr marL="457200" indent="-457200">
+              <a:buAutoNum type="arabicParenR"/>
+            </a:pPr>
+            <a:endParaRPr lang="en-US" sz="2000" dirty="0">
+              <a:latin typeface="Gill Sans MT" panose="020B0502020104020203" pitchFamily="34" charset="77"/>
+            </a:endParaRPr>
+          </a:p>
+          <a:p>
+            <a:pPr marL="457200" indent="-457200">
+              <a:buFont typeface="Arial" panose="020B0604020202020204" pitchFamily="34" charset="0"/>
+              <a:buAutoNum type="arabicParenR"/>
+            </a:pPr>
+            <a:r>
+              <a:rPr lang="en-US" sz="2000" dirty="0">
+                <a:latin typeface="Gill Sans MT" panose="020B0502020104020203" pitchFamily="34" charset="77"/>
+              </a:rPr>
+              <a:t>Put those objects in a list. Use a for loop to call area on each object. What do you notice? If you don't know the ordering of the objects in the list, it is unclear which area() is called and when. Python resolves this at runtime. This is </a:t>
+            </a:r>
+            <a:r>
+              <a:rPr lang="en-US" sz="2000">
+                <a:latin typeface="Gill Sans MT" panose="020B0502020104020203" pitchFamily="34" charset="77"/>
+              </a:rPr>
+              <a:t>called polymorphism</a:t>
+            </a:r>
+            <a:r>
+              <a:rPr lang="en-US" sz="2000" dirty="0">
+                <a:latin typeface="Gill Sans MT" panose="020B0502020104020203" pitchFamily="34" charset="77"/>
+              </a:rPr>
+              <a:t>, which means "many forms". Do you see why?</a:t>
+            </a:r>
+          </a:p>
+          <a:p>
+            <a:pPr marL="0" indent="0">
+              <a:buNone/>
+            </a:pPr>
+            <a:endParaRPr lang="en-US" sz="2000" dirty="0">
+              <a:latin typeface="Gill Sans MT" panose="020B0502020104020203" pitchFamily="34" charset="77"/>
+            </a:endParaRPr>
+          </a:p>
+          <a:p>
+            <a:pPr marL="0" indent="0">
+              <a:buNone/>
+            </a:pPr>
+            <a:endParaRPr lang="en-US" b="1" dirty="0">
+              <a:solidFill>
+                <a:srgbClr val="000087"/>
+              </a:solidFill>
+              <a:latin typeface="Inconsolata Medium" panose="020B0609030003000000" pitchFamily="49" charset="77"/>
+            </a:endParaRPr>
+          </a:p>
+          <a:p>
+            <a:pPr marL="0" indent="0">
+              <a:buNone/>
+            </a:pPr>
+            <a:endParaRPr lang="en-US" b="1" dirty="0">
+              <a:solidFill>
+                <a:srgbClr val="000087"/>
+              </a:solidFill>
+              <a:latin typeface="Inconsolata Medium" panose="020B0609030003000000" pitchFamily="49" charset="77"/>
+            </a:endParaRPr>
+          </a:p>
+        </p:txBody>
+      </p:sp>
+    </p:spTree>
+    <p:extLst>
+      <p:ext uri="{BB962C8B-B14F-4D97-AF65-F5344CB8AC3E}">
+        <p14:creationId xmlns:p14="http://schemas.microsoft.com/office/powerpoint/2010/main" val="1222113615"/>
+      </p:ext>
+    </p:extLst>
+  </p:cSld>
+  <p:clrMapOvr>
+    <a:masterClrMapping/>
+  </p:clrMapOvr>
+</p:sld>
+</file>
+
+<file path=ppt/slides/slide26.xml><?xml version="1.0" encoding="utf-8"?>
 <p:sld xmlns:a="http://schemas.openxmlformats.org/drawingml/2006/main" xmlns:r="http://schemas.openxmlformats.org/officeDocument/2006/relationships" xmlns:p="http://schemas.openxmlformats.org/presentationml/2006/main">
   <p:cSld>
     <p:spTree>

--- a/courses/apcsp/lect10.pptx
+++ b/courses/apcsp/lect10.pptx
@@ -17,20 +17,18 @@
     <p:sldId id="549" r:id="rId11"/>
     <p:sldId id="346" r:id="rId12"/>
     <p:sldId id="327" r:id="rId13"/>
-    <p:sldId id="552" r:id="rId14"/>
-    <p:sldId id="322" r:id="rId15"/>
-    <p:sldId id="329" r:id="rId16"/>
-    <p:sldId id="330" r:id="rId17"/>
-    <p:sldId id="328" r:id="rId18"/>
-    <p:sldId id="337" r:id="rId19"/>
-    <p:sldId id="338" r:id="rId20"/>
-    <p:sldId id="343" r:id="rId21"/>
-    <p:sldId id="344" r:id="rId22"/>
-    <p:sldId id="345" r:id="rId23"/>
-    <p:sldId id="546" r:id="rId24"/>
-    <p:sldId id="554" r:id="rId25"/>
-    <p:sldId id="555" r:id="rId26"/>
-    <p:sldId id="284" r:id="rId27"/>
+    <p:sldId id="322" r:id="rId14"/>
+    <p:sldId id="329" r:id="rId15"/>
+    <p:sldId id="330" r:id="rId16"/>
+    <p:sldId id="328" r:id="rId17"/>
+    <p:sldId id="337" r:id="rId18"/>
+    <p:sldId id="338" r:id="rId19"/>
+    <p:sldId id="343" r:id="rId20"/>
+    <p:sldId id="344" r:id="rId21"/>
+    <p:sldId id="546" r:id="rId22"/>
+    <p:sldId id="554" r:id="rId23"/>
+    <p:sldId id="555" r:id="rId24"/>
+    <p:sldId id="284" r:id="rId25"/>
   </p:sldIdLst>
   <p:sldSz cx="9144000" cy="5715000" type="screen16x10"/>
   <p:notesSz cx="6858000" cy="9144000"/>
@@ -140,7 +138,7 @@
 <file path=ppt/revisionInfo.xml><?xml version="1.0" encoding="utf-8"?>
 <p1510:revInfo xmlns:a="http://schemas.openxmlformats.org/drawingml/2006/main" xmlns:r="http://schemas.openxmlformats.org/officeDocument/2006/relationships" xmlns:p1510="http://schemas.microsoft.com/office/powerpoint/2015/10/main">
   <p1510:revLst>
-    <p1510:client id="{9106C150-98F3-4A4D-8F45-209642EE4ECC}" v="177" dt="2019-11-19T21:16:22.628"/>
+    <p1510:client id="{9106C150-98F3-4A4D-8F45-209642EE4ECC}" v="304" dt="2019-11-20T13:18:59.397"/>
   </p1510:revLst>
 </p1510:revInfo>
 </file>
@@ -467,7 +465,7 @@
   <pc:docChgLst>
     <pc:chgData name="Long B Nguyen" userId="f59fb8f3-a021-417a-8bc1-65c8d471c621" providerId="ADAL" clId="{9106C150-98F3-4A4D-8F45-209642EE4ECC}"/>
     <pc:docChg chg="undo custSel addSld delSld modSld">
-      <pc:chgData name="Long B Nguyen" userId="f59fb8f3-a021-417a-8bc1-65c8d471c621" providerId="ADAL" clId="{9106C150-98F3-4A4D-8F45-209642EE4ECC}" dt="2019-11-19T21:21:34.869" v="5416" actId="20577"/>
+      <pc:chgData name="Long B Nguyen" userId="f59fb8f3-a021-417a-8bc1-65c8d471c621" providerId="ADAL" clId="{9106C150-98F3-4A4D-8F45-209642EE4ECC}" dt="2019-11-20T13:19:12.956" v="5546" actId="2696"/>
       <pc:docMkLst>
         <pc:docMk/>
       </pc:docMkLst>
@@ -522,8 +520,8 @@
           <pc:sldMk cId="3036972376" sldId="321"/>
         </pc:sldMkLst>
       </pc:sldChg>
-      <pc:sldChg chg="modSp">
-        <pc:chgData name="Long B Nguyen" userId="f59fb8f3-a021-417a-8bc1-65c8d471c621" providerId="ADAL" clId="{9106C150-98F3-4A4D-8F45-209642EE4ECC}" dt="2019-11-19T20:45:52.595" v="3339" actId="20577"/>
+      <pc:sldChg chg="modSp modAnim">
+        <pc:chgData name="Long B Nguyen" userId="f59fb8f3-a021-417a-8bc1-65c8d471c621" providerId="ADAL" clId="{9106C150-98F3-4A4D-8F45-209642EE4ECC}" dt="2019-11-20T13:17:11.519" v="5522"/>
         <pc:sldMkLst>
           <pc:docMk/>
           <pc:sldMk cId="4152429118" sldId="322"/>
@@ -544,8 +542,8 @@
           <pc:sldMk cId="3329169435" sldId="324"/>
         </pc:sldMkLst>
       </pc:sldChg>
-      <pc:sldChg chg="modSp">
-        <pc:chgData name="Long B Nguyen" userId="f59fb8f3-a021-417a-8bc1-65c8d471c621" providerId="ADAL" clId="{9106C150-98F3-4A4D-8F45-209642EE4ECC}" dt="2019-11-19T13:06:06.570" v="211" actId="20577"/>
+      <pc:sldChg chg="modSp modAnim">
+        <pc:chgData name="Long B Nguyen" userId="f59fb8f3-a021-417a-8bc1-65c8d471c621" providerId="ADAL" clId="{9106C150-98F3-4A4D-8F45-209642EE4ECC}" dt="2019-11-20T13:03:21.457" v="5420" actId="113"/>
         <pc:sldMkLst>
           <pc:docMk/>
           <pc:sldMk cId="743112525" sldId="325"/>
@@ -559,7 +557,7 @@
           </ac:spMkLst>
         </pc:spChg>
         <pc:spChg chg="mod">
-          <ac:chgData name="Long B Nguyen" userId="f59fb8f3-a021-417a-8bc1-65c8d471c621" providerId="ADAL" clId="{9106C150-98F3-4A4D-8F45-209642EE4ECC}" dt="2019-11-19T13:06:06.570" v="211" actId="20577"/>
+          <ac:chgData name="Long B Nguyen" userId="f59fb8f3-a021-417a-8bc1-65c8d471c621" providerId="ADAL" clId="{9106C150-98F3-4A4D-8F45-209642EE4ECC}" dt="2019-11-20T13:03:21.457" v="5420" actId="113"/>
           <ac:spMkLst>
             <pc:docMk/>
             <pc:sldMk cId="743112525" sldId="325"/>
@@ -567,8 +565,22 @@
           </ac:spMkLst>
         </pc:spChg>
       </pc:sldChg>
-      <pc:sldChg chg="addSp delSp modSp">
-        <pc:chgData name="Long B Nguyen" userId="f59fb8f3-a021-417a-8bc1-65c8d471c621" providerId="ADAL" clId="{9106C150-98F3-4A4D-8F45-209642EE4ECC}" dt="2019-11-19T20:52:50.851" v="3720" actId="14100"/>
+      <pc:sldChg chg="modAnim">
+        <pc:chgData name="Long B Nguyen" userId="f59fb8f3-a021-417a-8bc1-65c8d471c621" providerId="ADAL" clId="{9106C150-98F3-4A4D-8F45-209642EE4ECC}" dt="2019-11-20T13:16:27.070" v="5516"/>
+        <pc:sldMkLst>
+          <pc:docMk/>
+          <pc:sldMk cId="85032573" sldId="327"/>
+        </pc:sldMkLst>
+      </pc:sldChg>
+      <pc:sldChg chg="modAnim">
+        <pc:chgData name="Long B Nguyen" userId="f59fb8f3-a021-417a-8bc1-65c8d471c621" providerId="ADAL" clId="{9106C150-98F3-4A4D-8F45-209642EE4ECC}" dt="2019-11-20T13:18:07.734" v="5532"/>
+        <pc:sldMkLst>
+          <pc:docMk/>
+          <pc:sldMk cId="638580525" sldId="328"/>
+        </pc:sldMkLst>
+      </pc:sldChg>
+      <pc:sldChg chg="addSp delSp modSp modAnim">
+        <pc:chgData name="Long B Nguyen" userId="f59fb8f3-a021-417a-8bc1-65c8d471c621" providerId="ADAL" clId="{9106C150-98F3-4A4D-8F45-209642EE4ECC}" dt="2019-11-20T13:17:40.066" v="5527"/>
         <pc:sldMkLst>
           <pc:docMk/>
           <pc:sldMk cId="3699191075" sldId="329"/>
@@ -614,6 +626,13 @@
           </ac:cxnSpMkLst>
         </pc:cxnChg>
       </pc:sldChg>
+      <pc:sldChg chg="modAnim">
+        <pc:chgData name="Long B Nguyen" userId="f59fb8f3-a021-417a-8bc1-65c8d471c621" providerId="ADAL" clId="{9106C150-98F3-4A4D-8F45-209642EE4ECC}" dt="2019-11-20T13:18:00.205" v="5531"/>
+        <pc:sldMkLst>
+          <pc:docMk/>
+          <pc:sldMk cId="3972787296" sldId="330"/>
+        </pc:sldMkLst>
+      </pc:sldChg>
       <pc:sldChg chg="del">
         <pc:chgData name="Long B Nguyen" userId="f59fb8f3-a021-417a-8bc1-65c8d471c621" providerId="ADAL" clId="{9106C150-98F3-4A4D-8F45-209642EE4ECC}" dt="2019-11-19T12:53:54.595" v="14" actId="2696"/>
         <pc:sldMkLst>
@@ -656,6 +675,20 @@
           <pc:sldMk cId="649473723" sldId="336"/>
         </pc:sldMkLst>
       </pc:sldChg>
+      <pc:sldChg chg="modAnim">
+        <pc:chgData name="Long B Nguyen" userId="f59fb8f3-a021-417a-8bc1-65c8d471c621" providerId="ADAL" clId="{9106C150-98F3-4A4D-8F45-209642EE4ECC}" dt="2019-11-20T13:18:20.213" v="5535"/>
+        <pc:sldMkLst>
+          <pc:docMk/>
+          <pc:sldMk cId="2850981198" sldId="337"/>
+        </pc:sldMkLst>
+      </pc:sldChg>
+      <pc:sldChg chg="modAnim">
+        <pc:chgData name="Long B Nguyen" userId="f59fb8f3-a021-417a-8bc1-65c8d471c621" providerId="ADAL" clId="{9106C150-98F3-4A4D-8F45-209642EE4ECC}" dt="2019-11-20T13:18:44.725" v="5541"/>
+        <pc:sldMkLst>
+          <pc:docMk/>
+          <pc:sldMk cId="2162220401" sldId="338"/>
+        </pc:sldMkLst>
+      </pc:sldChg>
       <pc:sldChg chg="del">
         <pc:chgData name="Long B Nguyen" userId="f59fb8f3-a021-417a-8bc1-65c8d471c621" providerId="ADAL" clId="{9106C150-98F3-4A4D-8F45-209642EE4ECC}" dt="2019-11-19T12:53:54.620" v="22" actId="2696"/>
         <pc:sldMkLst>
@@ -684,8 +717,8 @@
           <pc:sldMk cId="1097937752" sldId="342"/>
         </pc:sldMkLst>
       </pc:sldChg>
-      <pc:sldChg chg="modSp">
-        <pc:chgData name="Long B Nguyen" userId="f59fb8f3-a021-417a-8bc1-65c8d471c621" providerId="ADAL" clId="{9106C150-98F3-4A4D-8F45-209642EE4ECC}" dt="2019-11-19T14:20:57.325" v="3011" actId="20577"/>
+      <pc:sldChg chg="modSp modAnim">
+        <pc:chgData name="Long B Nguyen" userId="f59fb8f3-a021-417a-8bc1-65c8d471c621" providerId="ADAL" clId="{9106C150-98F3-4A4D-8F45-209642EE4ECC}" dt="2019-11-20T13:18:52.469" v="5544"/>
         <pc:sldMkLst>
           <pc:docMk/>
           <pc:sldMk cId="1191437278" sldId="343"/>
@@ -699,8 +732,8 @@
           </ac:spMkLst>
         </pc:spChg>
       </pc:sldChg>
-      <pc:sldChg chg="modSp">
-        <pc:chgData name="Long B Nguyen" userId="f59fb8f3-a021-417a-8bc1-65c8d471c621" providerId="ADAL" clId="{9106C150-98F3-4A4D-8F45-209642EE4ECC}" dt="2019-11-19T14:21:04.385" v="3013" actId="20577"/>
+      <pc:sldChg chg="modSp modAnim">
+        <pc:chgData name="Long B Nguyen" userId="f59fb8f3-a021-417a-8bc1-65c8d471c621" providerId="ADAL" clId="{9106C150-98F3-4A4D-8F45-209642EE4ECC}" dt="2019-11-20T13:18:59.397" v="5545"/>
         <pc:sldMkLst>
           <pc:docMk/>
           <pc:sldMk cId="4162743568" sldId="344"/>
@@ -714,8 +747,15 @@
           </ac:spMkLst>
         </pc:spChg>
       </pc:sldChg>
-      <pc:sldChg chg="modSp add">
-        <pc:chgData name="Long B Nguyen" userId="f59fb8f3-a021-417a-8bc1-65c8d471c621" providerId="ADAL" clId="{9106C150-98F3-4A4D-8F45-209642EE4ECC}" dt="2019-11-19T14:18:14.040" v="3005" actId="113"/>
+      <pc:sldChg chg="del">
+        <pc:chgData name="Long B Nguyen" userId="f59fb8f3-a021-417a-8bc1-65c8d471c621" providerId="ADAL" clId="{9106C150-98F3-4A4D-8F45-209642EE4ECC}" dt="2019-11-20T13:19:12.956" v="5546" actId="2696"/>
+        <pc:sldMkLst>
+          <pc:docMk/>
+          <pc:sldMk cId="3683010979" sldId="345"/>
+        </pc:sldMkLst>
+      </pc:sldChg>
+      <pc:sldChg chg="modSp add modAnim">
+        <pc:chgData name="Long B Nguyen" userId="f59fb8f3-a021-417a-8bc1-65c8d471c621" providerId="ADAL" clId="{9106C150-98F3-4A4D-8F45-209642EE4ECC}" dt="2019-11-20T13:16:07.219" v="5512"/>
         <pc:sldMkLst>
           <pc:docMk/>
           <pc:sldMk cId="3339012252" sldId="346"/>
@@ -736,8 +776,8 @@
           <pc:sldMk cId="3902868562" sldId="346"/>
         </pc:sldMkLst>
       </pc:sldChg>
-      <pc:sldChg chg="modSp add">
-        <pc:chgData name="Long B Nguyen" userId="f59fb8f3-a021-417a-8bc1-65c8d471c621" providerId="ADAL" clId="{9106C150-98F3-4A4D-8F45-209642EE4ECC}" dt="2019-11-19T13:49:00.711" v="756" actId="20577"/>
+      <pc:sldChg chg="modSp add modAnim">
+        <pc:chgData name="Long B Nguyen" userId="f59fb8f3-a021-417a-8bc1-65c8d471c621" providerId="ADAL" clId="{9106C150-98F3-4A4D-8F45-209642EE4ECC}" dt="2019-11-20T13:04:29.215" v="5486" actId="20577"/>
         <pc:sldMkLst>
           <pc:docMk/>
           <pc:sldMk cId="807003016" sldId="347"/>
@@ -751,7 +791,7 @@
           </ac:spMkLst>
         </pc:spChg>
         <pc:spChg chg="mod">
-          <ac:chgData name="Long B Nguyen" userId="f59fb8f3-a021-417a-8bc1-65c8d471c621" providerId="ADAL" clId="{9106C150-98F3-4A4D-8F45-209642EE4ECC}" dt="2019-11-19T13:48:55.184" v="747" actId="20577"/>
+          <ac:chgData name="Long B Nguyen" userId="f59fb8f3-a021-417a-8bc1-65c8d471c621" providerId="ADAL" clId="{9106C150-98F3-4A4D-8F45-209642EE4ECC}" dt="2019-11-20T13:04:29.215" v="5486" actId="20577"/>
           <ac:spMkLst>
             <pc:docMk/>
             <pc:sldMk cId="807003016" sldId="347"/>
@@ -766,8 +806,8 @@
           <pc:sldMk cId="1233243940" sldId="348"/>
         </pc:sldMkLst>
       </pc:sldChg>
-      <pc:sldChg chg="modSp add">
-        <pc:chgData name="Long B Nguyen" userId="f59fb8f3-a021-417a-8bc1-65c8d471c621" providerId="ADAL" clId="{9106C150-98F3-4A4D-8F45-209642EE4ECC}" dt="2019-11-19T13:55:27.894" v="1503" actId="113"/>
+      <pc:sldChg chg="modSp add modAnim">
+        <pc:chgData name="Long B Nguyen" userId="f59fb8f3-a021-417a-8bc1-65c8d471c621" providerId="ADAL" clId="{9106C150-98F3-4A4D-8F45-209642EE4ECC}" dt="2019-11-20T13:06:45.209" v="5493"/>
         <pc:sldMkLst>
           <pc:docMk/>
           <pc:sldMk cId="493433474" sldId="349"/>
@@ -796,8 +836,8 @@
           <pc:sldMk cId="176523368" sldId="350"/>
         </pc:sldMkLst>
       </pc:sldChg>
-      <pc:sldChg chg="modSp add">
-        <pc:chgData name="Long B Nguyen" userId="f59fb8f3-a021-417a-8bc1-65c8d471c621" providerId="ADAL" clId="{9106C150-98F3-4A4D-8F45-209642EE4ECC}" dt="2019-11-19T13:53:32.999" v="1184" actId="20577"/>
+      <pc:sldChg chg="modSp add modAnim">
+        <pc:chgData name="Long B Nguyen" userId="f59fb8f3-a021-417a-8bc1-65c8d471c621" providerId="ADAL" clId="{9106C150-98F3-4A4D-8F45-209642EE4ECC}" dt="2019-11-20T13:06:37.848" v="5490"/>
         <pc:sldMkLst>
           <pc:docMk/>
           <pc:sldMk cId="3259382353" sldId="350"/>
@@ -811,7 +851,7 @@
           </ac:spMkLst>
         </pc:spChg>
         <pc:spChg chg="mod">
-          <ac:chgData name="Long B Nguyen" userId="f59fb8f3-a021-417a-8bc1-65c8d471c621" providerId="ADAL" clId="{9106C150-98F3-4A4D-8F45-209642EE4ECC}" dt="2019-11-19T13:53:32.999" v="1184" actId="20577"/>
+          <ac:chgData name="Long B Nguyen" userId="f59fb8f3-a021-417a-8bc1-65c8d471c621" providerId="ADAL" clId="{9106C150-98F3-4A4D-8F45-209642EE4ECC}" dt="2019-11-20T13:06:15.440" v="5489" actId="20577"/>
           <ac:spMkLst>
             <pc:docMk/>
             <pc:sldMk cId="3259382353" sldId="350"/>
@@ -819,8 +859,8 @@
           </ac:spMkLst>
         </pc:spChg>
       </pc:sldChg>
-      <pc:sldChg chg="addSp modSp add">
-        <pc:chgData name="Long B Nguyen" userId="f59fb8f3-a021-417a-8bc1-65c8d471c621" providerId="ADAL" clId="{9106C150-98F3-4A4D-8F45-209642EE4ECC}" dt="2019-11-19T14:07:36.164" v="2330" actId="207"/>
+      <pc:sldChg chg="addSp modSp add modAnim">
+        <pc:chgData name="Long B Nguyen" userId="f59fb8f3-a021-417a-8bc1-65c8d471c621" providerId="ADAL" clId="{9106C150-98F3-4A4D-8F45-209642EE4ECC}" dt="2019-11-20T13:14:52.278" v="5500" actId="20577"/>
         <pc:sldMkLst>
           <pc:docMk/>
           <pc:sldMk cId="51706110" sldId="351"/>
@@ -834,7 +874,7 @@
           </ac:spMkLst>
         </pc:spChg>
         <pc:spChg chg="add mod">
-          <ac:chgData name="Long B Nguyen" userId="f59fb8f3-a021-417a-8bc1-65c8d471c621" providerId="ADAL" clId="{9106C150-98F3-4A4D-8F45-209642EE4ECC}" dt="2019-11-19T14:05:12.986" v="2079" actId="1076"/>
+          <ac:chgData name="Long B Nguyen" userId="f59fb8f3-a021-417a-8bc1-65c8d471c621" providerId="ADAL" clId="{9106C150-98F3-4A4D-8F45-209642EE4ECC}" dt="2019-11-20T13:14:52.278" v="5500" actId="20577"/>
           <ac:spMkLst>
             <pc:docMk/>
             <pc:sldMk cId="51706110" sldId="351"/>
@@ -874,7 +914,7 @@
         </pc:spChg>
       </pc:sldChg>
       <pc:sldChg chg="addSp modSp add modAnim">
-        <pc:chgData name="Long B Nguyen" userId="f59fb8f3-a021-417a-8bc1-65c8d471c621" providerId="ADAL" clId="{9106C150-98F3-4A4D-8F45-209642EE4ECC}" dt="2019-11-19T14:18:00.121" v="3004" actId="20577"/>
+        <pc:chgData name="Long B Nguyen" userId="f59fb8f3-a021-417a-8bc1-65c8d471c621" providerId="ADAL" clId="{9106C150-98F3-4A4D-8F45-209642EE4ECC}" dt="2019-11-20T13:15:57.346" v="5509"/>
         <pc:sldMkLst>
           <pc:docMk/>
           <pc:sldMk cId="59807818" sldId="549"/>
@@ -912,8 +952,8 @@
           </ac:cxnSpMkLst>
         </pc:cxnChg>
       </pc:sldChg>
-      <pc:sldChg chg="addSp modSp add">
-        <pc:chgData name="Long B Nguyen" userId="f59fb8f3-a021-417a-8bc1-65c8d471c621" providerId="ADAL" clId="{9106C150-98F3-4A4D-8F45-209642EE4ECC}" dt="2019-11-19T14:14:48.332" v="2827" actId="14100"/>
+      <pc:sldChg chg="addSp modSp add modAnim">
+        <pc:chgData name="Long B Nguyen" userId="f59fb8f3-a021-417a-8bc1-65c8d471c621" providerId="ADAL" clId="{9106C150-98F3-4A4D-8F45-209642EE4ECC}" dt="2019-11-20T13:15:14.123" v="5504"/>
         <pc:sldMkLst>
           <pc:docMk/>
           <pc:sldMk cId="50571927" sldId="550"/>
@@ -967,8 +1007,8 @@
           </ac:cxnSpMkLst>
         </pc:cxnChg>
       </pc:sldChg>
-      <pc:sldChg chg="addSp delSp modSp add">
-        <pc:chgData name="Long B Nguyen" userId="f59fb8f3-a021-417a-8bc1-65c8d471c621" providerId="ADAL" clId="{9106C150-98F3-4A4D-8F45-209642EE4ECC}" dt="2019-11-19T14:17:32.984" v="2994" actId="20577"/>
+      <pc:sldChg chg="addSp delSp modSp add modAnim">
+        <pc:chgData name="Long B Nguyen" userId="f59fb8f3-a021-417a-8bc1-65c8d471c621" providerId="ADAL" clId="{9106C150-98F3-4A4D-8F45-209642EE4ECC}" dt="2019-11-20T13:15:37.381" v="5507"/>
         <pc:sldMkLst>
           <pc:docMk/>
           <pc:sldMk cId="1864614644" sldId="551"/>
@@ -1038,8 +1078,8 @@
           </ac:cxnSpMkLst>
         </pc:cxnChg>
       </pc:sldChg>
-      <pc:sldChg chg="add">
-        <pc:chgData name="Long B Nguyen" userId="f59fb8f3-a021-417a-8bc1-65c8d471c621" providerId="ADAL" clId="{9106C150-98F3-4A4D-8F45-209642EE4ECC}" dt="2019-11-19T20:53:53.296" v="3721"/>
+      <pc:sldChg chg="add del modAnim">
+        <pc:chgData name="Long B Nguyen" userId="f59fb8f3-a021-417a-8bc1-65c8d471c621" providerId="ADAL" clId="{9106C150-98F3-4A4D-8F45-209642EE4ECC}" dt="2019-11-20T13:16:42.950" v="5518" actId="2696"/>
         <pc:sldMkLst>
           <pc:docMk/>
           <pc:sldMk cId="1327020864" sldId="552"/>
@@ -1234,7 +1274,7 @@
           <a:p>
             <a:fld id="{4AAD347D-5ACD-4C99-B74B-A9C85AD731AF}" type="datetimeFigureOut">
               <a:rPr lang="en-US" smtClean="0"/>
-              <a:t>11/19/19</a:t>
+              <a:t>11/20/19</a:t>
             </a:fld>
             <a:endParaRPr lang="en-US" dirty="0"/>
           </a:p>
@@ -1404,7 +1444,7 @@
           <a:p>
             <a:fld id="{4509A250-FF31-4206-8172-F9D3106AACB1}" type="datetimeFigureOut">
               <a:rPr lang="en-US" smtClean="0"/>
-              <a:t>11/19/19</a:t>
+              <a:t>11/20/19</a:t>
             </a:fld>
             <a:endParaRPr lang="en-US" dirty="0"/>
           </a:p>
@@ -1584,7 +1624,7 @@
           <a:p>
             <a:fld id="{4509A250-FF31-4206-8172-F9D3106AACB1}" type="datetimeFigureOut">
               <a:rPr lang="en-US" smtClean="0"/>
-              <a:t>11/19/19</a:t>
+              <a:t>11/20/19</a:t>
             </a:fld>
             <a:endParaRPr lang="en-US" dirty="0"/>
           </a:p>
@@ -1754,7 +1794,7 @@
           <a:p>
             <a:fld id="{4509A250-FF31-4206-8172-F9D3106AACB1}" type="datetimeFigureOut">
               <a:rPr lang="en-US" smtClean="0"/>
-              <a:t>11/19/19</a:t>
+              <a:t>11/20/19</a:t>
             </a:fld>
             <a:endParaRPr lang="en-US" dirty="0"/>
           </a:p>
@@ -2000,7 +2040,7 @@
           <a:p>
             <a:fld id="{9796027F-7875-4030-9381-8BD8C4F21935}" type="datetimeFigureOut">
               <a:rPr lang="en-US" smtClean="0"/>
-              <a:t>11/19/19</a:t>
+              <a:t>11/20/19</a:t>
             </a:fld>
             <a:endParaRPr lang="en-US" dirty="0"/>
           </a:p>
@@ -2232,7 +2272,7 @@
           <a:p>
             <a:fld id="{9796027F-7875-4030-9381-8BD8C4F21935}" type="datetimeFigureOut">
               <a:rPr lang="en-US" smtClean="0"/>
-              <a:t>11/19/19</a:t>
+              <a:t>11/20/19</a:t>
             </a:fld>
             <a:endParaRPr lang="en-US" dirty="0"/>
           </a:p>
@@ -2599,7 +2639,7 @@
           <a:p>
             <a:fld id="{9796027F-7875-4030-9381-8BD8C4F21935}" type="datetimeFigureOut">
               <a:rPr lang="en-US" smtClean="0"/>
-              <a:t>11/19/19</a:t>
+              <a:t>11/20/19</a:t>
             </a:fld>
             <a:endParaRPr lang="en-US" dirty="0"/>
           </a:p>
@@ -2717,7 +2757,7 @@
           <a:p>
             <a:fld id="{4509A250-FF31-4206-8172-F9D3106AACB1}" type="datetimeFigureOut">
               <a:rPr lang="en-US" smtClean="0"/>
-              <a:t>11/19/19</a:t>
+              <a:t>11/20/19</a:t>
             </a:fld>
             <a:endParaRPr lang="en-US" dirty="0"/>
           </a:p>
@@ -2812,7 +2852,7 @@
           <a:p>
             <a:fld id="{4509A250-FF31-4206-8172-F9D3106AACB1}" type="datetimeFigureOut">
               <a:rPr lang="en-US" smtClean="0"/>
-              <a:t>11/19/19</a:t>
+              <a:t>11/20/19</a:t>
             </a:fld>
             <a:endParaRPr lang="en-US" dirty="0"/>
           </a:p>
@@ -3089,7 +3129,7 @@
           <a:p>
             <a:fld id="{4509A250-FF31-4206-8172-F9D3106AACB1}" type="datetimeFigureOut">
               <a:rPr lang="en-US" smtClean="0"/>
-              <a:t>11/19/19</a:t>
+              <a:t>11/20/19</a:t>
             </a:fld>
             <a:endParaRPr lang="en-US" dirty="0"/>
           </a:p>
@@ -3346,7 +3386,7 @@
           <a:p>
             <a:fld id="{4509A250-FF31-4206-8172-F9D3106AACB1}" type="datetimeFigureOut">
               <a:rPr lang="en-US" smtClean="0"/>
-              <a:t>11/19/19</a:t>
+              <a:t>11/20/19</a:t>
             </a:fld>
             <a:endParaRPr lang="en-US" dirty="0"/>
           </a:p>
@@ -3559,7 +3599,7 @@
           <a:p>
             <a:fld id="{4AAD347D-5ACD-4C99-B74B-A9C85AD731AF}" type="datetimeFigureOut">
               <a:rPr lang="en-US" smtClean="0"/>
-              <a:t>11/19/19</a:t>
+              <a:t>11/20/19</a:t>
             </a:fld>
             <a:endParaRPr lang="en-US" dirty="0"/>
           </a:p>
@@ -4815,6 +4855,439 @@
   <p:clrMapOvr>
     <a:masterClrMapping/>
   </p:clrMapOvr>
+  <p:timing>
+    <p:tnLst>
+      <p:par>
+        <p:cTn id="1" dur="indefinite" restart="never" nodeType="tmRoot">
+          <p:childTnLst>
+            <p:seq concurrent="1" nextAc="seek">
+              <p:cTn id="2" dur="indefinite" nodeType="mainSeq">
+                <p:childTnLst>
+                  <p:par>
+                    <p:cTn id="3" fill="hold">
+                      <p:stCondLst>
+                        <p:cond delay="indefinite"/>
+                      </p:stCondLst>
+                      <p:childTnLst>
+                        <p:par>
+                          <p:cTn id="4" fill="hold">
+                            <p:stCondLst>
+                              <p:cond delay="0"/>
+                            </p:stCondLst>
+                            <p:childTnLst>
+                              <p:par>
+                                <p:cTn id="5" presetID="1" presetClass="entr" presetSubtype="0" fill="hold" nodeType="clickEffect">
+                                  <p:stCondLst>
+                                    <p:cond delay="0"/>
+                                  </p:stCondLst>
+                                  <p:childTnLst>
+                                    <p:set>
+                                      <p:cBhvr>
+                                        <p:cTn id="6" dur="1" fill="hold">
+                                          <p:stCondLst>
+                                            <p:cond delay="0"/>
+                                          </p:stCondLst>
+                                        </p:cTn>
+                                        <p:tgtEl>
+                                          <p:spTgt spid="9">
+                                            <p:txEl>
+                                              <p:pRg st="2" end="2"/>
+                                            </p:txEl>
+                                          </p:spTgt>
+                                        </p:tgtEl>
+                                        <p:attrNameLst>
+                                          <p:attrName>style.visibility</p:attrName>
+                                        </p:attrNameLst>
+                                      </p:cBhvr>
+                                      <p:to>
+                                        <p:strVal val="visible"/>
+                                      </p:to>
+                                    </p:set>
+                                  </p:childTnLst>
+                                </p:cTn>
+                              </p:par>
+                              <p:par>
+                                <p:cTn id="7" presetID="1" presetClass="entr" presetSubtype="0" fill="hold" nodeType="withEffect">
+                                  <p:stCondLst>
+                                    <p:cond delay="0"/>
+                                  </p:stCondLst>
+                                  <p:childTnLst>
+                                    <p:set>
+                                      <p:cBhvr>
+                                        <p:cTn id="8" dur="1" fill="hold">
+                                          <p:stCondLst>
+                                            <p:cond delay="0"/>
+                                          </p:stCondLst>
+                                        </p:cTn>
+                                        <p:tgtEl>
+                                          <p:spTgt spid="9">
+                                            <p:txEl>
+                                              <p:pRg st="3" end="3"/>
+                                            </p:txEl>
+                                          </p:spTgt>
+                                        </p:tgtEl>
+                                        <p:attrNameLst>
+                                          <p:attrName>style.visibility</p:attrName>
+                                        </p:attrNameLst>
+                                      </p:cBhvr>
+                                      <p:to>
+                                        <p:strVal val="visible"/>
+                                      </p:to>
+                                    </p:set>
+                                  </p:childTnLst>
+                                </p:cTn>
+                              </p:par>
+                              <p:par>
+                                <p:cTn id="9" presetID="1" presetClass="entr" presetSubtype="0" fill="hold" nodeType="withEffect">
+                                  <p:stCondLst>
+                                    <p:cond delay="0"/>
+                                  </p:stCondLst>
+                                  <p:childTnLst>
+                                    <p:set>
+                                      <p:cBhvr>
+                                        <p:cTn id="10" dur="1" fill="hold">
+                                          <p:stCondLst>
+                                            <p:cond delay="0"/>
+                                          </p:stCondLst>
+                                        </p:cTn>
+                                        <p:tgtEl>
+                                          <p:spTgt spid="9">
+                                            <p:txEl>
+                                              <p:pRg st="4" end="4"/>
+                                            </p:txEl>
+                                          </p:spTgt>
+                                        </p:tgtEl>
+                                        <p:attrNameLst>
+                                          <p:attrName>style.visibility</p:attrName>
+                                        </p:attrNameLst>
+                                      </p:cBhvr>
+                                      <p:to>
+                                        <p:strVal val="visible"/>
+                                      </p:to>
+                                    </p:set>
+                                  </p:childTnLst>
+                                </p:cTn>
+                              </p:par>
+                              <p:par>
+                                <p:cTn id="11" presetID="1" presetClass="entr" presetSubtype="0" fill="hold" nodeType="withEffect">
+                                  <p:stCondLst>
+                                    <p:cond delay="0"/>
+                                  </p:stCondLst>
+                                  <p:childTnLst>
+                                    <p:set>
+                                      <p:cBhvr>
+                                        <p:cTn id="12" dur="1" fill="hold">
+                                          <p:stCondLst>
+                                            <p:cond delay="0"/>
+                                          </p:stCondLst>
+                                        </p:cTn>
+                                        <p:tgtEl>
+                                          <p:spTgt spid="9">
+                                            <p:txEl>
+                                              <p:pRg st="5" end="5"/>
+                                            </p:txEl>
+                                          </p:spTgt>
+                                        </p:tgtEl>
+                                        <p:attrNameLst>
+                                          <p:attrName>style.visibility</p:attrName>
+                                        </p:attrNameLst>
+                                      </p:cBhvr>
+                                      <p:to>
+                                        <p:strVal val="visible"/>
+                                      </p:to>
+                                    </p:set>
+                                  </p:childTnLst>
+                                </p:cTn>
+                              </p:par>
+                              <p:par>
+                                <p:cTn id="13" presetID="1" presetClass="entr" presetSubtype="0" fill="hold" nodeType="withEffect">
+                                  <p:stCondLst>
+                                    <p:cond delay="0"/>
+                                  </p:stCondLst>
+                                  <p:childTnLst>
+                                    <p:set>
+                                      <p:cBhvr>
+                                        <p:cTn id="14" dur="1" fill="hold">
+                                          <p:stCondLst>
+                                            <p:cond delay="0"/>
+                                          </p:stCondLst>
+                                        </p:cTn>
+                                        <p:tgtEl>
+                                          <p:spTgt spid="9">
+                                            <p:txEl>
+                                              <p:pRg st="6" end="6"/>
+                                            </p:txEl>
+                                          </p:spTgt>
+                                        </p:tgtEl>
+                                        <p:attrNameLst>
+                                          <p:attrName>style.visibility</p:attrName>
+                                        </p:attrNameLst>
+                                      </p:cBhvr>
+                                      <p:to>
+                                        <p:strVal val="visible"/>
+                                      </p:to>
+                                    </p:set>
+                                  </p:childTnLst>
+                                </p:cTn>
+                              </p:par>
+                              <p:par>
+                                <p:cTn id="15" presetID="1" presetClass="entr" presetSubtype="0" fill="hold" nodeType="withEffect">
+                                  <p:stCondLst>
+                                    <p:cond delay="0"/>
+                                  </p:stCondLst>
+                                  <p:childTnLst>
+                                    <p:set>
+                                      <p:cBhvr>
+                                        <p:cTn id="16" dur="1" fill="hold">
+                                          <p:stCondLst>
+                                            <p:cond delay="0"/>
+                                          </p:stCondLst>
+                                        </p:cTn>
+                                        <p:tgtEl>
+                                          <p:spTgt spid="9">
+                                            <p:txEl>
+                                              <p:pRg st="7" end="7"/>
+                                            </p:txEl>
+                                          </p:spTgt>
+                                        </p:tgtEl>
+                                        <p:attrNameLst>
+                                          <p:attrName>style.visibility</p:attrName>
+                                        </p:attrNameLst>
+                                      </p:cBhvr>
+                                      <p:to>
+                                        <p:strVal val="visible"/>
+                                      </p:to>
+                                    </p:set>
+                                  </p:childTnLst>
+                                </p:cTn>
+                              </p:par>
+                              <p:par>
+                                <p:cTn id="17" presetID="1" presetClass="entr" presetSubtype="0" fill="hold" nodeType="withEffect">
+                                  <p:stCondLst>
+                                    <p:cond delay="0"/>
+                                  </p:stCondLst>
+                                  <p:childTnLst>
+                                    <p:set>
+                                      <p:cBhvr>
+                                        <p:cTn id="18" dur="1" fill="hold">
+                                          <p:stCondLst>
+                                            <p:cond delay="0"/>
+                                          </p:stCondLst>
+                                        </p:cTn>
+                                        <p:tgtEl>
+                                          <p:spTgt spid="9">
+                                            <p:txEl>
+                                              <p:pRg st="8" end="8"/>
+                                            </p:txEl>
+                                          </p:spTgt>
+                                        </p:tgtEl>
+                                        <p:attrNameLst>
+                                          <p:attrName>style.visibility</p:attrName>
+                                        </p:attrNameLst>
+                                      </p:cBhvr>
+                                      <p:to>
+                                        <p:strVal val="visible"/>
+                                      </p:to>
+                                    </p:set>
+                                  </p:childTnLst>
+                                </p:cTn>
+                              </p:par>
+                              <p:par>
+                                <p:cTn id="19" presetID="1" presetClass="entr" presetSubtype="0" fill="hold" nodeType="withEffect">
+                                  <p:stCondLst>
+                                    <p:cond delay="0"/>
+                                  </p:stCondLst>
+                                  <p:childTnLst>
+                                    <p:set>
+                                      <p:cBhvr>
+                                        <p:cTn id="20" dur="1" fill="hold">
+                                          <p:stCondLst>
+                                            <p:cond delay="0"/>
+                                          </p:stCondLst>
+                                        </p:cTn>
+                                        <p:tgtEl>
+                                          <p:spTgt spid="9">
+                                            <p:txEl>
+                                              <p:pRg st="9" end="9"/>
+                                            </p:txEl>
+                                          </p:spTgt>
+                                        </p:tgtEl>
+                                        <p:attrNameLst>
+                                          <p:attrName>style.visibility</p:attrName>
+                                        </p:attrNameLst>
+                                      </p:cBhvr>
+                                      <p:to>
+                                        <p:strVal val="visible"/>
+                                      </p:to>
+                                    </p:set>
+                                  </p:childTnLst>
+                                </p:cTn>
+                              </p:par>
+                              <p:par>
+                                <p:cTn id="21" presetID="1" presetClass="entr" presetSubtype="0" fill="hold" nodeType="withEffect">
+                                  <p:stCondLst>
+                                    <p:cond delay="0"/>
+                                  </p:stCondLst>
+                                  <p:childTnLst>
+                                    <p:set>
+                                      <p:cBhvr>
+                                        <p:cTn id="22" dur="1" fill="hold">
+                                          <p:stCondLst>
+                                            <p:cond delay="0"/>
+                                          </p:stCondLst>
+                                        </p:cTn>
+                                        <p:tgtEl>
+                                          <p:spTgt spid="9">
+                                            <p:txEl>
+                                              <p:pRg st="10" end="10"/>
+                                            </p:txEl>
+                                          </p:spTgt>
+                                        </p:tgtEl>
+                                        <p:attrNameLst>
+                                          <p:attrName>style.visibility</p:attrName>
+                                        </p:attrNameLst>
+                                      </p:cBhvr>
+                                      <p:to>
+                                        <p:strVal val="visible"/>
+                                      </p:to>
+                                    </p:set>
+                                  </p:childTnLst>
+                                </p:cTn>
+                              </p:par>
+                              <p:par>
+                                <p:cTn id="23" presetID="1" presetClass="entr" presetSubtype="0" fill="hold" nodeType="withEffect">
+                                  <p:stCondLst>
+                                    <p:cond delay="0"/>
+                                  </p:stCondLst>
+                                  <p:childTnLst>
+                                    <p:set>
+                                      <p:cBhvr>
+                                        <p:cTn id="24" dur="1" fill="hold">
+                                          <p:stCondLst>
+                                            <p:cond delay="0"/>
+                                          </p:stCondLst>
+                                        </p:cTn>
+                                        <p:tgtEl>
+                                          <p:spTgt spid="9">
+                                            <p:txEl>
+                                              <p:pRg st="11" end="11"/>
+                                            </p:txEl>
+                                          </p:spTgt>
+                                        </p:tgtEl>
+                                        <p:attrNameLst>
+                                          <p:attrName>style.visibility</p:attrName>
+                                        </p:attrNameLst>
+                                      </p:cBhvr>
+                                      <p:to>
+                                        <p:strVal val="visible"/>
+                                      </p:to>
+                                    </p:set>
+                                  </p:childTnLst>
+                                </p:cTn>
+                              </p:par>
+                            </p:childTnLst>
+                          </p:cTn>
+                        </p:par>
+                      </p:childTnLst>
+                    </p:cTn>
+                  </p:par>
+                  <p:par>
+                    <p:cTn id="25" fill="hold">
+                      <p:stCondLst>
+                        <p:cond delay="indefinite"/>
+                      </p:stCondLst>
+                      <p:childTnLst>
+                        <p:par>
+                          <p:cTn id="26" fill="hold">
+                            <p:stCondLst>
+                              <p:cond delay="0"/>
+                            </p:stCondLst>
+                            <p:childTnLst>
+                              <p:par>
+                                <p:cTn id="27" presetID="1" presetClass="entr" presetSubtype="0" fill="hold" nodeType="clickEffect">
+                                  <p:stCondLst>
+                                    <p:cond delay="0"/>
+                                  </p:stCondLst>
+                                  <p:childTnLst>
+                                    <p:set>
+                                      <p:cBhvr>
+                                        <p:cTn id="28" dur="1" fill="hold">
+                                          <p:stCondLst>
+                                            <p:cond delay="0"/>
+                                          </p:stCondLst>
+                                        </p:cTn>
+                                        <p:tgtEl>
+                                          <p:spTgt spid="5"/>
+                                        </p:tgtEl>
+                                        <p:attrNameLst>
+                                          <p:attrName>style.visibility</p:attrName>
+                                        </p:attrNameLst>
+                                      </p:cBhvr>
+                                      <p:to>
+                                        <p:strVal val="visible"/>
+                                      </p:to>
+                                    </p:set>
+                                  </p:childTnLst>
+                                </p:cTn>
+                              </p:par>
+                              <p:par>
+                                <p:cTn id="29" presetID="1" presetClass="entr" presetSubtype="0" fill="hold" grpId="0" nodeType="withEffect">
+                                  <p:stCondLst>
+                                    <p:cond delay="0"/>
+                                  </p:stCondLst>
+                                  <p:childTnLst>
+                                    <p:set>
+                                      <p:cBhvr>
+                                        <p:cTn id="30" dur="1" fill="hold">
+                                          <p:stCondLst>
+                                            <p:cond delay="0"/>
+                                          </p:stCondLst>
+                                        </p:cTn>
+                                        <p:tgtEl>
+                                          <p:spTgt spid="4"/>
+                                        </p:tgtEl>
+                                        <p:attrNameLst>
+                                          <p:attrName>style.visibility</p:attrName>
+                                        </p:attrNameLst>
+                                      </p:cBhvr>
+                                      <p:to>
+                                        <p:strVal val="visible"/>
+                                      </p:to>
+                                    </p:set>
+                                  </p:childTnLst>
+                                </p:cTn>
+                              </p:par>
+                            </p:childTnLst>
+                          </p:cTn>
+                        </p:par>
+                      </p:childTnLst>
+                    </p:cTn>
+                  </p:par>
+                </p:childTnLst>
+              </p:cTn>
+              <p:prevCondLst>
+                <p:cond evt="onPrev" delay="0">
+                  <p:tgtEl>
+                    <p:sldTgt/>
+                  </p:tgtEl>
+                </p:cond>
+              </p:prevCondLst>
+              <p:nextCondLst>
+                <p:cond evt="onNext" delay="0">
+                  <p:tgtEl>
+                    <p:sldTgt/>
+                  </p:tgtEl>
+                </p:cond>
+              </p:nextCondLst>
+            </p:seq>
+          </p:childTnLst>
+        </p:cTn>
+      </p:par>
+    </p:tnLst>
+    <p:bldLst>
+      <p:bldP spid="4" grpId="0"/>
+    </p:bldLst>
+  </p:timing>
 </p:sld>
 </file>
 
@@ -5001,6 +5474,183 @@
   <p:clrMapOvr>
     <a:masterClrMapping/>
   </p:clrMapOvr>
+  <p:timing>
+    <p:tnLst>
+      <p:par>
+        <p:cTn id="1" dur="indefinite" restart="never" nodeType="tmRoot">
+          <p:childTnLst>
+            <p:seq concurrent="1" nextAc="seek">
+              <p:cTn id="2" dur="indefinite" nodeType="mainSeq">
+                <p:childTnLst>
+                  <p:par>
+                    <p:cTn id="3" fill="hold">
+                      <p:stCondLst>
+                        <p:cond delay="indefinite"/>
+                      </p:stCondLst>
+                      <p:childTnLst>
+                        <p:par>
+                          <p:cTn id="4" fill="hold">
+                            <p:stCondLst>
+                              <p:cond delay="0"/>
+                            </p:stCondLst>
+                            <p:childTnLst>
+                              <p:par>
+                                <p:cTn id="5" presetID="1" presetClass="entr" presetSubtype="0" fill="hold" nodeType="clickEffect">
+                                  <p:stCondLst>
+                                    <p:cond delay="0"/>
+                                  </p:stCondLst>
+                                  <p:childTnLst>
+                                    <p:set>
+                                      <p:cBhvr>
+                                        <p:cTn id="6" dur="1" fill="hold">
+                                          <p:stCondLst>
+                                            <p:cond delay="0"/>
+                                          </p:stCondLst>
+                                        </p:cTn>
+                                        <p:tgtEl>
+                                          <p:spTgt spid="9">
+                                            <p:txEl>
+                                              <p:pRg st="2" end="2"/>
+                                            </p:txEl>
+                                          </p:spTgt>
+                                        </p:tgtEl>
+                                        <p:attrNameLst>
+                                          <p:attrName>style.visibility</p:attrName>
+                                        </p:attrNameLst>
+                                      </p:cBhvr>
+                                      <p:to>
+                                        <p:strVal val="visible"/>
+                                      </p:to>
+                                    </p:set>
+                                  </p:childTnLst>
+                                </p:cTn>
+                              </p:par>
+                            </p:childTnLst>
+                          </p:cTn>
+                        </p:par>
+                      </p:childTnLst>
+                    </p:cTn>
+                  </p:par>
+                  <p:par>
+                    <p:cTn id="7" fill="hold">
+                      <p:stCondLst>
+                        <p:cond delay="indefinite"/>
+                      </p:stCondLst>
+                      <p:childTnLst>
+                        <p:par>
+                          <p:cTn id="8" fill="hold">
+                            <p:stCondLst>
+                              <p:cond delay="0"/>
+                            </p:stCondLst>
+                            <p:childTnLst>
+                              <p:par>
+                                <p:cTn id="9" presetID="1" presetClass="entr" presetSubtype="0" fill="hold" nodeType="clickEffect">
+                                  <p:stCondLst>
+                                    <p:cond delay="0"/>
+                                  </p:stCondLst>
+                                  <p:childTnLst>
+                                    <p:set>
+                                      <p:cBhvr>
+                                        <p:cTn id="10" dur="1" fill="hold">
+                                          <p:stCondLst>
+                                            <p:cond delay="0"/>
+                                          </p:stCondLst>
+                                        </p:cTn>
+                                        <p:tgtEl>
+                                          <p:spTgt spid="9">
+                                            <p:txEl>
+                                              <p:pRg st="4" end="4"/>
+                                            </p:txEl>
+                                          </p:spTgt>
+                                        </p:tgtEl>
+                                        <p:attrNameLst>
+                                          <p:attrName>style.visibility</p:attrName>
+                                        </p:attrNameLst>
+                                      </p:cBhvr>
+                                      <p:to>
+                                        <p:strVal val="visible"/>
+                                      </p:to>
+                                    </p:set>
+                                  </p:childTnLst>
+                                </p:cTn>
+                              </p:par>
+                            </p:childTnLst>
+                          </p:cTn>
+                        </p:par>
+                      </p:childTnLst>
+                    </p:cTn>
+                  </p:par>
+                  <p:par>
+                    <p:cTn id="11" fill="hold">
+                      <p:stCondLst>
+                        <p:cond delay="indefinite"/>
+                      </p:stCondLst>
+                      <p:childTnLst>
+                        <p:par>
+                          <p:cTn id="12" fill="hold">
+                            <p:stCondLst>
+                              <p:cond delay="0"/>
+                            </p:stCondLst>
+                            <p:childTnLst>
+                              <p:par>
+                                <p:cTn id="13" presetID="1" presetClass="entr" presetSubtype="0" fill="hold" nodeType="clickEffect">
+                                  <p:stCondLst>
+                                    <p:cond delay="0"/>
+                                  </p:stCondLst>
+                                  <p:childTnLst>
+                                    <p:set>
+                                      <p:cBhvr>
+                                        <p:cTn id="14" dur="1" fill="hold">
+                                          <p:stCondLst>
+                                            <p:cond delay="0"/>
+                                          </p:stCondLst>
+                                        </p:cTn>
+                                        <p:tgtEl>
+                                          <p:spTgt spid="9">
+                                            <p:txEl>
+                                              <p:pRg st="6" end="6"/>
+                                            </p:txEl>
+                                          </p:spTgt>
+                                        </p:tgtEl>
+                                        <p:attrNameLst>
+                                          <p:attrName>style.visibility</p:attrName>
+                                        </p:attrNameLst>
+                                      </p:cBhvr>
+                                      <p:to>
+                                        <p:strVal val="visible"/>
+                                      </p:to>
+                                    </p:set>
+                                  </p:childTnLst>
+                                </p:cTn>
+                              </p:par>
+                            </p:childTnLst>
+                          </p:cTn>
+                        </p:par>
+                      </p:childTnLst>
+                    </p:cTn>
+                  </p:par>
+                </p:childTnLst>
+              </p:cTn>
+              <p:prevCondLst>
+                <p:cond evt="onPrev" delay="0">
+                  <p:tgtEl>
+                    <p:sldTgt/>
+                  </p:tgtEl>
+                </p:cond>
+              </p:prevCondLst>
+              <p:nextCondLst>
+                <p:cond evt="onNext" delay="0">
+                  <p:tgtEl>
+                    <p:sldTgt/>
+                  </p:tgtEl>
+                </p:cond>
+              </p:nextCondLst>
+            </p:seq>
+          </p:childTnLst>
+        </p:cTn>
+      </p:par>
+    </p:tnLst>
+  </p:timing>
 </p:sld>
 </file>
 
@@ -5808,196 +6458,226 @@
   <p:clrMapOvr>
     <a:masterClrMapping/>
   </p:clrMapOvr>
+  <p:timing>
+    <p:tnLst>
+      <p:par>
+        <p:cTn id="1" dur="indefinite" restart="never" nodeType="tmRoot">
+          <p:childTnLst>
+            <p:seq concurrent="1" nextAc="seek">
+              <p:cTn id="2" dur="indefinite" nodeType="mainSeq">
+                <p:childTnLst>
+                  <p:par>
+                    <p:cTn id="3" fill="hold">
+                      <p:stCondLst>
+                        <p:cond delay="indefinite"/>
+                      </p:stCondLst>
+                      <p:childTnLst>
+                        <p:par>
+                          <p:cTn id="4" fill="hold">
+                            <p:stCondLst>
+                              <p:cond delay="0"/>
+                            </p:stCondLst>
+                            <p:childTnLst>
+                              <p:par>
+                                <p:cTn id="5" presetID="1" presetClass="entr" presetSubtype="0" fill="hold" grpId="0" nodeType="clickEffect">
+                                  <p:stCondLst>
+                                    <p:cond delay="0"/>
+                                  </p:stCondLst>
+                                  <p:childTnLst>
+                                    <p:set>
+                                      <p:cBhvr>
+                                        <p:cTn id="6" dur="1" fill="hold">
+                                          <p:stCondLst>
+                                            <p:cond delay="0"/>
+                                          </p:stCondLst>
+                                        </p:cTn>
+                                        <p:tgtEl>
+                                          <p:spTgt spid="15"/>
+                                        </p:tgtEl>
+                                        <p:attrNameLst>
+                                          <p:attrName>style.visibility</p:attrName>
+                                        </p:attrNameLst>
+                                      </p:cBhvr>
+                                      <p:to>
+                                        <p:strVal val="visible"/>
+                                      </p:to>
+                                    </p:set>
+                                  </p:childTnLst>
+                                </p:cTn>
+                              </p:par>
+                            </p:childTnLst>
+                          </p:cTn>
+                        </p:par>
+                      </p:childTnLst>
+                    </p:cTn>
+                  </p:par>
+                  <p:par>
+                    <p:cTn id="7" fill="hold">
+                      <p:stCondLst>
+                        <p:cond delay="indefinite"/>
+                      </p:stCondLst>
+                      <p:childTnLst>
+                        <p:par>
+                          <p:cTn id="8" fill="hold">
+                            <p:stCondLst>
+                              <p:cond delay="0"/>
+                            </p:stCondLst>
+                            <p:childTnLst>
+                              <p:par>
+                                <p:cTn id="9" presetID="1" presetClass="entr" presetSubtype="0" fill="hold" grpId="0" nodeType="clickEffect">
+                                  <p:stCondLst>
+                                    <p:cond delay="0"/>
+                                  </p:stCondLst>
+                                  <p:childTnLst>
+                                    <p:set>
+                                      <p:cBhvr>
+                                        <p:cTn id="10" dur="1" fill="hold">
+                                          <p:stCondLst>
+                                            <p:cond delay="0"/>
+                                          </p:stCondLst>
+                                        </p:cTn>
+                                        <p:tgtEl>
+                                          <p:spTgt spid="16"/>
+                                        </p:tgtEl>
+                                        <p:attrNameLst>
+                                          <p:attrName>style.visibility</p:attrName>
+                                        </p:attrNameLst>
+                                      </p:cBhvr>
+                                      <p:to>
+                                        <p:strVal val="visible"/>
+                                      </p:to>
+                                    </p:set>
+                                  </p:childTnLst>
+                                </p:cTn>
+                              </p:par>
+                            </p:childTnLst>
+                          </p:cTn>
+                        </p:par>
+                      </p:childTnLst>
+                    </p:cTn>
+                  </p:par>
+                  <p:par>
+                    <p:cTn id="11" fill="hold">
+                      <p:stCondLst>
+                        <p:cond delay="indefinite"/>
+                      </p:stCondLst>
+                      <p:childTnLst>
+                        <p:par>
+                          <p:cTn id="12" fill="hold">
+                            <p:stCondLst>
+                              <p:cond delay="0"/>
+                            </p:stCondLst>
+                            <p:childTnLst>
+                              <p:par>
+                                <p:cTn id="13" presetID="1" presetClass="entr" presetSubtype="0" fill="hold" grpId="0" nodeType="clickEffect">
+                                  <p:stCondLst>
+                                    <p:cond delay="0"/>
+                                  </p:stCondLst>
+                                  <p:childTnLst>
+                                    <p:set>
+                                      <p:cBhvr>
+                                        <p:cTn id="14" dur="1" fill="hold">
+                                          <p:stCondLst>
+                                            <p:cond delay="0"/>
+                                          </p:stCondLst>
+                                        </p:cTn>
+                                        <p:tgtEl>
+                                          <p:spTgt spid="12"/>
+                                        </p:tgtEl>
+                                        <p:attrNameLst>
+                                          <p:attrName>style.visibility</p:attrName>
+                                        </p:attrNameLst>
+                                      </p:cBhvr>
+                                      <p:to>
+                                        <p:strVal val="visible"/>
+                                      </p:to>
+                                    </p:set>
+                                  </p:childTnLst>
+                                </p:cTn>
+                              </p:par>
+                            </p:childTnLst>
+                          </p:cTn>
+                        </p:par>
+                      </p:childTnLst>
+                    </p:cTn>
+                  </p:par>
+                  <p:par>
+                    <p:cTn id="15" fill="hold">
+                      <p:stCondLst>
+                        <p:cond delay="indefinite"/>
+                      </p:stCondLst>
+                      <p:childTnLst>
+                        <p:par>
+                          <p:cTn id="16" fill="hold">
+                            <p:stCondLst>
+                              <p:cond delay="0"/>
+                            </p:stCondLst>
+                            <p:childTnLst>
+                              <p:par>
+                                <p:cTn id="17" presetID="1" presetClass="entr" presetSubtype="0" fill="hold" grpId="0" nodeType="clickEffect">
+                                  <p:stCondLst>
+                                    <p:cond delay="0"/>
+                                  </p:stCondLst>
+                                  <p:childTnLst>
+                                    <p:set>
+                                      <p:cBhvr>
+                                        <p:cTn id="18" dur="1" fill="hold">
+                                          <p:stCondLst>
+                                            <p:cond delay="0"/>
+                                          </p:stCondLst>
+                                        </p:cTn>
+                                        <p:tgtEl>
+                                          <p:spTgt spid="17"/>
+                                        </p:tgtEl>
+                                        <p:attrNameLst>
+                                          <p:attrName>style.visibility</p:attrName>
+                                        </p:attrNameLst>
+                                      </p:cBhvr>
+                                      <p:to>
+                                        <p:strVal val="visible"/>
+                                      </p:to>
+                                    </p:set>
+                                  </p:childTnLst>
+                                </p:cTn>
+                              </p:par>
+                            </p:childTnLst>
+                          </p:cTn>
+                        </p:par>
+                      </p:childTnLst>
+                    </p:cTn>
+                  </p:par>
+                </p:childTnLst>
+              </p:cTn>
+              <p:prevCondLst>
+                <p:cond evt="onPrev" delay="0">
+                  <p:tgtEl>
+                    <p:sldTgt/>
+                  </p:tgtEl>
+                </p:cond>
+              </p:prevCondLst>
+              <p:nextCondLst>
+                <p:cond evt="onNext" delay="0">
+                  <p:tgtEl>
+                    <p:sldTgt/>
+                  </p:tgtEl>
+                </p:cond>
+              </p:nextCondLst>
+            </p:seq>
+          </p:childTnLst>
+        </p:cTn>
+      </p:par>
+    </p:tnLst>
+    <p:bldLst>
+      <p:bldP spid="15" grpId="0"/>
+      <p:bldP spid="16" grpId="0"/>
+      <p:bldP spid="17" grpId="0"/>
+      <p:bldP spid="12" grpId="0"/>
+    </p:bldLst>
+  </p:timing>
 </p:sld>
 </file>
 
 <file path=ppt/slides/slide13.xml><?xml version="1.0" encoding="utf-8"?>
-<p:sld xmlns:a="http://schemas.openxmlformats.org/drawingml/2006/main" xmlns:r="http://schemas.openxmlformats.org/officeDocument/2006/relationships" xmlns:p="http://schemas.openxmlformats.org/presentationml/2006/main">
-  <p:cSld>
-    <p:spTree>
-      <p:nvGrpSpPr>
-        <p:cNvPr id="1" name=""/>
-        <p:cNvGrpSpPr/>
-        <p:nvPr/>
-      </p:nvGrpSpPr>
-      <p:grpSpPr>
-        <a:xfrm>
-          <a:off x="0" y="0"/>
-          <a:ext cx="0" cy="0"/>
-          <a:chOff x="0" y="0"/>
-          <a:chExt cx="0" cy="0"/>
-        </a:xfrm>
-      </p:grpSpPr>
-      <p:sp>
-        <p:nvSpPr>
-          <p:cNvPr id="2" name="Title 1">
-            <a:extLst>
-              <a:ext uri="{FF2B5EF4-FFF2-40B4-BE49-F238E27FC236}">
-                <a16:creationId xmlns:a16="http://schemas.microsoft.com/office/drawing/2014/main" id="{AA3A228F-61D0-D949-A5E7-F83756230BF8}"/>
-              </a:ext>
-            </a:extLst>
-          </p:cNvPr>
-          <p:cNvSpPr>
-            <a:spLocks noGrp="1"/>
-          </p:cNvSpPr>
-          <p:nvPr>
-            <p:ph type="title"/>
-          </p:nvPr>
-        </p:nvSpPr>
-        <p:spPr>
-          <a:xfrm>
-            <a:off x="483848" y="467027"/>
-            <a:ext cx="7053542" cy="683886"/>
-          </a:xfrm>
-        </p:spPr>
-        <p:txBody>
-          <a:bodyPr/>
-          <a:lstStyle/>
-          <a:p>
-            <a:r>
-              <a:rPr lang="en-US" dirty="0"/>
-              <a:t>Inheritance</a:t>
-            </a:r>
-          </a:p>
-        </p:txBody>
-      </p:sp>
-      <p:sp>
-        <p:nvSpPr>
-          <p:cNvPr id="9" name="Content Placeholder 8">
-            <a:extLst>
-              <a:ext uri="{FF2B5EF4-FFF2-40B4-BE49-F238E27FC236}">
-                <a16:creationId xmlns:a16="http://schemas.microsoft.com/office/drawing/2014/main" id="{E3B2E017-30B2-884B-A113-B419A2ED51AD}"/>
-              </a:ext>
-            </a:extLst>
-          </p:cNvPr>
-          <p:cNvSpPr>
-            <a:spLocks noGrp="1"/>
-          </p:cNvSpPr>
-          <p:nvPr>
-            <p:ph idx="1"/>
-          </p:nvPr>
-        </p:nvSpPr>
-        <p:spPr>
-          <a:xfrm>
-            <a:off x="483848" y="1150913"/>
-            <a:ext cx="8051725" cy="4251719"/>
-          </a:xfrm>
-        </p:spPr>
-        <p:txBody>
-          <a:bodyPr>
-            <a:noAutofit/>
-          </a:bodyPr>
-          <a:lstStyle/>
-          <a:p>
-            <a:pPr marL="0" indent="0">
-              <a:buNone/>
-            </a:pPr>
-            <a:r>
-              <a:rPr lang="en-US" dirty="0"/>
-              <a:t>Inheritance gives us the ability to create a new class based on an existing class. </a:t>
-            </a:r>
-          </a:p>
-          <a:p>
-            <a:pPr marL="0" indent="0">
-              <a:buNone/>
-            </a:pPr>
-            <a:endParaRPr lang="en-US" dirty="0"/>
-          </a:p>
-          <a:p>
-            <a:pPr marL="0" indent="0">
-              <a:buNone/>
-            </a:pPr>
-            <a:r>
-              <a:rPr lang="en-US" dirty="0"/>
-              <a:t>Inheritance allows us to </a:t>
-            </a:r>
-            <a:r>
-              <a:rPr lang="en-US" b="1" dirty="0"/>
-              <a:t>reuse</a:t>
-            </a:r>
-            <a:r>
-              <a:rPr lang="en-US" dirty="0"/>
-              <a:t> the code from our existing class. </a:t>
-            </a:r>
-          </a:p>
-          <a:p>
-            <a:pPr marL="0" indent="0">
-              <a:buNone/>
-            </a:pPr>
-            <a:endParaRPr lang="en-US" dirty="0"/>
-          </a:p>
-          <a:p>
-            <a:pPr marL="0" indent="0">
-              <a:buNone/>
-            </a:pPr>
-            <a:r>
-              <a:rPr lang="en-US" dirty="0"/>
-              <a:t>For example, we can extend the Character class to another class: the Player class. The Character class is the </a:t>
-            </a:r>
-            <a:r>
-              <a:rPr lang="en-US" b="1" dirty="0"/>
-              <a:t>base class</a:t>
-            </a:r>
-            <a:r>
-              <a:rPr lang="en-US" dirty="0"/>
-              <a:t>, the </a:t>
-            </a:r>
-            <a:r>
-              <a:rPr lang="en-US" b="1" dirty="0"/>
-              <a:t>parent class </a:t>
-            </a:r>
-            <a:r>
-              <a:rPr lang="en-US" dirty="0"/>
-              <a:t>or the </a:t>
-            </a:r>
-            <a:r>
-              <a:rPr lang="en-US" b="1" dirty="0"/>
-              <a:t>superclass.</a:t>
-            </a:r>
-            <a:r>
-              <a:rPr lang="en-US" dirty="0"/>
-              <a:t> The Player class is a </a:t>
-            </a:r>
-            <a:r>
-              <a:rPr lang="en-US" b="1" dirty="0"/>
-              <a:t>subclass or child class </a:t>
-            </a:r>
-            <a:r>
-              <a:rPr lang="en-US" dirty="0"/>
-              <a:t>of Character. </a:t>
-            </a:r>
-          </a:p>
-          <a:p>
-            <a:pPr marL="0" indent="0">
-              <a:buNone/>
-            </a:pPr>
-            <a:endParaRPr lang="en-US" dirty="0"/>
-          </a:p>
-          <a:p>
-            <a:pPr marL="0" indent="0">
-              <a:buNone/>
-            </a:pPr>
-            <a:r>
-              <a:rPr lang="en-US" dirty="0"/>
-              <a:t>We can also create the Enemy class which also inherits from Character. </a:t>
-            </a:r>
-          </a:p>
-        </p:txBody>
-      </p:sp>
-    </p:spTree>
-    <p:extLst>
-      <p:ext uri="{BB962C8B-B14F-4D97-AF65-F5344CB8AC3E}">
-        <p14:creationId xmlns:p14="http://schemas.microsoft.com/office/powerpoint/2010/main" val="1327020864"/>
-      </p:ext>
-    </p:extLst>
-  </p:cSld>
-  <p:clrMapOvr>
-    <a:masterClrMapping/>
-  </p:clrMapOvr>
-</p:sld>
-</file>
-
-<file path=ppt/slides/slide14.xml><?xml version="1.0" encoding="utf-8"?>
 <p:sld xmlns:a="http://schemas.openxmlformats.org/drawingml/2006/main" xmlns:r="http://schemas.openxmlformats.org/officeDocument/2006/relationships" xmlns:p="http://schemas.openxmlformats.org/presentationml/2006/main">
   <p:cSld>
     <p:spTree>
@@ -6938,10 +7618,403 @@
   <p:clrMapOvr>
     <a:masterClrMapping/>
   </p:clrMapOvr>
+  <p:timing>
+    <p:tnLst>
+      <p:par>
+        <p:cTn id="1" dur="indefinite" restart="never" nodeType="tmRoot">
+          <p:childTnLst>
+            <p:seq concurrent="1" nextAc="seek">
+              <p:cTn id="2" dur="indefinite" nodeType="mainSeq">
+                <p:childTnLst>
+                  <p:par>
+                    <p:cTn id="3" fill="hold">
+                      <p:stCondLst>
+                        <p:cond delay="indefinite"/>
+                      </p:stCondLst>
+                      <p:childTnLst>
+                        <p:par>
+                          <p:cTn id="4" fill="hold">
+                            <p:stCondLst>
+                              <p:cond delay="0"/>
+                            </p:stCondLst>
+                            <p:childTnLst>
+                              <p:par>
+                                <p:cTn id="5" presetID="1" presetClass="entr" presetSubtype="0" fill="hold" nodeType="clickEffect">
+                                  <p:stCondLst>
+                                    <p:cond delay="0"/>
+                                  </p:stCondLst>
+                                  <p:childTnLst>
+                                    <p:set>
+                                      <p:cBhvr>
+                                        <p:cTn id="6" dur="1" fill="hold">
+                                          <p:stCondLst>
+                                            <p:cond delay="0"/>
+                                          </p:stCondLst>
+                                        </p:cTn>
+                                        <p:tgtEl>
+                                          <p:spTgt spid="9">
+                                            <p:txEl>
+                                              <p:pRg st="8" end="8"/>
+                                            </p:txEl>
+                                          </p:spTgt>
+                                        </p:tgtEl>
+                                        <p:attrNameLst>
+                                          <p:attrName>style.visibility</p:attrName>
+                                        </p:attrNameLst>
+                                      </p:cBhvr>
+                                      <p:to>
+                                        <p:strVal val="visible"/>
+                                      </p:to>
+                                    </p:set>
+                                  </p:childTnLst>
+                                </p:cTn>
+                              </p:par>
+                              <p:par>
+                                <p:cTn id="7" presetID="1" presetClass="entr" presetSubtype="0" fill="hold" nodeType="withEffect">
+                                  <p:stCondLst>
+                                    <p:cond delay="0"/>
+                                  </p:stCondLst>
+                                  <p:childTnLst>
+                                    <p:set>
+                                      <p:cBhvr>
+                                        <p:cTn id="8" dur="1" fill="hold">
+                                          <p:stCondLst>
+                                            <p:cond delay="0"/>
+                                          </p:stCondLst>
+                                        </p:cTn>
+                                        <p:tgtEl>
+                                          <p:spTgt spid="9">
+                                            <p:txEl>
+                                              <p:pRg st="9" end="9"/>
+                                            </p:txEl>
+                                          </p:spTgt>
+                                        </p:tgtEl>
+                                        <p:attrNameLst>
+                                          <p:attrName>style.visibility</p:attrName>
+                                        </p:attrNameLst>
+                                      </p:cBhvr>
+                                      <p:to>
+                                        <p:strVal val="visible"/>
+                                      </p:to>
+                                    </p:set>
+                                  </p:childTnLst>
+                                </p:cTn>
+                              </p:par>
+                              <p:par>
+                                <p:cTn id="9" presetID="1" presetClass="entr" presetSubtype="0" fill="hold" nodeType="withEffect">
+                                  <p:stCondLst>
+                                    <p:cond delay="0"/>
+                                  </p:stCondLst>
+                                  <p:childTnLst>
+                                    <p:set>
+                                      <p:cBhvr>
+                                        <p:cTn id="10" dur="1" fill="hold">
+                                          <p:stCondLst>
+                                            <p:cond delay="0"/>
+                                          </p:stCondLst>
+                                        </p:cTn>
+                                        <p:tgtEl>
+                                          <p:spTgt spid="9">
+                                            <p:txEl>
+                                              <p:pRg st="10" end="10"/>
+                                            </p:txEl>
+                                          </p:spTgt>
+                                        </p:tgtEl>
+                                        <p:attrNameLst>
+                                          <p:attrName>style.visibility</p:attrName>
+                                        </p:attrNameLst>
+                                      </p:cBhvr>
+                                      <p:to>
+                                        <p:strVal val="visible"/>
+                                      </p:to>
+                                    </p:set>
+                                  </p:childTnLst>
+                                </p:cTn>
+                              </p:par>
+                              <p:par>
+                                <p:cTn id="11" presetID="1" presetClass="entr" presetSubtype="0" fill="hold" nodeType="withEffect">
+                                  <p:stCondLst>
+                                    <p:cond delay="0"/>
+                                  </p:stCondLst>
+                                  <p:childTnLst>
+                                    <p:set>
+                                      <p:cBhvr>
+                                        <p:cTn id="12" dur="1" fill="hold">
+                                          <p:stCondLst>
+                                            <p:cond delay="0"/>
+                                          </p:stCondLst>
+                                        </p:cTn>
+                                        <p:tgtEl>
+                                          <p:spTgt spid="9">
+                                            <p:txEl>
+                                              <p:pRg st="11" end="11"/>
+                                            </p:txEl>
+                                          </p:spTgt>
+                                        </p:tgtEl>
+                                        <p:attrNameLst>
+                                          <p:attrName>style.visibility</p:attrName>
+                                        </p:attrNameLst>
+                                      </p:cBhvr>
+                                      <p:to>
+                                        <p:strVal val="visible"/>
+                                      </p:to>
+                                    </p:set>
+                                  </p:childTnLst>
+                                </p:cTn>
+                              </p:par>
+                            </p:childTnLst>
+                          </p:cTn>
+                        </p:par>
+                      </p:childTnLst>
+                    </p:cTn>
+                  </p:par>
+                  <p:par>
+                    <p:cTn id="13" fill="hold">
+                      <p:stCondLst>
+                        <p:cond delay="indefinite"/>
+                      </p:stCondLst>
+                      <p:childTnLst>
+                        <p:par>
+                          <p:cTn id="14" fill="hold">
+                            <p:stCondLst>
+                              <p:cond delay="0"/>
+                            </p:stCondLst>
+                            <p:childTnLst>
+                              <p:par>
+                                <p:cTn id="15" presetID="1" presetClass="entr" presetSubtype="0" fill="hold" grpId="0" nodeType="clickEffect">
+                                  <p:stCondLst>
+                                    <p:cond delay="0"/>
+                                  </p:stCondLst>
+                                  <p:childTnLst>
+                                    <p:set>
+                                      <p:cBhvr>
+                                        <p:cTn id="16" dur="1" fill="hold">
+                                          <p:stCondLst>
+                                            <p:cond delay="0"/>
+                                          </p:stCondLst>
+                                        </p:cTn>
+                                        <p:tgtEl>
+                                          <p:spTgt spid="10"/>
+                                        </p:tgtEl>
+                                        <p:attrNameLst>
+                                          <p:attrName>style.visibility</p:attrName>
+                                        </p:attrNameLst>
+                                      </p:cBhvr>
+                                      <p:to>
+                                        <p:strVal val="visible"/>
+                                      </p:to>
+                                    </p:set>
+                                  </p:childTnLst>
+                                </p:cTn>
+                              </p:par>
+                            </p:childTnLst>
+                          </p:cTn>
+                        </p:par>
+                      </p:childTnLst>
+                    </p:cTn>
+                  </p:par>
+                  <p:par>
+                    <p:cTn id="17" fill="hold">
+                      <p:stCondLst>
+                        <p:cond delay="indefinite"/>
+                      </p:stCondLst>
+                      <p:childTnLst>
+                        <p:par>
+                          <p:cTn id="18" fill="hold">
+                            <p:stCondLst>
+                              <p:cond delay="0"/>
+                            </p:stCondLst>
+                            <p:childTnLst>
+                              <p:par>
+                                <p:cTn id="19" presetID="1" presetClass="entr" presetSubtype="0" fill="hold" grpId="0" nodeType="clickEffect">
+                                  <p:stCondLst>
+                                    <p:cond delay="0"/>
+                                  </p:stCondLst>
+                                  <p:childTnLst>
+                                    <p:set>
+                                      <p:cBhvr>
+                                        <p:cTn id="20" dur="1" fill="hold">
+                                          <p:stCondLst>
+                                            <p:cond delay="0"/>
+                                          </p:stCondLst>
+                                        </p:cTn>
+                                        <p:tgtEl>
+                                          <p:spTgt spid="4"/>
+                                        </p:tgtEl>
+                                        <p:attrNameLst>
+                                          <p:attrName>style.visibility</p:attrName>
+                                        </p:attrNameLst>
+                                      </p:cBhvr>
+                                      <p:to>
+                                        <p:strVal val="visible"/>
+                                      </p:to>
+                                    </p:set>
+                                  </p:childTnLst>
+                                </p:cTn>
+                              </p:par>
+                              <p:par>
+                                <p:cTn id="21" presetID="1" presetClass="entr" presetSubtype="0" fill="hold" nodeType="withEffect">
+                                  <p:stCondLst>
+                                    <p:cond delay="0"/>
+                                  </p:stCondLst>
+                                  <p:childTnLst>
+                                    <p:set>
+                                      <p:cBhvr>
+                                        <p:cTn id="22" dur="1" fill="hold">
+                                          <p:stCondLst>
+                                            <p:cond delay="0"/>
+                                          </p:stCondLst>
+                                        </p:cTn>
+                                        <p:tgtEl>
+                                          <p:spTgt spid="6"/>
+                                        </p:tgtEl>
+                                        <p:attrNameLst>
+                                          <p:attrName>style.visibility</p:attrName>
+                                        </p:attrNameLst>
+                                      </p:cBhvr>
+                                      <p:to>
+                                        <p:strVal val="visible"/>
+                                      </p:to>
+                                    </p:set>
+                                  </p:childTnLst>
+                                </p:cTn>
+                              </p:par>
+                              <p:par>
+                                <p:cTn id="23" presetID="1" presetClass="entr" presetSubtype="0" fill="hold" nodeType="withEffect">
+                                  <p:stCondLst>
+                                    <p:cond delay="0"/>
+                                  </p:stCondLst>
+                                  <p:childTnLst>
+                                    <p:set>
+                                      <p:cBhvr>
+                                        <p:cTn id="24" dur="1" fill="hold">
+                                          <p:stCondLst>
+                                            <p:cond delay="0"/>
+                                          </p:stCondLst>
+                                        </p:cTn>
+                                        <p:tgtEl>
+                                          <p:spTgt spid="5"/>
+                                        </p:tgtEl>
+                                        <p:attrNameLst>
+                                          <p:attrName>style.visibility</p:attrName>
+                                        </p:attrNameLst>
+                                      </p:cBhvr>
+                                      <p:to>
+                                        <p:strVal val="visible"/>
+                                      </p:to>
+                                    </p:set>
+                                  </p:childTnLst>
+                                </p:cTn>
+                              </p:par>
+                            </p:childTnLst>
+                          </p:cTn>
+                        </p:par>
+                      </p:childTnLst>
+                    </p:cTn>
+                  </p:par>
+                  <p:par>
+                    <p:cTn id="25" fill="hold">
+                      <p:stCondLst>
+                        <p:cond delay="indefinite"/>
+                      </p:stCondLst>
+                      <p:childTnLst>
+                        <p:par>
+                          <p:cTn id="26" fill="hold">
+                            <p:stCondLst>
+                              <p:cond delay="0"/>
+                            </p:stCondLst>
+                            <p:childTnLst>
+                              <p:par>
+                                <p:cTn id="27" presetID="1" presetClass="entr" presetSubtype="0" fill="hold" grpId="0" nodeType="clickEffect">
+                                  <p:stCondLst>
+                                    <p:cond delay="0"/>
+                                  </p:stCondLst>
+                                  <p:childTnLst>
+                                    <p:set>
+                                      <p:cBhvr>
+                                        <p:cTn id="28" dur="1" fill="hold">
+                                          <p:stCondLst>
+                                            <p:cond delay="0"/>
+                                          </p:stCondLst>
+                                        </p:cTn>
+                                        <p:tgtEl>
+                                          <p:spTgt spid="11"/>
+                                        </p:tgtEl>
+                                        <p:attrNameLst>
+                                          <p:attrName>style.visibility</p:attrName>
+                                        </p:attrNameLst>
+                                      </p:cBhvr>
+                                      <p:to>
+                                        <p:strVal val="visible"/>
+                                      </p:to>
+                                    </p:set>
+                                  </p:childTnLst>
+                                </p:cTn>
+                              </p:par>
+                              <p:par>
+                                <p:cTn id="29" presetID="1" presetClass="entr" presetSubtype="0" fill="hold" nodeType="withEffect">
+                                  <p:stCondLst>
+                                    <p:cond delay="0"/>
+                                  </p:stCondLst>
+                                  <p:childTnLst>
+                                    <p:set>
+                                      <p:cBhvr>
+                                        <p:cTn id="30" dur="1" fill="hold">
+                                          <p:stCondLst>
+                                            <p:cond delay="0"/>
+                                          </p:stCondLst>
+                                        </p:cTn>
+                                        <p:tgtEl>
+                                          <p:spTgt spid="12"/>
+                                        </p:tgtEl>
+                                        <p:attrNameLst>
+                                          <p:attrName>style.visibility</p:attrName>
+                                        </p:attrNameLst>
+                                      </p:cBhvr>
+                                      <p:to>
+                                        <p:strVal val="visible"/>
+                                      </p:to>
+                                    </p:set>
+                                  </p:childTnLst>
+                                </p:cTn>
+                              </p:par>
+                            </p:childTnLst>
+                          </p:cTn>
+                        </p:par>
+                      </p:childTnLst>
+                    </p:cTn>
+                  </p:par>
+                </p:childTnLst>
+              </p:cTn>
+              <p:prevCondLst>
+                <p:cond evt="onPrev" delay="0">
+                  <p:tgtEl>
+                    <p:sldTgt/>
+                  </p:tgtEl>
+                </p:cond>
+              </p:prevCondLst>
+              <p:nextCondLst>
+                <p:cond evt="onNext" delay="0">
+                  <p:tgtEl>
+                    <p:sldTgt/>
+                  </p:tgtEl>
+                </p:cond>
+              </p:nextCondLst>
+            </p:seq>
+          </p:childTnLst>
+        </p:cTn>
+      </p:par>
+    </p:tnLst>
+    <p:bldLst>
+      <p:bldP spid="4" grpId="0"/>
+      <p:bldP spid="10" grpId="0"/>
+      <p:bldP spid="11" grpId="0"/>
+    </p:bldLst>
+  </p:timing>
 </p:sld>
 </file>
 
-<file path=ppt/slides/slide15.xml><?xml version="1.0" encoding="utf-8"?>
+<file path=ppt/slides/slide14.xml><?xml version="1.0" encoding="utf-8"?>
 <p:sld xmlns:a="http://schemas.openxmlformats.org/drawingml/2006/main" xmlns:r="http://schemas.openxmlformats.org/officeDocument/2006/relationships" xmlns:p="http://schemas.openxmlformats.org/presentationml/2006/main">
   <p:cSld>
     <p:spTree>
@@ -7593,10 +8666,426 @@
   <p:clrMapOvr>
     <a:masterClrMapping/>
   </p:clrMapOvr>
+  <p:timing>
+    <p:tnLst>
+      <p:par>
+        <p:cTn id="1" dur="indefinite" restart="never" nodeType="tmRoot">
+          <p:childTnLst>
+            <p:seq concurrent="1" nextAc="seek">
+              <p:cTn id="2" dur="indefinite" nodeType="mainSeq">
+                <p:childTnLst>
+                  <p:par>
+                    <p:cTn id="3" fill="hold">
+                      <p:stCondLst>
+                        <p:cond delay="indefinite"/>
+                      </p:stCondLst>
+                      <p:childTnLst>
+                        <p:par>
+                          <p:cTn id="4" fill="hold">
+                            <p:stCondLst>
+                              <p:cond delay="0"/>
+                            </p:stCondLst>
+                            <p:childTnLst>
+                              <p:par>
+                                <p:cTn id="5" presetID="1" presetClass="entr" presetSubtype="0" fill="hold" nodeType="clickEffect">
+                                  <p:stCondLst>
+                                    <p:cond delay="0"/>
+                                  </p:stCondLst>
+                                  <p:childTnLst>
+                                    <p:set>
+                                      <p:cBhvr>
+                                        <p:cTn id="6" dur="1" fill="hold">
+                                          <p:stCondLst>
+                                            <p:cond delay="0"/>
+                                          </p:stCondLst>
+                                        </p:cTn>
+                                        <p:tgtEl>
+                                          <p:spTgt spid="9">
+                                            <p:txEl>
+                                              <p:pRg st="4" end="4"/>
+                                            </p:txEl>
+                                          </p:spTgt>
+                                        </p:tgtEl>
+                                        <p:attrNameLst>
+                                          <p:attrName>style.visibility</p:attrName>
+                                        </p:attrNameLst>
+                                      </p:cBhvr>
+                                      <p:to>
+                                        <p:strVal val="visible"/>
+                                      </p:to>
+                                    </p:set>
+                                  </p:childTnLst>
+                                </p:cTn>
+                              </p:par>
+                              <p:par>
+                                <p:cTn id="7" presetID="1" presetClass="entr" presetSubtype="0" fill="hold" nodeType="withEffect">
+                                  <p:stCondLst>
+                                    <p:cond delay="0"/>
+                                  </p:stCondLst>
+                                  <p:childTnLst>
+                                    <p:set>
+                                      <p:cBhvr>
+                                        <p:cTn id="8" dur="1" fill="hold">
+                                          <p:stCondLst>
+                                            <p:cond delay="0"/>
+                                          </p:stCondLst>
+                                        </p:cTn>
+                                        <p:tgtEl>
+                                          <p:spTgt spid="9">
+                                            <p:txEl>
+                                              <p:pRg st="5" end="5"/>
+                                            </p:txEl>
+                                          </p:spTgt>
+                                        </p:tgtEl>
+                                        <p:attrNameLst>
+                                          <p:attrName>style.visibility</p:attrName>
+                                        </p:attrNameLst>
+                                      </p:cBhvr>
+                                      <p:to>
+                                        <p:strVal val="visible"/>
+                                      </p:to>
+                                    </p:set>
+                                  </p:childTnLst>
+                                </p:cTn>
+                              </p:par>
+                              <p:par>
+                                <p:cTn id="9" presetID="1" presetClass="entr" presetSubtype="0" fill="hold" nodeType="withEffect">
+                                  <p:stCondLst>
+                                    <p:cond delay="0"/>
+                                  </p:stCondLst>
+                                  <p:childTnLst>
+                                    <p:set>
+                                      <p:cBhvr>
+                                        <p:cTn id="10" dur="1" fill="hold">
+                                          <p:stCondLst>
+                                            <p:cond delay="0"/>
+                                          </p:stCondLst>
+                                        </p:cTn>
+                                        <p:tgtEl>
+                                          <p:spTgt spid="9">
+                                            <p:txEl>
+                                              <p:pRg st="6" end="6"/>
+                                            </p:txEl>
+                                          </p:spTgt>
+                                        </p:tgtEl>
+                                        <p:attrNameLst>
+                                          <p:attrName>style.visibility</p:attrName>
+                                        </p:attrNameLst>
+                                      </p:cBhvr>
+                                      <p:to>
+                                        <p:strVal val="visible"/>
+                                      </p:to>
+                                    </p:set>
+                                  </p:childTnLst>
+                                </p:cTn>
+                              </p:par>
+                              <p:par>
+                                <p:cTn id="11" presetID="1" presetClass="entr" presetSubtype="0" fill="hold" nodeType="withEffect">
+                                  <p:stCondLst>
+                                    <p:cond delay="0"/>
+                                  </p:stCondLst>
+                                  <p:childTnLst>
+                                    <p:set>
+                                      <p:cBhvr>
+                                        <p:cTn id="12" dur="1" fill="hold">
+                                          <p:stCondLst>
+                                            <p:cond delay="0"/>
+                                          </p:stCondLst>
+                                        </p:cTn>
+                                        <p:tgtEl>
+                                          <p:spTgt spid="9">
+                                            <p:txEl>
+                                              <p:pRg st="7" end="7"/>
+                                            </p:txEl>
+                                          </p:spTgt>
+                                        </p:tgtEl>
+                                        <p:attrNameLst>
+                                          <p:attrName>style.visibility</p:attrName>
+                                        </p:attrNameLst>
+                                      </p:cBhvr>
+                                      <p:to>
+                                        <p:strVal val="visible"/>
+                                      </p:to>
+                                    </p:set>
+                                  </p:childTnLst>
+                                </p:cTn>
+                              </p:par>
+                              <p:par>
+                                <p:cTn id="13" presetID="1" presetClass="entr" presetSubtype="0" fill="hold" nodeType="withEffect">
+                                  <p:stCondLst>
+                                    <p:cond delay="0"/>
+                                  </p:stCondLst>
+                                  <p:childTnLst>
+                                    <p:set>
+                                      <p:cBhvr>
+                                        <p:cTn id="14" dur="1" fill="hold">
+                                          <p:stCondLst>
+                                            <p:cond delay="0"/>
+                                          </p:stCondLst>
+                                        </p:cTn>
+                                        <p:tgtEl>
+                                          <p:spTgt spid="9">
+                                            <p:txEl>
+                                              <p:pRg st="8" end="8"/>
+                                            </p:txEl>
+                                          </p:spTgt>
+                                        </p:tgtEl>
+                                        <p:attrNameLst>
+                                          <p:attrName>style.visibility</p:attrName>
+                                        </p:attrNameLst>
+                                      </p:cBhvr>
+                                      <p:to>
+                                        <p:strVal val="visible"/>
+                                      </p:to>
+                                    </p:set>
+                                  </p:childTnLst>
+                                </p:cTn>
+                              </p:par>
+                              <p:par>
+                                <p:cTn id="15" presetID="1" presetClass="entr" presetSubtype="0" fill="hold" nodeType="withEffect">
+                                  <p:stCondLst>
+                                    <p:cond delay="0"/>
+                                  </p:stCondLst>
+                                  <p:childTnLst>
+                                    <p:set>
+                                      <p:cBhvr>
+                                        <p:cTn id="16" dur="1" fill="hold">
+                                          <p:stCondLst>
+                                            <p:cond delay="0"/>
+                                          </p:stCondLst>
+                                        </p:cTn>
+                                        <p:tgtEl>
+                                          <p:spTgt spid="9">
+                                            <p:txEl>
+                                              <p:pRg st="9" end="9"/>
+                                            </p:txEl>
+                                          </p:spTgt>
+                                        </p:tgtEl>
+                                        <p:attrNameLst>
+                                          <p:attrName>style.visibility</p:attrName>
+                                        </p:attrNameLst>
+                                      </p:cBhvr>
+                                      <p:to>
+                                        <p:strVal val="visible"/>
+                                      </p:to>
+                                    </p:set>
+                                  </p:childTnLst>
+                                </p:cTn>
+                              </p:par>
+                            </p:childTnLst>
+                          </p:cTn>
+                        </p:par>
+                      </p:childTnLst>
+                    </p:cTn>
+                  </p:par>
+                  <p:par>
+                    <p:cTn id="17" fill="hold">
+                      <p:stCondLst>
+                        <p:cond delay="indefinite"/>
+                      </p:stCondLst>
+                      <p:childTnLst>
+                        <p:par>
+                          <p:cTn id="18" fill="hold">
+                            <p:stCondLst>
+                              <p:cond delay="0"/>
+                            </p:stCondLst>
+                            <p:childTnLst>
+                              <p:par>
+                                <p:cTn id="19" presetID="1" presetClass="entr" presetSubtype="0" fill="hold" nodeType="clickEffect">
+                                  <p:stCondLst>
+                                    <p:cond delay="0"/>
+                                  </p:stCondLst>
+                                  <p:childTnLst>
+                                    <p:set>
+                                      <p:cBhvr>
+                                        <p:cTn id="20" dur="1" fill="hold">
+                                          <p:stCondLst>
+                                            <p:cond delay="0"/>
+                                          </p:stCondLst>
+                                        </p:cTn>
+                                        <p:tgtEl>
+                                          <p:spTgt spid="9">
+                                            <p:txEl>
+                                              <p:pRg st="10" end="10"/>
+                                            </p:txEl>
+                                          </p:spTgt>
+                                        </p:tgtEl>
+                                        <p:attrNameLst>
+                                          <p:attrName>style.visibility</p:attrName>
+                                        </p:attrNameLst>
+                                      </p:cBhvr>
+                                      <p:to>
+                                        <p:strVal val="visible"/>
+                                      </p:to>
+                                    </p:set>
+                                  </p:childTnLst>
+                                </p:cTn>
+                              </p:par>
+                              <p:par>
+                                <p:cTn id="21" presetID="1" presetClass="entr" presetSubtype="0" fill="hold" nodeType="withEffect">
+                                  <p:stCondLst>
+                                    <p:cond delay="0"/>
+                                  </p:stCondLst>
+                                  <p:childTnLst>
+                                    <p:set>
+                                      <p:cBhvr>
+                                        <p:cTn id="22" dur="1" fill="hold">
+                                          <p:stCondLst>
+                                            <p:cond delay="0"/>
+                                          </p:stCondLst>
+                                        </p:cTn>
+                                        <p:tgtEl>
+                                          <p:spTgt spid="9">
+                                            <p:txEl>
+                                              <p:pRg st="11" end="11"/>
+                                            </p:txEl>
+                                          </p:spTgt>
+                                        </p:tgtEl>
+                                        <p:attrNameLst>
+                                          <p:attrName>style.visibility</p:attrName>
+                                        </p:attrNameLst>
+                                      </p:cBhvr>
+                                      <p:to>
+                                        <p:strVal val="visible"/>
+                                      </p:to>
+                                    </p:set>
+                                  </p:childTnLst>
+                                </p:cTn>
+                              </p:par>
+                            </p:childTnLst>
+                          </p:cTn>
+                        </p:par>
+                      </p:childTnLst>
+                    </p:cTn>
+                  </p:par>
+                  <p:par>
+                    <p:cTn id="23" fill="hold">
+                      <p:stCondLst>
+                        <p:cond delay="indefinite"/>
+                      </p:stCondLst>
+                      <p:childTnLst>
+                        <p:par>
+                          <p:cTn id="24" fill="hold">
+                            <p:stCondLst>
+                              <p:cond delay="0"/>
+                            </p:stCondLst>
+                            <p:childTnLst>
+                              <p:par>
+                                <p:cTn id="25" presetID="1" presetClass="entr" presetSubtype="0" fill="hold" grpId="0" nodeType="clickEffect">
+                                  <p:stCondLst>
+                                    <p:cond delay="0"/>
+                                  </p:stCondLst>
+                                  <p:childTnLst>
+                                    <p:set>
+                                      <p:cBhvr>
+                                        <p:cTn id="26" dur="1" fill="hold">
+                                          <p:stCondLst>
+                                            <p:cond delay="0"/>
+                                          </p:stCondLst>
+                                        </p:cTn>
+                                        <p:tgtEl>
+                                          <p:spTgt spid="4"/>
+                                        </p:tgtEl>
+                                        <p:attrNameLst>
+                                          <p:attrName>style.visibility</p:attrName>
+                                        </p:attrNameLst>
+                                      </p:cBhvr>
+                                      <p:to>
+                                        <p:strVal val="visible"/>
+                                      </p:to>
+                                    </p:set>
+                                  </p:childTnLst>
+                                </p:cTn>
+                              </p:par>
+                              <p:par>
+                                <p:cTn id="27" presetID="1" presetClass="entr" presetSubtype="0" fill="hold" nodeType="withEffect">
+                                  <p:stCondLst>
+                                    <p:cond delay="0"/>
+                                  </p:stCondLst>
+                                  <p:childTnLst>
+                                    <p:set>
+                                      <p:cBhvr>
+                                        <p:cTn id="28" dur="1" fill="hold">
+                                          <p:stCondLst>
+                                            <p:cond delay="0"/>
+                                          </p:stCondLst>
+                                        </p:cTn>
+                                        <p:tgtEl>
+                                          <p:spTgt spid="5"/>
+                                        </p:tgtEl>
+                                        <p:attrNameLst>
+                                          <p:attrName>style.visibility</p:attrName>
+                                        </p:attrNameLst>
+                                      </p:cBhvr>
+                                      <p:to>
+                                        <p:strVal val="visible"/>
+                                      </p:to>
+                                    </p:set>
+                                  </p:childTnLst>
+                                </p:cTn>
+                              </p:par>
+                              <p:par>
+                                <p:cTn id="29" presetID="1" presetClass="entr" presetSubtype="0" fill="hold" nodeType="withEffect">
+                                  <p:stCondLst>
+                                    <p:cond delay="0"/>
+                                  </p:stCondLst>
+                                  <p:childTnLst>
+                                    <p:set>
+                                      <p:cBhvr>
+                                        <p:cTn id="30" dur="1" fill="hold">
+                                          <p:stCondLst>
+                                            <p:cond delay="0"/>
+                                          </p:stCondLst>
+                                        </p:cTn>
+                                        <p:tgtEl>
+                                          <p:spTgt spid="13"/>
+                                        </p:tgtEl>
+                                        <p:attrNameLst>
+                                          <p:attrName>style.visibility</p:attrName>
+                                        </p:attrNameLst>
+                                      </p:cBhvr>
+                                      <p:to>
+                                        <p:strVal val="visible"/>
+                                      </p:to>
+                                    </p:set>
+                                  </p:childTnLst>
+                                </p:cTn>
+                              </p:par>
+                            </p:childTnLst>
+                          </p:cTn>
+                        </p:par>
+                      </p:childTnLst>
+                    </p:cTn>
+                  </p:par>
+                </p:childTnLst>
+              </p:cTn>
+              <p:prevCondLst>
+                <p:cond evt="onPrev" delay="0">
+                  <p:tgtEl>
+                    <p:sldTgt/>
+                  </p:tgtEl>
+                </p:cond>
+              </p:prevCondLst>
+              <p:nextCondLst>
+                <p:cond evt="onNext" delay="0">
+                  <p:tgtEl>
+                    <p:sldTgt/>
+                  </p:tgtEl>
+                </p:cond>
+              </p:nextCondLst>
+            </p:seq>
+          </p:childTnLst>
+        </p:cTn>
+      </p:par>
+    </p:tnLst>
+    <p:bldLst>
+      <p:bldP spid="4" grpId="0"/>
+    </p:bldLst>
+  </p:timing>
 </p:sld>
 </file>
 
-<file path=ppt/slides/slide16.xml><?xml version="1.0" encoding="utf-8"?>
+<file path=ppt/slides/slide15.xml><?xml version="1.0" encoding="utf-8"?>
 <p:sld xmlns:a="http://schemas.openxmlformats.org/drawingml/2006/main" xmlns:r="http://schemas.openxmlformats.org/officeDocument/2006/relationships" xmlns:p="http://schemas.openxmlformats.org/presentationml/2006/main">
   <p:cSld>
     <p:spTree>
@@ -7933,10 +9422,236 @@
   <p:clrMapOvr>
     <a:masterClrMapping/>
   </p:clrMapOvr>
+  <p:timing>
+    <p:tnLst>
+      <p:par>
+        <p:cTn id="1" dur="indefinite" restart="never" nodeType="tmRoot">
+          <p:childTnLst>
+            <p:seq concurrent="1" nextAc="seek">
+              <p:cTn id="2" dur="indefinite" nodeType="mainSeq">
+                <p:childTnLst>
+                  <p:par>
+                    <p:cTn id="3" fill="hold">
+                      <p:stCondLst>
+                        <p:cond delay="indefinite"/>
+                      </p:stCondLst>
+                      <p:childTnLst>
+                        <p:par>
+                          <p:cTn id="4" fill="hold">
+                            <p:stCondLst>
+                              <p:cond delay="0"/>
+                            </p:stCondLst>
+                            <p:childTnLst>
+                              <p:par>
+                                <p:cTn id="5" presetID="1" presetClass="entr" presetSubtype="0" fill="hold" nodeType="clickEffect">
+                                  <p:stCondLst>
+                                    <p:cond delay="0"/>
+                                  </p:stCondLst>
+                                  <p:childTnLst>
+                                    <p:set>
+                                      <p:cBhvr>
+                                        <p:cTn id="6" dur="1" fill="hold">
+                                          <p:stCondLst>
+                                            <p:cond delay="0"/>
+                                          </p:stCondLst>
+                                        </p:cTn>
+                                        <p:tgtEl>
+                                          <p:spTgt spid="9">
+                                            <p:txEl>
+                                              <p:pRg st="4" end="4"/>
+                                            </p:txEl>
+                                          </p:spTgt>
+                                        </p:tgtEl>
+                                        <p:attrNameLst>
+                                          <p:attrName>style.visibility</p:attrName>
+                                        </p:attrNameLst>
+                                      </p:cBhvr>
+                                      <p:to>
+                                        <p:strVal val="visible"/>
+                                      </p:to>
+                                    </p:set>
+                                  </p:childTnLst>
+                                </p:cTn>
+                              </p:par>
+                            </p:childTnLst>
+                          </p:cTn>
+                        </p:par>
+                      </p:childTnLst>
+                    </p:cTn>
+                  </p:par>
+                  <p:par>
+                    <p:cTn id="7" fill="hold">
+                      <p:stCondLst>
+                        <p:cond delay="indefinite"/>
+                      </p:stCondLst>
+                      <p:childTnLst>
+                        <p:par>
+                          <p:cTn id="8" fill="hold">
+                            <p:stCondLst>
+                              <p:cond delay="0"/>
+                            </p:stCondLst>
+                            <p:childTnLst>
+                              <p:par>
+                                <p:cTn id="9" presetID="1" presetClass="entr" presetSubtype="0" fill="hold" nodeType="clickEffect">
+                                  <p:stCondLst>
+                                    <p:cond delay="0"/>
+                                  </p:stCondLst>
+                                  <p:childTnLst>
+                                    <p:set>
+                                      <p:cBhvr>
+                                        <p:cTn id="10" dur="1" fill="hold">
+                                          <p:stCondLst>
+                                            <p:cond delay="0"/>
+                                          </p:stCondLst>
+                                        </p:cTn>
+                                        <p:tgtEl>
+                                          <p:spTgt spid="9">
+                                            <p:txEl>
+                                              <p:pRg st="5" end="5"/>
+                                            </p:txEl>
+                                          </p:spTgt>
+                                        </p:tgtEl>
+                                        <p:attrNameLst>
+                                          <p:attrName>style.visibility</p:attrName>
+                                        </p:attrNameLst>
+                                      </p:cBhvr>
+                                      <p:to>
+                                        <p:strVal val="visible"/>
+                                      </p:to>
+                                    </p:set>
+                                  </p:childTnLst>
+                                </p:cTn>
+                              </p:par>
+                            </p:childTnLst>
+                          </p:cTn>
+                        </p:par>
+                      </p:childTnLst>
+                    </p:cTn>
+                  </p:par>
+                  <p:par>
+                    <p:cTn id="11" fill="hold">
+                      <p:stCondLst>
+                        <p:cond delay="indefinite"/>
+                      </p:stCondLst>
+                      <p:childTnLst>
+                        <p:par>
+                          <p:cTn id="12" fill="hold">
+                            <p:stCondLst>
+                              <p:cond delay="0"/>
+                            </p:stCondLst>
+                            <p:childTnLst>
+                              <p:par>
+                                <p:cTn id="13" presetID="1" presetClass="entr" presetSubtype="0" fill="hold" nodeType="clickEffect">
+                                  <p:stCondLst>
+                                    <p:cond delay="0"/>
+                                  </p:stCondLst>
+                                  <p:childTnLst>
+                                    <p:set>
+                                      <p:cBhvr>
+                                        <p:cTn id="14" dur="1" fill="hold">
+                                          <p:stCondLst>
+                                            <p:cond delay="0"/>
+                                          </p:stCondLst>
+                                        </p:cTn>
+                                        <p:tgtEl>
+                                          <p:spTgt spid="9">
+                                            <p:txEl>
+                                              <p:pRg st="6" end="6"/>
+                                            </p:txEl>
+                                          </p:spTgt>
+                                        </p:tgtEl>
+                                        <p:attrNameLst>
+                                          <p:attrName>style.visibility</p:attrName>
+                                        </p:attrNameLst>
+                                      </p:cBhvr>
+                                      <p:to>
+                                        <p:strVal val="visible"/>
+                                      </p:to>
+                                    </p:set>
+                                  </p:childTnLst>
+                                </p:cTn>
+                              </p:par>
+                            </p:childTnLst>
+                          </p:cTn>
+                        </p:par>
+                      </p:childTnLst>
+                    </p:cTn>
+                  </p:par>
+                  <p:par>
+                    <p:cTn id="15" fill="hold">
+                      <p:stCondLst>
+                        <p:cond delay="indefinite"/>
+                      </p:stCondLst>
+                      <p:childTnLst>
+                        <p:par>
+                          <p:cTn id="16" fill="hold">
+                            <p:stCondLst>
+                              <p:cond delay="0"/>
+                            </p:stCondLst>
+                            <p:childTnLst>
+                              <p:par>
+                                <p:cTn id="17" presetID="1" presetClass="entr" presetSubtype="0" fill="hold" nodeType="clickEffect">
+                                  <p:stCondLst>
+                                    <p:cond delay="0"/>
+                                  </p:stCondLst>
+                                  <p:childTnLst>
+                                    <p:set>
+                                      <p:cBhvr>
+                                        <p:cTn id="18" dur="1" fill="hold">
+                                          <p:stCondLst>
+                                            <p:cond delay="0"/>
+                                          </p:stCondLst>
+                                        </p:cTn>
+                                        <p:tgtEl>
+                                          <p:spTgt spid="9">
+                                            <p:txEl>
+                                              <p:pRg st="8" end="8"/>
+                                            </p:txEl>
+                                          </p:spTgt>
+                                        </p:tgtEl>
+                                        <p:attrNameLst>
+                                          <p:attrName>style.visibility</p:attrName>
+                                        </p:attrNameLst>
+                                      </p:cBhvr>
+                                      <p:to>
+                                        <p:strVal val="visible"/>
+                                      </p:to>
+                                    </p:set>
+                                  </p:childTnLst>
+                                </p:cTn>
+                              </p:par>
+                            </p:childTnLst>
+                          </p:cTn>
+                        </p:par>
+                      </p:childTnLst>
+                    </p:cTn>
+                  </p:par>
+                </p:childTnLst>
+              </p:cTn>
+              <p:prevCondLst>
+                <p:cond evt="onPrev" delay="0">
+                  <p:tgtEl>
+                    <p:sldTgt/>
+                  </p:tgtEl>
+                </p:cond>
+              </p:prevCondLst>
+              <p:nextCondLst>
+                <p:cond evt="onNext" delay="0">
+                  <p:tgtEl>
+                    <p:sldTgt/>
+                  </p:tgtEl>
+                </p:cond>
+              </p:nextCondLst>
+            </p:seq>
+          </p:childTnLst>
+        </p:cTn>
+      </p:par>
+    </p:tnLst>
+  </p:timing>
 </p:sld>
 </file>
 
-<file path=ppt/slides/slide17.xml><?xml version="1.0" encoding="utf-8"?>
+<file path=ppt/slides/slide16.xml><?xml version="1.0" encoding="utf-8"?>
 <p:sld xmlns:a="http://schemas.openxmlformats.org/drawingml/2006/main" xmlns:r="http://schemas.openxmlformats.org/officeDocument/2006/relationships" xmlns:p="http://schemas.openxmlformats.org/presentationml/2006/main">
   <p:cSld>
     <p:spTree>
@@ -8635,10 +10350,89 @@
   <p:clrMapOvr>
     <a:masterClrMapping/>
   </p:clrMapOvr>
+  <p:timing>
+    <p:tnLst>
+      <p:par>
+        <p:cTn id="1" dur="indefinite" restart="never" nodeType="tmRoot">
+          <p:childTnLst>
+            <p:seq concurrent="1" nextAc="seek">
+              <p:cTn id="2" dur="indefinite" nodeType="mainSeq">
+                <p:childTnLst>
+                  <p:par>
+                    <p:cTn id="3" fill="hold">
+                      <p:stCondLst>
+                        <p:cond delay="indefinite"/>
+                      </p:stCondLst>
+                      <p:childTnLst>
+                        <p:par>
+                          <p:cTn id="4" fill="hold">
+                            <p:stCondLst>
+                              <p:cond delay="0"/>
+                            </p:stCondLst>
+                            <p:childTnLst>
+                              <p:par>
+                                <p:cTn id="5" presetID="1" presetClass="entr" presetSubtype="0" fill="hold" nodeType="clickEffect">
+                                  <p:stCondLst>
+                                    <p:cond delay="0"/>
+                                  </p:stCondLst>
+                                  <p:childTnLst>
+                                    <p:set>
+                                      <p:cBhvr>
+                                        <p:cTn id="6" dur="1" fill="hold">
+                                          <p:stCondLst>
+                                            <p:cond delay="0"/>
+                                          </p:stCondLst>
+                                        </p:cTn>
+                                        <p:tgtEl>
+                                          <p:spTgt spid="8">
+                                            <p:txEl>
+                                              <p:pRg st="0" end="0"/>
+                                            </p:txEl>
+                                          </p:spTgt>
+                                        </p:tgtEl>
+                                        <p:attrNameLst>
+                                          <p:attrName>style.visibility</p:attrName>
+                                        </p:attrNameLst>
+                                      </p:cBhvr>
+                                      <p:to>
+                                        <p:strVal val="visible"/>
+                                      </p:to>
+                                    </p:set>
+                                  </p:childTnLst>
+                                </p:cTn>
+                              </p:par>
+                            </p:childTnLst>
+                          </p:cTn>
+                        </p:par>
+                      </p:childTnLst>
+                    </p:cTn>
+                  </p:par>
+                </p:childTnLst>
+              </p:cTn>
+              <p:prevCondLst>
+                <p:cond evt="onPrev" delay="0">
+                  <p:tgtEl>
+                    <p:sldTgt/>
+                  </p:tgtEl>
+                </p:cond>
+              </p:prevCondLst>
+              <p:nextCondLst>
+                <p:cond evt="onNext" delay="0">
+                  <p:tgtEl>
+                    <p:sldTgt/>
+                  </p:tgtEl>
+                </p:cond>
+              </p:nextCondLst>
+            </p:seq>
+          </p:childTnLst>
+        </p:cTn>
+      </p:par>
+    </p:tnLst>
+  </p:timing>
 </p:sld>
 </file>
 
-<file path=ppt/slides/slide18.xml><?xml version="1.0" encoding="utf-8"?>
+<file path=ppt/slides/slide17.xml><?xml version="1.0" encoding="utf-8"?>
 <p:sld xmlns:a="http://schemas.openxmlformats.org/drawingml/2006/main" xmlns:r="http://schemas.openxmlformats.org/officeDocument/2006/relationships" xmlns:p="http://schemas.openxmlformats.org/presentationml/2006/main">
   <p:cSld>
     <p:spTree>
@@ -9254,6 +11048,936 @@
                       </p:childTnLst>
                     </p:cTn>
                   </p:par>
+                  <p:par>
+                    <p:cTn id="13" fill="hold">
+                      <p:stCondLst>
+                        <p:cond delay="indefinite"/>
+                      </p:stCondLst>
+                      <p:childTnLst>
+                        <p:par>
+                          <p:cTn id="14" fill="hold">
+                            <p:stCondLst>
+                              <p:cond delay="0"/>
+                            </p:stCondLst>
+                            <p:childTnLst>
+                              <p:par>
+                                <p:cTn id="15" presetID="1" presetClass="entr" presetSubtype="0" fill="hold" nodeType="clickEffect">
+                                  <p:stCondLst>
+                                    <p:cond delay="0"/>
+                                  </p:stCondLst>
+                                  <p:childTnLst>
+                                    <p:set>
+                                      <p:cBhvr>
+                                        <p:cTn id="16" dur="1" fill="hold">
+                                          <p:stCondLst>
+                                            <p:cond delay="0"/>
+                                          </p:stCondLst>
+                                        </p:cTn>
+                                        <p:tgtEl>
+                                          <p:spTgt spid="9">
+                                            <p:txEl>
+                                              <p:pRg st="2" end="2"/>
+                                            </p:txEl>
+                                          </p:spTgt>
+                                        </p:tgtEl>
+                                        <p:attrNameLst>
+                                          <p:attrName>style.visibility</p:attrName>
+                                        </p:attrNameLst>
+                                      </p:cBhvr>
+                                      <p:to>
+                                        <p:strVal val="visible"/>
+                                      </p:to>
+                                    </p:set>
+                                  </p:childTnLst>
+                                </p:cTn>
+                              </p:par>
+                              <p:par>
+                                <p:cTn id="17" presetID="1" presetClass="entr" presetSubtype="0" fill="hold" nodeType="withEffect">
+                                  <p:stCondLst>
+                                    <p:cond delay="0"/>
+                                  </p:stCondLst>
+                                  <p:childTnLst>
+                                    <p:set>
+                                      <p:cBhvr>
+                                        <p:cTn id="18" dur="1" fill="hold">
+                                          <p:stCondLst>
+                                            <p:cond delay="0"/>
+                                          </p:stCondLst>
+                                        </p:cTn>
+                                        <p:tgtEl>
+                                          <p:spTgt spid="9">
+                                            <p:txEl>
+                                              <p:pRg st="3" end="3"/>
+                                            </p:txEl>
+                                          </p:spTgt>
+                                        </p:tgtEl>
+                                        <p:attrNameLst>
+                                          <p:attrName>style.visibility</p:attrName>
+                                        </p:attrNameLst>
+                                      </p:cBhvr>
+                                      <p:to>
+                                        <p:strVal val="visible"/>
+                                      </p:to>
+                                    </p:set>
+                                  </p:childTnLst>
+                                </p:cTn>
+                              </p:par>
+                              <p:par>
+                                <p:cTn id="19" presetID="1" presetClass="entr" presetSubtype="0" fill="hold" nodeType="withEffect">
+                                  <p:stCondLst>
+                                    <p:cond delay="0"/>
+                                  </p:stCondLst>
+                                  <p:childTnLst>
+                                    <p:set>
+                                      <p:cBhvr>
+                                        <p:cTn id="20" dur="1" fill="hold">
+                                          <p:stCondLst>
+                                            <p:cond delay="0"/>
+                                          </p:stCondLst>
+                                        </p:cTn>
+                                        <p:tgtEl>
+                                          <p:spTgt spid="9">
+                                            <p:txEl>
+                                              <p:pRg st="4" end="4"/>
+                                            </p:txEl>
+                                          </p:spTgt>
+                                        </p:tgtEl>
+                                        <p:attrNameLst>
+                                          <p:attrName>style.visibility</p:attrName>
+                                        </p:attrNameLst>
+                                      </p:cBhvr>
+                                      <p:to>
+                                        <p:strVal val="visible"/>
+                                      </p:to>
+                                    </p:set>
+                                  </p:childTnLst>
+                                </p:cTn>
+                              </p:par>
+                            </p:childTnLst>
+                          </p:cTn>
+                        </p:par>
+                      </p:childTnLst>
+                    </p:cTn>
+                  </p:par>
+                  <p:par>
+                    <p:cTn id="21" fill="hold">
+                      <p:stCondLst>
+                        <p:cond delay="indefinite"/>
+                      </p:stCondLst>
+                      <p:childTnLst>
+                        <p:par>
+                          <p:cTn id="22" fill="hold">
+                            <p:stCondLst>
+                              <p:cond delay="0"/>
+                            </p:stCondLst>
+                            <p:childTnLst>
+                              <p:par>
+                                <p:cTn id="23" presetID="1" presetClass="entr" presetSubtype="0" fill="hold" nodeType="clickEffect">
+                                  <p:stCondLst>
+                                    <p:cond delay="0"/>
+                                  </p:stCondLst>
+                                  <p:childTnLst>
+                                    <p:set>
+                                      <p:cBhvr>
+                                        <p:cTn id="24" dur="1" fill="hold">
+                                          <p:stCondLst>
+                                            <p:cond delay="0"/>
+                                          </p:stCondLst>
+                                        </p:cTn>
+                                        <p:tgtEl>
+                                          <p:spTgt spid="9">
+                                            <p:txEl>
+                                              <p:pRg st="5" end="5"/>
+                                            </p:txEl>
+                                          </p:spTgt>
+                                        </p:tgtEl>
+                                        <p:attrNameLst>
+                                          <p:attrName>style.visibility</p:attrName>
+                                        </p:attrNameLst>
+                                      </p:cBhvr>
+                                      <p:to>
+                                        <p:strVal val="visible"/>
+                                      </p:to>
+                                    </p:set>
+                                  </p:childTnLst>
+                                </p:cTn>
+                              </p:par>
+                              <p:par>
+                                <p:cTn id="25" presetID="1" presetClass="entr" presetSubtype="0" fill="hold" nodeType="withEffect">
+                                  <p:stCondLst>
+                                    <p:cond delay="0"/>
+                                  </p:stCondLst>
+                                  <p:childTnLst>
+                                    <p:set>
+                                      <p:cBhvr>
+                                        <p:cTn id="26" dur="1" fill="hold">
+                                          <p:stCondLst>
+                                            <p:cond delay="0"/>
+                                          </p:stCondLst>
+                                        </p:cTn>
+                                        <p:tgtEl>
+                                          <p:spTgt spid="9">
+                                            <p:txEl>
+                                              <p:pRg st="6" end="6"/>
+                                            </p:txEl>
+                                          </p:spTgt>
+                                        </p:tgtEl>
+                                        <p:attrNameLst>
+                                          <p:attrName>style.visibility</p:attrName>
+                                        </p:attrNameLst>
+                                      </p:cBhvr>
+                                      <p:to>
+                                        <p:strVal val="visible"/>
+                                      </p:to>
+                                    </p:set>
+                                  </p:childTnLst>
+                                </p:cTn>
+                              </p:par>
+                            </p:childTnLst>
+                          </p:cTn>
+                        </p:par>
+                      </p:childTnLst>
+                    </p:cTn>
+                  </p:par>
+                  <p:par>
+                    <p:cTn id="27" fill="hold">
+                      <p:stCondLst>
+                        <p:cond delay="indefinite"/>
+                      </p:stCondLst>
+                      <p:childTnLst>
+                        <p:par>
+                          <p:cTn id="28" fill="hold">
+                            <p:stCondLst>
+                              <p:cond delay="0"/>
+                            </p:stCondLst>
+                            <p:childTnLst>
+                              <p:par>
+                                <p:cTn id="29" presetID="1" presetClass="entr" presetSubtype="0" fill="hold" nodeType="clickEffect">
+                                  <p:stCondLst>
+                                    <p:cond delay="0"/>
+                                  </p:stCondLst>
+                                  <p:childTnLst>
+                                    <p:set>
+                                      <p:cBhvr>
+                                        <p:cTn id="30" dur="1" fill="hold">
+                                          <p:stCondLst>
+                                            <p:cond delay="0"/>
+                                          </p:stCondLst>
+                                        </p:cTn>
+                                        <p:tgtEl>
+                                          <p:spTgt spid="9">
+                                            <p:txEl>
+                                              <p:pRg st="7" end="7"/>
+                                            </p:txEl>
+                                          </p:spTgt>
+                                        </p:tgtEl>
+                                        <p:attrNameLst>
+                                          <p:attrName>style.visibility</p:attrName>
+                                        </p:attrNameLst>
+                                      </p:cBhvr>
+                                      <p:to>
+                                        <p:strVal val="visible"/>
+                                      </p:to>
+                                    </p:set>
+                                  </p:childTnLst>
+                                </p:cTn>
+                              </p:par>
+                              <p:par>
+                                <p:cTn id="31" presetID="1" presetClass="entr" presetSubtype="0" fill="hold" nodeType="withEffect">
+                                  <p:stCondLst>
+                                    <p:cond delay="0"/>
+                                  </p:stCondLst>
+                                  <p:childTnLst>
+                                    <p:set>
+                                      <p:cBhvr>
+                                        <p:cTn id="32" dur="1" fill="hold">
+                                          <p:stCondLst>
+                                            <p:cond delay="0"/>
+                                          </p:stCondLst>
+                                        </p:cTn>
+                                        <p:tgtEl>
+                                          <p:spTgt spid="9">
+                                            <p:txEl>
+                                              <p:pRg st="8" end="8"/>
+                                            </p:txEl>
+                                          </p:spTgt>
+                                        </p:tgtEl>
+                                        <p:attrNameLst>
+                                          <p:attrName>style.visibility</p:attrName>
+                                        </p:attrNameLst>
+                                      </p:cBhvr>
+                                      <p:to>
+                                        <p:strVal val="visible"/>
+                                      </p:to>
+                                    </p:set>
+                                  </p:childTnLst>
+                                </p:cTn>
+                              </p:par>
+                              <p:par>
+                                <p:cTn id="33" presetID="1" presetClass="entr" presetSubtype="0" fill="hold" nodeType="withEffect">
+                                  <p:stCondLst>
+                                    <p:cond delay="0"/>
+                                  </p:stCondLst>
+                                  <p:childTnLst>
+                                    <p:set>
+                                      <p:cBhvr>
+                                        <p:cTn id="34" dur="1" fill="hold">
+                                          <p:stCondLst>
+                                            <p:cond delay="0"/>
+                                          </p:stCondLst>
+                                        </p:cTn>
+                                        <p:tgtEl>
+                                          <p:spTgt spid="9">
+                                            <p:txEl>
+                                              <p:pRg st="9" end="9"/>
+                                            </p:txEl>
+                                          </p:spTgt>
+                                        </p:tgtEl>
+                                        <p:attrNameLst>
+                                          <p:attrName>style.visibility</p:attrName>
+                                        </p:attrNameLst>
+                                      </p:cBhvr>
+                                      <p:to>
+                                        <p:strVal val="visible"/>
+                                      </p:to>
+                                    </p:set>
+                                  </p:childTnLst>
+                                </p:cTn>
+                              </p:par>
+                            </p:childTnLst>
+                          </p:cTn>
+                        </p:par>
+                      </p:childTnLst>
+                    </p:cTn>
+                  </p:par>
+                </p:childTnLst>
+              </p:cTn>
+              <p:prevCondLst>
+                <p:cond evt="onPrev" delay="0">
+                  <p:tgtEl>
+                    <p:sldTgt/>
+                  </p:tgtEl>
+                </p:cond>
+              </p:prevCondLst>
+              <p:nextCondLst>
+                <p:cond evt="onNext" delay="0">
+                  <p:tgtEl>
+                    <p:sldTgt/>
+                  </p:tgtEl>
+                </p:cond>
+              </p:nextCondLst>
+            </p:seq>
+          </p:childTnLst>
+        </p:cTn>
+      </p:par>
+    </p:tnLst>
+  </p:timing>
+</p:sld>
+</file>
+
+<file path=ppt/slides/slide18.xml><?xml version="1.0" encoding="utf-8"?>
+<p:sld xmlns:a="http://schemas.openxmlformats.org/drawingml/2006/main" xmlns:r="http://schemas.openxmlformats.org/officeDocument/2006/relationships" xmlns:p="http://schemas.openxmlformats.org/presentationml/2006/main">
+  <p:cSld>
+    <p:spTree>
+      <p:nvGrpSpPr>
+        <p:cNvPr id="1" name=""/>
+        <p:cNvGrpSpPr/>
+        <p:nvPr/>
+      </p:nvGrpSpPr>
+      <p:grpSpPr>
+        <a:xfrm>
+          <a:off x="0" y="0"/>
+          <a:ext cx="0" cy="0"/>
+          <a:chOff x="0" y="0"/>
+          <a:chExt cx="0" cy="0"/>
+        </a:xfrm>
+      </p:grpSpPr>
+      <p:sp>
+        <p:nvSpPr>
+          <p:cNvPr id="2" name="Title 1">
+            <a:extLst>
+              <a:ext uri="{FF2B5EF4-FFF2-40B4-BE49-F238E27FC236}">
+                <a16:creationId xmlns:a16="http://schemas.microsoft.com/office/drawing/2014/main" id="{AA3A228F-61D0-D949-A5E7-F83756230BF8}"/>
+              </a:ext>
+            </a:extLst>
+          </p:cNvPr>
+          <p:cNvSpPr>
+            <a:spLocks noGrp="1"/>
+          </p:cNvSpPr>
+          <p:nvPr>
+            <p:ph type="title"/>
+          </p:nvPr>
+        </p:nvSpPr>
+        <p:spPr>
+          <a:xfrm>
+            <a:off x="483848" y="467027"/>
+            <a:ext cx="7053542" cy="683886"/>
+          </a:xfrm>
+        </p:spPr>
+        <p:txBody>
+          <a:bodyPr/>
+          <a:lstStyle/>
+          <a:p>
+            <a:r>
+              <a:rPr lang="en-US" dirty="0" err="1"/>
+              <a:t>isinstance</a:t>
+            </a:r>
+            <a:endParaRPr lang="en-US" dirty="0"/>
+          </a:p>
+        </p:txBody>
+      </p:sp>
+      <p:sp>
+        <p:nvSpPr>
+          <p:cNvPr id="9" name="Content Placeholder 8">
+            <a:extLst>
+              <a:ext uri="{FF2B5EF4-FFF2-40B4-BE49-F238E27FC236}">
+                <a16:creationId xmlns:a16="http://schemas.microsoft.com/office/drawing/2014/main" id="{E3B2E017-30B2-884B-A113-B419A2ED51AD}"/>
+              </a:ext>
+            </a:extLst>
+          </p:cNvPr>
+          <p:cNvSpPr>
+            <a:spLocks noGrp="1"/>
+          </p:cNvSpPr>
+          <p:nvPr>
+            <p:ph idx="1"/>
+          </p:nvPr>
+        </p:nvSpPr>
+        <p:spPr>
+          <a:xfrm>
+            <a:off x="483848" y="1007707"/>
+            <a:ext cx="8051725" cy="4583796"/>
+          </a:xfrm>
+        </p:spPr>
+        <p:txBody>
+          <a:bodyPr>
+            <a:normAutofit/>
+          </a:bodyPr>
+          <a:lstStyle/>
+          <a:p>
+            <a:pPr marL="0" indent="0">
+              <a:buNone/>
+            </a:pPr>
+            <a:r>
+              <a:rPr lang="en-US" dirty="0"/>
+              <a:t>The built-in </a:t>
+            </a:r>
+            <a:r>
+              <a:rPr lang="en-US" b="1" dirty="0" err="1">
+                <a:latin typeface="Inconsolata Medium" panose="020B0609030003000000" pitchFamily="49" charset="77"/>
+              </a:rPr>
+              <a:t>isinstance</a:t>
+            </a:r>
+            <a:r>
+              <a:rPr lang="en-US" b="1" dirty="0">
+                <a:latin typeface="Inconsolata Medium" panose="020B0609030003000000" pitchFamily="49" charset="77"/>
+              </a:rPr>
+              <a:t>(a, b) </a:t>
+            </a:r>
+            <a:r>
+              <a:rPr lang="en-US" dirty="0">
+                <a:latin typeface="Gill Sans MT" panose="020B0502020104020203" pitchFamily="34" charset="77"/>
+              </a:rPr>
+              <a:t>function returns whether a is an instance or subclass of b. </a:t>
+            </a:r>
+          </a:p>
+          <a:p>
+            <a:pPr marL="0" indent="0">
+              <a:buNone/>
+            </a:pPr>
+            <a:endParaRPr lang="en-US" sz="2000" dirty="0">
+              <a:latin typeface="Gill Sans MT" panose="020B0502020104020203" pitchFamily="34" charset="77"/>
+            </a:endParaRPr>
+          </a:p>
+          <a:p>
+            <a:pPr marL="0" indent="0">
+              <a:buNone/>
+            </a:pPr>
+            <a:r>
+              <a:rPr lang="en-US" dirty="0">
+                <a:latin typeface="Gill Sans MT" panose="020B0502020104020203" pitchFamily="34" charset="77"/>
+              </a:rPr>
+              <a:t>Assume that Player is a subclass of Character as in the previous slides.</a:t>
+            </a:r>
+          </a:p>
+          <a:p>
+            <a:pPr marL="0" indent="0">
+              <a:buNone/>
+            </a:pPr>
+            <a:endParaRPr lang="en-US" b="1" dirty="0">
+              <a:solidFill>
+                <a:srgbClr val="000087"/>
+              </a:solidFill>
+              <a:latin typeface="Inconsolata Medium" panose="020B0609030003000000" pitchFamily="49" charset="77"/>
+            </a:endParaRPr>
+          </a:p>
+          <a:p>
+            <a:pPr marL="0" indent="0">
+              <a:buNone/>
+            </a:pPr>
+            <a:r>
+              <a:rPr lang="en-US" b="1" dirty="0">
+                <a:solidFill>
+                  <a:srgbClr val="000087"/>
+                </a:solidFill>
+                <a:latin typeface="Inconsolata Medium" panose="020B0609030003000000" pitchFamily="49" charset="77"/>
+              </a:rPr>
+              <a:t>In</a:t>
+            </a:r>
+            <a:r>
+              <a:rPr lang="en-US" b="1" dirty="0">
+                <a:latin typeface="Inconsolata Medium" panose="020B0609030003000000" pitchFamily="49" charset="77"/>
+              </a:rPr>
+              <a:t>[</a:t>
+            </a:r>
+            <a:r>
+              <a:rPr lang="en-US" b="1" dirty="0">
+                <a:solidFill>
+                  <a:srgbClr val="FF6600"/>
+                </a:solidFill>
+                <a:latin typeface="Inconsolata Medium" panose="020B0609030003000000" pitchFamily="49" charset="77"/>
+              </a:rPr>
+              <a:t>1</a:t>
+            </a:r>
+            <a:r>
+              <a:rPr lang="en-US" b="1" dirty="0">
+                <a:latin typeface="Inconsolata Medium" panose="020B0609030003000000" pitchFamily="49" charset="77"/>
+              </a:rPr>
+              <a:t>]:</a:t>
+            </a:r>
+            <a:r>
+              <a:rPr lang="en-US" b="1" dirty="0">
+                <a:solidFill>
+                  <a:srgbClr val="000087"/>
+                </a:solidFill>
+                <a:latin typeface="Inconsolata Medium" panose="020B0609030003000000" pitchFamily="49" charset="77"/>
+              </a:rPr>
+              <a:t> p = Player("Mario", x=100, speed=5, lives=3) </a:t>
+            </a:r>
+          </a:p>
+          <a:p>
+            <a:pPr marL="0" indent="0">
+              <a:buNone/>
+            </a:pPr>
+            <a:r>
+              <a:rPr lang="en-US" b="1" dirty="0">
+                <a:solidFill>
+                  <a:srgbClr val="000087"/>
+                </a:solidFill>
+                <a:latin typeface="Inconsolata Medium" panose="020B0609030003000000" pitchFamily="49" charset="77"/>
+              </a:rPr>
+              <a:t>In </a:t>
+            </a:r>
+            <a:r>
+              <a:rPr lang="en-US" b="1" dirty="0">
+                <a:latin typeface="Inconsolata Medium" panose="020B0609030003000000" pitchFamily="49" charset="77"/>
+              </a:rPr>
+              <a:t>[</a:t>
+            </a:r>
+            <a:r>
+              <a:rPr lang="en-US" b="1" dirty="0">
+                <a:solidFill>
+                  <a:srgbClr val="FF6600"/>
+                </a:solidFill>
+                <a:latin typeface="Inconsolata Medium" panose="020B0609030003000000" pitchFamily="49" charset="77"/>
+              </a:rPr>
+              <a:t>2</a:t>
+            </a:r>
+            <a:r>
+              <a:rPr lang="en-US" b="1" dirty="0">
+                <a:latin typeface="Inconsolata Medium" panose="020B0609030003000000" pitchFamily="49" charset="77"/>
+              </a:rPr>
+              <a:t>]: </a:t>
+            </a:r>
+            <a:r>
+              <a:rPr lang="en-US" b="1" dirty="0" err="1">
+                <a:solidFill>
+                  <a:srgbClr val="00B050"/>
+                </a:solidFill>
+                <a:latin typeface="Inconsolata Medium" panose="020B0609030003000000" pitchFamily="49" charset="77"/>
+              </a:rPr>
+              <a:t>isinstance</a:t>
+            </a:r>
+            <a:r>
+              <a:rPr lang="en-US" b="1" dirty="0">
+                <a:latin typeface="Inconsolata Medium" panose="020B0609030003000000" pitchFamily="49" charset="77"/>
+              </a:rPr>
+              <a:t>(p, Player)</a:t>
+            </a:r>
+          </a:p>
+          <a:p>
+            <a:pPr marL="0" indent="0">
+              <a:buNone/>
+            </a:pPr>
+            <a:r>
+              <a:rPr lang="en-US" b="1" dirty="0">
+                <a:latin typeface="Inconsolata Medium" panose="020B0609030003000000" pitchFamily="49" charset="77"/>
+              </a:rPr>
+              <a:t>Out [2]: True</a:t>
+            </a:r>
+          </a:p>
+          <a:p>
+            <a:pPr marL="0" indent="0">
+              <a:buNone/>
+            </a:pPr>
+            <a:r>
+              <a:rPr lang="en-US" b="1" dirty="0">
+                <a:solidFill>
+                  <a:srgbClr val="000087"/>
+                </a:solidFill>
+                <a:latin typeface="Inconsolata Medium" panose="020B0609030003000000" pitchFamily="49" charset="77"/>
+              </a:rPr>
+              <a:t>In </a:t>
+            </a:r>
+            <a:r>
+              <a:rPr lang="en-US" b="1" dirty="0">
+                <a:latin typeface="Inconsolata Medium" panose="020B0609030003000000" pitchFamily="49" charset="77"/>
+              </a:rPr>
+              <a:t>[</a:t>
+            </a:r>
+            <a:r>
+              <a:rPr lang="en-US" b="1" dirty="0">
+                <a:solidFill>
+                  <a:srgbClr val="FF6600"/>
+                </a:solidFill>
+                <a:latin typeface="Inconsolata Medium" panose="020B0609030003000000" pitchFamily="49" charset="77"/>
+              </a:rPr>
+              <a:t>2</a:t>
+            </a:r>
+            <a:r>
+              <a:rPr lang="en-US" b="1" dirty="0">
+                <a:latin typeface="Inconsolata Medium" panose="020B0609030003000000" pitchFamily="49" charset="77"/>
+              </a:rPr>
+              <a:t>]: </a:t>
+            </a:r>
+            <a:r>
+              <a:rPr lang="en-US" b="1" dirty="0" err="1">
+                <a:solidFill>
+                  <a:srgbClr val="00B050"/>
+                </a:solidFill>
+                <a:latin typeface="Inconsolata Medium" panose="020B0609030003000000" pitchFamily="49" charset="77"/>
+              </a:rPr>
+              <a:t>isinstance</a:t>
+            </a:r>
+            <a:r>
+              <a:rPr lang="en-US" b="1" dirty="0">
+                <a:latin typeface="Inconsolata Medium" panose="020B0609030003000000" pitchFamily="49" charset="77"/>
+              </a:rPr>
+              <a:t>(p, Character) </a:t>
+            </a:r>
+          </a:p>
+          <a:p>
+            <a:pPr marL="0" indent="0">
+              <a:buNone/>
+            </a:pPr>
+            <a:r>
+              <a:rPr lang="en-US" b="1" dirty="0">
+                <a:latin typeface="Inconsolata Medium" panose="020B0609030003000000" pitchFamily="49" charset="77"/>
+              </a:rPr>
+              <a:t>Out [2]: True  </a:t>
+            </a:r>
+            <a:r>
+              <a:rPr lang="en-US" sz="2000" b="1" dirty="0">
+                <a:solidFill>
+                  <a:srgbClr val="4070A0"/>
+                </a:solidFill>
+                <a:latin typeface="Inconsolata Medium" panose="020B0609030003000000" pitchFamily="49" charset="77"/>
+              </a:rPr>
+              <a:t># since Player is a subclass of Character</a:t>
+            </a:r>
+            <a:endParaRPr lang="en-US" sz="2000" b="1" dirty="0">
+              <a:latin typeface="Inconsolata Medium" panose="020B0609030003000000" pitchFamily="49" charset="77"/>
+            </a:endParaRPr>
+          </a:p>
+          <a:p>
+            <a:pPr marL="0" indent="0">
+              <a:buNone/>
+            </a:pPr>
+            <a:endParaRPr lang="en-US" b="1" dirty="0">
+              <a:latin typeface="Inconsolata Medium" panose="020B0609030003000000" pitchFamily="49" charset="77"/>
+            </a:endParaRPr>
+          </a:p>
+          <a:p>
+            <a:pPr marL="0" indent="0">
+              <a:buNone/>
+            </a:pPr>
+            <a:endParaRPr lang="en-US" b="1" dirty="0">
+              <a:solidFill>
+                <a:srgbClr val="000087"/>
+              </a:solidFill>
+              <a:latin typeface="Inconsolata Medium" panose="020B0609030003000000" pitchFamily="49" charset="77"/>
+            </a:endParaRPr>
+          </a:p>
+          <a:p>
+            <a:pPr marL="0" indent="0">
+              <a:buNone/>
+            </a:pPr>
+            <a:endParaRPr lang="en-US" b="1" dirty="0">
+              <a:solidFill>
+                <a:srgbClr val="000087"/>
+              </a:solidFill>
+              <a:latin typeface="Inconsolata Medium" panose="020B0609030003000000" pitchFamily="49" charset="77"/>
+            </a:endParaRPr>
+          </a:p>
+        </p:txBody>
+      </p:sp>
+    </p:spTree>
+    <p:extLst>
+      <p:ext uri="{BB962C8B-B14F-4D97-AF65-F5344CB8AC3E}">
+        <p14:creationId xmlns:p14="http://schemas.microsoft.com/office/powerpoint/2010/main" val="2162220401"/>
+      </p:ext>
+    </p:extLst>
+  </p:cSld>
+  <p:clrMapOvr>
+    <a:masterClrMapping/>
+  </p:clrMapOvr>
+  <p:timing>
+    <p:tnLst>
+      <p:par>
+        <p:cTn id="1" dur="indefinite" restart="never" nodeType="tmRoot">
+          <p:childTnLst>
+            <p:seq concurrent="1" nextAc="seek">
+              <p:cTn id="2" dur="indefinite" nodeType="mainSeq">
+                <p:childTnLst>
+                  <p:par>
+                    <p:cTn id="3" fill="hold">
+                      <p:stCondLst>
+                        <p:cond delay="indefinite"/>
+                      </p:stCondLst>
+                      <p:childTnLst>
+                        <p:par>
+                          <p:cTn id="4" fill="hold">
+                            <p:stCondLst>
+                              <p:cond delay="0"/>
+                            </p:stCondLst>
+                            <p:childTnLst>
+                              <p:par>
+                                <p:cTn id="5" presetID="1" presetClass="entr" presetSubtype="0" fill="hold" nodeType="clickEffect">
+                                  <p:stCondLst>
+                                    <p:cond delay="0"/>
+                                  </p:stCondLst>
+                                  <p:childTnLst>
+                                    <p:set>
+                                      <p:cBhvr>
+                                        <p:cTn id="6" dur="1" fill="hold">
+                                          <p:stCondLst>
+                                            <p:cond delay="0"/>
+                                          </p:stCondLst>
+                                        </p:cTn>
+                                        <p:tgtEl>
+                                          <p:spTgt spid="9">
+                                            <p:txEl>
+                                              <p:pRg st="2" end="2"/>
+                                            </p:txEl>
+                                          </p:spTgt>
+                                        </p:tgtEl>
+                                        <p:attrNameLst>
+                                          <p:attrName>style.visibility</p:attrName>
+                                        </p:attrNameLst>
+                                      </p:cBhvr>
+                                      <p:to>
+                                        <p:strVal val="visible"/>
+                                      </p:to>
+                                    </p:set>
+                                  </p:childTnLst>
+                                </p:cTn>
+                              </p:par>
+                            </p:childTnLst>
+                          </p:cTn>
+                        </p:par>
+                      </p:childTnLst>
+                    </p:cTn>
+                  </p:par>
+                  <p:par>
+                    <p:cTn id="7" fill="hold">
+                      <p:stCondLst>
+                        <p:cond delay="indefinite"/>
+                      </p:stCondLst>
+                      <p:childTnLst>
+                        <p:par>
+                          <p:cTn id="8" fill="hold">
+                            <p:stCondLst>
+                              <p:cond delay="0"/>
+                            </p:stCondLst>
+                            <p:childTnLst>
+                              <p:par>
+                                <p:cTn id="9" presetID="1" presetClass="entr" presetSubtype="0" fill="hold" nodeType="clickEffect">
+                                  <p:stCondLst>
+                                    <p:cond delay="0"/>
+                                  </p:stCondLst>
+                                  <p:childTnLst>
+                                    <p:set>
+                                      <p:cBhvr>
+                                        <p:cTn id="10" dur="1" fill="hold">
+                                          <p:stCondLst>
+                                            <p:cond delay="0"/>
+                                          </p:stCondLst>
+                                        </p:cTn>
+                                        <p:tgtEl>
+                                          <p:spTgt spid="9">
+                                            <p:txEl>
+                                              <p:pRg st="4" end="4"/>
+                                            </p:txEl>
+                                          </p:spTgt>
+                                        </p:tgtEl>
+                                        <p:attrNameLst>
+                                          <p:attrName>style.visibility</p:attrName>
+                                        </p:attrNameLst>
+                                      </p:cBhvr>
+                                      <p:to>
+                                        <p:strVal val="visible"/>
+                                      </p:to>
+                                    </p:set>
+                                  </p:childTnLst>
+                                </p:cTn>
+                              </p:par>
+                              <p:par>
+                                <p:cTn id="11" presetID="1" presetClass="entr" presetSubtype="0" fill="hold" nodeType="withEffect">
+                                  <p:stCondLst>
+                                    <p:cond delay="0"/>
+                                  </p:stCondLst>
+                                  <p:childTnLst>
+                                    <p:set>
+                                      <p:cBhvr>
+                                        <p:cTn id="12" dur="1" fill="hold">
+                                          <p:stCondLst>
+                                            <p:cond delay="0"/>
+                                          </p:stCondLst>
+                                        </p:cTn>
+                                        <p:tgtEl>
+                                          <p:spTgt spid="9">
+                                            <p:txEl>
+                                              <p:pRg st="5" end="5"/>
+                                            </p:txEl>
+                                          </p:spTgt>
+                                        </p:tgtEl>
+                                        <p:attrNameLst>
+                                          <p:attrName>style.visibility</p:attrName>
+                                        </p:attrNameLst>
+                                      </p:cBhvr>
+                                      <p:to>
+                                        <p:strVal val="visible"/>
+                                      </p:to>
+                                    </p:set>
+                                  </p:childTnLst>
+                                </p:cTn>
+                              </p:par>
+                              <p:par>
+                                <p:cTn id="13" presetID="1" presetClass="entr" presetSubtype="0" fill="hold" nodeType="withEffect">
+                                  <p:stCondLst>
+                                    <p:cond delay="0"/>
+                                  </p:stCondLst>
+                                  <p:childTnLst>
+                                    <p:set>
+                                      <p:cBhvr>
+                                        <p:cTn id="14" dur="1" fill="hold">
+                                          <p:stCondLst>
+                                            <p:cond delay="0"/>
+                                          </p:stCondLst>
+                                        </p:cTn>
+                                        <p:tgtEl>
+                                          <p:spTgt spid="9">
+                                            <p:txEl>
+                                              <p:pRg st="6" end="6"/>
+                                            </p:txEl>
+                                          </p:spTgt>
+                                        </p:tgtEl>
+                                        <p:attrNameLst>
+                                          <p:attrName>style.visibility</p:attrName>
+                                        </p:attrNameLst>
+                                      </p:cBhvr>
+                                      <p:to>
+                                        <p:strVal val="visible"/>
+                                      </p:to>
+                                    </p:set>
+                                  </p:childTnLst>
+                                </p:cTn>
+                              </p:par>
+                            </p:childTnLst>
+                          </p:cTn>
+                        </p:par>
+                      </p:childTnLst>
+                    </p:cTn>
+                  </p:par>
+                  <p:par>
+                    <p:cTn id="15" fill="hold">
+                      <p:stCondLst>
+                        <p:cond delay="indefinite"/>
+                      </p:stCondLst>
+                      <p:childTnLst>
+                        <p:par>
+                          <p:cTn id="16" fill="hold">
+                            <p:stCondLst>
+                              <p:cond delay="0"/>
+                            </p:stCondLst>
+                            <p:childTnLst>
+                              <p:par>
+                                <p:cTn id="17" presetID="1" presetClass="entr" presetSubtype="0" fill="hold" nodeType="clickEffect">
+                                  <p:stCondLst>
+                                    <p:cond delay="0"/>
+                                  </p:stCondLst>
+                                  <p:childTnLst>
+                                    <p:set>
+                                      <p:cBhvr>
+                                        <p:cTn id="18" dur="1" fill="hold">
+                                          <p:stCondLst>
+                                            <p:cond delay="0"/>
+                                          </p:stCondLst>
+                                        </p:cTn>
+                                        <p:tgtEl>
+                                          <p:spTgt spid="9">
+                                            <p:txEl>
+                                              <p:pRg st="7" end="7"/>
+                                            </p:txEl>
+                                          </p:spTgt>
+                                        </p:tgtEl>
+                                        <p:attrNameLst>
+                                          <p:attrName>style.visibility</p:attrName>
+                                        </p:attrNameLst>
+                                      </p:cBhvr>
+                                      <p:to>
+                                        <p:strVal val="visible"/>
+                                      </p:to>
+                                    </p:set>
+                                  </p:childTnLst>
+                                </p:cTn>
+                              </p:par>
+                              <p:par>
+                                <p:cTn id="19" presetID="1" presetClass="entr" presetSubtype="0" fill="hold" nodeType="withEffect">
+                                  <p:stCondLst>
+                                    <p:cond delay="0"/>
+                                  </p:stCondLst>
+                                  <p:childTnLst>
+                                    <p:set>
+                                      <p:cBhvr>
+                                        <p:cTn id="20" dur="1" fill="hold">
+                                          <p:stCondLst>
+                                            <p:cond delay="0"/>
+                                          </p:stCondLst>
+                                        </p:cTn>
+                                        <p:tgtEl>
+                                          <p:spTgt spid="9">
+                                            <p:txEl>
+                                              <p:pRg st="8" end="8"/>
+                                            </p:txEl>
+                                          </p:spTgt>
+                                        </p:tgtEl>
+                                        <p:attrNameLst>
+                                          <p:attrName>style.visibility</p:attrName>
+                                        </p:attrNameLst>
+                                      </p:cBhvr>
+                                      <p:to>
+                                        <p:strVal val="visible"/>
+                                      </p:to>
+                                    </p:set>
+                                  </p:childTnLst>
+                                </p:cTn>
+                              </p:par>
+                            </p:childTnLst>
+                          </p:cTn>
+                        </p:par>
+                      </p:childTnLst>
+                    </p:cTn>
+                  </p:par>
                 </p:childTnLst>
               </p:cTn>
               <p:prevCondLst>
@@ -9323,10 +12047,9 @@
           <a:lstStyle/>
           <a:p>
             <a:r>
-              <a:rPr lang="en-US" dirty="0" err="1"/>
-              <a:t>isinstance</a:t>
-            </a:r>
-            <a:endParaRPr lang="en-US" dirty="0"/>
+              <a:rPr lang="en-US" dirty="0"/>
+              <a:t>Inheritance</a:t>
+            </a:r>
           </a:p>
         </p:txBody>
       </p:sp>
@@ -9362,32 +12085,9 @@
               <a:buNone/>
             </a:pPr>
             <a:r>
-              <a:rPr lang="en-US" dirty="0"/>
-              <a:t>The built-in </a:t>
-            </a:r>
-            <a:r>
-              <a:rPr lang="en-US" b="1" dirty="0" err="1">
-                <a:latin typeface="Inconsolata Medium" panose="020B0609030003000000" pitchFamily="49" charset="77"/>
-              </a:rPr>
-              <a:t>isinstance</a:t>
-            </a:r>
-            <a:r>
-              <a:rPr lang="en-US" b="1" dirty="0">
-                <a:latin typeface="Inconsolata Medium" panose="020B0609030003000000" pitchFamily="49" charset="77"/>
-              </a:rPr>
-              <a:t>(a, b) </a:t>
-            </a:r>
-            <a:r>
-              <a:rPr lang="en-US" dirty="0">
-                <a:latin typeface="Gill Sans MT" panose="020B0502020104020203" pitchFamily="34" charset="77"/>
-              </a:rPr>
-              <a:t>function returns whether a is an instance or subclass of b. </a:t>
-            </a:r>
-          </a:p>
-          <a:p>
-            <a:pPr marL="0" indent="0">
-              <a:buNone/>
-            </a:pPr>
+              <a:rPr lang="en-US" sz="2000" dirty="0"/>
+              <a:t>Inheritance is a powerful feature that allows us to inherit code from another class or library.</a:t>
+            </a:r>
             <a:endParaRPr lang="en-US" sz="2000" dirty="0">
               <a:latin typeface="Gill Sans MT" panose="020B0502020104020203" pitchFamily="34" charset="77"/>
             </a:endParaRPr>
@@ -9396,18 +12096,50 @@
             <a:pPr marL="0" indent="0">
               <a:buNone/>
             </a:pPr>
-            <a:r>
-              <a:rPr lang="en-US" dirty="0">
+            <a:endParaRPr lang="en-US" sz="2000" dirty="0">
+              <a:latin typeface="Gill Sans MT" panose="020B0502020104020203" pitchFamily="34" charset="77"/>
+            </a:endParaRPr>
+          </a:p>
+          <a:p>
+            <a:pPr marL="0" indent="0">
+              <a:buNone/>
+            </a:pPr>
+            <a:r>
+              <a:rPr lang="en-US" sz="2000" dirty="0">
                 <a:latin typeface="Gill Sans MT" panose="020B0502020104020203" pitchFamily="34" charset="77"/>
               </a:rPr>
-              <a:t>Assume that Player is a subclass of Character as in the previous slides.</a:t>
-            </a:r>
-          </a:p>
-          <a:p>
-            <a:pPr marL="0" indent="0">
-              <a:buNone/>
-            </a:pPr>
-            <a:endParaRPr lang="en-US" b="1" dirty="0">
+              <a:t>The </a:t>
+            </a:r>
+            <a:r>
+              <a:rPr lang="en-US" sz="2000" b="1" dirty="0">
+                <a:latin typeface="Gill Sans MT" panose="020B0502020104020203" pitchFamily="34" charset="77"/>
+              </a:rPr>
+              <a:t>Arcade library</a:t>
+            </a:r>
+            <a:r>
+              <a:rPr lang="en-US" sz="2000" dirty="0">
+                <a:latin typeface="Gill Sans MT" panose="020B0502020104020203" pitchFamily="34" charset="77"/>
+              </a:rPr>
+              <a:t>, for example, contains many classes and functions that we can use to write arcade games. It has a class called </a:t>
+            </a:r>
+            <a:r>
+              <a:rPr lang="en-US" sz="2000" b="1" dirty="0">
+                <a:latin typeface="Gill Sans MT" panose="020B0502020104020203" pitchFamily="34" charset="77"/>
+              </a:rPr>
+              <a:t>Window</a:t>
+            </a:r>
+            <a:r>
+              <a:rPr lang="en-US" sz="2000" dirty="0">
+                <a:latin typeface="Gill Sans MT" panose="020B0502020104020203" pitchFamily="34" charset="77"/>
+              </a:rPr>
+              <a:t>.</a:t>
+            </a:r>
+          </a:p>
+          <a:p>
+            <a:pPr marL="0" indent="0">
+              <a:buNone/>
+            </a:pPr>
+            <a:endParaRPr lang="en-US" sz="2000" b="1" dirty="0">
               <a:solidFill>
                 <a:srgbClr val="000087"/>
               </a:solidFill>
@@ -9419,192 +12151,43 @@
               <a:buNone/>
             </a:pPr>
             <a:r>
-              <a:rPr lang="en-US" b="1" dirty="0">
-                <a:solidFill>
-                  <a:srgbClr val="000087"/>
-                </a:solidFill>
-                <a:latin typeface="Inconsolata Medium" panose="020B0609030003000000" pitchFamily="49" charset="77"/>
-              </a:rPr>
-              <a:t>In</a:t>
-            </a:r>
-            <a:r>
-              <a:rPr lang="en-US" b="1" dirty="0">
-                <a:latin typeface="Inconsolata Medium" panose="020B0609030003000000" pitchFamily="49" charset="77"/>
-              </a:rPr>
-              <a:t>[</a:t>
-            </a:r>
-            <a:r>
-              <a:rPr lang="en-US" b="1" dirty="0">
-                <a:solidFill>
-                  <a:srgbClr val="FF6600"/>
-                </a:solidFill>
-                <a:latin typeface="Inconsolata Medium" panose="020B0609030003000000" pitchFamily="49" charset="77"/>
-              </a:rPr>
-              <a:t>1</a:t>
-            </a:r>
-            <a:r>
-              <a:rPr lang="en-US" b="1" dirty="0">
-                <a:latin typeface="Inconsolata Medium" panose="020B0609030003000000" pitchFamily="49" charset="77"/>
-              </a:rPr>
-              <a:t>]:</a:t>
-            </a:r>
-            <a:r>
-              <a:rPr lang="en-US" b="1" dirty="0">
-                <a:solidFill>
-                  <a:srgbClr val="000087"/>
-                </a:solidFill>
-                <a:latin typeface="Inconsolata Medium" panose="020B0609030003000000" pitchFamily="49" charset="77"/>
-              </a:rPr>
-              <a:t> p = Player("Mario", x=100, speed=5, lives=3) </a:t>
-            </a:r>
-          </a:p>
-          <a:p>
-            <a:pPr marL="0" indent="0">
-              <a:buNone/>
-            </a:pPr>
-            <a:r>
-              <a:rPr lang="en-US" b="1" dirty="0">
-                <a:solidFill>
-                  <a:srgbClr val="000087"/>
-                </a:solidFill>
-                <a:latin typeface="Inconsolata Medium" panose="020B0609030003000000" pitchFamily="49" charset="77"/>
-              </a:rPr>
-              <a:t>In </a:t>
-            </a:r>
-            <a:r>
-              <a:rPr lang="en-US" b="1" dirty="0">
-                <a:latin typeface="Inconsolata Medium" panose="020B0609030003000000" pitchFamily="49" charset="77"/>
-              </a:rPr>
-              <a:t>[</a:t>
-            </a:r>
-            <a:r>
-              <a:rPr lang="en-US" b="1" dirty="0">
-                <a:solidFill>
-                  <a:srgbClr val="FF6600"/>
-                </a:solidFill>
-                <a:latin typeface="Inconsolata Medium" panose="020B0609030003000000" pitchFamily="49" charset="77"/>
-              </a:rPr>
-              <a:t>2</a:t>
-            </a:r>
-            <a:r>
-              <a:rPr lang="en-US" b="1" dirty="0">
-                <a:latin typeface="Inconsolata Medium" panose="020B0609030003000000" pitchFamily="49" charset="77"/>
-              </a:rPr>
-              <a:t>]: </a:t>
-            </a:r>
-            <a:r>
-              <a:rPr lang="en-US" b="1" dirty="0" err="1">
-                <a:solidFill>
-                  <a:srgbClr val="00B050"/>
-                </a:solidFill>
-                <a:latin typeface="Inconsolata Medium" panose="020B0609030003000000" pitchFamily="49" charset="77"/>
-              </a:rPr>
-              <a:t>isinstance</a:t>
-            </a:r>
-            <a:r>
-              <a:rPr lang="en-US" b="1" dirty="0">
-                <a:latin typeface="Inconsolata Medium" panose="020B0609030003000000" pitchFamily="49" charset="77"/>
-              </a:rPr>
-              <a:t>(p, Player)</a:t>
-            </a:r>
-          </a:p>
-          <a:p>
-            <a:pPr marL="0" indent="0">
-              <a:buNone/>
-            </a:pPr>
-            <a:r>
-              <a:rPr lang="en-US" b="1" dirty="0">
-                <a:latin typeface="Inconsolata Medium" panose="020B0609030003000000" pitchFamily="49" charset="77"/>
-              </a:rPr>
-              <a:t>Out [2]: True</a:t>
-            </a:r>
-          </a:p>
-          <a:p>
-            <a:pPr marL="0" indent="0">
-              <a:buNone/>
-            </a:pPr>
-            <a:r>
-              <a:rPr lang="en-US" b="1" dirty="0">
-                <a:solidFill>
-                  <a:srgbClr val="000087"/>
-                </a:solidFill>
-                <a:latin typeface="Inconsolata Medium" panose="020B0609030003000000" pitchFamily="49" charset="77"/>
-              </a:rPr>
-              <a:t>In </a:t>
-            </a:r>
-            <a:r>
-              <a:rPr lang="en-US" b="1" dirty="0">
-                <a:latin typeface="Inconsolata Medium" panose="020B0609030003000000" pitchFamily="49" charset="77"/>
-              </a:rPr>
-              <a:t>[</a:t>
-            </a:r>
-            <a:r>
-              <a:rPr lang="en-US" b="1" dirty="0">
-                <a:solidFill>
-                  <a:srgbClr val="FF6600"/>
-                </a:solidFill>
-                <a:latin typeface="Inconsolata Medium" panose="020B0609030003000000" pitchFamily="49" charset="77"/>
-              </a:rPr>
-              <a:t>2</a:t>
-            </a:r>
-            <a:r>
-              <a:rPr lang="en-US" b="1" dirty="0">
-                <a:latin typeface="Inconsolata Medium" panose="020B0609030003000000" pitchFamily="49" charset="77"/>
-              </a:rPr>
-              <a:t>]: </a:t>
-            </a:r>
-            <a:r>
-              <a:rPr lang="en-US" b="1" dirty="0" err="1">
-                <a:solidFill>
-                  <a:srgbClr val="00B050"/>
-                </a:solidFill>
-                <a:latin typeface="Inconsolata Medium" panose="020B0609030003000000" pitchFamily="49" charset="77"/>
-              </a:rPr>
-              <a:t>isinstance</a:t>
-            </a:r>
-            <a:r>
-              <a:rPr lang="en-US" b="1" dirty="0">
-                <a:latin typeface="Inconsolata Medium" panose="020B0609030003000000" pitchFamily="49" charset="77"/>
-              </a:rPr>
-              <a:t>(p, Character) </a:t>
-            </a:r>
-          </a:p>
-          <a:p>
-            <a:pPr marL="0" indent="0">
-              <a:buNone/>
-            </a:pPr>
-            <a:r>
-              <a:rPr lang="en-US" b="1" dirty="0">
-                <a:latin typeface="Inconsolata Medium" panose="020B0609030003000000" pitchFamily="49" charset="77"/>
-              </a:rPr>
-              <a:t>Out [2]: True  </a:t>
+              <a:rPr lang="en-US" sz="2000" dirty="0">
+                <a:latin typeface="Gill Sans MT" panose="020B0502020104020203" pitchFamily="34" charset="77"/>
+              </a:rPr>
+              <a:t>The </a:t>
             </a:r>
             <a:r>
               <a:rPr lang="en-US" sz="2000" b="1" dirty="0">
-                <a:solidFill>
-                  <a:srgbClr val="4070A0"/>
-                </a:solidFill>
-                <a:latin typeface="Inconsolata Medium" panose="020B0609030003000000" pitchFamily="49" charset="77"/>
-              </a:rPr>
-              <a:t># since Player is a subclass of Character</a:t>
+                <a:latin typeface="Gill Sans MT" panose="020B0502020104020203" pitchFamily="34" charset="77"/>
+              </a:rPr>
+              <a:t>Window</a:t>
+            </a:r>
+            <a:r>
+              <a:rPr lang="en-US" sz="2000" dirty="0">
+                <a:latin typeface="Gill Sans MT" panose="020B0502020104020203" pitchFamily="34" charset="77"/>
+              </a:rPr>
+              <a:t> class can create a window, draw shapes, images and animate them, detect and respond to keyboard and mouse inputs. </a:t>
+            </a:r>
+          </a:p>
+          <a:p>
+            <a:pPr marL="0" indent="0">
+              <a:buNone/>
+            </a:pPr>
+            <a:endParaRPr lang="en-US" sz="2000" dirty="0">
+              <a:latin typeface="Gill Sans MT" panose="020B0502020104020203" pitchFamily="34" charset="77"/>
+            </a:endParaRPr>
+          </a:p>
+          <a:p>
+            <a:pPr marL="0" indent="0">
+              <a:buNone/>
+            </a:pPr>
+            <a:r>
+              <a:rPr lang="en-US" sz="2000" dirty="0">
+                <a:latin typeface="Gill Sans MT" panose="020B0502020104020203" pitchFamily="34" charset="77"/>
+              </a:rPr>
+              <a:t>That's a lot of code that we don't want to write! Instead, we can simply inherit from it!</a:t>
             </a:r>
             <a:endParaRPr lang="en-US" sz="2000" b="1" dirty="0">
-              <a:latin typeface="Inconsolata Medium" panose="020B0609030003000000" pitchFamily="49" charset="77"/>
-            </a:endParaRPr>
-          </a:p>
-          <a:p>
-            <a:pPr marL="0" indent="0">
-              <a:buNone/>
-            </a:pPr>
-            <a:endParaRPr lang="en-US" b="1" dirty="0">
-              <a:latin typeface="Inconsolata Medium" panose="020B0609030003000000" pitchFamily="49" charset="77"/>
-            </a:endParaRPr>
-          </a:p>
-          <a:p>
-            <a:pPr marL="0" indent="0">
-              <a:buNone/>
-            </a:pPr>
-            <a:endParaRPr lang="en-US" b="1" dirty="0">
               <a:solidFill>
                 <a:srgbClr val="000087"/>
               </a:solidFill>
@@ -9615,7 +12198,7 @@
             <a:pPr marL="0" indent="0">
               <a:buNone/>
             </a:pPr>
-            <a:endParaRPr lang="en-US" b="1" dirty="0">
+            <a:endParaRPr lang="en-US" sz="2000" b="1" dirty="0">
               <a:solidFill>
                 <a:srgbClr val="000087"/>
               </a:solidFill>
@@ -9627,7 +12210,7 @@
     </p:spTree>
     <p:extLst>
       <p:ext uri="{BB962C8B-B14F-4D97-AF65-F5344CB8AC3E}">
-        <p14:creationId xmlns:p14="http://schemas.microsoft.com/office/powerpoint/2010/main" val="2162220401"/>
+        <p14:creationId xmlns:p14="http://schemas.microsoft.com/office/powerpoint/2010/main" val="1191437278"/>
       </p:ext>
     </p:extLst>
   </p:cSld>
@@ -9670,7 +12253,7 @@
                                         <p:tgtEl>
                                           <p:spTgt spid="9">
                                             <p:txEl>
-                                              <p:pRg st="5" end="5"/>
+                                              <p:pRg st="2" end="2"/>
                                             </p:txEl>
                                           </p:spTgt>
                                         </p:tgtEl>
@@ -9685,15 +12268,33 @@
                                   </p:childTnLst>
                                 </p:cTn>
                               </p:par>
+                            </p:childTnLst>
+                          </p:cTn>
+                        </p:par>
+                      </p:childTnLst>
+                    </p:cTn>
+                  </p:par>
+                  <p:par>
+                    <p:cTn id="7" fill="hold">
+                      <p:stCondLst>
+                        <p:cond delay="indefinite"/>
+                      </p:stCondLst>
+                      <p:childTnLst>
+                        <p:par>
+                          <p:cTn id="8" fill="hold">
+                            <p:stCondLst>
+                              <p:cond delay="0"/>
+                            </p:stCondLst>
+                            <p:childTnLst>
                               <p:par>
-                                <p:cTn id="7" presetID="1" presetClass="entr" presetSubtype="0" fill="hold" nodeType="withEffect">
+                                <p:cTn id="9" presetID="1" presetClass="entr" presetSubtype="0" fill="hold" nodeType="clickEffect">
                                   <p:stCondLst>
                                     <p:cond delay="0"/>
                                   </p:stCondLst>
                                   <p:childTnLst>
                                     <p:set>
                                       <p:cBhvr>
-                                        <p:cTn id="8" dur="1" fill="hold">
+                                        <p:cTn id="10" dur="1" fill="hold">
                                           <p:stCondLst>
                                             <p:cond delay="0"/>
                                           </p:stCondLst>
@@ -9701,7 +12302,7 @@
                                         <p:tgtEl>
                                           <p:spTgt spid="9">
                                             <p:txEl>
-                                              <p:pRg st="6" end="6"/>
+                                              <p:pRg st="4" end="4"/>
                                             </p:txEl>
                                           </p:spTgt>
                                         </p:tgtEl>
@@ -9716,15 +12317,33 @@
                                   </p:childTnLst>
                                 </p:cTn>
                               </p:par>
+                            </p:childTnLst>
+                          </p:cTn>
+                        </p:par>
+                      </p:childTnLst>
+                    </p:cTn>
+                  </p:par>
+                  <p:par>
+                    <p:cTn id="11" fill="hold">
+                      <p:stCondLst>
+                        <p:cond delay="indefinite"/>
+                      </p:stCondLst>
+                      <p:childTnLst>
+                        <p:par>
+                          <p:cTn id="12" fill="hold">
+                            <p:stCondLst>
+                              <p:cond delay="0"/>
+                            </p:stCondLst>
+                            <p:childTnLst>
                               <p:par>
-                                <p:cTn id="9" presetID="1" presetClass="entr" presetSubtype="0" fill="hold" nodeType="withEffect">
+                                <p:cTn id="13" presetID="1" presetClass="entr" presetSubtype="0" fill="hold" nodeType="clickEffect">
                                   <p:stCondLst>
                                     <p:cond delay="0"/>
                                   </p:stCondLst>
                                   <p:childTnLst>
                                     <p:set>
                                       <p:cBhvr>
-                                        <p:cTn id="10" dur="1" fill="hold">
+                                        <p:cTn id="14" dur="1" fill="hold">
                                           <p:stCondLst>
                                             <p:cond delay="0"/>
                                           </p:stCondLst>
@@ -9732,38 +12351,7 @@
                                         <p:tgtEl>
                                           <p:spTgt spid="9">
                                             <p:txEl>
-                                              <p:pRg st="7" end="7"/>
-                                            </p:txEl>
-                                          </p:spTgt>
-                                        </p:tgtEl>
-                                        <p:attrNameLst>
-                                          <p:attrName>style.visibility</p:attrName>
-                                        </p:attrNameLst>
-                                      </p:cBhvr>
-                                      <p:to>
-                                        <p:strVal val="visible"/>
-                                      </p:to>
-                                    </p:set>
-                                  </p:childTnLst>
-                                </p:cTn>
-                              </p:par>
-                              <p:par>
-                                <p:cTn id="11" presetID="1" presetClass="entr" presetSubtype="0" fill="hold" nodeType="withEffect">
-                                  <p:stCondLst>
-                                    <p:cond delay="0"/>
-                                  </p:stCondLst>
-                                  <p:childTnLst>
-                                    <p:set>
-                                      <p:cBhvr>
-                                        <p:cTn id="12" dur="1" fill="hold">
-                                          <p:stCondLst>
-                                            <p:cond delay="0"/>
-                                          </p:stCondLst>
-                                        </p:cTn>
-                                        <p:tgtEl>
-                                          <p:spTgt spid="9">
-                                            <p:txEl>
-                                              <p:pRg st="8" end="8"/>
+                                              <p:pRg st="6" end="6"/>
                                             </p:txEl>
                                           </p:spTgt>
                                         </p:tgtEl>
@@ -10091,53 +12679,15 @@
             </a:pPr>
             <a:r>
               <a:rPr lang="en-US" sz="2000" dirty="0"/>
-              <a:t>Inheritance is a powerful feature that allows us to inherit code from another class or library.</a:t>
-            </a:r>
-            <a:endParaRPr lang="en-US" sz="2000" dirty="0">
-              <a:latin typeface="Gill Sans MT" panose="020B0502020104020203" pitchFamily="34" charset="77"/>
-            </a:endParaRPr>
-          </a:p>
-          <a:p>
-            <a:pPr marL="0" indent="0">
-              <a:buNone/>
-            </a:pPr>
-            <a:endParaRPr lang="en-US" sz="2000" dirty="0">
-              <a:latin typeface="Gill Sans MT" panose="020B0502020104020203" pitchFamily="34" charset="77"/>
-            </a:endParaRPr>
-          </a:p>
-          <a:p>
-            <a:pPr marL="0" indent="0">
-              <a:buNone/>
-            </a:pPr>
-            <a:r>
-              <a:rPr lang="en-US" sz="2000" dirty="0">
-                <a:latin typeface="Gill Sans MT" panose="020B0502020104020203" pitchFamily="34" charset="77"/>
-              </a:rPr>
-              <a:t>The </a:t>
-            </a:r>
-            <a:r>
-              <a:rPr lang="en-US" sz="2000" b="1" dirty="0">
-                <a:latin typeface="Gill Sans MT" panose="020B0502020104020203" pitchFamily="34" charset="77"/>
-              </a:rPr>
-              <a:t>Arcade library</a:t>
-            </a:r>
-            <a:r>
-              <a:rPr lang="en-US" sz="2000" dirty="0">
-                <a:latin typeface="Gill Sans MT" panose="020B0502020104020203" pitchFamily="34" charset="77"/>
-              </a:rPr>
-              <a:t>, for example, contains many classes and functions that we can use to write arcade games. It has a class called </a:t>
-            </a:r>
-            <a:r>
-              <a:rPr lang="en-US" sz="2000" b="1" dirty="0">
-                <a:latin typeface="Gill Sans MT" panose="020B0502020104020203" pitchFamily="34" charset="77"/>
-              </a:rPr>
-              <a:t>Window</a:t>
-            </a:r>
-            <a:r>
-              <a:rPr lang="en-US" sz="2000" dirty="0">
-                <a:latin typeface="Gill Sans MT" panose="020B0502020104020203" pitchFamily="34" charset="77"/>
-              </a:rPr>
-              <a:t>.</a:t>
+              <a:t>We first need to </a:t>
+            </a:r>
+            <a:r>
+              <a:rPr lang="en-US" sz="2000" b="1" dirty="0"/>
+              <a:t>import</a:t>
+            </a:r>
+            <a:r>
+              <a:rPr lang="en-US" sz="2000" dirty="0"/>
+              <a:t> the arcade library then declare the class that inherits from Window.</a:t>
             </a:r>
           </a:p>
           <a:p>
@@ -10156,42 +12706,52 @@
               <a:buNone/>
             </a:pPr>
             <a:r>
-              <a:rPr lang="en-US" sz="2000" dirty="0">
-                <a:latin typeface="Gill Sans MT" panose="020B0502020104020203" pitchFamily="34" charset="77"/>
-              </a:rPr>
-              <a:t>The </a:t>
-            </a:r>
-            <a:r>
               <a:rPr lang="en-US" sz="2000" b="1" dirty="0">
-                <a:latin typeface="Gill Sans MT" panose="020B0502020104020203" pitchFamily="34" charset="77"/>
-              </a:rPr>
-              <a:t>Window</a:t>
-            </a:r>
-            <a:r>
-              <a:rPr lang="en-US" sz="2000" dirty="0">
-                <a:latin typeface="Gill Sans MT" panose="020B0502020104020203" pitchFamily="34" charset="77"/>
-              </a:rPr>
-              <a:t> class can create a window, draw shapes, images and animate them, detect and respond to keyboard and mouse inputs. </a:t>
-            </a:r>
-          </a:p>
-          <a:p>
-            <a:pPr marL="0" indent="0">
-              <a:buNone/>
-            </a:pPr>
-            <a:endParaRPr lang="en-US" sz="2000" dirty="0">
-              <a:latin typeface="Gill Sans MT" panose="020B0502020104020203" pitchFamily="34" charset="77"/>
+                <a:solidFill>
+                  <a:srgbClr val="34A327"/>
+                </a:solidFill>
+                <a:latin typeface="Inconsolata Medium" panose="020B0609030003000000" pitchFamily="49" charset="77"/>
+              </a:rPr>
+              <a:t>import</a:t>
+            </a:r>
+            <a:r>
+              <a:rPr lang="en-US" sz="2000" b="1" dirty="0">
+                <a:solidFill>
+                  <a:srgbClr val="000000"/>
+                </a:solidFill>
+                <a:latin typeface="Inconsolata Medium" panose="020B0609030003000000" pitchFamily="49" charset="77"/>
+              </a:rPr>
+              <a:t> </a:t>
+            </a:r>
+            <a:r>
+              <a:rPr lang="en-US" sz="2000" b="1" dirty="0">
+                <a:solidFill>
+                  <a:srgbClr val="3C9FF2"/>
+                </a:solidFill>
+                <a:latin typeface="Inconsolata Medium" panose="020B0609030003000000" pitchFamily="49" charset="77"/>
+              </a:rPr>
+              <a:t>arcade</a:t>
+            </a:r>
+            <a:r>
+              <a:rPr lang="en-US" sz="2000" b="1" dirty="0">
+                <a:solidFill>
+                  <a:srgbClr val="000000"/>
+                </a:solidFill>
+                <a:latin typeface="Inconsolata Medium" panose="020B0609030003000000" pitchFamily="49" charset="77"/>
+              </a:rPr>
+              <a:t> </a:t>
+            </a:r>
+            <a:endParaRPr lang="en-US" sz="2000" b="1" dirty="0">
+              <a:solidFill>
+                <a:srgbClr val="34A327"/>
+              </a:solidFill>
+              <a:latin typeface="Inconsolata Medium" panose="020B0609030003000000" pitchFamily="49" charset="77"/>
             </a:endParaRPr>
           </a:p>
           <a:p>
             <a:pPr marL="0" indent="0">
               <a:buNone/>
             </a:pPr>
-            <a:r>
-              <a:rPr lang="en-US" sz="2000" dirty="0">
-                <a:latin typeface="Gill Sans MT" panose="020B0502020104020203" pitchFamily="34" charset="77"/>
-              </a:rPr>
-              <a:t>That's a lot of code that we don't want to write! Instead, we can simply inherit from it!</a:t>
-            </a:r>
             <a:endParaRPr lang="en-US" sz="2000" b="1" dirty="0">
               <a:solidFill>
                 <a:srgbClr val="000087"/>
@@ -10203,6 +12763,163 @@
             <a:pPr marL="0" indent="0">
               <a:buNone/>
             </a:pPr>
+            <a:r>
+              <a:rPr lang="en-US" sz="2000" b="1" dirty="0">
+                <a:solidFill>
+                  <a:srgbClr val="34A327"/>
+                </a:solidFill>
+                <a:latin typeface="Inconsolata Medium" panose="020B0609030003000000" pitchFamily="49" charset="77"/>
+              </a:rPr>
+              <a:t>class</a:t>
+            </a:r>
+            <a:r>
+              <a:rPr lang="en-US" sz="2000" b="1" dirty="0">
+                <a:solidFill>
+                  <a:srgbClr val="000000"/>
+                </a:solidFill>
+                <a:latin typeface="Inconsolata Medium" panose="020B0609030003000000" pitchFamily="49" charset="77"/>
+              </a:rPr>
+              <a:t> </a:t>
+            </a:r>
+            <a:r>
+              <a:rPr lang="en-US" sz="2000" b="1" dirty="0" err="1">
+                <a:solidFill>
+                  <a:srgbClr val="3C9FF2"/>
+                </a:solidFill>
+                <a:latin typeface="Inconsolata Medium" panose="020B0609030003000000" pitchFamily="49" charset="77"/>
+              </a:rPr>
+              <a:t>MyGame</a:t>
+            </a:r>
+            <a:r>
+              <a:rPr lang="en-US" sz="2000" b="1" dirty="0">
+                <a:solidFill>
+                  <a:srgbClr val="000000"/>
+                </a:solidFill>
+                <a:latin typeface="Inconsolata Medium" panose="020B0609030003000000" pitchFamily="49" charset="77"/>
+              </a:rPr>
+              <a:t>(</a:t>
+            </a:r>
+            <a:r>
+              <a:rPr lang="en-US" sz="2000" b="1" dirty="0" err="1">
+                <a:solidFill>
+                  <a:srgbClr val="000000"/>
+                </a:solidFill>
+                <a:latin typeface="Inconsolata Medium" panose="020B0609030003000000" pitchFamily="49" charset="77"/>
+              </a:rPr>
+              <a:t>arcade.Window</a:t>
+            </a:r>
+            <a:r>
+              <a:rPr lang="en-US" sz="2000" b="1" dirty="0">
+                <a:solidFill>
+                  <a:srgbClr val="000000"/>
+                </a:solidFill>
+                <a:latin typeface="Inconsolata Medium" panose="020B0609030003000000" pitchFamily="49" charset="77"/>
+              </a:rPr>
+              <a:t>):</a:t>
+            </a:r>
+          </a:p>
+          <a:p>
+            <a:pPr marL="0" indent="0">
+              <a:buNone/>
+            </a:pPr>
+            <a:r>
+              <a:rPr lang="en-US" sz="2000" dirty="0">
+                <a:solidFill>
+                  <a:srgbClr val="000000"/>
+                </a:solidFill>
+                <a:latin typeface="Inconsolata Medium" panose="020B0609030003000000" pitchFamily="49" charset="77"/>
+              </a:rPr>
+              <a:t>	</a:t>
+            </a:r>
+            <a:r>
+              <a:rPr lang="en-US" sz="2000" dirty="0">
+                <a:solidFill>
+                  <a:srgbClr val="4070A0"/>
+                </a:solidFill>
+                <a:latin typeface="Inconsolata Medium" panose="020B0609030003000000" pitchFamily="49" charset="77"/>
+              </a:rPr>
+              <a:t># </a:t>
+            </a:r>
+            <a:r>
+              <a:rPr lang="en-US" sz="2000" dirty="0" err="1">
+                <a:solidFill>
+                  <a:srgbClr val="4070A0"/>
+                </a:solidFill>
+                <a:latin typeface="Inconsolata Medium" panose="020B0609030003000000" pitchFamily="49" charset="77"/>
+              </a:rPr>
+              <a:t>MyGame</a:t>
+            </a:r>
+            <a:r>
+              <a:rPr lang="en-US" sz="2000" dirty="0">
+                <a:solidFill>
+                  <a:srgbClr val="4070A0"/>
+                </a:solidFill>
+                <a:latin typeface="Inconsolata Medium" panose="020B0609030003000000" pitchFamily="49" charset="77"/>
+              </a:rPr>
+              <a:t> inherits variables and methods from Window!</a:t>
+            </a:r>
+          </a:p>
+          <a:p>
+            <a:pPr marL="0" indent="0">
+              <a:buNone/>
+            </a:pPr>
+            <a:r>
+              <a:rPr lang="en-US" sz="2000" dirty="0">
+                <a:solidFill>
+                  <a:srgbClr val="4070A0"/>
+                </a:solidFill>
+                <a:latin typeface="Inconsolata Medium" panose="020B0609030003000000" pitchFamily="49" charset="77"/>
+              </a:rPr>
+              <a:t>	# including ability to animate images, detect</a:t>
+            </a:r>
+          </a:p>
+          <a:p>
+            <a:pPr marL="0" indent="0">
+              <a:buNone/>
+            </a:pPr>
+            <a:r>
+              <a:rPr lang="en-US" sz="2000" dirty="0">
+                <a:solidFill>
+                  <a:srgbClr val="4070A0"/>
+                </a:solidFill>
+                <a:latin typeface="Inconsolata Medium" panose="020B0609030003000000" pitchFamily="49" charset="77"/>
+              </a:rPr>
+              <a:t>	# keyboard and mouse inputs, </a:t>
+            </a:r>
+            <a:r>
+              <a:rPr lang="en-US" sz="2000" dirty="0" err="1">
+                <a:solidFill>
+                  <a:srgbClr val="4070A0"/>
+                </a:solidFill>
+                <a:latin typeface="Inconsolata Medium" panose="020B0609030003000000" pitchFamily="49" charset="77"/>
+              </a:rPr>
+              <a:t>etc</a:t>
+            </a:r>
+            <a:r>
+              <a:rPr lang="en-US" sz="2000" dirty="0">
+                <a:solidFill>
+                  <a:srgbClr val="4070A0"/>
+                </a:solidFill>
+                <a:latin typeface="Inconsolata Medium" panose="020B0609030003000000" pitchFamily="49" charset="77"/>
+              </a:rPr>
+              <a:t>…</a:t>
+            </a:r>
+          </a:p>
+          <a:p>
+            <a:pPr marL="0" indent="0">
+              <a:buNone/>
+            </a:pPr>
+            <a:endParaRPr lang="en-US" sz="2000" b="1" dirty="0">
+              <a:solidFill>
+                <a:srgbClr val="000000"/>
+              </a:solidFill>
+              <a:latin typeface="Inconsolata Medium" panose="020B0609030003000000" pitchFamily="49" charset="77"/>
+            </a:endParaRPr>
+          </a:p>
+          <a:p>
+            <a:pPr marL="0" indent="0">
+              <a:buNone/>
+            </a:pPr>
             <a:endParaRPr lang="en-US" sz="2000" b="1" dirty="0">
               <a:solidFill>
                 <a:srgbClr val="000087"/>
@@ -10215,13 +12932,216 @@
     </p:spTree>
     <p:extLst>
       <p:ext uri="{BB962C8B-B14F-4D97-AF65-F5344CB8AC3E}">
-        <p14:creationId xmlns:p14="http://schemas.microsoft.com/office/powerpoint/2010/main" val="1191437278"/>
+        <p14:creationId xmlns:p14="http://schemas.microsoft.com/office/powerpoint/2010/main" val="4162743568"/>
       </p:ext>
     </p:extLst>
   </p:cSld>
   <p:clrMapOvr>
     <a:masterClrMapping/>
   </p:clrMapOvr>
+  <p:timing>
+    <p:tnLst>
+      <p:par>
+        <p:cTn id="1" dur="indefinite" restart="never" nodeType="tmRoot">
+          <p:childTnLst>
+            <p:seq concurrent="1" nextAc="seek">
+              <p:cTn id="2" dur="indefinite" nodeType="mainSeq">
+                <p:childTnLst>
+                  <p:par>
+                    <p:cTn id="3" fill="hold">
+                      <p:stCondLst>
+                        <p:cond delay="indefinite"/>
+                      </p:stCondLst>
+                      <p:childTnLst>
+                        <p:par>
+                          <p:cTn id="4" fill="hold">
+                            <p:stCondLst>
+                              <p:cond delay="0"/>
+                            </p:stCondLst>
+                            <p:childTnLst>
+                              <p:par>
+                                <p:cTn id="5" presetID="1" presetClass="entr" presetSubtype="0" fill="hold" nodeType="clickEffect">
+                                  <p:stCondLst>
+                                    <p:cond delay="0"/>
+                                  </p:stCondLst>
+                                  <p:childTnLst>
+                                    <p:set>
+                                      <p:cBhvr>
+                                        <p:cTn id="6" dur="1" fill="hold">
+                                          <p:stCondLst>
+                                            <p:cond delay="0"/>
+                                          </p:stCondLst>
+                                        </p:cTn>
+                                        <p:tgtEl>
+                                          <p:spTgt spid="9">
+                                            <p:txEl>
+                                              <p:pRg st="2" end="2"/>
+                                            </p:txEl>
+                                          </p:spTgt>
+                                        </p:tgtEl>
+                                        <p:attrNameLst>
+                                          <p:attrName>style.visibility</p:attrName>
+                                        </p:attrNameLst>
+                                      </p:cBhvr>
+                                      <p:to>
+                                        <p:strVal val="visible"/>
+                                      </p:to>
+                                    </p:set>
+                                  </p:childTnLst>
+                                </p:cTn>
+                              </p:par>
+                              <p:par>
+                                <p:cTn id="7" presetID="1" presetClass="entr" presetSubtype="0" fill="hold" nodeType="withEffect">
+                                  <p:stCondLst>
+                                    <p:cond delay="0"/>
+                                  </p:stCondLst>
+                                  <p:childTnLst>
+                                    <p:set>
+                                      <p:cBhvr>
+                                        <p:cTn id="8" dur="1" fill="hold">
+                                          <p:stCondLst>
+                                            <p:cond delay="0"/>
+                                          </p:stCondLst>
+                                        </p:cTn>
+                                        <p:tgtEl>
+                                          <p:spTgt spid="9">
+                                            <p:txEl>
+                                              <p:pRg st="4" end="4"/>
+                                            </p:txEl>
+                                          </p:spTgt>
+                                        </p:tgtEl>
+                                        <p:attrNameLst>
+                                          <p:attrName>style.visibility</p:attrName>
+                                        </p:attrNameLst>
+                                      </p:cBhvr>
+                                      <p:to>
+                                        <p:strVal val="visible"/>
+                                      </p:to>
+                                    </p:set>
+                                  </p:childTnLst>
+                                </p:cTn>
+                              </p:par>
+                              <p:par>
+                                <p:cTn id="9" presetID="1" presetClass="entr" presetSubtype="0" fill="hold" nodeType="withEffect">
+                                  <p:stCondLst>
+                                    <p:cond delay="0"/>
+                                  </p:stCondLst>
+                                  <p:childTnLst>
+                                    <p:set>
+                                      <p:cBhvr>
+                                        <p:cTn id="10" dur="1" fill="hold">
+                                          <p:stCondLst>
+                                            <p:cond delay="0"/>
+                                          </p:stCondLst>
+                                        </p:cTn>
+                                        <p:tgtEl>
+                                          <p:spTgt spid="9">
+                                            <p:txEl>
+                                              <p:pRg st="5" end="5"/>
+                                            </p:txEl>
+                                          </p:spTgt>
+                                        </p:tgtEl>
+                                        <p:attrNameLst>
+                                          <p:attrName>style.visibility</p:attrName>
+                                        </p:attrNameLst>
+                                      </p:cBhvr>
+                                      <p:to>
+                                        <p:strVal val="visible"/>
+                                      </p:to>
+                                    </p:set>
+                                  </p:childTnLst>
+                                </p:cTn>
+                              </p:par>
+                              <p:par>
+                                <p:cTn id="11" presetID="1" presetClass="entr" presetSubtype="0" fill="hold" nodeType="withEffect">
+                                  <p:stCondLst>
+                                    <p:cond delay="0"/>
+                                  </p:stCondLst>
+                                  <p:childTnLst>
+                                    <p:set>
+                                      <p:cBhvr>
+                                        <p:cTn id="12" dur="1" fill="hold">
+                                          <p:stCondLst>
+                                            <p:cond delay="0"/>
+                                          </p:stCondLst>
+                                        </p:cTn>
+                                        <p:tgtEl>
+                                          <p:spTgt spid="9">
+                                            <p:txEl>
+                                              <p:pRg st="6" end="6"/>
+                                            </p:txEl>
+                                          </p:spTgt>
+                                        </p:tgtEl>
+                                        <p:attrNameLst>
+                                          <p:attrName>style.visibility</p:attrName>
+                                        </p:attrNameLst>
+                                      </p:cBhvr>
+                                      <p:to>
+                                        <p:strVal val="visible"/>
+                                      </p:to>
+                                    </p:set>
+                                  </p:childTnLst>
+                                </p:cTn>
+                              </p:par>
+                              <p:par>
+                                <p:cTn id="13" presetID="1" presetClass="entr" presetSubtype="0" fill="hold" nodeType="withEffect">
+                                  <p:stCondLst>
+                                    <p:cond delay="0"/>
+                                  </p:stCondLst>
+                                  <p:childTnLst>
+                                    <p:set>
+                                      <p:cBhvr>
+                                        <p:cTn id="14" dur="1" fill="hold">
+                                          <p:stCondLst>
+                                            <p:cond delay="0"/>
+                                          </p:stCondLst>
+                                        </p:cTn>
+                                        <p:tgtEl>
+                                          <p:spTgt spid="9">
+                                            <p:txEl>
+                                              <p:pRg st="7" end="7"/>
+                                            </p:txEl>
+                                          </p:spTgt>
+                                        </p:tgtEl>
+                                        <p:attrNameLst>
+                                          <p:attrName>style.visibility</p:attrName>
+                                        </p:attrNameLst>
+                                      </p:cBhvr>
+                                      <p:to>
+                                        <p:strVal val="visible"/>
+                                      </p:to>
+                                    </p:set>
+                                  </p:childTnLst>
+                                </p:cTn>
+                              </p:par>
+                            </p:childTnLst>
+                          </p:cTn>
+                        </p:par>
+                      </p:childTnLst>
+                    </p:cTn>
+                  </p:par>
+                </p:childTnLst>
+              </p:cTn>
+              <p:prevCondLst>
+                <p:cond evt="onPrev" delay="0">
+                  <p:tgtEl>
+                    <p:sldTgt/>
+                  </p:tgtEl>
+                </p:cond>
+              </p:prevCondLst>
+              <p:nextCondLst>
+                <p:cond evt="onNext" delay="0">
+                  <p:tgtEl>
+                    <p:sldTgt/>
+                  </p:tgtEl>
+                </p:cond>
+              </p:nextCondLst>
+            </p:seq>
+          </p:childTnLst>
+        </p:cTn>
+      </p:par>
+    </p:tnLst>
+  </p:timing>
 </p:sld>
 </file>
 
@@ -10270,7 +13190,7 @@
           <a:p>
             <a:r>
               <a:rPr lang="en-US" dirty="0"/>
-              <a:t>Inheritance</a:t>
+              <a:t>Lab 1</a:t>
             </a:r>
           </a:p>
         </p:txBody>
@@ -10293,8 +13213,8 @@
         </p:nvSpPr>
         <p:spPr>
           <a:xfrm>
-            <a:off x="483848" y="1007707"/>
-            <a:ext cx="8051725" cy="4583796"/>
+            <a:off x="483848" y="1257299"/>
+            <a:ext cx="8051725" cy="4334203"/>
           </a:xfrm>
         </p:spPr>
         <p:txBody>
@@ -10307,23 +13227,242 @@
               <a:buNone/>
             </a:pPr>
             <a:r>
-              <a:rPr lang="en-US" sz="2000" dirty="0"/>
-              <a:t>We first need to </a:t>
-            </a:r>
-            <a:r>
-              <a:rPr lang="en-US" sz="2000" b="1" dirty="0"/>
-              <a:t>import</a:t>
-            </a:r>
-            <a:r>
-              <a:rPr lang="en-US" sz="2000" dirty="0"/>
-              <a:t> the arcade library then declare the class that inherits from Window.</a:t>
-            </a:r>
-          </a:p>
-          <a:p>
-            <a:pPr marL="0" indent="0">
-              <a:buNone/>
-            </a:pPr>
-            <a:endParaRPr lang="en-US" sz="2000" b="1" dirty="0">
+              <a:rPr lang="en-US" dirty="0"/>
+              <a:t>Modify the previous lecture's lab. In the Student class, add an accessor and a mutator method for each variable(name and </a:t>
+            </a:r>
+            <a:r>
+              <a:rPr lang="en-US" dirty="0" err="1"/>
+              <a:t>gpa</a:t>
+            </a:r>
+            <a:r>
+              <a:rPr lang="en-US" dirty="0"/>
+              <a:t>). These methods simply return/modify the variables.</a:t>
+            </a:r>
+          </a:p>
+          <a:p>
+            <a:pPr marL="0" indent="0">
+              <a:buNone/>
+            </a:pPr>
+            <a:r>
+              <a:rPr lang="en-US" sz="2000" dirty="0">
+                <a:latin typeface="Gill Sans MT" panose="020B0502020104020203" pitchFamily="34" charset="77"/>
+              </a:rPr>
+              <a:t>Write the class </a:t>
+            </a:r>
+            <a:r>
+              <a:rPr lang="en-US" sz="2000" dirty="0" err="1">
+                <a:latin typeface="Gill Sans MT" panose="020B0502020104020203" pitchFamily="34" charset="77"/>
+              </a:rPr>
+              <a:t>GradStudent</a:t>
+            </a:r>
+            <a:r>
+              <a:rPr lang="en-US" sz="2000" dirty="0">
+                <a:latin typeface="Gill Sans MT" panose="020B0502020104020203" pitchFamily="34" charset="77"/>
+              </a:rPr>
+              <a:t> which inherits from the Student class. This class has an additional variable: </a:t>
+            </a:r>
+            <a:r>
+              <a:rPr lang="en-US" sz="2000" dirty="0" err="1">
+                <a:latin typeface="Gill Sans MT" panose="020B0502020104020203" pitchFamily="34" charset="77"/>
+              </a:rPr>
+              <a:t>researchTopic</a:t>
+            </a:r>
+            <a:r>
+              <a:rPr lang="en-US" sz="2000" dirty="0">
+                <a:latin typeface="Gill Sans MT" panose="020B0502020104020203" pitchFamily="34" charset="77"/>
+              </a:rPr>
+              <a:t>. Both the Student and </a:t>
+            </a:r>
+            <a:r>
+              <a:rPr lang="en-US" sz="2000" dirty="0" err="1">
+                <a:latin typeface="Gill Sans MT" panose="020B0502020104020203" pitchFamily="34" charset="77"/>
+              </a:rPr>
+              <a:t>GradStudent</a:t>
+            </a:r>
+            <a:r>
+              <a:rPr lang="en-US" sz="2000" dirty="0">
+                <a:latin typeface="Gill Sans MT" panose="020B0502020104020203" pitchFamily="34" charset="77"/>
+              </a:rPr>
+              <a:t> classes(and also </a:t>
+            </a:r>
+            <a:r>
+              <a:rPr lang="en-US" sz="2000" dirty="0" err="1">
+                <a:latin typeface="Gill Sans MT" panose="020B0502020104020203" pitchFamily="34" charset="77"/>
+              </a:rPr>
+              <a:t>average_gpa</a:t>
+            </a:r>
+            <a:r>
+              <a:rPr lang="en-US" sz="2000" dirty="0">
+                <a:latin typeface="Gill Sans MT" panose="020B0502020104020203" pitchFamily="34" charset="77"/>
+              </a:rPr>
+              <a:t>) should be in a module called </a:t>
+            </a:r>
+            <a:r>
+              <a:rPr lang="en-US" sz="2000" dirty="0" err="1">
+                <a:latin typeface="Gill Sans MT" panose="020B0502020104020203" pitchFamily="34" charset="77"/>
+              </a:rPr>
+              <a:t>objects.py</a:t>
+            </a:r>
+            <a:r>
+              <a:rPr lang="en-US" sz="2000" dirty="0">
+                <a:latin typeface="Gill Sans MT" panose="020B0502020104020203" pitchFamily="34" charset="77"/>
+              </a:rPr>
+              <a:t>.</a:t>
+            </a:r>
+          </a:p>
+          <a:p>
+            <a:pPr marL="0" indent="0">
+              <a:buNone/>
+            </a:pPr>
+            <a:r>
+              <a:rPr lang="en-US" sz="2000" dirty="0">
+                <a:latin typeface="Gill Sans MT" panose="020B0502020104020203" pitchFamily="34" charset="77"/>
+              </a:rPr>
+              <a:t>Write the main method(in </a:t>
+            </a:r>
+            <a:r>
+              <a:rPr lang="en-US" sz="2000" dirty="0" err="1">
+                <a:latin typeface="Gill Sans MT" panose="020B0502020104020203" pitchFamily="34" charset="77"/>
+              </a:rPr>
+              <a:t>main.py</a:t>
+            </a:r>
+            <a:r>
+              <a:rPr lang="en-US" sz="2000" dirty="0">
+                <a:latin typeface="Gill Sans MT" panose="020B0502020104020203" pitchFamily="34" charset="77"/>
+              </a:rPr>
+              <a:t>) and:</a:t>
+            </a:r>
+          </a:p>
+          <a:p>
+            <a:pPr marL="457200" indent="-457200">
+              <a:buAutoNum type="arabicParenR"/>
+            </a:pPr>
+            <a:r>
+              <a:rPr lang="en-US" sz="2000" dirty="0">
+                <a:latin typeface="Gill Sans MT" panose="020B0502020104020203" pitchFamily="34" charset="77"/>
+              </a:rPr>
+              <a:t>Create a </a:t>
+            </a:r>
+            <a:r>
+              <a:rPr lang="en-US" sz="2000" dirty="0" err="1">
+                <a:latin typeface="Gill Sans MT" panose="020B0502020104020203" pitchFamily="34" charset="77"/>
+              </a:rPr>
+              <a:t>GradStudent</a:t>
+            </a:r>
+            <a:r>
+              <a:rPr lang="en-US" sz="2000" dirty="0">
+                <a:latin typeface="Gill Sans MT" panose="020B0502020104020203" pitchFamily="34" charset="77"/>
+              </a:rPr>
+              <a:t> object and store it in a variable. Print out name, </a:t>
+            </a:r>
+            <a:r>
+              <a:rPr lang="en-US" sz="2000" dirty="0" err="1">
+                <a:latin typeface="Gill Sans MT" panose="020B0502020104020203" pitchFamily="34" charset="77"/>
+              </a:rPr>
+              <a:t>gpa</a:t>
+            </a:r>
+            <a:r>
+              <a:rPr lang="en-US" sz="2000" dirty="0">
+                <a:latin typeface="Gill Sans MT" panose="020B0502020104020203" pitchFamily="34" charset="77"/>
+              </a:rPr>
+              <a:t> and </a:t>
+            </a:r>
+            <a:r>
+              <a:rPr lang="en-US" sz="2000" dirty="0" err="1">
+                <a:latin typeface="Gill Sans MT" panose="020B0502020104020203" pitchFamily="34" charset="77"/>
+              </a:rPr>
+              <a:t>researchTopic</a:t>
+            </a:r>
+            <a:r>
+              <a:rPr lang="en-US" sz="2000" dirty="0">
+                <a:latin typeface="Gill Sans MT" panose="020B0502020104020203" pitchFamily="34" charset="77"/>
+              </a:rPr>
+              <a:t> of the </a:t>
+            </a:r>
+            <a:r>
+              <a:rPr lang="en-US" sz="2000" dirty="0" err="1">
+                <a:latin typeface="Gill Sans MT" panose="020B0502020104020203" pitchFamily="34" charset="77"/>
+              </a:rPr>
+              <a:t>GradStudent</a:t>
+            </a:r>
+            <a:r>
+              <a:rPr lang="en-US" sz="2000" dirty="0">
+                <a:latin typeface="Gill Sans MT" panose="020B0502020104020203" pitchFamily="34" charset="77"/>
+              </a:rPr>
+              <a:t> object using the dot notation. </a:t>
+            </a:r>
+          </a:p>
+          <a:p>
+            <a:pPr marL="457200" indent="-457200">
+              <a:buAutoNum type="arabicParenR"/>
+            </a:pPr>
+            <a:r>
+              <a:rPr lang="en-US" sz="2000" dirty="0">
+                <a:latin typeface="Gill Sans MT" panose="020B0502020104020203" pitchFamily="34" charset="77"/>
+              </a:rPr>
+              <a:t>Create a list of three </a:t>
+            </a:r>
+            <a:r>
+              <a:rPr lang="en-US" sz="2000" dirty="0" err="1">
+                <a:latin typeface="Gill Sans MT" panose="020B0502020104020203" pitchFamily="34" charset="77"/>
+              </a:rPr>
+              <a:t>GradStudent</a:t>
+            </a:r>
+            <a:r>
+              <a:rPr lang="en-US" sz="2000" dirty="0">
+                <a:latin typeface="Gill Sans MT" panose="020B0502020104020203" pitchFamily="34" charset="77"/>
+              </a:rPr>
+              <a:t> objects. </a:t>
+            </a:r>
+          </a:p>
+          <a:p>
+            <a:pPr marL="457200" indent="-457200">
+              <a:buAutoNum type="arabicParenR"/>
+            </a:pPr>
+            <a:r>
+              <a:rPr lang="en-US" sz="2000" dirty="0">
+                <a:latin typeface="Gill Sans MT" panose="020B0502020104020203" pitchFamily="34" charset="77"/>
+              </a:rPr>
+              <a:t>Call </a:t>
+            </a:r>
+            <a:r>
+              <a:rPr lang="en-US" sz="2000" dirty="0" err="1">
+                <a:latin typeface="Gill Sans MT" panose="020B0502020104020203" pitchFamily="34" charset="77"/>
+              </a:rPr>
+              <a:t>average_gpa</a:t>
+            </a:r>
+            <a:r>
+              <a:rPr lang="en-US" sz="2000" dirty="0">
+                <a:latin typeface="Gill Sans MT" panose="020B0502020104020203" pitchFamily="34" charset="77"/>
+              </a:rPr>
+              <a:t> on the list of </a:t>
+            </a:r>
+            <a:r>
+              <a:rPr lang="en-US" sz="2000" dirty="0" err="1">
+                <a:latin typeface="Gill Sans MT" panose="020B0502020104020203" pitchFamily="34" charset="77"/>
+              </a:rPr>
+              <a:t>GradStudent</a:t>
+            </a:r>
+            <a:r>
+              <a:rPr lang="en-US" sz="2000" dirty="0">
+                <a:latin typeface="Gill Sans MT" panose="020B0502020104020203" pitchFamily="34" charset="77"/>
+              </a:rPr>
+              <a:t> objects.</a:t>
+            </a:r>
+          </a:p>
+          <a:p>
+            <a:pPr marL="0" indent="0">
+              <a:buNone/>
+            </a:pPr>
+            <a:endParaRPr lang="en-US" sz="2000" dirty="0">
+              <a:latin typeface="Gill Sans MT" panose="020B0502020104020203" pitchFamily="34" charset="77"/>
+            </a:endParaRPr>
+          </a:p>
+          <a:p>
+            <a:pPr marL="0" indent="0">
+              <a:buNone/>
+            </a:pPr>
+            <a:endParaRPr lang="en-US" b="1" dirty="0">
               <a:solidFill>
                 <a:srgbClr val="000087"/>
               </a:solidFill>
@@ -10334,234 +13473,19 @@
             <a:pPr marL="0" indent="0">
               <a:buNone/>
             </a:pPr>
-            <a:r>
-              <a:rPr lang="en-US" sz="2000" b="1" dirty="0">
-                <a:solidFill>
-                  <a:srgbClr val="34A327"/>
-                </a:solidFill>
-                <a:latin typeface="Inconsolata Medium" panose="020B0609030003000000" pitchFamily="49" charset="77"/>
-              </a:rPr>
-              <a:t>import</a:t>
-            </a:r>
-            <a:r>
-              <a:rPr lang="en-US" sz="2000" b="1" dirty="0">
-                <a:solidFill>
-                  <a:srgbClr val="000000"/>
-                </a:solidFill>
-                <a:latin typeface="Inconsolata Medium" panose="020B0609030003000000" pitchFamily="49" charset="77"/>
-              </a:rPr>
-              <a:t> </a:t>
-            </a:r>
-            <a:r>
-              <a:rPr lang="en-US" sz="2000" b="1" dirty="0">
-                <a:solidFill>
-                  <a:srgbClr val="3C9FF2"/>
-                </a:solidFill>
-                <a:latin typeface="Inconsolata Medium" panose="020B0609030003000000" pitchFamily="49" charset="77"/>
-              </a:rPr>
-              <a:t>arcade</a:t>
-            </a:r>
-            <a:r>
-              <a:rPr lang="en-US" sz="2000" b="1" dirty="0">
-                <a:solidFill>
-                  <a:srgbClr val="000000"/>
-                </a:solidFill>
-                <a:latin typeface="Inconsolata Medium" panose="020B0609030003000000" pitchFamily="49" charset="77"/>
-              </a:rPr>
-              <a:t> </a:t>
-            </a:r>
-            <a:endParaRPr lang="en-US" sz="2000" b="1" dirty="0">
-              <a:solidFill>
-                <a:srgbClr val="34A327"/>
-              </a:solidFill>
-              <a:latin typeface="Inconsolata Medium" panose="020B0609030003000000" pitchFamily="49" charset="77"/>
-            </a:endParaRPr>
-          </a:p>
-          <a:p>
-            <a:pPr marL="0" indent="0">
-              <a:buNone/>
-            </a:pPr>
-            <a:endParaRPr lang="en-US" sz="2000" b="1" dirty="0">
+            <a:endParaRPr lang="en-US" b="1" dirty="0">
               <a:solidFill>
                 <a:srgbClr val="000087"/>
               </a:solidFill>
               <a:latin typeface="Inconsolata Medium" panose="020B0609030003000000" pitchFamily="49" charset="77"/>
             </a:endParaRPr>
           </a:p>
-          <a:p>
-            <a:pPr marL="0" indent="0">
-              <a:buNone/>
-            </a:pPr>
-            <a:r>
-              <a:rPr lang="en-US" sz="2000" b="1" dirty="0">
-                <a:solidFill>
-                  <a:srgbClr val="34A327"/>
-                </a:solidFill>
-                <a:latin typeface="Inconsolata Medium" panose="020B0609030003000000" pitchFamily="49" charset="77"/>
-              </a:rPr>
-              <a:t>class</a:t>
-            </a:r>
-            <a:r>
-              <a:rPr lang="en-US" sz="2000" b="1" dirty="0">
-                <a:solidFill>
-                  <a:srgbClr val="000000"/>
-                </a:solidFill>
-                <a:latin typeface="Inconsolata Medium" panose="020B0609030003000000" pitchFamily="49" charset="77"/>
-              </a:rPr>
-              <a:t> </a:t>
-            </a:r>
-            <a:r>
-              <a:rPr lang="en-US" sz="2000" b="1" dirty="0" err="1">
-                <a:solidFill>
-                  <a:srgbClr val="3C9FF2"/>
-                </a:solidFill>
-                <a:latin typeface="Inconsolata Medium" panose="020B0609030003000000" pitchFamily="49" charset="77"/>
-              </a:rPr>
-              <a:t>MyGame</a:t>
-            </a:r>
-            <a:r>
-              <a:rPr lang="en-US" sz="2000" b="1" dirty="0">
-                <a:solidFill>
-                  <a:srgbClr val="000000"/>
-                </a:solidFill>
-                <a:latin typeface="Inconsolata Medium" panose="020B0609030003000000" pitchFamily="49" charset="77"/>
-              </a:rPr>
-              <a:t>(</a:t>
-            </a:r>
-            <a:r>
-              <a:rPr lang="en-US" sz="2000" b="1" dirty="0" err="1">
-                <a:solidFill>
-                  <a:srgbClr val="000000"/>
-                </a:solidFill>
-                <a:latin typeface="Inconsolata Medium" panose="020B0609030003000000" pitchFamily="49" charset="77"/>
-              </a:rPr>
-              <a:t>arcade.Window</a:t>
-            </a:r>
-            <a:r>
-              <a:rPr lang="en-US" sz="2000" b="1" dirty="0">
-                <a:solidFill>
-                  <a:srgbClr val="000000"/>
-                </a:solidFill>
-                <a:latin typeface="Inconsolata Medium" panose="020B0609030003000000" pitchFamily="49" charset="77"/>
-              </a:rPr>
-              <a:t>):</a:t>
-            </a:r>
-          </a:p>
-          <a:p>
-            <a:pPr marL="0" indent="0">
-              <a:buNone/>
-            </a:pPr>
-            <a:r>
-              <a:rPr lang="en-US" sz="2000" dirty="0">
-                <a:solidFill>
-                  <a:srgbClr val="000000"/>
-                </a:solidFill>
-                <a:latin typeface="Inconsolata Medium" panose="020B0609030003000000" pitchFamily="49" charset="77"/>
-              </a:rPr>
-              <a:t>	</a:t>
-            </a:r>
-            <a:r>
-              <a:rPr lang="en-US" sz="2000" dirty="0">
-                <a:solidFill>
-                  <a:srgbClr val="4070A0"/>
-                </a:solidFill>
-                <a:latin typeface="Inconsolata Medium" panose="020B0609030003000000" pitchFamily="49" charset="77"/>
-              </a:rPr>
-              <a:t># </a:t>
-            </a:r>
-            <a:r>
-              <a:rPr lang="en-US" sz="2000" dirty="0" err="1">
-                <a:solidFill>
-                  <a:srgbClr val="4070A0"/>
-                </a:solidFill>
-                <a:latin typeface="Inconsolata Medium" panose="020B0609030003000000" pitchFamily="49" charset="77"/>
-              </a:rPr>
-              <a:t>MyGame</a:t>
-            </a:r>
-            <a:r>
-              <a:rPr lang="en-US" sz="2000" dirty="0">
-                <a:solidFill>
-                  <a:srgbClr val="4070A0"/>
-                </a:solidFill>
-                <a:latin typeface="Inconsolata Medium" panose="020B0609030003000000" pitchFamily="49" charset="77"/>
-              </a:rPr>
-              <a:t> inherits variables and methods from Window!</a:t>
-            </a:r>
-          </a:p>
-          <a:p>
-            <a:pPr marL="0" indent="0">
-              <a:buNone/>
-            </a:pPr>
-            <a:r>
-              <a:rPr lang="en-US" sz="2000" dirty="0">
-                <a:solidFill>
-                  <a:srgbClr val="4070A0"/>
-                </a:solidFill>
-                <a:latin typeface="Inconsolata Medium" panose="020B0609030003000000" pitchFamily="49" charset="77"/>
-              </a:rPr>
-              <a:t>	# including ability to animate images, detect</a:t>
-            </a:r>
-          </a:p>
-          <a:p>
-            <a:pPr marL="0" indent="0">
-              <a:buNone/>
-            </a:pPr>
-            <a:r>
-              <a:rPr lang="en-US" sz="2000" dirty="0">
-                <a:solidFill>
-                  <a:srgbClr val="4070A0"/>
-                </a:solidFill>
-                <a:latin typeface="Inconsolata Medium" panose="020B0609030003000000" pitchFamily="49" charset="77"/>
-              </a:rPr>
-              <a:t>	# keyboard and mouse inputs, </a:t>
-            </a:r>
-            <a:r>
-              <a:rPr lang="en-US" sz="2000" dirty="0" err="1">
-                <a:solidFill>
-                  <a:srgbClr val="4070A0"/>
-                </a:solidFill>
-                <a:latin typeface="Inconsolata Medium" panose="020B0609030003000000" pitchFamily="49" charset="77"/>
-              </a:rPr>
-              <a:t>etc</a:t>
-            </a:r>
-            <a:r>
-              <a:rPr lang="en-US" sz="2000" dirty="0">
-                <a:solidFill>
-                  <a:srgbClr val="4070A0"/>
-                </a:solidFill>
-                <a:latin typeface="Inconsolata Medium" panose="020B0609030003000000" pitchFamily="49" charset="77"/>
-              </a:rPr>
-              <a:t>…</a:t>
-            </a:r>
-          </a:p>
-          <a:p>
-            <a:pPr marL="0" indent="0">
-              <a:buNone/>
-            </a:pPr>
-            <a:endParaRPr lang="en-US" sz="2000" b="1" dirty="0">
-              <a:solidFill>
-                <a:srgbClr val="000000"/>
-              </a:solidFill>
-              <a:latin typeface="Inconsolata Medium" panose="020B0609030003000000" pitchFamily="49" charset="77"/>
-            </a:endParaRPr>
-          </a:p>
-          <a:p>
-            <a:pPr marL="0" indent="0">
-              <a:buNone/>
-            </a:pPr>
-            <a:endParaRPr lang="en-US" sz="2000" b="1" dirty="0">
-              <a:solidFill>
-                <a:srgbClr val="000087"/>
-              </a:solidFill>
-              <a:latin typeface="Inconsolata Medium" panose="020B0609030003000000" pitchFamily="49" charset="77"/>
-            </a:endParaRPr>
-          </a:p>
         </p:txBody>
       </p:sp>
     </p:spTree>
     <p:extLst>
       <p:ext uri="{BB962C8B-B14F-4D97-AF65-F5344CB8AC3E}">
-        <p14:creationId xmlns:p14="http://schemas.microsoft.com/office/powerpoint/2010/main" val="4162743568"/>
+        <p14:creationId xmlns:p14="http://schemas.microsoft.com/office/powerpoint/2010/main" val="1817244991"/>
       </p:ext>
     </p:extLst>
   </p:cSld>
@@ -10616,7 +13540,7 @@
           <a:p>
             <a:r>
               <a:rPr lang="en-US" dirty="0"/>
-              <a:t>Import </a:t>
+              <a:t>Lab 2</a:t>
             </a:r>
           </a:p>
         </p:txBody>
@@ -10639,8 +13563,8 @@
         </p:nvSpPr>
         <p:spPr>
           <a:xfrm>
-            <a:off x="483848" y="1007707"/>
-            <a:ext cx="8051725" cy="4583796"/>
+            <a:off x="483848" y="1008404"/>
+            <a:ext cx="8051725" cy="4706595"/>
           </a:xfrm>
         </p:spPr>
         <p:txBody>
@@ -10653,70 +13577,73 @@
               <a:buNone/>
             </a:pPr>
             <a:r>
-              <a:rPr lang="en-US" sz="2000" dirty="0"/>
-              <a:t>We first need to </a:t>
-            </a:r>
-            <a:r>
-              <a:rPr lang="en-US" sz="2000" b="1" dirty="0"/>
-              <a:t>import</a:t>
-            </a:r>
-            <a:r>
-              <a:rPr lang="en-US" sz="2000" dirty="0"/>
-              <a:t> the arcade library then declare the class that inherits from Window.</a:t>
-            </a:r>
-          </a:p>
-          <a:p>
-            <a:pPr marL="0" indent="0">
-              <a:buNone/>
-            </a:pPr>
-            <a:endParaRPr lang="en-US" sz="2000" dirty="0"/>
-          </a:p>
-          <a:p>
-            <a:pPr marL="0" indent="0">
-              <a:buNone/>
-            </a:pPr>
-            <a:r>
-              <a:rPr lang="en-US" sz="2000" dirty="0"/>
-              <a:t>The import statement allows code from one </a:t>
-            </a:r>
-            <a:r>
-              <a:rPr lang="en-US" sz="2000" b="1" dirty="0"/>
-              <a:t>script/module</a:t>
-            </a:r>
-            <a:r>
-              <a:rPr lang="en-US" sz="2000" dirty="0"/>
-              <a:t>(code from a .</a:t>
-            </a:r>
-            <a:r>
-              <a:rPr lang="en-US" sz="2000" dirty="0" err="1"/>
-              <a:t>py</a:t>
-            </a:r>
-            <a:r>
-              <a:rPr lang="en-US" sz="2000" dirty="0"/>
-              <a:t> file) to gain access to code from another </a:t>
-            </a:r>
-            <a:r>
-              <a:rPr lang="en-US" sz="2000" b="1" dirty="0"/>
-              <a:t>module</a:t>
-            </a:r>
-            <a:r>
-              <a:rPr lang="en-US" sz="2000" dirty="0"/>
-              <a:t> or </a:t>
-            </a:r>
-            <a:r>
-              <a:rPr lang="en-US" sz="2000" b="1" dirty="0"/>
-              <a:t>library</a:t>
-            </a:r>
-            <a:r>
-              <a:rPr lang="en-US" sz="2000" dirty="0"/>
-              <a:t>.</a:t>
-            </a:r>
-          </a:p>
-          <a:p>
-            <a:pPr marL="0" indent="0">
-              <a:buNone/>
-            </a:pPr>
-            <a:endParaRPr lang="en-US" sz="2000" b="1" dirty="0">
+              <a:rPr lang="en-US" b="1" dirty="0"/>
+              <a:t>Create a new repl.</a:t>
+            </a:r>
+          </a:p>
+          <a:p>
+            <a:pPr marL="0" indent="0">
+              <a:buNone/>
+            </a:pPr>
+            <a:r>
+              <a:rPr lang="en-US" dirty="0"/>
+              <a:t>Write three classes in a module called </a:t>
+            </a:r>
+            <a:r>
+              <a:rPr lang="en-US" dirty="0" err="1"/>
+              <a:t>objects.py</a:t>
+            </a:r>
+            <a:r>
+              <a:rPr lang="en-US" dirty="0"/>
+              <a:t>: Rectangle, Square and Cube. Square is a subclass of Rectangle and Cube is a subclass of Square. </a:t>
+            </a:r>
+          </a:p>
+          <a:p>
+            <a:pPr marL="0" indent="0">
+              <a:buNone/>
+            </a:pPr>
+            <a:endParaRPr lang="en-US" sz="2000" dirty="0">
+              <a:latin typeface="Gill Sans MT" panose="020B0502020104020203" pitchFamily="34" charset="77"/>
+            </a:endParaRPr>
+          </a:p>
+          <a:p>
+            <a:pPr marL="0" indent="0">
+              <a:buNone/>
+            </a:pPr>
+            <a:r>
+              <a:rPr lang="en-US" sz="2000" dirty="0">
+                <a:latin typeface="Gill Sans MT" panose="020B0502020104020203" pitchFamily="34" charset="77"/>
+              </a:rPr>
+              <a:t>A Rectangle object has length and width as attributes and accessor methods: area() and perimeter().</a:t>
+            </a:r>
+          </a:p>
+          <a:p>
+            <a:pPr marL="0" indent="0">
+              <a:buNone/>
+            </a:pPr>
+            <a:r>
+              <a:rPr lang="en-US" sz="2000" dirty="0">
+                <a:latin typeface="Gill Sans MT" panose="020B0502020104020203" pitchFamily="34" charset="77"/>
+              </a:rPr>
+              <a:t>A Square object is a Rectangle object and has no additional attributes other than the ones inherited from Rectangle. It also inherits area() and perimeter() from Rectangle. </a:t>
+            </a:r>
+          </a:p>
+          <a:p>
+            <a:pPr marL="0" indent="0">
+              <a:buNone/>
+            </a:pPr>
+            <a:r>
+              <a:rPr lang="en-US" sz="2000" dirty="0">
+                <a:latin typeface="Gill Sans MT" panose="020B0502020104020203" pitchFamily="34" charset="77"/>
+              </a:rPr>
+              <a:t>A Cube object is a Square object. It has no additional attributes but has two additional methods: area() which overrides Square's area() and volume(). Remember to call super().area() when implementing these. </a:t>
+            </a:r>
+          </a:p>
+          <a:p>
+            <a:pPr marL="0" indent="0">
+              <a:buNone/>
+            </a:pPr>
+            <a:endParaRPr lang="en-US" b="1" dirty="0">
               <a:solidFill>
                 <a:srgbClr val="000087"/>
               </a:solidFill>
@@ -10727,234 +13654,19 @@
             <a:pPr marL="0" indent="0">
               <a:buNone/>
             </a:pPr>
-            <a:r>
-              <a:rPr lang="en-US" sz="2000" b="1" dirty="0">
-                <a:solidFill>
-                  <a:srgbClr val="34A327"/>
-                </a:solidFill>
-                <a:latin typeface="Inconsolata Medium" panose="020B0609030003000000" pitchFamily="49" charset="77"/>
-              </a:rPr>
-              <a:t>import</a:t>
-            </a:r>
-            <a:r>
-              <a:rPr lang="en-US" sz="2000" b="1" dirty="0">
-                <a:solidFill>
-                  <a:srgbClr val="000000"/>
-                </a:solidFill>
-                <a:latin typeface="Inconsolata Medium" panose="020B0609030003000000" pitchFamily="49" charset="77"/>
-              </a:rPr>
-              <a:t> </a:t>
-            </a:r>
-            <a:r>
-              <a:rPr lang="en-US" sz="2000" b="1" dirty="0">
-                <a:solidFill>
-                  <a:srgbClr val="3C9FF2"/>
-                </a:solidFill>
-                <a:latin typeface="Inconsolata Medium" panose="020B0609030003000000" pitchFamily="49" charset="77"/>
-              </a:rPr>
-              <a:t>arcade</a:t>
-            </a:r>
-            <a:r>
-              <a:rPr lang="en-US" sz="2000" b="1" dirty="0">
-                <a:solidFill>
-                  <a:srgbClr val="000000"/>
-                </a:solidFill>
-                <a:latin typeface="Inconsolata Medium" panose="020B0609030003000000" pitchFamily="49" charset="77"/>
-              </a:rPr>
-              <a:t> </a:t>
-            </a:r>
-            <a:endParaRPr lang="en-US" sz="2000" b="1" dirty="0">
-              <a:solidFill>
-                <a:srgbClr val="34A327"/>
-              </a:solidFill>
-              <a:latin typeface="Inconsolata Medium" panose="020B0609030003000000" pitchFamily="49" charset="77"/>
-            </a:endParaRPr>
-          </a:p>
-          <a:p>
-            <a:pPr marL="0" indent="0">
-              <a:buNone/>
-            </a:pPr>
-            <a:endParaRPr lang="en-US" sz="2000" b="1" dirty="0">
+            <a:endParaRPr lang="en-US" b="1" dirty="0">
               <a:solidFill>
                 <a:srgbClr val="000087"/>
               </a:solidFill>
               <a:latin typeface="Inconsolata Medium" panose="020B0609030003000000" pitchFamily="49" charset="77"/>
             </a:endParaRPr>
           </a:p>
-          <a:p>
-            <a:pPr marL="0" indent="0">
-              <a:buNone/>
-            </a:pPr>
-            <a:r>
-              <a:rPr lang="en-US" sz="2000" b="1" dirty="0">
-                <a:solidFill>
-                  <a:srgbClr val="34A327"/>
-                </a:solidFill>
-                <a:latin typeface="Inconsolata Medium" panose="020B0609030003000000" pitchFamily="49" charset="77"/>
-              </a:rPr>
-              <a:t>class</a:t>
-            </a:r>
-            <a:r>
-              <a:rPr lang="en-US" sz="2000" b="1" dirty="0">
-                <a:solidFill>
-                  <a:srgbClr val="000000"/>
-                </a:solidFill>
-                <a:latin typeface="Inconsolata Medium" panose="020B0609030003000000" pitchFamily="49" charset="77"/>
-              </a:rPr>
-              <a:t> </a:t>
-            </a:r>
-            <a:r>
-              <a:rPr lang="en-US" sz="2000" b="1" dirty="0" err="1">
-                <a:solidFill>
-                  <a:srgbClr val="3C9FF2"/>
-                </a:solidFill>
-                <a:latin typeface="Inconsolata Medium" panose="020B0609030003000000" pitchFamily="49" charset="77"/>
-              </a:rPr>
-              <a:t>MyGame</a:t>
-            </a:r>
-            <a:r>
-              <a:rPr lang="en-US" sz="2000" b="1" dirty="0">
-                <a:solidFill>
-                  <a:srgbClr val="000000"/>
-                </a:solidFill>
-                <a:latin typeface="Inconsolata Medium" panose="020B0609030003000000" pitchFamily="49" charset="77"/>
-              </a:rPr>
-              <a:t>(</a:t>
-            </a:r>
-            <a:r>
-              <a:rPr lang="en-US" sz="2000" b="1" dirty="0" err="1">
-                <a:solidFill>
-                  <a:srgbClr val="000000"/>
-                </a:solidFill>
-                <a:latin typeface="Inconsolata Medium" panose="020B0609030003000000" pitchFamily="49" charset="77"/>
-              </a:rPr>
-              <a:t>arcade.Window</a:t>
-            </a:r>
-            <a:r>
-              <a:rPr lang="en-US" sz="2000" b="1" dirty="0">
-                <a:solidFill>
-                  <a:srgbClr val="000000"/>
-                </a:solidFill>
-                <a:latin typeface="Inconsolata Medium" panose="020B0609030003000000" pitchFamily="49" charset="77"/>
-              </a:rPr>
-              <a:t>):</a:t>
-            </a:r>
-          </a:p>
-          <a:p>
-            <a:pPr marL="0" indent="0">
-              <a:buNone/>
-            </a:pPr>
-            <a:r>
-              <a:rPr lang="en-US" sz="2000" dirty="0">
-                <a:solidFill>
-                  <a:srgbClr val="000000"/>
-                </a:solidFill>
-                <a:latin typeface="Inconsolata Medium" panose="020B0609030003000000" pitchFamily="49" charset="77"/>
-              </a:rPr>
-              <a:t>	</a:t>
-            </a:r>
-            <a:r>
-              <a:rPr lang="en-US" sz="2000" dirty="0">
-                <a:solidFill>
-                  <a:srgbClr val="4070A0"/>
-                </a:solidFill>
-                <a:latin typeface="Inconsolata Medium" panose="020B0609030003000000" pitchFamily="49" charset="77"/>
-              </a:rPr>
-              <a:t># </a:t>
-            </a:r>
-            <a:r>
-              <a:rPr lang="en-US" sz="2000" dirty="0" err="1">
-                <a:solidFill>
-                  <a:srgbClr val="4070A0"/>
-                </a:solidFill>
-                <a:latin typeface="Inconsolata Medium" panose="020B0609030003000000" pitchFamily="49" charset="77"/>
-              </a:rPr>
-              <a:t>MyGame</a:t>
-            </a:r>
-            <a:r>
-              <a:rPr lang="en-US" sz="2000" dirty="0">
-                <a:solidFill>
-                  <a:srgbClr val="4070A0"/>
-                </a:solidFill>
-                <a:latin typeface="Inconsolata Medium" panose="020B0609030003000000" pitchFamily="49" charset="77"/>
-              </a:rPr>
-              <a:t> inherits variables and methods from Window!</a:t>
-            </a:r>
-          </a:p>
-          <a:p>
-            <a:pPr marL="0" indent="0">
-              <a:buNone/>
-            </a:pPr>
-            <a:r>
-              <a:rPr lang="en-US" sz="2000" dirty="0">
-                <a:solidFill>
-                  <a:srgbClr val="4070A0"/>
-                </a:solidFill>
-                <a:latin typeface="Inconsolata Medium" panose="020B0609030003000000" pitchFamily="49" charset="77"/>
-              </a:rPr>
-              <a:t>	# including ability to animate images, detect</a:t>
-            </a:r>
-          </a:p>
-          <a:p>
-            <a:pPr marL="0" indent="0">
-              <a:buNone/>
-            </a:pPr>
-            <a:r>
-              <a:rPr lang="en-US" sz="2000" dirty="0">
-                <a:solidFill>
-                  <a:srgbClr val="4070A0"/>
-                </a:solidFill>
-                <a:latin typeface="Inconsolata Medium" panose="020B0609030003000000" pitchFamily="49" charset="77"/>
-              </a:rPr>
-              <a:t>	# keyboard and mouse inputs, </a:t>
-            </a:r>
-            <a:r>
-              <a:rPr lang="en-US" sz="2000" dirty="0" err="1">
-                <a:solidFill>
-                  <a:srgbClr val="4070A0"/>
-                </a:solidFill>
-                <a:latin typeface="Inconsolata Medium" panose="020B0609030003000000" pitchFamily="49" charset="77"/>
-              </a:rPr>
-              <a:t>etc</a:t>
-            </a:r>
-            <a:r>
-              <a:rPr lang="en-US" sz="2000" dirty="0">
-                <a:solidFill>
-                  <a:srgbClr val="4070A0"/>
-                </a:solidFill>
-                <a:latin typeface="Inconsolata Medium" panose="020B0609030003000000" pitchFamily="49" charset="77"/>
-              </a:rPr>
-              <a:t>…</a:t>
-            </a:r>
-          </a:p>
-          <a:p>
-            <a:pPr marL="0" indent="0">
-              <a:buNone/>
-            </a:pPr>
-            <a:endParaRPr lang="en-US" sz="2000" b="1" dirty="0">
-              <a:solidFill>
-                <a:srgbClr val="000000"/>
-              </a:solidFill>
-              <a:latin typeface="Inconsolata Medium" panose="020B0609030003000000" pitchFamily="49" charset="77"/>
-            </a:endParaRPr>
-          </a:p>
-          <a:p>
-            <a:pPr marL="0" indent="0">
-              <a:buNone/>
-            </a:pPr>
-            <a:endParaRPr lang="en-US" sz="2000" b="1" dirty="0">
-              <a:solidFill>
-                <a:srgbClr val="000087"/>
-              </a:solidFill>
-              <a:latin typeface="Inconsolata Medium" panose="020B0609030003000000" pitchFamily="49" charset="77"/>
-            </a:endParaRPr>
-          </a:p>
         </p:txBody>
       </p:sp>
     </p:spTree>
     <p:extLst>
       <p:ext uri="{BB962C8B-B14F-4D97-AF65-F5344CB8AC3E}">
-        <p14:creationId xmlns:p14="http://schemas.microsoft.com/office/powerpoint/2010/main" val="3683010979"/>
+        <p14:creationId xmlns:p14="http://schemas.microsoft.com/office/powerpoint/2010/main" val="599272677"/>
       </p:ext>
     </p:extLst>
   </p:cSld>
@@ -11009,7 +13721,7 @@
           <a:p>
             <a:r>
               <a:rPr lang="en-US" dirty="0"/>
-              <a:t>Lab 1</a:t>
+              <a:t>Lab 2</a:t>
             </a:r>
           </a:p>
         </p:txBody>
@@ -11045,537 +13757,6 @@
             <a:pPr marL="0" indent="0">
               <a:buNone/>
             </a:pPr>
-            <a:r>
-              <a:rPr lang="en-US" dirty="0"/>
-              <a:t>Modify the previous lecture's lab. In the Student class, add an accessor and a mutator method for each variable(name and </a:t>
-            </a:r>
-            <a:r>
-              <a:rPr lang="en-US" dirty="0" err="1"/>
-              <a:t>gpa</a:t>
-            </a:r>
-            <a:r>
-              <a:rPr lang="en-US" dirty="0"/>
-              <a:t>). These methods simply return/modify the variables.</a:t>
-            </a:r>
-          </a:p>
-          <a:p>
-            <a:pPr marL="0" indent="0">
-              <a:buNone/>
-            </a:pPr>
-            <a:r>
-              <a:rPr lang="en-US" sz="2000" dirty="0">
-                <a:latin typeface="Gill Sans MT" panose="020B0502020104020203" pitchFamily="34" charset="77"/>
-              </a:rPr>
-              <a:t>Write the class </a:t>
-            </a:r>
-            <a:r>
-              <a:rPr lang="en-US" sz="2000" dirty="0" err="1">
-                <a:latin typeface="Gill Sans MT" panose="020B0502020104020203" pitchFamily="34" charset="77"/>
-              </a:rPr>
-              <a:t>GradStudent</a:t>
-            </a:r>
-            <a:r>
-              <a:rPr lang="en-US" sz="2000" dirty="0">
-                <a:latin typeface="Gill Sans MT" panose="020B0502020104020203" pitchFamily="34" charset="77"/>
-              </a:rPr>
-              <a:t> which inherits from the Student class. This class has an additional variable: </a:t>
-            </a:r>
-            <a:r>
-              <a:rPr lang="en-US" sz="2000" dirty="0" err="1">
-                <a:latin typeface="Gill Sans MT" panose="020B0502020104020203" pitchFamily="34" charset="77"/>
-              </a:rPr>
-              <a:t>researchTopic</a:t>
-            </a:r>
-            <a:r>
-              <a:rPr lang="en-US" sz="2000" dirty="0">
-                <a:latin typeface="Gill Sans MT" panose="020B0502020104020203" pitchFamily="34" charset="77"/>
-              </a:rPr>
-              <a:t>. Both the Student and </a:t>
-            </a:r>
-            <a:r>
-              <a:rPr lang="en-US" sz="2000" dirty="0" err="1">
-                <a:latin typeface="Gill Sans MT" panose="020B0502020104020203" pitchFamily="34" charset="77"/>
-              </a:rPr>
-              <a:t>GradStudent</a:t>
-            </a:r>
-            <a:r>
-              <a:rPr lang="en-US" sz="2000" dirty="0">
-                <a:latin typeface="Gill Sans MT" panose="020B0502020104020203" pitchFamily="34" charset="77"/>
-              </a:rPr>
-              <a:t> classes(and also </a:t>
-            </a:r>
-            <a:r>
-              <a:rPr lang="en-US" sz="2000" dirty="0" err="1">
-                <a:latin typeface="Gill Sans MT" panose="020B0502020104020203" pitchFamily="34" charset="77"/>
-              </a:rPr>
-              <a:t>average_gpa</a:t>
-            </a:r>
-            <a:r>
-              <a:rPr lang="en-US" sz="2000" dirty="0">
-                <a:latin typeface="Gill Sans MT" panose="020B0502020104020203" pitchFamily="34" charset="77"/>
-              </a:rPr>
-              <a:t>) should be in a module called </a:t>
-            </a:r>
-            <a:r>
-              <a:rPr lang="en-US" sz="2000" dirty="0" err="1">
-                <a:latin typeface="Gill Sans MT" panose="020B0502020104020203" pitchFamily="34" charset="77"/>
-              </a:rPr>
-              <a:t>objects.py</a:t>
-            </a:r>
-            <a:r>
-              <a:rPr lang="en-US" sz="2000" dirty="0">
-                <a:latin typeface="Gill Sans MT" panose="020B0502020104020203" pitchFamily="34" charset="77"/>
-              </a:rPr>
-              <a:t>.</a:t>
-            </a:r>
-          </a:p>
-          <a:p>
-            <a:pPr marL="0" indent="0">
-              <a:buNone/>
-            </a:pPr>
-            <a:r>
-              <a:rPr lang="en-US" sz="2000" dirty="0">
-                <a:latin typeface="Gill Sans MT" panose="020B0502020104020203" pitchFamily="34" charset="77"/>
-              </a:rPr>
-              <a:t>Write the main method(in </a:t>
-            </a:r>
-            <a:r>
-              <a:rPr lang="en-US" sz="2000" dirty="0" err="1">
-                <a:latin typeface="Gill Sans MT" panose="020B0502020104020203" pitchFamily="34" charset="77"/>
-              </a:rPr>
-              <a:t>main.py</a:t>
-            </a:r>
-            <a:r>
-              <a:rPr lang="en-US" sz="2000" dirty="0">
-                <a:latin typeface="Gill Sans MT" panose="020B0502020104020203" pitchFamily="34" charset="77"/>
-              </a:rPr>
-              <a:t>) and:</a:t>
-            </a:r>
-          </a:p>
-          <a:p>
-            <a:pPr marL="457200" indent="-457200">
-              <a:buAutoNum type="arabicParenR"/>
-            </a:pPr>
-            <a:r>
-              <a:rPr lang="en-US" sz="2000" dirty="0">
-                <a:latin typeface="Gill Sans MT" panose="020B0502020104020203" pitchFamily="34" charset="77"/>
-              </a:rPr>
-              <a:t>Create a </a:t>
-            </a:r>
-            <a:r>
-              <a:rPr lang="en-US" sz="2000" dirty="0" err="1">
-                <a:latin typeface="Gill Sans MT" panose="020B0502020104020203" pitchFamily="34" charset="77"/>
-              </a:rPr>
-              <a:t>GradStudent</a:t>
-            </a:r>
-            <a:r>
-              <a:rPr lang="en-US" sz="2000" dirty="0">
-                <a:latin typeface="Gill Sans MT" panose="020B0502020104020203" pitchFamily="34" charset="77"/>
-              </a:rPr>
-              <a:t> object and store it in a variable. Print out name, </a:t>
-            </a:r>
-            <a:r>
-              <a:rPr lang="en-US" sz="2000" dirty="0" err="1">
-                <a:latin typeface="Gill Sans MT" panose="020B0502020104020203" pitchFamily="34" charset="77"/>
-              </a:rPr>
-              <a:t>gpa</a:t>
-            </a:r>
-            <a:r>
-              <a:rPr lang="en-US" sz="2000" dirty="0">
-                <a:latin typeface="Gill Sans MT" panose="020B0502020104020203" pitchFamily="34" charset="77"/>
-              </a:rPr>
-              <a:t> and </a:t>
-            </a:r>
-            <a:r>
-              <a:rPr lang="en-US" sz="2000" dirty="0" err="1">
-                <a:latin typeface="Gill Sans MT" panose="020B0502020104020203" pitchFamily="34" charset="77"/>
-              </a:rPr>
-              <a:t>researchTopic</a:t>
-            </a:r>
-            <a:r>
-              <a:rPr lang="en-US" sz="2000" dirty="0">
-                <a:latin typeface="Gill Sans MT" panose="020B0502020104020203" pitchFamily="34" charset="77"/>
-              </a:rPr>
-              <a:t> of the </a:t>
-            </a:r>
-            <a:r>
-              <a:rPr lang="en-US" sz="2000" dirty="0" err="1">
-                <a:latin typeface="Gill Sans MT" panose="020B0502020104020203" pitchFamily="34" charset="77"/>
-              </a:rPr>
-              <a:t>GradStudent</a:t>
-            </a:r>
-            <a:r>
-              <a:rPr lang="en-US" sz="2000" dirty="0">
-                <a:latin typeface="Gill Sans MT" panose="020B0502020104020203" pitchFamily="34" charset="77"/>
-              </a:rPr>
-              <a:t> object using the dot notation. </a:t>
-            </a:r>
-          </a:p>
-          <a:p>
-            <a:pPr marL="457200" indent="-457200">
-              <a:buAutoNum type="arabicParenR"/>
-            </a:pPr>
-            <a:r>
-              <a:rPr lang="en-US" sz="2000" dirty="0">
-                <a:latin typeface="Gill Sans MT" panose="020B0502020104020203" pitchFamily="34" charset="77"/>
-              </a:rPr>
-              <a:t>Create a list of three </a:t>
-            </a:r>
-            <a:r>
-              <a:rPr lang="en-US" sz="2000" dirty="0" err="1">
-                <a:latin typeface="Gill Sans MT" panose="020B0502020104020203" pitchFamily="34" charset="77"/>
-              </a:rPr>
-              <a:t>GradStudent</a:t>
-            </a:r>
-            <a:r>
-              <a:rPr lang="en-US" sz="2000" dirty="0">
-                <a:latin typeface="Gill Sans MT" panose="020B0502020104020203" pitchFamily="34" charset="77"/>
-              </a:rPr>
-              <a:t> objects. </a:t>
-            </a:r>
-          </a:p>
-          <a:p>
-            <a:pPr marL="457200" indent="-457200">
-              <a:buAutoNum type="arabicParenR"/>
-            </a:pPr>
-            <a:r>
-              <a:rPr lang="en-US" sz="2000" dirty="0">
-                <a:latin typeface="Gill Sans MT" panose="020B0502020104020203" pitchFamily="34" charset="77"/>
-              </a:rPr>
-              <a:t>Call </a:t>
-            </a:r>
-            <a:r>
-              <a:rPr lang="en-US" sz="2000" dirty="0" err="1">
-                <a:latin typeface="Gill Sans MT" panose="020B0502020104020203" pitchFamily="34" charset="77"/>
-              </a:rPr>
-              <a:t>average_gpa</a:t>
-            </a:r>
-            <a:r>
-              <a:rPr lang="en-US" sz="2000" dirty="0">
-                <a:latin typeface="Gill Sans MT" panose="020B0502020104020203" pitchFamily="34" charset="77"/>
-              </a:rPr>
-              <a:t> on the list of </a:t>
-            </a:r>
-            <a:r>
-              <a:rPr lang="en-US" sz="2000" dirty="0" err="1">
-                <a:latin typeface="Gill Sans MT" panose="020B0502020104020203" pitchFamily="34" charset="77"/>
-              </a:rPr>
-              <a:t>GradStudent</a:t>
-            </a:r>
-            <a:r>
-              <a:rPr lang="en-US" sz="2000" dirty="0">
-                <a:latin typeface="Gill Sans MT" panose="020B0502020104020203" pitchFamily="34" charset="77"/>
-              </a:rPr>
-              <a:t> objects.</a:t>
-            </a:r>
-          </a:p>
-          <a:p>
-            <a:pPr marL="0" indent="0">
-              <a:buNone/>
-            </a:pPr>
-            <a:endParaRPr lang="en-US" sz="2000" dirty="0">
-              <a:latin typeface="Gill Sans MT" panose="020B0502020104020203" pitchFamily="34" charset="77"/>
-            </a:endParaRPr>
-          </a:p>
-          <a:p>
-            <a:pPr marL="0" indent="0">
-              <a:buNone/>
-            </a:pPr>
-            <a:endParaRPr lang="en-US" b="1" dirty="0">
-              <a:solidFill>
-                <a:srgbClr val="000087"/>
-              </a:solidFill>
-              <a:latin typeface="Inconsolata Medium" panose="020B0609030003000000" pitchFamily="49" charset="77"/>
-            </a:endParaRPr>
-          </a:p>
-          <a:p>
-            <a:pPr marL="0" indent="0">
-              <a:buNone/>
-            </a:pPr>
-            <a:endParaRPr lang="en-US" b="1" dirty="0">
-              <a:solidFill>
-                <a:srgbClr val="000087"/>
-              </a:solidFill>
-              <a:latin typeface="Inconsolata Medium" panose="020B0609030003000000" pitchFamily="49" charset="77"/>
-            </a:endParaRPr>
-          </a:p>
-        </p:txBody>
-      </p:sp>
-    </p:spTree>
-    <p:extLst>
-      <p:ext uri="{BB962C8B-B14F-4D97-AF65-F5344CB8AC3E}">
-        <p14:creationId xmlns:p14="http://schemas.microsoft.com/office/powerpoint/2010/main" val="1817244991"/>
-      </p:ext>
-    </p:extLst>
-  </p:cSld>
-  <p:clrMapOvr>
-    <a:masterClrMapping/>
-  </p:clrMapOvr>
-</p:sld>
-</file>
-
-<file path=ppt/slides/slide24.xml><?xml version="1.0" encoding="utf-8"?>
-<p:sld xmlns:a="http://schemas.openxmlformats.org/drawingml/2006/main" xmlns:r="http://schemas.openxmlformats.org/officeDocument/2006/relationships" xmlns:p="http://schemas.openxmlformats.org/presentationml/2006/main">
-  <p:cSld>
-    <p:spTree>
-      <p:nvGrpSpPr>
-        <p:cNvPr id="1" name=""/>
-        <p:cNvGrpSpPr/>
-        <p:nvPr/>
-      </p:nvGrpSpPr>
-      <p:grpSpPr>
-        <a:xfrm>
-          <a:off x="0" y="0"/>
-          <a:ext cx="0" cy="0"/>
-          <a:chOff x="0" y="0"/>
-          <a:chExt cx="0" cy="0"/>
-        </a:xfrm>
-      </p:grpSpPr>
-      <p:sp>
-        <p:nvSpPr>
-          <p:cNvPr id="2" name="Title 1">
-            <a:extLst>
-              <a:ext uri="{FF2B5EF4-FFF2-40B4-BE49-F238E27FC236}">
-                <a16:creationId xmlns:a16="http://schemas.microsoft.com/office/drawing/2014/main" id="{AA3A228F-61D0-D949-A5E7-F83756230BF8}"/>
-              </a:ext>
-            </a:extLst>
-          </p:cNvPr>
-          <p:cNvSpPr>
-            <a:spLocks noGrp="1"/>
-          </p:cNvSpPr>
-          <p:nvPr>
-            <p:ph type="title"/>
-          </p:nvPr>
-        </p:nvSpPr>
-        <p:spPr>
-          <a:xfrm>
-            <a:off x="483848" y="467027"/>
-            <a:ext cx="7053542" cy="683886"/>
-          </a:xfrm>
-        </p:spPr>
-        <p:txBody>
-          <a:bodyPr/>
-          <a:lstStyle/>
-          <a:p>
-            <a:r>
-              <a:rPr lang="en-US" dirty="0"/>
-              <a:t>Lab 2</a:t>
-            </a:r>
-          </a:p>
-        </p:txBody>
-      </p:sp>
-      <p:sp>
-        <p:nvSpPr>
-          <p:cNvPr id="9" name="Content Placeholder 8">
-            <a:extLst>
-              <a:ext uri="{FF2B5EF4-FFF2-40B4-BE49-F238E27FC236}">
-                <a16:creationId xmlns:a16="http://schemas.microsoft.com/office/drawing/2014/main" id="{E3B2E017-30B2-884B-A113-B419A2ED51AD}"/>
-              </a:ext>
-            </a:extLst>
-          </p:cNvPr>
-          <p:cNvSpPr>
-            <a:spLocks noGrp="1"/>
-          </p:cNvSpPr>
-          <p:nvPr>
-            <p:ph idx="1"/>
-          </p:nvPr>
-        </p:nvSpPr>
-        <p:spPr>
-          <a:xfrm>
-            <a:off x="483848" y="1008404"/>
-            <a:ext cx="8051725" cy="4706595"/>
-          </a:xfrm>
-        </p:spPr>
-        <p:txBody>
-          <a:bodyPr>
-            <a:normAutofit/>
-          </a:bodyPr>
-          <a:lstStyle/>
-          <a:p>
-            <a:pPr marL="0" indent="0">
-              <a:buNone/>
-            </a:pPr>
-            <a:r>
-              <a:rPr lang="en-US" b="1" dirty="0"/>
-              <a:t>Create a new repl.</a:t>
-            </a:r>
-          </a:p>
-          <a:p>
-            <a:pPr marL="0" indent="0">
-              <a:buNone/>
-            </a:pPr>
-            <a:r>
-              <a:rPr lang="en-US" dirty="0"/>
-              <a:t>Write three classes in a module called </a:t>
-            </a:r>
-            <a:r>
-              <a:rPr lang="en-US" dirty="0" err="1"/>
-              <a:t>objects.py</a:t>
-            </a:r>
-            <a:r>
-              <a:rPr lang="en-US" dirty="0"/>
-              <a:t>: Rectangle, Square and Cube. Square is a subclass of Rectangle and Cube is a subclass of Square. </a:t>
-            </a:r>
-          </a:p>
-          <a:p>
-            <a:pPr marL="0" indent="0">
-              <a:buNone/>
-            </a:pPr>
-            <a:endParaRPr lang="en-US" sz="2000" dirty="0">
-              <a:latin typeface="Gill Sans MT" panose="020B0502020104020203" pitchFamily="34" charset="77"/>
-            </a:endParaRPr>
-          </a:p>
-          <a:p>
-            <a:pPr marL="0" indent="0">
-              <a:buNone/>
-            </a:pPr>
-            <a:r>
-              <a:rPr lang="en-US" sz="2000" dirty="0">
-                <a:latin typeface="Gill Sans MT" panose="020B0502020104020203" pitchFamily="34" charset="77"/>
-              </a:rPr>
-              <a:t>A Rectangle object has length and width as attributes and accessor methods: area() and perimeter().</a:t>
-            </a:r>
-          </a:p>
-          <a:p>
-            <a:pPr marL="0" indent="0">
-              <a:buNone/>
-            </a:pPr>
-            <a:r>
-              <a:rPr lang="en-US" sz="2000" dirty="0">
-                <a:latin typeface="Gill Sans MT" panose="020B0502020104020203" pitchFamily="34" charset="77"/>
-              </a:rPr>
-              <a:t>A Square object is a Rectangle object and has no additional attributes other than the ones inherited from Rectangle. It also inherits area() and perimeter() from Rectangle. </a:t>
-            </a:r>
-          </a:p>
-          <a:p>
-            <a:pPr marL="0" indent="0">
-              <a:buNone/>
-            </a:pPr>
-            <a:r>
-              <a:rPr lang="en-US" sz="2000" dirty="0">
-                <a:latin typeface="Gill Sans MT" panose="020B0502020104020203" pitchFamily="34" charset="77"/>
-              </a:rPr>
-              <a:t>A Cube object is a Square object. It has no additional attributes but has two additional methods: area() which overrides Square's area() and volume(). Remember to call super().area() when implementing these. </a:t>
-            </a:r>
-          </a:p>
-          <a:p>
-            <a:pPr marL="0" indent="0">
-              <a:buNone/>
-            </a:pPr>
-            <a:endParaRPr lang="en-US" b="1" dirty="0">
-              <a:solidFill>
-                <a:srgbClr val="000087"/>
-              </a:solidFill>
-              <a:latin typeface="Inconsolata Medium" panose="020B0609030003000000" pitchFamily="49" charset="77"/>
-            </a:endParaRPr>
-          </a:p>
-          <a:p>
-            <a:pPr marL="0" indent="0">
-              <a:buNone/>
-            </a:pPr>
-            <a:endParaRPr lang="en-US" b="1" dirty="0">
-              <a:solidFill>
-                <a:srgbClr val="000087"/>
-              </a:solidFill>
-              <a:latin typeface="Inconsolata Medium" panose="020B0609030003000000" pitchFamily="49" charset="77"/>
-            </a:endParaRPr>
-          </a:p>
-        </p:txBody>
-      </p:sp>
-    </p:spTree>
-    <p:extLst>
-      <p:ext uri="{BB962C8B-B14F-4D97-AF65-F5344CB8AC3E}">
-        <p14:creationId xmlns:p14="http://schemas.microsoft.com/office/powerpoint/2010/main" val="599272677"/>
-      </p:ext>
-    </p:extLst>
-  </p:cSld>
-  <p:clrMapOvr>
-    <a:masterClrMapping/>
-  </p:clrMapOvr>
-</p:sld>
-</file>
-
-<file path=ppt/slides/slide25.xml><?xml version="1.0" encoding="utf-8"?>
-<p:sld xmlns:a="http://schemas.openxmlformats.org/drawingml/2006/main" xmlns:r="http://schemas.openxmlformats.org/officeDocument/2006/relationships" xmlns:p="http://schemas.openxmlformats.org/presentationml/2006/main">
-  <p:cSld>
-    <p:spTree>
-      <p:nvGrpSpPr>
-        <p:cNvPr id="1" name=""/>
-        <p:cNvGrpSpPr/>
-        <p:nvPr/>
-      </p:nvGrpSpPr>
-      <p:grpSpPr>
-        <a:xfrm>
-          <a:off x="0" y="0"/>
-          <a:ext cx="0" cy="0"/>
-          <a:chOff x="0" y="0"/>
-          <a:chExt cx="0" cy="0"/>
-        </a:xfrm>
-      </p:grpSpPr>
-      <p:sp>
-        <p:nvSpPr>
-          <p:cNvPr id="2" name="Title 1">
-            <a:extLst>
-              <a:ext uri="{FF2B5EF4-FFF2-40B4-BE49-F238E27FC236}">
-                <a16:creationId xmlns:a16="http://schemas.microsoft.com/office/drawing/2014/main" id="{AA3A228F-61D0-D949-A5E7-F83756230BF8}"/>
-              </a:ext>
-            </a:extLst>
-          </p:cNvPr>
-          <p:cNvSpPr>
-            <a:spLocks noGrp="1"/>
-          </p:cNvSpPr>
-          <p:nvPr>
-            <p:ph type="title"/>
-          </p:nvPr>
-        </p:nvSpPr>
-        <p:spPr>
-          <a:xfrm>
-            <a:off x="483848" y="467027"/>
-            <a:ext cx="7053542" cy="683886"/>
-          </a:xfrm>
-        </p:spPr>
-        <p:txBody>
-          <a:bodyPr/>
-          <a:lstStyle/>
-          <a:p>
-            <a:r>
-              <a:rPr lang="en-US" dirty="0"/>
-              <a:t>Lab 2</a:t>
-            </a:r>
-          </a:p>
-        </p:txBody>
-      </p:sp>
-      <p:sp>
-        <p:nvSpPr>
-          <p:cNvPr id="9" name="Content Placeholder 8">
-            <a:extLst>
-              <a:ext uri="{FF2B5EF4-FFF2-40B4-BE49-F238E27FC236}">
-                <a16:creationId xmlns:a16="http://schemas.microsoft.com/office/drawing/2014/main" id="{E3B2E017-30B2-884B-A113-B419A2ED51AD}"/>
-              </a:ext>
-            </a:extLst>
-          </p:cNvPr>
-          <p:cNvSpPr>
-            <a:spLocks noGrp="1"/>
-          </p:cNvSpPr>
-          <p:nvPr>
-            <p:ph idx="1"/>
-          </p:nvPr>
-        </p:nvSpPr>
-        <p:spPr>
-          <a:xfrm>
-            <a:off x="483848" y="1257299"/>
-            <a:ext cx="8051725" cy="4334203"/>
-          </a:xfrm>
-        </p:spPr>
-        <p:txBody>
-          <a:bodyPr>
-            <a:normAutofit/>
-          </a:bodyPr>
-          <a:lstStyle/>
-          <a:p>
-            <a:pPr marL="0" indent="0">
-              <a:buNone/>
-            </a:pPr>
             <a:endParaRPr lang="en-US" sz="2000" dirty="0">
               <a:latin typeface="Gill Sans MT" panose="020B0502020104020203" pitchFamily="34" charset="77"/>
             </a:endParaRPr>
@@ -11692,7 +13873,7 @@
 </p:sld>
 </file>
 
-<file path=ppt/slides/slide26.xml><?xml version="1.0" encoding="utf-8"?>
+<file path=ppt/slides/slide24.xml><?xml version="1.0" encoding="utf-8"?>
 <p:sld xmlns:a="http://schemas.openxmlformats.org/drawingml/2006/main" xmlns:r="http://schemas.openxmlformats.org/officeDocument/2006/relationships" xmlns:p="http://schemas.openxmlformats.org/presentationml/2006/main">
   <p:cSld>
     <p:spTree>
@@ -11897,8 +14078,12 @@
               <a:buNone/>
             </a:pPr>
             <a:r>
+              <a:rPr lang="en-US" b="1" dirty="0"/>
+              <a:t>Encapsulation</a:t>
+            </a:r>
+            <a:r>
               <a:rPr lang="en-US" dirty="0"/>
-              <a:t>Encapsulation is one of the fundamental concepts in object-oriented programming (OOP). </a:t>
+              <a:t> is one of the fundamental concepts in object-oriented programming (OOP). </a:t>
             </a:r>
           </a:p>
           <a:p>
@@ -11913,7 +14098,7 @@
             </a:pPr>
             <a:r>
               <a:rPr lang="en-US" dirty="0"/>
-              <a:t> It describes the idea of wrapping data and the methods that work on data within one unit. </a:t>
+              <a:t>It describes the idea of wrapping data and the methods that work on data within one unit. </a:t>
             </a:r>
           </a:p>
           <a:p>
@@ -11949,6 +14134,134 @@
   <p:clrMapOvr>
     <a:masterClrMapping/>
   </p:clrMapOvr>
+  <p:timing>
+    <p:tnLst>
+      <p:par>
+        <p:cTn id="1" dur="indefinite" restart="never" nodeType="tmRoot">
+          <p:childTnLst>
+            <p:seq concurrent="1" nextAc="seek">
+              <p:cTn id="2" dur="indefinite" nodeType="mainSeq">
+                <p:childTnLst>
+                  <p:par>
+                    <p:cTn id="3" fill="hold">
+                      <p:stCondLst>
+                        <p:cond delay="indefinite"/>
+                      </p:stCondLst>
+                      <p:childTnLst>
+                        <p:par>
+                          <p:cTn id="4" fill="hold">
+                            <p:stCondLst>
+                              <p:cond delay="0"/>
+                            </p:stCondLst>
+                            <p:childTnLst>
+                              <p:par>
+                                <p:cTn id="5" presetID="1" presetClass="entr" presetSubtype="0" fill="hold" nodeType="clickEffect">
+                                  <p:stCondLst>
+                                    <p:cond delay="0"/>
+                                  </p:stCondLst>
+                                  <p:childTnLst>
+                                    <p:set>
+                                      <p:cBhvr>
+                                        <p:cTn id="6" dur="1" fill="hold">
+                                          <p:stCondLst>
+                                            <p:cond delay="0"/>
+                                          </p:stCondLst>
+                                        </p:cTn>
+                                        <p:tgtEl>
+                                          <p:spTgt spid="9">
+                                            <p:txEl>
+                                              <p:pRg st="3" end="3"/>
+                                            </p:txEl>
+                                          </p:spTgt>
+                                        </p:tgtEl>
+                                        <p:attrNameLst>
+                                          <p:attrName>style.visibility</p:attrName>
+                                        </p:attrNameLst>
+                                      </p:cBhvr>
+                                      <p:to>
+                                        <p:strVal val="visible"/>
+                                      </p:to>
+                                    </p:set>
+                                  </p:childTnLst>
+                                </p:cTn>
+                              </p:par>
+                            </p:childTnLst>
+                          </p:cTn>
+                        </p:par>
+                      </p:childTnLst>
+                    </p:cTn>
+                  </p:par>
+                  <p:par>
+                    <p:cTn id="7" fill="hold">
+                      <p:stCondLst>
+                        <p:cond delay="indefinite"/>
+                      </p:stCondLst>
+                      <p:childTnLst>
+                        <p:par>
+                          <p:cTn id="8" fill="hold">
+                            <p:stCondLst>
+                              <p:cond delay="0"/>
+                            </p:stCondLst>
+                            <p:childTnLst>
+                              <p:par>
+                                <p:cTn id="9" presetID="1" presetClass="entr" presetSubtype="0" fill="hold" nodeType="clickEffect">
+                                  <p:stCondLst>
+                                    <p:cond delay="0"/>
+                                  </p:stCondLst>
+                                  <p:childTnLst>
+                                    <p:set>
+                                      <p:cBhvr>
+                                        <p:cTn id="10" dur="1" fill="hold">
+                                          <p:stCondLst>
+                                            <p:cond delay="0"/>
+                                          </p:stCondLst>
+                                        </p:cTn>
+                                        <p:tgtEl>
+                                          <p:spTgt spid="9">
+                                            <p:txEl>
+                                              <p:pRg st="5" end="5"/>
+                                            </p:txEl>
+                                          </p:spTgt>
+                                        </p:tgtEl>
+                                        <p:attrNameLst>
+                                          <p:attrName>style.visibility</p:attrName>
+                                        </p:attrNameLst>
+                                      </p:cBhvr>
+                                      <p:to>
+                                        <p:strVal val="visible"/>
+                                      </p:to>
+                                    </p:set>
+                                  </p:childTnLst>
+                                </p:cTn>
+                              </p:par>
+                            </p:childTnLst>
+                          </p:cTn>
+                        </p:par>
+                      </p:childTnLst>
+                    </p:cTn>
+                  </p:par>
+                </p:childTnLst>
+              </p:cTn>
+              <p:prevCondLst>
+                <p:cond evt="onPrev" delay="0">
+                  <p:tgtEl>
+                    <p:sldTgt/>
+                  </p:tgtEl>
+                </p:cond>
+              </p:prevCondLst>
+              <p:nextCondLst>
+                <p:cond evt="onNext" delay="0">
+                  <p:tgtEl>
+                    <p:sldTgt/>
+                  </p:tgtEl>
+                </p:cond>
+              </p:nextCondLst>
+            </p:seq>
+          </p:childTnLst>
+        </p:cTn>
+      </p:par>
+    </p:tnLst>
+  </p:timing>
 </p:sld>
 </file>
 
@@ -12082,7 +14395,7 @@
             </a:pPr>
             <a:r>
               <a:rPr lang="en-US" dirty="0"/>
-              <a:t>Remote control.</a:t>
+              <a:t>Remote control/buttons on TV.(buttons correspond to methods())</a:t>
             </a:r>
           </a:p>
           <a:p>
@@ -12127,6 +14440,281 @@
   <p:clrMapOvr>
     <a:masterClrMapping/>
   </p:clrMapOvr>
+  <p:timing>
+    <p:tnLst>
+      <p:par>
+        <p:cTn id="1" dur="indefinite" restart="never" nodeType="tmRoot">
+          <p:childTnLst>
+            <p:seq concurrent="1" nextAc="seek">
+              <p:cTn id="2" dur="indefinite" nodeType="mainSeq">
+                <p:childTnLst>
+                  <p:par>
+                    <p:cTn id="3" fill="hold">
+                      <p:stCondLst>
+                        <p:cond delay="indefinite"/>
+                      </p:stCondLst>
+                      <p:childTnLst>
+                        <p:par>
+                          <p:cTn id="4" fill="hold">
+                            <p:stCondLst>
+                              <p:cond delay="0"/>
+                            </p:stCondLst>
+                            <p:childTnLst>
+                              <p:par>
+                                <p:cTn id="5" presetID="1" presetClass="entr" presetSubtype="0" fill="hold" nodeType="clickEffect">
+                                  <p:stCondLst>
+                                    <p:cond delay="0"/>
+                                  </p:stCondLst>
+                                  <p:childTnLst>
+                                    <p:set>
+                                      <p:cBhvr>
+                                        <p:cTn id="6" dur="1" fill="hold">
+                                          <p:stCondLst>
+                                            <p:cond delay="0"/>
+                                          </p:stCondLst>
+                                        </p:cTn>
+                                        <p:tgtEl>
+                                          <p:spTgt spid="9">
+                                            <p:txEl>
+                                              <p:pRg st="2" end="2"/>
+                                            </p:txEl>
+                                          </p:spTgt>
+                                        </p:tgtEl>
+                                        <p:attrNameLst>
+                                          <p:attrName>style.visibility</p:attrName>
+                                        </p:attrNameLst>
+                                      </p:cBhvr>
+                                      <p:to>
+                                        <p:strVal val="visible"/>
+                                      </p:to>
+                                    </p:set>
+                                  </p:childTnLst>
+                                </p:cTn>
+                              </p:par>
+                            </p:childTnLst>
+                          </p:cTn>
+                        </p:par>
+                      </p:childTnLst>
+                    </p:cTn>
+                  </p:par>
+                  <p:par>
+                    <p:cTn id="7" fill="hold">
+                      <p:stCondLst>
+                        <p:cond delay="indefinite"/>
+                      </p:stCondLst>
+                      <p:childTnLst>
+                        <p:par>
+                          <p:cTn id="8" fill="hold">
+                            <p:stCondLst>
+                              <p:cond delay="0"/>
+                            </p:stCondLst>
+                            <p:childTnLst>
+                              <p:par>
+                                <p:cTn id="9" presetID="1" presetClass="entr" presetSubtype="0" fill="hold" nodeType="clickEffect">
+                                  <p:stCondLst>
+                                    <p:cond delay="0"/>
+                                  </p:stCondLst>
+                                  <p:childTnLst>
+                                    <p:set>
+                                      <p:cBhvr>
+                                        <p:cTn id="10" dur="1" fill="hold">
+                                          <p:stCondLst>
+                                            <p:cond delay="0"/>
+                                          </p:stCondLst>
+                                        </p:cTn>
+                                        <p:tgtEl>
+                                          <p:spTgt spid="9">
+                                            <p:txEl>
+                                              <p:pRg st="4" end="4"/>
+                                            </p:txEl>
+                                          </p:spTgt>
+                                        </p:tgtEl>
+                                        <p:attrNameLst>
+                                          <p:attrName>style.visibility</p:attrName>
+                                        </p:attrNameLst>
+                                      </p:cBhvr>
+                                      <p:to>
+                                        <p:strVal val="visible"/>
+                                      </p:to>
+                                    </p:set>
+                                  </p:childTnLst>
+                                </p:cTn>
+                              </p:par>
+                            </p:childTnLst>
+                          </p:cTn>
+                        </p:par>
+                      </p:childTnLst>
+                    </p:cTn>
+                  </p:par>
+                  <p:par>
+                    <p:cTn id="11" fill="hold">
+                      <p:stCondLst>
+                        <p:cond delay="indefinite"/>
+                      </p:stCondLst>
+                      <p:childTnLst>
+                        <p:par>
+                          <p:cTn id="12" fill="hold">
+                            <p:stCondLst>
+                              <p:cond delay="0"/>
+                            </p:stCondLst>
+                            <p:childTnLst>
+                              <p:par>
+                                <p:cTn id="13" presetID="1" presetClass="entr" presetSubtype="0" fill="hold" nodeType="clickEffect">
+                                  <p:stCondLst>
+                                    <p:cond delay="0"/>
+                                  </p:stCondLst>
+                                  <p:childTnLst>
+                                    <p:set>
+                                      <p:cBhvr>
+                                        <p:cTn id="14" dur="1" fill="hold">
+                                          <p:stCondLst>
+                                            <p:cond delay="0"/>
+                                          </p:stCondLst>
+                                        </p:cTn>
+                                        <p:tgtEl>
+                                          <p:spTgt spid="9">
+                                            <p:txEl>
+                                              <p:pRg st="5" end="5"/>
+                                            </p:txEl>
+                                          </p:spTgt>
+                                        </p:tgtEl>
+                                        <p:attrNameLst>
+                                          <p:attrName>style.visibility</p:attrName>
+                                        </p:attrNameLst>
+                                      </p:cBhvr>
+                                      <p:to>
+                                        <p:strVal val="visible"/>
+                                      </p:to>
+                                    </p:set>
+                                  </p:childTnLst>
+                                </p:cTn>
+                              </p:par>
+                            </p:childTnLst>
+                          </p:cTn>
+                        </p:par>
+                      </p:childTnLst>
+                    </p:cTn>
+                  </p:par>
+                  <p:par>
+                    <p:cTn id="15" fill="hold">
+                      <p:stCondLst>
+                        <p:cond delay="indefinite"/>
+                      </p:stCondLst>
+                      <p:childTnLst>
+                        <p:par>
+                          <p:cTn id="16" fill="hold">
+                            <p:stCondLst>
+                              <p:cond delay="0"/>
+                            </p:stCondLst>
+                            <p:childTnLst>
+                              <p:par>
+                                <p:cTn id="17" presetID="1" presetClass="entr" presetSubtype="0" fill="hold" nodeType="clickEffect">
+                                  <p:stCondLst>
+                                    <p:cond delay="0"/>
+                                  </p:stCondLst>
+                                  <p:childTnLst>
+                                    <p:set>
+                                      <p:cBhvr>
+                                        <p:cTn id="18" dur="1" fill="hold">
+                                          <p:stCondLst>
+                                            <p:cond delay="0"/>
+                                          </p:stCondLst>
+                                        </p:cTn>
+                                        <p:tgtEl>
+                                          <p:spTgt spid="9">
+                                            <p:txEl>
+                                              <p:pRg st="6" end="6"/>
+                                            </p:txEl>
+                                          </p:spTgt>
+                                        </p:tgtEl>
+                                        <p:attrNameLst>
+                                          <p:attrName>style.visibility</p:attrName>
+                                        </p:attrNameLst>
+                                      </p:cBhvr>
+                                      <p:to>
+                                        <p:strVal val="visible"/>
+                                      </p:to>
+                                    </p:set>
+                                  </p:childTnLst>
+                                </p:cTn>
+                              </p:par>
+                            </p:childTnLst>
+                          </p:cTn>
+                        </p:par>
+                      </p:childTnLst>
+                    </p:cTn>
+                  </p:par>
+                  <p:par>
+                    <p:cTn id="19" fill="hold">
+                      <p:stCondLst>
+                        <p:cond delay="indefinite"/>
+                      </p:stCondLst>
+                      <p:childTnLst>
+                        <p:par>
+                          <p:cTn id="20" fill="hold">
+                            <p:stCondLst>
+                              <p:cond delay="0"/>
+                            </p:stCondLst>
+                            <p:childTnLst>
+                              <p:par>
+                                <p:cTn id="21" presetID="1" presetClass="entr" presetSubtype="0" fill="hold" nodeType="clickEffect">
+                                  <p:stCondLst>
+                                    <p:cond delay="0"/>
+                                  </p:stCondLst>
+                                  <p:childTnLst>
+                                    <p:set>
+                                      <p:cBhvr>
+                                        <p:cTn id="22" dur="1" fill="hold">
+                                          <p:stCondLst>
+                                            <p:cond delay="0"/>
+                                          </p:stCondLst>
+                                        </p:cTn>
+                                        <p:tgtEl>
+                                          <p:spTgt spid="9">
+                                            <p:txEl>
+                                              <p:pRg st="7" end="7"/>
+                                            </p:txEl>
+                                          </p:spTgt>
+                                        </p:tgtEl>
+                                        <p:attrNameLst>
+                                          <p:attrName>style.visibility</p:attrName>
+                                        </p:attrNameLst>
+                                      </p:cBhvr>
+                                      <p:to>
+                                        <p:strVal val="visible"/>
+                                      </p:to>
+                                    </p:set>
+                                  </p:childTnLst>
+                                </p:cTn>
+                              </p:par>
+                            </p:childTnLst>
+                          </p:cTn>
+                        </p:par>
+                      </p:childTnLst>
+                    </p:cTn>
+                  </p:par>
+                </p:childTnLst>
+              </p:cTn>
+              <p:prevCondLst>
+                <p:cond evt="onPrev" delay="0">
+                  <p:tgtEl>
+                    <p:sldTgt/>
+                  </p:tgtEl>
+                </p:cond>
+              </p:prevCondLst>
+              <p:nextCondLst>
+                <p:cond evt="onNext" delay="0">
+                  <p:tgtEl>
+                    <p:sldTgt/>
+                  </p:tgtEl>
+                </p:cond>
+              </p:nextCondLst>
+            </p:seq>
+          </p:childTnLst>
+        </p:cTn>
+      </p:par>
+    </p:tnLst>
+  </p:timing>
 </p:sld>
 </file>
 
@@ -12247,7 +14835,7 @@
             </a:r>
             <a:r>
               <a:rPr lang="en-US" dirty="0"/>
-              <a:t>:  distance between ideas and implementation.  This refers to arranging complexity of computer systems or programming code so that functionality may be separated from specific implementation details.</a:t>
+              <a:t>:  distance between ideas and implementation.  This refers to arranging programming code so that functionality may be separated from specific implementation details.</a:t>
             </a:r>
           </a:p>
           <a:p>
@@ -12281,6 +14869,183 @@
   <p:clrMapOvr>
     <a:masterClrMapping/>
   </p:clrMapOvr>
+  <p:timing>
+    <p:tnLst>
+      <p:par>
+        <p:cTn id="1" dur="indefinite" restart="never" nodeType="tmRoot">
+          <p:childTnLst>
+            <p:seq concurrent="1" nextAc="seek">
+              <p:cTn id="2" dur="indefinite" nodeType="mainSeq">
+                <p:childTnLst>
+                  <p:par>
+                    <p:cTn id="3" fill="hold">
+                      <p:stCondLst>
+                        <p:cond delay="indefinite"/>
+                      </p:stCondLst>
+                      <p:childTnLst>
+                        <p:par>
+                          <p:cTn id="4" fill="hold">
+                            <p:stCondLst>
+                              <p:cond delay="0"/>
+                            </p:stCondLst>
+                            <p:childTnLst>
+                              <p:par>
+                                <p:cTn id="5" presetID="1" presetClass="entr" presetSubtype="0" fill="hold" nodeType="clickEffect">
+                                  <p:stCondLst>
+                                    <p:cond delay="0"/>
+                                  </p:stCondLst>
+                                  <p:childTnLst>
+                                    <p:set>
+                                      <p:cBhvr>
+                                        <p:cTn id="6" dur="1" fill="hold">
+                                          <p:stCondLst>
+                                            <p:cond delay="0"/>
+                                          </p:stCondLst>
+                                        </p:cTn>
+                                        <p:tgtEl>
+                                          <p:spTgt spid="9">
+                                            <p:txEl>
+                                              <p:pRg st="2" end="2"/>
+                                            </p:txEl>
+                                          </p:spTgt>
+                                        </p:tgtEl>
+                                        <p:attrNameLst>
+                                          <p:attrName>style.visibility</p:attrName>
+                                        </p:attrNameLst>
+                                      </p:cBhvr>
+                                      <p:to>
+                                        <p:strVal val="visible"/>
+                                      </p:to>
+                                    </p:set>
+                                  </p:childTnLst>
+                                </p:cTn>
+                              </p:par>
+                            </p:childTnLst>
+                          </p:cTn>
+                        </p:par>
+                      </p:childTnLst>
+                    </p:cTn>
+                  </p:par>
+                  <p:par>
+                    <p:cTn id="7" fill="hold">
+                      <p:stCondLst>
+                        <p:cond delay="indefinite"/>
+                      </p:stCondLst>
+                      <p:childTnLst>
+                        <p:par>
+                          <p:cTn id="8" fill="hold">
+                            <p:stCondLst>
+                              <p:cond delay="0"/>
+                            </p:stCondLst>
+                            <p:childTnLst>
+                              <p:par>
+                                <p:cTn id="9" presetID="1" presetClass="entr" presetSubtype="0" fill="hold" nodeType="clickEffect">
+                                  <p:stCondLst>
+                                    <p:cond delay="0"/>
+                                  </p:stCondLst>
+                                  <p:childTnLst>
+                                    <p:set>
+                                      <p:cBhvr>
+                                        <p:cTn id="10" dur="1" fill="hold">
+                                          <p:stCondLst>
+                                            <p:cond delay="0"/>
+                                          </p:stCondLst>
+                                        </p:cTn>
+                                        <p:tgtEl>
+                                          <p:spTgt spid="9">
+                                            <p:txEl>
+                                              <p:pRg st="4" end="4"/>
+                                            </p:txEl>
+                                          </p:spTgt>
+                                        </p:tgtEl>
+                                        <p:attrNameLst>
+                                          <p:attrName>style.visibility</p:attrName>
+                                        </p:attrNameLst>
+                                      </p:cBhvr>
+                                      <p:to>
+                                        <p:strVal val="visible"/>
+                                      </p:to>
+                                    </p:set>
+                                  </p:childTnLst>
+                                </p:cTn>
+                              </p:par>
+                            </p:childTnLst>
+                          </p:cTn>
+                        </p:par>
+                      </p:childTnLst>
+                    </p:cTn>
+                  </p:par>
+                  <p:par>
+                    <p:cTn id="11" fill="hold">
+                      <p:stCondLst>
+                        <p:cond delay="indefinite"/>
+                      </p:stCondLst>
+                      <p:childTnLst>
+                        <p:par>
+                          <p:cTn id="12" fill="hold">
+                            <p:stCondLst>
+                              <p:cond delay="0"/>
+                            </p:stCondLst>
+                            <p:childTnLst>
+                              <p:par>
+                                <p:cTn id="13" presetID="1" presetClass="entr" presetSubtype="0" fill="hold" nodeType="clickEffect">
+                                  <p:stCondLst>
+                                    <p:cond delay="0"/>
+                                  </p:stCondLst>
+                                  <p:childTnLst>
+                                    <p:set>
+                                      <p:cBhvr>
+                                        <p:cTn id="14" dur="1" fill="hold">
+                                          <p:stCondLst>
+                                            <p:cond delay="0"/>
+                                          </p:stCondLst>
+                                        </p:cTn>
+                                        <p:tgtEl>
+                                          <p:spTgt spid="9">
+                                            <p:txEl>
+                                              <p:pRg st="6" end="6"/>
+                                            </p:txEl>
+                                          </p:spTgt>
+                                        </p:tgtEl>
+                                        <p:attrNameLst>
+                                          <p:attrName>style.visibility</p:attrName>
+                                        </p:attrNameLst>
+                                      </p:cBhvr>
+                                      <p:to>
+                                        <p:strVal val="visible"/>
+                                      </p:to>
+                                    </p:set>
+                                  </p:childTnLst>
+                                </p:cTn>
+                              </p:par>
+                            </p:childTnLst>
+                          </p:cTn>
+                        </p:par>
+                      </p:childTnLst>
+                    </p:cTn>
+                  </p:par>
+                </p:childTnLst>
+              </p:cTn>
+              <p:prevCondLst>
+                <p:cond evt="onPrev" delay="0">
+                  <p:tgtEl>
+                    <p:sldTgt/>
+                  </p:tgtEl>
+                </p:cond>
+              </p:prevCondLst>
+              <p:nextCondLst>
+                <p:cond evt="onNext" delay="0">
+                  <p:tgtEl>
+                    <p:sldTgt/>
+                  </p:tgtEl>
+                </p:cond>
+              </p:nextCondLst>
+            </p:seq>
+          </p:childTnLst>
+        </p:cTn>
+      </p:par>
+    </p:tnLst>
+  </p:timing>
 </p:sld>
 </file>
 
@@ -12443,6 +15208,183 @@
   <p:clrMapOvr>
     <a:masterClrMapping/>
   </p:clrMapOvr>
+  <p:timing>
+    <p:tnLst>
+      <p:par>
+        <p:cTn id="1" dur="indefinite" restart="never" nodeType="tmRoot">
+          <p:childTnLst>
+            <p:seq concurrent="1" nextAc="seek">
+              <p:cTn id="2" dur="indefinite" nodeType="mainSeq">
+                <p:childTnLst>
+                  <p:par>
+                    <p:cTn id="3" fill="hold">
+                      <p:stCondLst>
+                        <p:cond delay="indefinite"/>
+                      </p:stCondLst>
+                      <p:childTnLst>
+                        <p:par>
+                          <p:cTn id="4" fill="hold">
+                            <p:stCondLst>
+                              <p:cond delay="0"/>
+                            </p:stCondLst>
+                            <p:childTnLst>
+                              <p:par>
+                                <p:cTn id="5" presetID="1" presetClass="entr" presetSubtype="0" fill="hold" nodeType="clickEffect">
+                                  <p:stCondLst>
+                                    <p:cond delay="0"/>
+                                  </p:stCondLst>
+                                  <p:childTnLst>
+                                    <p:set>
+                                      <p:cBhvr>
+                                        <p:cTn id="6" dur="1" fill="hold">
+                                          <p:stCondLst>
+                                            <p:cond delay="0"/>
+                                          </p:stCondLst>
+                                        </p:cTn>
+                                        <p:tgtEl>
+                                          <p:spTgt spid="9">
+                                            <p:txEl>
+                                              <p:pRg st="2" end="2"/>
+                                            </p:txEl>
+                                          </p:spTgt>
+                                        </p:tgtEl>
+                                        <p:attrNameLst>
+                                          <p:attrName>style.visibility</p:attrName>
+                                        </p:attrNameLst>
+                                      </p:cBhvr>
+                                      <p:to>
+                                        <p:strVal val="visible"/>
+                                      </p:to>
+                                    </p:set>
+                                  </p:childTnLst>
+                                </p:cTn>
+                              </p:par>
+                            </p:childTnLst>
+                          </p:cTn>
+                        </p:par>
+                      </p:childTnLst>
+                    </p:cTn>
+                  </p:par>
+                  <p:par>
+                    <p:cTn id="7" fill="hold">
+                      <p:stCondLst>
+                        <p:cond delay="indefinite"/>
+                      </p:stCondLst>
+                      <p:childTnLst>
+                        <p:par>
+                          <p:cTn id="8" fill="hold">
+                            <p:stCondLst>
+                              <p:cond delay="0"/>
+                            </p:stCondLst>
+                            <p:childTnLst>
+                              <p:par>
+                                <p:cTn id="9" presetID="1" presetClass="entr" presetSubtype="0" fill="hold" nodeType="clickEffect">
+                                  <p:stCondLst>
+                                    <p:cond delay="0"/>
+                                  </p:stCondLst>
+                                  <p:childTnLst>
+                                    <p:set>
+                                      <p:cBhvr>
+                                        <p:cTn id="10" dur="1" fill="hold">
+                                          <p:stCondLst>
+                                            <p:cond delay="0"/>
+                                          </p:stCondLst>
+                                        </p:cTn>
+                                        <p:tgtEl>
+                                          <p:spTgt spid="9">
+                                            <p:txEl>
+                                              <p:pRg st="4" end="4"/>
+                                            </p:txEl>
+                                          </p:spTgt>
+                                        </p:tgtEl>
+                                        <p:attrNameLst>
+                                          <p:attrName>style.visibility</p:attrName>
+                                        </p:attrNameLst>
+                                      </p:cBhvr>
+                                      <p:to>
+                                        <p:strVal val="visible"/>
+                                      </p:to>
+                                    </p:set>
+                                  </p:childTnLst>
+                                </p:cTn>
+                              </p:par>
+                            </p:childTnLst>
+                          </p:cTn>
+                        </p:par>
+                      </p:childTnLst>
+                    </p:cTn>
+                  </p:par>
+                  <p:par>
+                    <p:cTn id="11" fill="hold">
+                      <p:stCondLst>
+                        <p:cond delay="indefinite"/>
+                      </p:stCondLst>
+                      <p:childTnLst>
+                        <p:par>
+                          <p:cTn id="12" fill="hold">
+                            <p:stCondLst>
+                              <p:cond delay="0"/>
+                            </p:stCondLst>
+                            <p:childTnLst>
+                              <p:par>
+                                <p:cTn id="13" presetID="1" presetClass="entr" presetSubtype="0" fill="hold" nodeType="clickEffect">
+                                  <p:stCondLst>
+                                    <p:cond delay="0"/>
+                                  </p:stCondLst>
+                                  <p:childTnLst>
+                                    <p:set>
+                                      <p:cBhvr>
+                                        <p:cTn id="14" dur="1" fill="hold">
+                                          <p:stCondLst>
+                                            <p:cond delay="0"/>
+                                          </p:stCondLst>
+                                        </p:cTn>
+                                        <p:tgtEl>
+                                          <p:spTgt spid="9">
+                                            <p:txEl>
+                                              <p:pRg st="6" end="6"/>
+                                            </p:txEl>
+                                          </p:spTgt>
+                                        </p:tgtEl>
+                                        <p:attrNameLst>
+                                          <p:attrName>style.visibility</p:attrName>
+                                        </p:attrNameLst>
+                                      </p:cBhvr>
+                                      <p:to>
+                                        <p:strVal val="visible"/>
+                                      </p:to>
+                                    </p:set>
+                                  </p:childTnLst>
+                                </p:cTn>
+                              </p:par>
+                            </p:childTnLst>
+                          </p:cTn>
+                        </p:par>
+                      </p:childTnLst>
+                    </p:cTn>
+                  </p:par>
+                </p:childTnLst>
+              </p:cTn>
+              <p:prevCondLst>
+                <p:cond evt="onPrev" delay="0">
+                  <p:tgtEl>
+                    <p:sldTgt/>
+                  </p:tgtEl>
+                </p:cond>
+              </p:prevCondLst>
+              <p:nextCondLst>
+                <p:cond evt="onNext" delay="0">
+                  <p:tgtEl>
+                    <p:sldTgt/>
+                  </p:tgtEl>
+                </p:cond>
+              </p:nextCondLst>
+            </p:seq>
+          </p:childTnLst>
+        </p:cTn>
+      </p:par>
+    </p:tnLst>
+  </p:timing>
 </p:sld>
 </file>
 
@@ -12825,7 +15767,7 @@
                   <a:srgbClr val="FF0000"/>
                 </a:solidFill>
               </a:rPr>
-              <a:t>This is discouraged. Use </a:t>
+              <a:t>This is discouraged. Use an </a:t>
             </a:r>
             <a:r>
               <a:rPr lang="en-US" sz="1800" b="1" dirty="0">
@@ -12897,6 +15839,475 @@
   <p:clrMapOvr>
     <a:masterClrMapping/>
   </p:clrMapOvr>
+  <p:timing>
+    <p:tnLst>
+      <p:par>
+        <p:cTn id="1" dur="indefinite" restart="never" nodeType="tmRoot">
+          <p:childTnLst>
+            <p:seq concurrent="1" nextAc="seek">
+              <p:cTn id="2" dur="indefinite" nodeType="mainSeq">
+                <p:childTnLst>
+                  <p:par>
+                    <p:cTn id="3" fill="hold">
+                      <p:stCondLst>
+                        <p:cond delay="indefinite"/>
+                      </p:stCondLst>
+                      <p:childTnLst>
+                        <p:par>
+                          <p:cTn id="4" fill="hold">
+                            <p:stCondLst>
+                              <p:cond delay="0"/>
+                            </p:stCondLst>
+                            <p:childTnLst>
+                              <p:par>
+                                <p:cTn id="5" presetID="1" presetClass="entr" presetSubtype="0" fill="hold" nodeType="clickEffect">
+                                  <p:stCondLst>
+                                    <p:cond delay="0"/>
+                                  </p:stCondLst>
+                                  <p:childTnLst>
+                                    <p:set>
+                                      <p:cBhvr>
+                                        <p:cTn id="6" dur="1" fill="hold">
+                                          <p:stCondLst>
+                                            <p:cond delay="0"/>
+                                          </p:stCondLst>
+                                        </p:cTn>
+                                        <p:tgtEl>
+                                          <p:spTgt spid="9">
+                                            <p:txEl>
+                                              <p:pRg st="1" end="1"/>
+                                            </p:txEl>
+                                          </p:spTgt>
+                                        </p:tgtEl>
+                                        <p:attrNameLst>
+                                          <p:attrName>style.visibility</p:attrName>
+                                        </p:attrNameLst>
+                                      </p:cBhvr>
+                                      <p:to>
+                                        <p:strVal val="visible"/>
+                                      </p:to>
+                                    </p:set>
+                                  </p:childTnLst>
+                                </p:cTn>
+                              </p:par>
+                              <p:par>
+                                <p:cTn id="7" presetID="1" presetClass="entr" presetSubtype="0" fill="hold" nodeType="withEffect">
+                                  <p:stCondLst>
+                                    <p:cond delay="0"/>
+                                  </p:stCondLst>
+                                  <p:childTnLst>
+                                    <p:set>
+                                      <p:cBhvr>
+                                        <p:cTn id="8" dur="1" fill="hold">
+                                          <p:stCondLst>
+                                            <p:cond delay="0"/>
+                                          </p:stCondLst>
+                                        </p:cTn>
+                                        <p:tgtEl>
+                                          <p:spTgt spid="9">
+                                            <p:txEl>
+                                              <p:pRg st="2" end="2"/>
+                                            </p:txEl>
+                                          </p:spTgt>
+                                        </p:tgtEl>
+                                        <p:attrNameLst>
+                                          <p:attrName>style.visibility</p:attrName>
+                                        </p:attrNameLst>
+                                      </p:cBhvr>
+                                      <p:to>
+                                        <p:strVal val="visible"/>
+                                      </p:to>
+                                    </p:set>
+                                  </p:childTnLst>
+                                </p:cTn>
+                              </p:par>
+                              <p:par>
+                                <p:cTn id="9" presetID="1" presetClass="entr" presetSubtype="0" fill="hold" nodeType="withEffect">
+                                  <p:stCondLst>
+                                    <p:cond delay="0"/>
+                                  </p:stCondLst>
+                                  <p:childTnLst>
+                                    <p:set>
+                                      <p:cBhvr>
+                                        <p:cTn id="10" dur="1" fill="hold">
+                                          <p:stCondLst>
+                                            <p:cond delay="0"/>
+                                          </p:stCondLst>
+                                        </p:cTn>
+                                        <p:tgtEl>
+                                          <p:spTgt spid="9">
+                                            <p:txEl>
+                                              <p:pRg st="3" end="3"/>
+                                            </p:txEl>
+                                          </p:spTgt>
+                                        </p:tgtEl>
+                                        <p:attrNameLst>
+                                          <p:attrName>style.visibility</p:attrName>
+                                        </p:attrNameLst>
+                                      </p:cBhvr>
+                                      <p:to>
+                                        <p:strVal val="visible"/>
+                                      </p:to>
+                                    </p:set>
+                                  </p:childTnLst>
+                                </p:cTn>
+                              </p:par>
+                              <p:par>
+                                <p:cTn id="11" presetID="1" presetClass="entr" presetSubtype="0" fill="hold" nodeType="withEffect">
+                                  <p:stCondLst>
+                                    <p:cond delay="0"/>
+                                  </p:stCondLst>
+                                  <p:childTnLst>
+                                    <p:set>
+                                      <p:cBhvr>
+                                        <p:cTn id="12" dur="1" fill="hold">
+                                          <p:stCondLst>
+                                            <p:cond delay="0"/>
+                                          </p:stCondLst>
+                                        </p:cTn>
+                                        <p:tgtEl>
+                                          <p:spTgt spid="9">
+                                            <p:txEl>
+                                              <p:pRg st="4" end="4"/>
+                                            </p:txEl>
+                                          </p:spTgt>
+                                        </p:tgtEl>
+                                        <p:attrNameLst>
+                                          <p:attrName>style.visibility</p:attrName>
+                                        </p:attrNameLst>
+                                      </p:cBhvr>
+                                      <p:to>
+                                        <p:strVal val="visible"/>
+                                      </p:to>
+                                    </p:set>
+                                  </p:childTnLst>
+                                </p:cTn>
+                              </p:par>
+                              <p:par>
+                                <p:cTn id="13" presetID="1" presetClass="entr" presetSubtype="0" fill="hold" nodeType="withEffect">
+                                  <p:stCondLst>
+                                    <p:cond delay="0"/>
+                                  </p:stCondLst>
+                                  <p:childTnLst>
+                                    <p:set>
+                                      <p:cBhvr>
+                                        <p:cTn id="14" dur="1" fill="hold">
+                                          <p:stCondLst>
+                                            <p:cond delay="0"/>
+                                          </p:stCondLst>
+                                        </p:cTn>
+                                        <p:tgtEl>
+                                          <p:spTgt spid="9">
+                                            <p:txEl>
+                                              <p:pRg st="5" end="5"/>
+                                            </p:txEl>
+                                          </p:spTgt>
+                                        </p:tgtEl>
+                                        <p:attrNameLst>
+                                          <p:attrName>style.visibility</p:attrName>
+                                        </p:attrNameLst>
+                                      </p:cBhvr>
+                                      <p:to>
+                                        <p:strVal val="visible"/>
+                                      </p:to>
+                                    </p:set>
+                                  </p:childTnLst>
+                                </p:cTn>
+                              </p:par>
+                              <p:par>
+                                <p:cTn id="15" presetID="1" presetClass="entr" presetSubtype="0" fill="hold" nodeType="withEffect">
+                                  <p:stCondLst>
+                                    <p:cond delay="0"/>
+                                  </p:stCondLst>
+                                  <p:childTnLst>
+                                    <p:set>
+                                      <p:cBhvr>
+                                        <p:cTn id="16" dur="1" fill="hold">
+                                          <p:stCondLst>
+                                            <p:cond delay="0"/>
+                                          </p:stCondLst>
+                                        </p:cTn>
+                                        <p:tgtEl>
+                                          <p:spTgt spid="9">
+                                            <p:txEl>
+                                              <p:pRg st="6" end="6"/>
+                                            </p:txEl>
+                                          </p:spTgt>
+                                        </p:tgtEl>
+                                        <p:attrNameLst>
+                                          <p:attrName>style.visibility</p:attrName>
+                                        </p:attrNameLst>
+                                      </p:cBhvr>
+                                      <p:to>
+                                        <p:strVal val="visible"/>
+                                      </p:to>
+                                    </p:set>
+                                  </p:childTnLst>
+                                </p:cTn>
+                              </p:par>
+                            </p:childTnLst>
+                          </p:cTn>
+                        </p:par>
+                      </p:childTnLst>
+                    </p:cTn>
+                  </p:par>
+                  <p:par>
+                    <p:cTn id="17" fill="hold">
+                      <p:stCondLst>
+                        <p:cond delay="indefinite"/>
+                      </p:stCondLst>
+                      <p:childTnLst>
+                        <p:par>
+                          <p:cTn id="18" fill="hold">
+                            <p:stCondLst>
+                              <p:cond delay="0"/>
+                            </p:stCondLst>
+                            <p:childTnLst>
+                              <p:par>
+                                <p:cTn id="19" presetID="1" presetClass="entr" presetSubtype="0" fill="hold" nodeType="clickEffect">
+                                  <p:stCondLst>
+                                    <p:cond delay="0"/>
+                                  </p:stCondLst>
+                                  <p:childTnLst>
+                                    <p:set>
+                                      <p:cBhvr>
+                                        <p:cTn id="20" dur="1" fill="hold">
+                                          <p:stCondLst>
+                                            <p:cond delay="0"/>
+                                          </p:stCondLst>
+                                        </p:cTn>
+                                        <p:tgtEl>
+                                          <p:spTgt spid="9">
+                                            <p:txEl>
+                                              <p:pRg st="7" end="7"/>
+                                            </p:txEl>
+                                          </p:spTgt>
+                                        </p:tgtEl>
+                                        <p:attrNameLst>
+                                          <p:attrName>style.visibility</p:attrName>
+                                        </p:attrNameLst>
+                                      </p:cBhvr>
+                                      <p:to>
+                                        <p:strVal val="visible"/>
+                                      </p:to>
+                                    </p:set>
+                                  </p:childTnLst>
+                                </p:cTn>
+                              </p:par>
+                              <p:par>
+                                <p:cTn id="21" presetID="1" presetClass="entr" presetSubtype="0" fill="hold" nodeType="withEffect">
+                                  <p:stCondLst>
+                                    <p:cond delay="0"/>
+                                  </p:stCondLst>
+                                  <p:childTnLst>
+                                    <p:set>
+                                      <p:cBhvr>
+                                        <p:cTn id="22" dur="1" fill="hold">
+                                          <p:stCondLst>
+                                            <p:cond delay="0"/>
+                                          </p:stCondLst>
+                                        </p:cTn>
+                                        <p:tgtEl>
+                                          <p:spTgt spid="9">
+                                            <p:txEl>
+                                              <p:pRg st="8" end="8"/>
+                                            </p:txEl>
+                                          </p:spTgt>
+                                        </p:tgtEl>
+                                        <p:attrNameLst>
+                                          <p:attrName>style.visibility</p:attrName>
+                                        </p:attrNameLst>
+                                      </p:cBhvr>
+                                      <p:to>
+                                        <p:strVal val="visible"/>
+                                      </p:to>
+                                    </p:set>
+                                  </p:childTnLst>
+                                </p:cTn>
+                              </p:par>
+                            </p:childTnLst>
+                          </p:cTn>
+                        </p:par>
+                      </p:childTnLst>
+                    </p:cTn>
+                  </p:par>
+                  <p:par>
+                    <p:cTn id="23" fill="hold">
+                      <p:stCondLst>
+                        <p:cond delay="indefinite"/>
+                      </p:stCondLst>
+                      <p:childTnLst>
+                        <p:par>
+                          <p:cTn id="24" fill="hold">
+                            <p:stCondLst>
+                              <p:cond delay="0"/>
+                            </p:stCondLst>
+                            <p:childTnLst>
+                              <p:par>
+                                <p:cTn id="25" presetID="1" presetClass="entr" presetSubtype="0" fill="hold" nodeType="clickEffect">
+                                  <p:stCondLst>
+                                    <p:cond delay="0"/>
+                                  </p:stCondLst>
+                                  <p:childTnLst>
+                                    <p:set>
+                                      <p:cBhvr>
+                                        <p:cTn id="26" dur="1" fill="hold">
+                                          <p:stCondLst>
+                                            <p:cond delay="0"/>
+                                          </p:stCondLst>
+                                        </p:cTn>
+                                        <p:tgtEl>
+                                          <p:spTgt spid="9">
+                                            <p:txEl>
+                                              <p:pRg st="9" end="9"/>
+                                            </p:txEl>
+                                          </p:spTgt>
+                                        </p:tgtEl>
+                                        <p:attrNameLst>
+                                          <p:attrName>style.visibility</p:attrName>
+                                        </p:attrNameLst>
+                                      </p:cBhvr>
+                                      <p:to>
+                                        <p:strVal val="visible"/>
+                                      </p:to>
+                                    </p:set>
+                                  </p:childTnLst>
+                                </p:cTn>
+                              </p:par>
+                              <p:par>
+                                <p:cTn id="27" presetID="1" presetClass="entr" presetSubtype="0" fill="hold" nodeType="withEffect">
+                                  <p:stCondLst>
+                                    <p:cond delay="0"/>
+                                  </p:stCondLst>
+                                  <p:childTnLst>
+                                    <p:set>
+                                      <p:cBhvr>
+                                        <p:cTn id="28" dur="1" fill="hold">
+                                          <p:stCondLst>
+                                            <p:cond delay="0"/>
+                                          </p:stCondLst>
+                                        </p:cTn>
+                                        <p:tgtEl>
+                                          <p:spTgt spid="9">
+                                            <p:txEl>
+                                              <p:pRg st="10" end="10"/>
+                                            </p:txEl>
+                                          </p:spTgt>
+                                        </p:tgtEl>
+                                        <p:attrNameLst>
+                                          <p:attrName>style.visibility</p:attrName>
+                                        </p:attrNameLst>
+                                      </p:cBhvr>
+                                      <p:to>
+                                        <p:strVal val="visible"/>
+                                      </p:to>
+                                    </p:set>
+                                  </p:childTnLst>
+                                </p:cTn>
+                              </p:par>
+                            </p:childTnLst>
+                          </p:cTn>
+                        </p:par>
+                      </p:childTnLst>
+                    </p:cTn>
+                  </p:par>
+                  <p:par>
+                    <p:cTn id="29" fill="hold">
+                      <p:stCondLst>
+                        <p:cond delay="indefinite"/>
+                      </p:stCondLst>
+                      <p:childTnLst>
+                        <p:par>
+                          <p:cTn id="30" fill="hold">
+                            <p:stCondLst>
+                              <p:cond delay="0"/>
+                            </p:stCondLst>
+                            <p:childTnLst>
+                              <p:par>
+                                <p:cTn id="31" presetID="1" presetClass="entr" presetSubtype="0" fill="hold" grpId="0" nodeType="clickEffect">
+                                  <p:stCondLst>
+                                    <p:cond delay="0"/>
+                                  </p:stCondLst>
+                                  <p:childTnLst>
+                                    <p:set>
+                                      <p:cBhvr>
+                                        <p:cTn id="32" dur="1" fill="hold">
+                                          <p:stCondLst>
+                                            <p:cond delay="0"/>
+                                          </p:stCondLst>
+                                        </p:cTn>
+                                        <p:tgtEl>
+                                          <p:spTgt spid="3"/>
+                                        </p:tgtEl>
+                                        <p:attrNameLst>
+                                          <p:attrName>style.visibility</p:attrName>
+                                        </p:attrNameLst>
+                                      </p:cBhvr>
+                                      <p:to>
+                                        <p:strVal val="visible"/>
+                                      </p:to>
+                                    </p:set>
+                                  </p:childTnLst>
+                                </p:cTn>
+                              </p:par>
+                              <p:par>
+                                <p:cTn id="33" presetID="1" presetClass="entr" presetSubtype="0" fill="hold" nodeType="withEffect">
+                                  <p:stCondLst>
+                                    <p:cond delay="0"/>
+                                  </p:stCondLst>
+                                  <p:childTnLst>
+                                    <p:set>
+                                      <p:cBhvr>
+                                        <p:cTn id="34" dur="1" fill="hold">
+                                          <p:stCondLst>
+                                            <p:cond delay="0"/>
+                                          </p:stCondLst>
+                                        </p:cTn>
+                                        <p:tgtEl>
+                                          <p:spTgt spid="5"/>
+                                        </p:tgtEl>
+                                        <p:attrNameLst>
+                                          <p:attrName>style.visibility</p:attrName>
+                                        </p:attrNameLst>
+                                      </p:cBhvr>
+                                      <p:to>
+                                        <p:strVal val="visible"/>
+                                      </p:to>
+                                    </p:set>
+                                  </p:childTnLst>
+                                </p:cTn>
+                              </p:par>
+                            </p:childTnLst>
+                          </p:cTn>
+                        </p:par>
+                      </p:childTnLst>
+                    </p:cTn>
+                  </p:par>
+                </p:childTnLst>
+              </p:cTn>
+              <p:prevCondLst>
+                <p:cond evt="onPrev" delay="0">
+                  <p:tgtEl>
+                    <p:sldTgt/>
+                  </p:tgtEl>
+                </p:cond>
+              </p:prevCondLst>
+              <p:nextCondLst>
+                <p:cond evt="onNext" delay="0">
+                  <p:tgtEl>
+                    <p:sldTgt/>
+                  </p:tgtEl>
+                </p:cond>
+              </p:nextCondLst>
+            </p:seq>
+          </p:childTnLst>
+        </p:cTn>
+      </p:par>
+    </p:tnLst>
+    <p:bldLst>
+      <p:bldP spid="3" grpId="0"/>
+    </p:bldLst>
+  </p:timing>
 </p:sld>
 </file>
 
@@ -13431,6 +16842,530 @@
   <p:clrMapOvr>
     <a:masterClrMapping/>
   </p:clrMapOvr>
+  <p:timing>
+    <p:tnLst>
+      <p:par>
+        <p:cTn id="1" dur="indefinite" restart="never" nodeType="tmRoot">
+          <p:childTnLst>
+            <p:seq concurrent="1" nextAc="seek">
+              <p:cTn id="2" dur="indefinite" nodeType="mainSeq">
+                <p:childTnLst>
+                  <p:par>
+                    <p:cTn id="3" fill="hold">
+                      <p:stCondLst>
+                        <p:cond delay="indefinite"/>
+                      </p:stCondLst>
+                      <p:childTnLst>
+                        <p:par>
+                          <p:cTn id="4" fill="hold">
+                            <p:stCondLst>
+                              <p:cond delay="0"/>
+                            </p:stCondLst>
+                            <p:childTnLst>
+                              <p:par>
+                                <p:cTn id="5" presetID="1" presetClass="entr" presetSubtype="0" fill="hold" nodeType="clickEffect">
+                                  <p:stCondLst>
+                                    <p:cond delay="0"/>
+                                  </p:stCondLst>
+                                  <p:childTnLst>
+                                    <p:set>
+                                      <p:cBhvr>
+                                        <p:cTn id="6" dur="1" fill="hold">
+                                          <p:stCondLst>
+                                            <p:cond delay="0"/>
+                                          </p:stCondLst>
+                                        </p:cTn>
+                                        <p:tgtEl>
+                                          <p:spTgt spid="9">
+                                            <p:txEl>
+                                              <p:pRg st="1" end="1"/>
+                                            </p:txEl>
+                                          </p:spTgt>
+                                        </p:tgtEl>
+                                        <p:attrNameLst>
+                                          <p:attrName>style.visibility</p:attrName>
+                                        </p:attrNameLst>
+                                      </p:cBhvr>
+                                      <p:to>
+                                        <p:strVal val="visible"/>
+                                      </p:to>
+                                    </p:set>
+                                  </p:childTnLst>
+                                </p:cTn>
+                              </p:par>
+                              <p:par>
+                                <p:cTn id="7" presetID="1" presetClass="entr" presetSubtype="0" fill="hold" nodeType="withEffect">
+                                  <p:stCondLst>
+                                    <p:cond delay="0"/>
+                                  </p:stCondLst>
+                                  <p:childTnLst>
+                                    <p:set>
+                                      <p:cBhvr>
+                                        <p:cTn id="8" dur="1" fill="hold">
+                                          <p:stCondLst>
+                                            <p:cond delay="0"/>
+                                          </p:stCondLst>
+                                        </p:cTn>
+                                        <p:tgtEl>
+                                          <p:spTgt spid="9">
+                                            <p:txEl>
+                                              <p:pRg st="2" end="2"/>
+                                            </p:txEl>
+                                          </p:spTgt>
+                                        </p:tgtEl>
+                                        <p:attrNameLst>
+                                          <p:attrName>style.visibility</p:attrName>
+                                        </p:attrNameLst>
+                                      </p:cBhvr>
+                                      <p:to>
+                                        <p:strVal val="visible"/>
+                                      </p:to>
+                                    </p:set>
+                                  </p:childTnLst>
+                                </p:cTn>
+                              </p:par>
+                              <p:par>
+                                <p:cTn id="9" presetID="1" presetClass="entr" presetSubtype="0" fill="hold" nodeType="withEffect">
+                                  <p:stCondLst>
+                                    <p:cond delay="0"/>
+                                  </p:stCondLst>
+                                  <p:childTnLst>
+                                    <p:set>
+                                      <p:cBhvr>
+                                        <p:cTn id="10" dur="1" fill="hold">
+                                          <p:stCondLst>
+                                            <p:cond delay="0"/>
+                                          </p:stCondLst>
+                                        </p:cTn>
+                                        <p:tgtEl>
+                                          <p:spTgt spid="9">
+                                            <p:txEl>
+                                              <p:pRg st="3" end="3"/>
+                                            </p:txEl>
+                                          </p:spTgt>
+                                        </p:tgtEl>
+                                        <p:attrNameLst>
+                                          <p:attrName>style.visibility</p:attrName>
+                                        </p:attrNameLst>
+                                      </p:cBhvr>
+                                      <p:to>
+                                        <p:strVal val="visible"/>
+                                      </p:to>
+                                    </p:set>
+                                  </p:childTnLst>
+                                </p:cTn>
+                              </p:par>
+                              <p:par>
+                                <p:cTn id="11" presetID="1" presetClass="entr" presetSubtype="0" fill="hold" nodeType="withEffect">
+                                  <p:stCondLst>
+                                    <p:cond delay="0"/>
+                                  </p:stCondLst>
+                                  <p:childTnLst>
+                                    <p:set>
+                                      <p:cBhvr>
+                                        <p:cTn id="12" dur="1" fill="hold">
+                                          <p:stCondLst>
+                                            <p:cond delay="0"/>
+                                          </p:stCondLst>
+                                        </p:cTn>
+                                        <p:tgtEl>
+                                          <p:spTgt spid="9">
+                                            <p:txEl>
+                                              <p:pRg st="4" end="4"/>
+                                            </p:txEl>
+                                          </p:spTgt>
+                                        </p:tgtEl>
+                                        <p:attrNameLst>
+                                          <p:attrName>style.visibility</p:attrName>
+                                        </p:attrNameLst>
+                                      </p:cBhvr>
+                                      <p:to>
+                                        <p:strVal val="visible"/>
+                                      </p:to>
+                                    </p:set>
+                                  </p:childTnLst>
+                                </p:cTn>
+                              </p:par>
+                              <p:par>
+                                <p:cTn id="13" presetID="1" presetClass="entr" presetSubtype="0" fill="hold" nodeType="withEffect">
+                                  <p:stCondLst>
+                                    <p:cond delay="0"/>
+                                  </p:stCondLst>
+                                  <p:childTnLst>
+                                    <p:set>
+                                      <p:cBhvr>
+                                        <p:cTn id="14" dur="1" fill="hold">
+                                          <p:stCondLst>
+                                            <p:cond delay="0"/>
+                                          </p:stCondLst>
+                                        </p:cTn>
+                                        <p:tgtEl>
+                                          <p:spTgt spid="9">
+                                            <p:txEl>
+                                              <p:pRg st="5" end="5"/>
+                                            </p:txEl>
+                                          </p:spTgt>
+                                        </p:tgtEl>
+                                        <p:attrNameLst>
+                                          <p:attrName>style.visibility</p:attrName>
+                                        </p:attrNameLst>
+                                      </p:cBhvr>
+                                      <p:to>
+                                        <p:strVal val="visible"/>
+                                      </p:to>
+                                    </p:set>
+                                  </p:childTnLst>
+                                </p:cTn>
+                              </p:par>
+                              <p:par>
+                                <p:cTn id="15" presetID="1" presetClass="entr" presetSubtype="0" fill="hold" nodeType="withEffect">
+                                  <p:stCondLst>
+                                    <p:cond delay="0"/>
+                                  </p:stCondLst>
+                                  <p:childTnLst>
+                                    <p:set>
+                                      <p:cBhvr>
+                                        <p:cTn id="16" dur="1" fill="hold">
+                                          <p:stCondLst>
+                                            <p:cond delay="0"/>
+                                          </p:stCondLst>
+                                        </p:cTn>
+                                        <p:tgtEl>
+                                          <p:spTgt spid="9">
+                                            <p:txEl>
+                                              <p:pRg st="6" end="6"/>
+                                            </p:txEl>
+                                          </p:spTgt>
+                                        </p:tgtEl>
+                                        <p:attrNameLst>
+                                          <p:attrName>style.visibility</p:attrName>
+                                        </p:attrNameLst>
+                                      </p:cBhvr>
+                                      <p:to>
+                                        <p:strVal val="visible"/>
+                                      </p:to>
+                                    </p:set>
+                                  </p:childTnLst>
+                                </p:cTn>
+                              </p:par>
+                              <p:par>
+                                <p:cTn id="17" presetID="1" presetClass="entr" presetSubtype="0" fill="hold" nodeType="withEffect">
+                                  <p:stCondLst>
+                                    <p:cond delay="0"/>
+                                  </p:stCondLst>
+                                  <p:childTnLst>
+                                    <p:set>
+                                      <p:cBhvr>
+                                        <p:cTn id="18" dur="1" fill="hold">
+                                          <p:stCondLst>
+                                            <p:cond delay="0"/>
+                                          </p:stCondLst>
+                                        </p:cTn>
+                                        <p:tgtEl>
+                                          <p:spTgt spid="9">
+                                            <p:txEl>
+                                              <p:pRg st="7" end="7"/>
+                                            </p:txEl>
+                                          </p:spTgt>
+                                        </p:tgtEl>
+                                        <p:attrNameLst>
+                                          <p:attrName>style.visibility</p:attrName>
+                                        </p:attrNameLst>
+                                      </p:cBhvr>
+                                      <p:to>
+                                        <p:strVal val="visible"/>
+                                      </p:to>
+                                    </p:set>
+                                  </p:childTnLst>
+                                </p:cTn>
+                              </p:par>
+                              <p:par>
+                                <p:cTn id="19" presetID="1" presetClass="entr" presetSubtype="0" fill="hold" nodeType="withEffect">
+                                  <p:stCondLst>
+                                    <p:cond delay="0"/>
+                                  </p:stCondLst>
+                                  <p:childTnLst>
+                                    <p:set>
+                                      <p:cBhvr>
+                                        <p:cTn id="20" dur="1" fill="hold">
+                                          <p:stCondLst>
+                                            <p:cond delay="0"/>
+                                          </p:stCondLst>
+                                        </p:cTn>
+                                        <p:tgtEl>
+                                          <p:spTgt spid="9">
+                                            <p:txEl>
+                                              <p:pRg st="8" end="8"/>
+                                            </p:txEl>
+                                          </p:spTgt>
+                                        </p:tgtEl>
+                                        <p:attrNameLst>
+                                          <p:attrName>style.visibility</p:attrName>
+                                        </p:attrNameLst>
+                                      </p:cBhvr>
+                                      <p:to>
+                                        <p:strVal val="visible"/>
+                                      </p:to>
+                                    </p:set>
+                                  </p:childTnLst>
+                                </p:cTn>
+                              </p:par>
+                            </p:childTnLst>
+                          </p:cTn>
+                        </p:par>
+                      </p:childTnLst>
+                    </p:cTn>
+                  </p:par>
+                  <p:par>
+                    <p:cTn id="21" fill="hold">
+                      <p:stCondLst>
+                        <p:cond delay="indefinite"/>
+                      </p:stCondLst>
+                      <p:childTnLst>
+                        <p:par>
+                          <p:cTn id="22" fill="hold">
+                            <p:stCondLst>
+                              <p:cond delay="0"/>
+                            </p:stCondLst>
+                            <p:childTnLst>
+                              <p:par>
+                                <p:cTn id="23" presetID="1" presetClass="entr" presetSubtype="0" fill="hold" nodeType="clickEffect">
+                                  <p:stCondLst>
+                                    <p:cond delay="0"/>
+                                  </p:stCondLst>
+                                  <p:childTnLst>
+                                    <p:set>
+                                      <p:cBhvr>
+                                        <p:cTn id="24" dur="1" fill="hold">
+                                          <p:stCondLst>
+                                            <p:cond delay="0"/>
+                                          </p:stCondLst>
+                                        </p:cTn>
+                                        <p:tgtEl>
+                                          <p:spTgt spid="7"/>
+                                        </p:tgtEl>
+                                        <p:attrNameLst>
+                                          <p:attrName>style.visibility</p:attrName>
+                                        </p:attrNameLst>
+                                      </p:cBhvr>
+                                      <p:to>
+                                        <p:strVal val="visible"/>
+                                      </p:to>
+                                    </p:set>
+                                  </p:childTnLst>
+                                </p:cTn>
+                              </p:par>
+                              <p:par>
+                                <p:cTn id="25" presetID="1" presetClass="entr" presetSubtype="0" fill="hold" grpId="0" nodeType="withEffect">
+                                  <p:stCondLst>
+                                    <p:cond delay="0"/>
+                                  </p:stCondLst>
+                                  <p:childTnLst>
+                                    <p:set>
+                                      <p:cBhvr>
+                                        <p:cTn id="26" dur="1" fill="hold">
+                                          <p:stCondLst>
+                                            <p:cond delay="0"/>
+                                          </p:stCondLst>
+                                        </p:cTn>
+                                        <p:tgtEl>
+                                          <p:spTgt spid="6"/>
+                                        </p:tgtEl>
+                                        <p:attrNameLst>
+                                          <p:attrName>style.visibility</p:attrName>
+                                        </p:attrNameLst>
+                                      </p:cBhvr>
+                                      <p:to>
+                                        <p:strVal val="visible"/>
+                                      </p:to>
+                                    </p:set>
+                                  </p:childTnLst>
+                                </p:cTn>
+                              </p:par>
+                            </p:childTnLst>
+                          </p:cTn>
+                        </p:par>
+                      </p:childTnLst>
+                    </p:cTn>
+                  </p:par>
+                  <p:par>
+                    <p:cTn id="27" fill="hold">
+                      <p:stCondLst>
+                        <p:cond delay="indefinite"/>
+                      </p:stCondLst>
+                      <p:childTnLst>
+                        <p:par>
+                          <p:cTn id="28" fill="hold">
+                            <p:stCondLst>
+                              <p:cond delay="0"/>
+                            </p:stCondLst>
+                            <p:childTnLst>
+                              <p:par>
+                                <p:cTn id="29" presetID="1" presetClass="entr" presetSubtype="0" fill="hold" nodeType="clickEffect">
+                                  <p:stCondLst>
+                                    <p:cond delay="0"/>
+                                  </p:stCondLst>
+                                  <p:childTnLst>
+                                    <p:set>
+                                      <p:cBhvr>
+                                        <p:cTn id="30" dur="1" fill="hold">
+                                          <p:stCondLst>
+                                            <p:cond delay="0"/>
+                                          </p:stCondLst>
+                                        </p:cTn>
+                                        <p:tgtEl>
+                                          <p:spTgt spid="9">
+                                            <p:txEl>
+                                              <p:pRg st="9" end="9"/>
+                                            </p:txEl>
+                                          </p:spTgt>
+                                        </p:tgtEl>
+                                        <p:attrNameLst>
+                                          <p:attrName>style.visibility</p:attrName>
+                                        </p:attrNameLst>
+                                      </p:cBhvr>
+                                      <p:to>
+                                        <p:strVal val="visible"/>
+                                      </p:to>
+                                    </p:set>
+                                  </p:childTnLst>
+                                </p:cTn>
+                              </p:par>
+                              <p:par>
+                                <p:cTn id="31" presetID="1" presetClass="entr" presetSubtype="0" fill="hold" nodeType="withEffect">
+                                  <p:stCondLst>
+                                    <p:cond delay="0"/>
+                                  </p:stCondLst>
+                                  <p:childTnLst>
+                                    <p:set>
+                                      <p:cBhvr>
+                                        <p:cTn id="32" dur="1" fill="hold">
+                                          <p:stCondLst>
+                                            <p:cond delay="0"/>
+                                          </p:stCondLst>
+                                        </p:cTn>
+                                        <p:tgtEl>
+                                          <p:spTgt spid="9">
+                                            <p:txEl>
+                                              <p:pRg st="10" end="10"/>
+                                            </p:txEl>
+                                          </p:spTgt>
+                                        </p:tgtEl>
+                                        <p:attrNameLst>
+                                          <p:attrName>style.visibility</p:attrName>
+                                        </p:attrNameLst>
+                                      </p:cBhvr>
+                                      <p:to>
+                                        <p:strVal val="visible"/>
+                                      </p:to>
+                                    </p:set>
+                                  </p:childTnLst>
+                                </p:cTn>
+                              </p:par>
+                            </p:childTnLst>
+                          </p:cTn>
+                        </p:par>
+                      </p:childTnLst>
+                    </p:cTn>
+                  </p:par>
+                  <p:par>
+                    <p:cTn id="33" fill="hold">
+                      <p:stCondLst>
+                        <p:cond delay="indefinite"/>
+                      </p:stCondLst>
+                      <p:childTnLst>
+                        <p:par>
+                          <p:cTn id="34" fill="hold">
+                            <p:stCondLst>
+                              <p:cond delay="0"/>
+                            </p:stCondLst>
+                            <p:childTnLst>
+                              <p:par>
+                                <p:cTn id="35" presetID="1" presetClass="entr" presetSubtype="0" fill="hold" grpId="0" nodeType="clickEffect">
+                                  <p:stCondLst>
+                                    <p:cond delay="0"/>
+                                  </p:stCondLst>
+                                  <p:childTnLst>
+                                    <p:set>
+                                      <p:cBhvr>
+                                        <p:cTn id="36" dur="1" fill="hold">
+                                          <p:stCondLst>
+                                            <p:cond delay="0"/>
+                                          </p:stCondLst>
+                                        </p:cTn>
+                                        <p:tgtEl>
+                                          <p:spTgt spid="3"/>
+                                        </p:tgtEl>
+                                        <p:attrNameLst>
+                                          <p:attrName>style.visibility</p:attrName>
+                                        </p:attrNameLst>
+                                      </p:cBhvr>
+                                      <p:to>
+                                        <p:strVal val="visible"/>
+                                      </p:to>
+                                    </p:set>
+                                  </p:childTnLst>
+                                </p:cTn>
+                              </p:par>
+                              <p:par>
+                                <p:cTn id="37" presetID="1" presetClass="entr" presetSubtype="0" fill="hold" nodeType="withEffect">
+                                  <p:stCondLst>
+                                    <p:cond delay="0"/>
+                                  </p:stCondLst>
+                                  <p:childTnLst>
+                                    <p:set>
+                                      <p:cBhvr>
+                                        <p:cTn id="38" dur="1" fill="hold">
+                                          <p:stCondLst>
+                                            <p:cond delay="0"/>
+                                          </p:stCondLst>
+                                        </p:cTn>
+                                        <p:tgtEl>
+                                          <p:spTgt spid="5"/>
+                                        </p:tgtEl>
+                                        <p:attrNameLst>
+                                          <p:attrName>style.visibility</p:attrName>
+                                        </p:attrNameLst>
+                                      </p:cBhvr>
+                                      <p:to>
+                                        <p:strVal val="visible"/>
+                                      </p:to>
+                                    </p:set>
+                                  </p:childTnLst>
+                                </p:cTn>
+                              </p:par>
+                            </p:childTnLst>
+                          </p:cTn>
+                        </p:par>
+                      </p:childTnLst>
+                    </p:cTn>
+                  </p:par>
+                </p:childTnLst>
+              </p:cTn>
+              <p:prevCondLst>
+                <p:cond evt="onPrev" delay="0">
+                  <p:tgtEl>
+                    <p:sldTgt/>
+                  </p:tgtEl>
+                </p:cond>
+              </p:prevCondLst>
+              <p:nextCondLst>
+                <p:cond evt="onNext" delay="0">
+                  <p:tgtEl>
+                    <p:sldTgt/>
+                  </p:tgtEl>
+                </p:cond>
+              </p:nextCondLst>
+            </p:seq>
+          </p:childTnLst>
+        </p:cTn>
+      </p:par>
+    </p:tnLst>
+    <p:bldLst>
+      <p:bldP spid="3" grpId="0"/>
+      <p:bldP spid="6" grpId="0"/>
+    </p:bldLst>
+  </p:timing>
 </p:sld>
 </file>
 
@@ -13877,6 +17812,426 @@
   <p:clrMapOvr>
     <a:masterClrMapping/>
   </p:clrMapOvr>
+  <p:timing>
+    <p:tnLst>
+      <p:par>
+        <p:cTn id="1" dur="indefinite" restart="never" nodeType="tmRoot">
+          <p:childTnLst>
+            <p:seq concurrent="1" nextAc="seek">
+              <p:cTn id="2" dur="indefinite" nodeType="mainSeq">
+                <p:childTnLst>
+                  <p:par>
+                    <p:cTn id="3" fill="hold">
+                      <p:stCondLst>
+                        <p:cond delay="indefinite"/>
+                      </p:stCondLst>
+                      <p:childTnLst>
+                        <p:par>
+                          <p:cTn id="4" fill="hold">
+                            <p:stCondLst>
+                              <p:cond delay="0"/>
+                            </p:stCondLst>
+                            <p:childTnLst>
+                              <p:par>
+                                <p:cTn id="5" presetID="1" presetClass="entr" presetSubtype="0" fill="hold" nodeType="clickEffect">
+                                  <p:stCondLst>
+                                    <p:cond delay="0"/>
+                                  </p:stCondLst>
+                                  <p:childTnLst>
+                                    <p:set>
+                                      <p:cBhvr>
+                                        <p:cTn id="6" dur="1" fill="hold">
+                                          <p:stCondLst>
+                                            <p:cond delay="0"/>
+                                          </p:stCondLst>
+                                        </p:cTn>
+                                        <p:tgtEl>
+                                          <p:spTgt spid="9">
+                                            <p:txEl>
+                                              <p:pRg st="2" end="2"/>
+                                            </p:txEl>
+                                          </p:spTgt>
+                                        </p:tgtEl>
+                                        <p:attrNameLst>
+                                          <p:attrName>style.visibility</p:attrName>
+                                        </p:attrNameLst>
+                                      </p:cBhvr>
+                                      <p:to>
+                                        <p:strVal val="visible"/>
+                                      </p:to>
+                                    </p:set>
+                                  </p:childTnLst>
+                                </p:cTn>
+                              </p:par>
+                              <p:par>
+                                <p:cTn id="7" presetID="1" presetClass="entr" presetSubtype="0" fill="hold" nodeType="withEffect">
+                                  <p:stCondLst>
+                                    <p:cond delay="0"/>
+                                  </p:stCondLst>
+                                  <p:childTnLst>
+                                    <p:set>
+                                      <p:cBhvr>
+                                        <p:cTn id="8" dur="1" fill="hold">
+                                          <p:stCondLst>
+                                            <p:cond delay="0"/>
+                                          </p:stCondLst>
+                                        </p:cTn>
+                                        <p:tgtEl>
+                                          <p:spTgt spid="9">
+                                            <p:txEl>
+                                              <p:pRg st="3" end="3"/>
+                                            </p:txEl>
+                                          </p:spTgt>
+                                        </p:tgtEl>
+                                        <p:attrNameLst>
+                                          <p:attrName>style.visibility</p:attrName>
+                                        </p:attrNameLst>
+                                      </p:cBhvr>
+                                      <p:to>
+                                        <p:strVal val="visible"/>
+                                      </p:to>
+                                    </p:set>
+                                  </p:childTnLst>
+                                </p:cTn>
+                              </p:par>
+                              <p:par>
+                                <p:cTn id="9" presetID="1" presetClass="entr" presetSubtype="0" fill="hold" nodeType="withEffect">
+                                  <p:stCondLst>
+                                    <p:cond delay="0"/>
+                                  </p:stCondLst>
+                                  <p:childTnLst>
+                                    <p:set>
+                                      <p:cBhvr>
+                                        <p:cTn id="10" dur="1" fill="hold">
+                                          <p:stCondLst>
+                                            <p:cond delay="0"/>
+                                          </p:stCondLst>
+                                        </p:cTn>
+                                        <p:tgtEl>
+                                          <p:spTgt spid="9">
+                                            <p:txEl>
+                                              <p:pRg st="4" end="4"/>
+                                            </p:txEl>
+                                          </p:spTgt>
+                                        </p:tgtEl>
+                                        <p:attrNameLst>
+                                          <p:attrName>style.visibility</p:attrName>
+                                        </p:attrNameLst>
+                                      </p:cBhvr>
+                                      <p:to>
+                                        <p:strVal val="visible"/>
+                                      </p:to>
+                                    </p:set>
+                                  </p:childTnLst>
+                                </p:cTn>
+                              </p:par>
+                              <p:par>
+                                <p:cTn id="11" presetID="1" presetClass="entr" presetSubtype="0" fill="hold" nodeType="withEffect">
+                                  <p:stCondLst>
+                                    <p:cond delay="0"/>
+                                  </p:stCondLst>
+                                  <p:childTnLst>
+                                    <p:set>
+                                      <p:cBhvr>
+                                        <p:cTn id="12" dur="1" fill="hold">
+                                          <p:stCondLst>
+                                            <p:cond delay="0"/>
+                                          </p:stCondLst>
+                                        </p:cTn>
+                                        <p:tgtEl>
+                                          <p:spTgt spid="9">
+                                            <p:txEl>
+                                              <p:pRg st="5" end="5"/>
+                                            </p:txEl>
+                                          </p:spTgt>
+                                        </p:tgtEl>
+                                        <p:attrNameLst>
+                                          <p:attrName>style.visibility</p:attrName>
+                                        </p:attrNameLst>
+                                      </p:cBhvr>
+                                      <p:to>
+                                        <p:strVal val="visible"/>
+                                      </p:to>
+                                    </p:set>
+                                  </p:childTnLst>
+                                </p:cTn>
+                              </p:par>
+                              <p:par>
+                                <p:cTn id="13" presetID="1" presetClass="entr" presetSubtype="0" fill="hold" nodeType="withEffect">
+                                  <p:stCondLst>
+                                    <p:cond delay="0"/>
+                                  </p:stCondLst>
+                                  <p:childTnLst>
+                                    <p:set>
+                                      <p:cBhvr>
+                                        <p:cTn id="14" dur="1" fill="hold">
+                                          <p:stCondLst>
+                                            <p:cond delay="0"/>
+                                          </p:stCondLst>
+                                        </p:cTn>
+                                        <p:tgtEl>
+                                          <p:spTgt spid="9">
+                                            <p:txEl>
+                                              <p:pRg st="6" end="6"/>
+                                            </p:txEl>
+                                          </p:spTgt>
+                                        </p:tgtEl>
+                                        <p:attrNameLst>
+                                          <p:attrName>style.visibility</p:attrName>
+                                        </p:attrNameLst>
+                                      </p:cBhvr>
+                                      <p:to>
+                                        <p:strVal val="visible"/>
+                                      </p:to>
+                                    </p:set>
+                                  </p:childTnLst>
+                                </p:cTn>
+                              </p:par>
+                              <p:par>
+                                <p:cTn id="15" presetID="1" presetClass="entr" presetSubtype="0" fill="hold" nodeType="withEffect">
+                                  <p:stCondLst>
+                                    <p:cond delay="0"/>
+                                  </p:stCondLst>
+                                  <p:childTnLst>
+                                    <p:set>
+                                      <p:cBhvr>
+                                        <p:cTn id="16" dur="1" fill="hold">
+                                          <p:stCondLst>
+                                            <p:cond delay="0"/>
+                                          </p:stCondLst>
+                                        </p:cTn>
+                                        <p:tgtEl>
+                                          <p:spTgt spid="9">
+                                            <p:txEl>
+                                              <p:pRg st="7" end="7"/>
+                                            </p:txEl>
+                                          </p:spTgt>
+                                        </p:tgtEl>
+                                        <p:attrNameLst>
+                                          <p:attrName>style.visibility</p:attrName>
+                                        </p:attrNameLst>
+                                      </p:cBhvr>
+                                      <p:to>
+                                        <p:strVal val="visible"/>
+                                      </p:to>
+                                    </p:set>
+                                  </p:childTnLst>
+                                </p:cTn>
+                              </p:par>
+                              <p:par>
+                                <p:cTn id="17" presetID="1" presetClass="entr" presetSubtype="0" fill="hold" nodeType="withEffect">
+                                  <p:stCondLst>
+                                    <p:cond delay="0"/>
+                                  </p:stCondLst>
+                                  <p:childTnLst>
+                                    <p:set>
+                                      <p:cBhvr>
+                                        <p:cTn id="18" dur="1" fill="hold">
+                                          <p:stCondLst>
+                                            <p:cond delay="0"/>
+                                          </p:stCondLst>
+                                        </p:cTn>
+                                        <p:tgtEl>
+                                          <p:spTgt spid="9">
+                                            <p:txEl>
+                                              <p:pRg st="8" end="8"/>
+                                            </p:txEl>
+                                          </p:spTgt>
+                                        </p:tgtEl>
+                                        <p:attrNameLst>
+                                          <p:attrName>style.visibility</p:attrName>
+                                        </p:attrNameLst>
+                                      </p:cBhvr>
+                                      <p:to>
+                                        <p:strVal val="visible"/>
+                                      </p:to>
+                                    </p:set>
+                                  </p:childTnLst>
+                                </p:cTn>
+                              </p:par>
+                            </p:childTnLst>
+                          </p:cTn>
+                        </p:par>
+                      </p:childTnLst>
+                    </p:cTn>
+                  </p:par>
+                  <p:par>
+                    <p:cTn id="19" fill="hold">
+                      <p:stCondLst>
+                        <p:cond delay="indefinite"/>
+                      </p:stCondLst>
+                      <p:childTnLst>
+                        <p:par>
+                          <p:cTn id="20" fill="hold">
+                            <p:stCondLst>
+                              <p:cond delay="0"/>
+                            </p:stCondLst>
+                            <p:childTnLst>
+                              <p:par>
+                                <p:cTn id="21" presetID="1" presetClass="entr" presetSubtype="0" fill="hold" nodeType="clickEffect">
+                                  <p:stCondLst>
+                                    <p:cond delay="0"/>
+                                  </p:stCondLst>
+                                  <p:childTnLst>
+                                    <p:set>
+                                      <p:cBhvr>
+                                        <p:cTn id="22" dur="1" fill="hold">
+                                          <p:stCondLst>
+                                            <p:cond delay="0"/>
+                                          </p:stCondLst>
+                                        </p:cTn>
+                                        <p:tgtEl>
+                                          <p:spTgt spid="9">
+                                            <p:txEl>
+                                              <p:pRg st="9" end="9"/>
+                                            </p:txEl>
+                                          </p:spTgt>
+                                        </p:tgtEl>
+                                        <p:attrNameLst>
+                                          <p:attrName>style.visibility</p:attrName>
+                                        </p:attrNameLst>
+                                      </p:cBhvr>
+                                      <p:to>
+                                        <p:strVal val="visible"/>
+                                      </p:to>
+                                    </p:set>
+                                  </p:childTnLst>
+                                </p:cTn>
+                              </p:par>
+                              <p:par>
+                                <p:cTn id="23" presetID="1" presetClass="entr" presetSubtype="0" fill="hold" nodeType="withEffect">
+                                  <p:stCondLst>
+                                    <p:cond delay="0"/>
+                                  </p:stCondLst>
+                                  <p:childTnLst>
+                                    <p:set>
+                                      <p:cBhvr>
+                                        <p:cTn id="24" dur="1" fill="hold">
+                                          <p:stCondLst>
+                                            <p:cond delay="0"/>
+                                          </p:stCondLst>
+                                        </p:cTn>
+                                        <p:tgtEl>
+                                          <p:spTgt spid="9">
+                                            <p:txEl>
+                                              <p:pRg st="10" end="10"/>
+                                            </p:txEl>
+                                          </p:spTgt>
+                                        </p:tgtEl>
+                                        <p:attrNameLst>
+                                          <p:attrName>style.visibility</p:attrName>
+                                        </p:attrNameLst>
+                                      </p:cBhvr>
+                                      <p:to>
+                                        <p:strVal val="visible"/>
+                                      </p:to>
+                                    </p:set>
+                                  </p:childTnLst>
+                                </p:cTn>
+                              </p:par>
+                            </p:childTnLst>
+                          </p:cTn>
+                        </p:par>
+                      </p:childTnLst>
+                    </p:cTn>
+                  </p:par>
+                  <p:par>
+                    <p:cTn id="25" fill="hold">
+                      <p:stCondLst>
+                        <p:cond delay="indefinite"/>
+                      </p:stCondLst>
+                      <p:childTnLst>
+                        <p:par>
+                          <p:cTn id="26" fill="hold">
+                            <p:stCondLst>
+                              <p:cond delay="0"/>
+                            </p:stCondLst>
+                            <p:childTnLst>
+                              <p:par>
+                                <p:cTn id="27" presetID="1" presetClass="entr" presetSubtype="0" fill="hold" grpId="0" nodeType="clickEffect">
+                                  <p:stCondLst>
+                                    <p:cond delay="0"/>
+                                  </p:stCondLst>
+                                  <p:childTnLst>
+                                    <p:set>
+                                      <p:cBhvr>
+                                        <p:cTn id="28" dur="1" fill="hold">
+                                          <p:stCondLst>
+                                            <p:cond delay="0"/>
+                                          </p:stCondLst>
+                                        </p:cTn>
+                                        <p:tgtEl>
+                                          <p:spTgt spid="8"/>
+                                        </p:tgtEl>
+                                        <p:attrNameLst>
+                                          <p:attrName>style.visibility</p:attrName>
+                                        </p:attrNameLst>
+                                      </p:cBhvr>
+                                      <p:to>
+                                        <p:strVal val="visible"/>
+                                      </p:to>
+                                    </p:set>
+                                  </p:childTnLst>
+                                </p:cTn>
+                              </p:par>
+                              <p:par>
+                                <p:cTn id="29" presetID="1" presetClass="entr" presetSubtype="0" fill="hold" nodeType="withEffect">
+                                  <p:stCondLst>
+                                    <p:cond delay="0"/>
+                                  </p:stCondLst>
+                                  <p:childTnLst>
+                                    <p:set>
+                                      <p:cBhvr>
+                                        <p:cTn id="30" dur="1" fill="hold">
+                                          <p:stCondLst>
+                                            <p:cond delay="0"/>
+                                          </p:stCondLst>
+                                        </p:cTn>
+                                        <p:tgtEl>
+                                          <p:spTgt spid="10"/>
+                                        </p:tgtEl>
+                                        <p:attrNameLst>
+                                          <p:attrName>style.visibility</p:attrName>
+                                        </p:attrNameLst>
+                                      </p:cBhvr>
+                                      <p:to>
+                                        <p:strVal val="visible"/>
+                                      </p:to>
+                                    </p:set>
+                                  </p:childTnLst>
+                                </p:cTn>
+                              </p:par>
+                            </p:childTnLst>
+                          </p:cTn>
+                        </p:par>
+                      </p:childTnLst>
+                    </p:cTn>
+                  </p:par>
+                </p:childTnLst>
+              </p:cTn>
+              <p:prevCondLst>
+                <p:cond evt="onPrev" delay="0">
+                  <p:tgtEl>
+                    <p:sldTgt/>
+                  </p:tgtEl>
+                </p:cond>
+              </p:prevCondLst>
+              <p:nextCondLst>
+                <p:cond evt="onNext" delay="0">
+                  <p:tgtEl>
+                    <p:sldTgt/>
+                  </p:tgtEl>
+                </p:cond>
+              </p:nextCondLst>
+            </p:seq>
+          </p:childTnLst>
+        </p:cTn>
+      </p:par>
+    </p:tnLst>
+    <p:bldLst>
+      <p:bldP spid="8" grpId="0"/>
+    </p:bldLst>
+  </p:timing>
 </p:sld>
 </file>
 

--- a/courses/apcsp/lect10.pptx
+++ b/courses/apcsp/lect10.pptx
@@ -5,7 +5,7 @@
     <p:sldMasterId id="2147483791" r:id="rId1"/>
   </p:sldMasterIdLst>
   <p:notesMasterIdLst>
-    <p:notesMasterId r:id="rId22"/>
+    <p:notesMasterId r:id="rId23"/>
   </p:notesMasterIdLst>
   <p:sldIdLst>
     <p:sldId id="256" r:id="rId2"/>
@@ -28,6 +28,7 @@
     <p:sldId id="616" r:id="rId19"/>
     <p:sldId id="617" r:id="rId20"/>
     <p:sldId id="618" r:id="rId21"/>
+    <p:sldId id="284" r:id="rId22"/>
   </p:sldIdLst>
   <p:sldSz cx="9144000" cy="5715000" type="screen16x10"/>
   <p:notesSz cx="6858000" cy="9144000"/>
@@ -137,7 +138,7 @@
 <file path=ppt/revisionInfo.xml><?xml version="1.0" encoding="utf-8"?>
 <p1510:revInfo xmlns:a="http://schemas.openxmlformats.org/drawingml/2006/main" xmlns:r="http://schemas.openxmlformats.org/officeDocument/2006/relationships" xmlns:p1510="http://schemas.microsoft.com/office/powerpoint/2015/10/main">
   <p1510:revLst>
-    <p1510:client id="{4780D5B9-29B1-5B45-A483-4E94D3514570}" v="2083" dt="2020-07-24T02:17:54.553"/>
+    <p1510:client id="{4780D5B9-29B1-5B45-A483-4E94D3514570}" v="2084" dt="2020-07-24T02:32:24.812"/>
   </p1510:revLst>
 </p1510:revInfo>
 </file>
@@ -434,7 +435,7 @@
   <pc:docChgLst>
     <pc:chgData name="Long B Nguyen" userId="f59fb8f3-a021-417a-8bc1-65c8d471c621" providerId="ADAL" clId="{4780D5B9-29B1-5B45-A483-4E94D3514570}"/>
     <pc:docChg chg="undo custSel addSld delSld modSld">
-      <pc:chgData name="Long B Nguyen" userId="f59fb8f3-a021-417a-8bc1-65c8d471c621" providerId="ADAL" clId="{4780D5B9-29B1-5B45-A483-4E94D3514570}" dt="2020-07-24T02:19:29.462" v="5078" actId="2696"/>
+      <pc:chgData name="Long B Nguyen" userId="f59fb8f3-a021-417a-8bc1-65c8d471c621" providerId="ADAL" clId="{4780D5B9-29B1-5B45-A483-4E94D3514570}" dt="2020-07-24T02:34:47.242" v="5197" actId="20577"/>
       <pc:docMkLst>
         <pc:docMk/>
       </pc:docMkLst>
@@ -482,6 +483,21 @@
           <pc:sldMk cId="3413963464" sldId="269"/>
         </pc:sldMkLst>
       </pc:sldChg>
+      <pc:sldChg chg="modSp add">
+        <pc:chgData name="Long B Nguyen" userId="f59fb8f3-a021-417a-8bc1-65c8d471c621" providerId="ADAL" clId="{4780D5B9-29B1-5B45-A483-4E94D3514570}" dt="2020-07-24T02:33:43.088" v="5196" actId="20577"/>
+        <pc:sldMkLst>
+          <pc:docMk/>
+          <pc:sldMk cId="274644920" sldId="284"/>
+        </pc:sldMkLst>
+        <pc:spChg chg="mod">
+          <ac:chgData name="Long B Nguyen" userId="f59fb8f3-a021-417a-8bc1-65c8d471c621" providerId="ADAL" clId="{4780D5B9-29B1-5B45-A483-4E94D3514570}" dt="2020-07-24T02:33:43.088" v="5196" actId="20577"/>
+          <ac:spMkLst>
+            <pc:docMk/>
+            <pc:sldMk cId="274644920" sldId="284"/>
+            <ac:spMk id="9" creationId="{E3B2E017-30B2-884B-A113-B419A2ED51AD}"/>
+          </ac:spMkLst>
+        </pc:spChg>
+      </pc:sldChg>
       <pc:sldChg chg="del">
         <pc:chgData name="Long B Nguyen" userId="f59fb8f3-a021-417a-8bc1-65c8d471c621" providerId="ADAL" clId="{4780D5B9-29B1-5B45-A483-4E94D3514570}" dt="2020-07-23T13:47:38.013" v="26" actId="2696"/>
         <pc:sldMkLst>
@@ -497,13 +513,13 @@
         </pc:sldMkLst>
       </pc:sldChg>
       <pc:sldChg chg="modSp">
-        <pc:chgData name="Long B Nguyen" userId="f59fb8f3-a021-417a-8bc1-65c8d471c621" providerId="ADAL" clId="{4780D5B9-29B1-5B45-A483-4E94D3514570}" dt="2020-07-23T13:48:24.865" v="139" actId="20577"/>
+        <pc:chgData name="Long B Nguyen" userId="f59fb8f3-a021-417a-8bc1-65c8d471c621" providerId="ADAL" clId="{4780D5B9-29B1-5B45-A483-4E94D3514570}" dt="2020-07-24T02:34:47.242" v="5197" actId="20577"/>
         <pc:sldMkLst>
           <pc:docMk/>
           <pc:sldMk cId="131840209" sldId="286"/>
         </pc:sldMkLst>
         <pc:spChg chg="mod">
-          <ac:chgData name="Long B Nguyen" userId="f59fb8f3-a021-417a-8bc1-65c8d471c621" providerId="ADAL" clId="{4780D5B9-29B1-5B45-A483-4E94D3514570}" dt="2020-07-23T13:48:24.865" v="139" actId="20577"/>
+          <ac:chgData name="Long B Nguyen" userId="f59fb8f3-a021-417a-8bc1-65c8d471c621" providerId="ADAL" clId="{4780D5B9-29B1-5B45-A483-4E94D3514570}" dt="2020-07-24T02:34:47.242" v="5197" actId="20577"/>
           <ac:spMkLst>
             <pc:docMk/>
             <pc:sldMk cId="131840209" sldId="286"/>
@@ -22521,42 +22537,6 @@
             <a:pPr marL="457200" indent="-457200">
               <a:buAutoNum type="arabicParenR"/>
             </a:pPr>
-            <a:r>
-              <a:rPr lang="en-US" dirty="0">
-                <a:latin typeface="Gill Sans MT" panose="020B0502020104020203" pitchFamily="34" charset="77"/>
-              </a:rPr>
-              <a:t>pandas</a:t>
-            </a:r>
-          </a:p>
-          <a:p>
-            <a:pPr marL="800100" lvl="1" indent="-457200">
-              <a:buAutoNum type="arabicParenR"/>
-            </a:pPr>
-            <a:r>
-              <a:rPr lang="en-US" dirty="0">
-                <a:latin typeface="Gill Sans MT" panose="020B0502020104020203" pitchFamily="34" charset="77"/>
-              </a:rPr>
-              <a:t>Series</a:t>
-            </a:r>
-          </a:p>
-          <a:p>
-            <a:pPr marL="800100" lvl="1" indent="-457200">
-              <a:buAutoNum type="arabicParenR"/>
-            </a:pPr>
-            <a:r>
-              <a:rPr lang="en-US" dirty="0" err="1">
-                <a:latin typeface="Gill Sans MT" panose="020B0502020104020203" pitchFamily="34" charset="77"/>
-              </a:rPr>
-              <a:t>Dataframe</a:t>
-            </a:r>
-            <a:endParaRPr lang="en-US" dirty="0">
-              <a:latin typeface="Gill Sans MT" panose="020B0502020104020203" pitchFamily="34" charset="77"/>
-            </a:endParaRPr>
-          </a:p>
-          <a:p>
-            <a:pPr marL="457200" indent="-457200">
-              <a:buAutoNum type="arabicParenR"/>
-            </a:pPr>
             <a:endParaRPr lang="en-US" dirty="0">
               <a:latin typeface="Gill Sans MT" panose="020B0502020104020203" pitchFamily="34" charset="77"/>
             </a:endParaRPr>
@@ -24024,6 +24004,141 @@
       </p:par>
     </p:tnLst>
   </p:timing>
+</p:sld>
+</file>
+
+<file path=ppt/slides/slide21.xml><?xml version="1.0" encoding="utf-8"?>
+<p:sld xmlns:a="http://schemas.openxmlformats.org/drawingml/2006/main" xmlns:r="http://schemas.openxmlformats.org/officeDocument/2006/relationships" xmlns:p="http://schemas.openxmlformats.org/presentationml/2006/main">
+  <p:cSld>
+    <p:spTree>
+      <p:nvGrpSpPr>
+        <p:cNvPr id="1" name=""/>
+        <p:cNvGrpSpPr/>
+        <p:nvPr/>
+      </p:nvGrpSpPr>
+      <p:grpSpPr>
+        <a:xfrm>
+          <a:off x="0" y="0"/>
+          <a:ext cx="0" cy="0"/>
+          <a:chOff x="0" y="0"/>
+          <a:chExt cx="0" cy="0"/>
+        </a:xfrm>
+      </p:grpSpPr>
+      <p:sp>
+        <p:nvSpPr>
+          <p:cNvPr id="2" name="Title 1">
+            <a:extLst>
+              <a:ext uri="{FF2B5EF4-FFF2-40B4-BE49-F238E27FC236}">
+                <a16:creationId xmlns:a16="http://schemas.microsoft.com/office/drawing/2014/main" id="{AA3A228F-61D0-D949-A5E7-F83756230BF8}"/>
+              </a:ext>
+            </a:extLst>
+          </p:cNvPr>
+          <p:cNvSpPr>
+            <a:spLocks noGrp="1"/>
+          </p:cNvSpPr>
+          <p:nvPr>
+            <p:ph type="title"/>
+          </p:nvPr>
+        </p:nvSpPr>
+        <p:spPr>
+          <a:xfrm>
+            <a:off x="483848" y="467027"/>
+            <a:ext cx="7053542" cy="683886"/>
+          </a:xfrm>
+        </p:spPr>
+        <p:txBody>
+          <a:bodyPr/>
+          <a:lstStyle/>
+          <a:p>
+            <a:r>
+              <a:rPr lang="en-US" dirty="0"/>
+              <a:t>References</a:t>
+            </a:r>
+          </a:p>
+        </p:txBody>
+      </p:sp>
+      <p:sp>
+        <p:nvSpPr>
+          <p:cNvPr id="9" name="Content Placeholder 8">
+            <a:extLst>
+              <a:ext uri="{FF2B5EF4-FFF2-40B4-BE49-F238E27FC236}">
+                <a16:creationId xmlns:a16="http://schemas.microsoft.com/office/drawing/2014/main" id="{E3B2E017-30B2-884B-A113-B419A2ED51AD}"/>
+              </a:ext>
+            </a:extLst>
+          </p:cNvPr>
+          <p:cNvSpPr>
+            <a:spLocks noGrp="1"/>
+          </p:cNvSpPr>
+          <p:nvPr>
+            <p:ph idx="1"/>
+          </p:nvPr>
+        </p:nvSpPr>
+        <p:spPr>
+          <a:xfrm>
+            <a:off x="483848" y="1150913"/>
+            <a:ext cx="8051725" cy="4440590"/>
+          </a:xfrm>
+        </p:spPr>
+        <p:txBody>
+          <a:bodyPr>
+            <a:noAutofit/>
+          </a:bodyPr>
+          <a:lstStyle/>
+          <a:p>
+            <a:pPr marL="0" indent="0">
+              <a:buNone/>
+            </a:pPr>
+            <a:endParaRPr lang="en-US" dirty="0"/>
+          </a:p>
+          <a:p>
+            <a:pPr marL="0" indent="0">
+              <a:buNone/>
+            </a:pPr>
+            <a:endParaRPr lang="en-US" dirty="0"/>
+          </a:p>
+          <a:p>
+            <a:pPr marL="457200" indent="-457200">
+              <a:buAutoNum type="arabicParenR"/>
+            </a:pPr>
+            <a:r>
+              <a:rPr lang="en-US" dirty="0"/>
+              <a:t>Paul </a:t>
+            </a:r>
+            <a:r>
+              <a:rPr lang="en-US" dirty="0" err="1"/>
+              <a:t>Deitel</a:t>
+            </a:r>
+            <a:r>
+              <a:rPr lang="en-US" dirty="0"/>
+              <a:t>, Harvey </a:t>
+            </a:r>
+            <a:r>
+              <a:rPr lang="en-US" dirty="0" err="1"/>
+              <a:t>Deitel</a:t>
+            </a:r>
+            <a:r>
+              <a:rPr lang="en-US" dirty="0"/>
+              <a:t>. Intro to Python for Computer Science and Data Science, Pearson. </a:t>
+            </a:r>
+          </a:p>
+          <a:p>
+            <a:pPr marL="0" indent="0">
+              <a:buNone/>
+            </a:pPr>
+            <a:endParaRPr lang="en-US" dirty="0"/>
+          </a:p>
+        </p:txBody>
+      </p:sp>
+    </p:spTree>
+    <p:extLst>
+      <p:ext uri="{BB962C8B-B14F-4D97-AF65-F5344CB8AC3E}">
+        <p14:creationId xmlns:p14="http://schemas.microsoft.com/office/powerpoint/2010/main" val="274644920"/>
+      </p:ext>
+    </p:extLst>
+  </p:cSld>
+  <p:clrMapOvr>
+    <a:masterClrMapping/>
+  </p:clrMapOvr>
 </p:sld>
 </file>
 
